--- a/w9/w9-s4-av-slide1.pptx
+++ b/w9/w9-s4-av-slide1.pptx
@@ -5,10 +5,10 @@
     <p:sldMasterId id="2147483649" r:id="rId1"/>
   </p:sldMasterIdLst>
   <p:notesMasterIdLst>
-    <p:notesMasterId r:id="rId26"/>
+    <p:notesMasterId r:id="rId29"/>
   </p:notesMasterIdLst>
   <p:handoutMasterIdLst>
-    <p:handoutMasterId r:id="rId27"/>
+    <p:handoutMasterId r:id="rId30"/>
   </p:handoutMasterIdLst>
   <p:sldIdLst>
     <p:sldId id="256" r:id="rId2"/>
@@ -26,15 +26,18 @@
     <p:sldId id="276" r:id="rId14"/>
     <p:sldId id="272" r:id="rId15"/>
     <p:sldId id="271" r:id="rId16"/>
-    <p:sldId id="278" r:id="rId17"/>
-    <p:sldId id="280" r:id="rId18"/>
-    <p:sldId id="289" r:id="rId19"/>
-    <p:sldId id="282" r:id="rId20"/>
-    <p:sldId id="283" r:id="rId21"/>
-    <p:sldId id="285" r:id="rId22"/>
-    <p:sldId id="286" r:id="rId23"/>
-    <p:sldId id="290" r:id="rId24"/>
-    <p:sldId id="291" r:id="rId25"/>
+    <p:sldId id="292" r:id="rId17"/>
+    <p:sldId id="278" r:id="rId18"/>
+    <p:sldId id="280" r:id="rId19"/>
+    <p:sldId id="289" r:id="rId20"/>
+    <p:sldId id="282" r:id="rId21"/>
+    <p:sldId id="283" r:id="rId22"/>
+    <p:sldId id="285" r:id="rId23"/>
+    <p:sldId id="286" r:id="rId24"/>
+    <p:sldId id="290" r:id="rId25"/>
+    <p:sldId id="291" r:id="rId26"/>
+    <p:sldId id="293" r:id="rId27"/>
+    <p:sldId id="294" r:id="rId28"/>
   </p:sldIdLst>
   <p:sldSz cx="12192000" cy="6858000"/>
   <p:notesSz cx="7099300" cy="10234613"/>
@@ -183,6 +186,7 @@
             <p14:sldId id="276"/>
             <p14:sldId id="272"/>
             <p14:sldId id="271"/>
+            <p14:sldId id="292"/>
             <p14:sldId id="278"/>
             <p14:sldId id="280"/>
             <p14:sldId id="289"/>
@@ -192,6 +196,8 @@
             <p14:sldId id="286"/>
             <p14:sldId id="290"/>
             <p14:sldId id="291"/>
+            <p14:sldId id="293"/>
+            <p14:sldId id="294"/>
           </p14:sldIdLst>
         </p14:section>
       </p14:sectionLst>
@@ -2110,7 +2116,7 @@
               <a:pPr>
                 <a:defRPr/>
               </a:pPr>
-              <a:t>16</a:t>
+              <a:t>17</a:t>
             </a:fld>
             <a:endParaRPr lang="en-US"/>
           </a:p>
@@ -2210,7 +2216,7 @@
               <a:pPr>
                 <a:defRPr/>
               </a:pPr>
-              <a:t>17</a:t>
+              <a:t>18</a:t>
             </a:fld>
             <a:endParaRPr lang="en-US"/>
           </a:p>
@@ -2310,7 +2316,7 @@
               <a:pPr>
                 <a:defRPr/>
               </a:pPr>
-              <a:t>18</a:t>
+              <a:t>19</a:t>
             </a:fld>
             <a:endParaRPr lang="en-US"/>
           </a:p>
@@ -2410,7 +2416,7 @@
               <a:pPr>
                 <a:defRPr/>
               </a:pPr>
-              <a:t>19</a:t>
+              <a:t>20</a:t>
             </a:fld>
             <a:endParaRPr lang="en-US"/>
           </a:p>
@@ -2518,7 +2524,7 @@
               <a:pPr>
                 <a:defRPr/>
               </a:pPr>
-              <a:t>20</a:t>
+              <a:t>21</a:t>
             </a:fld>
             <a:endParaRPr lang="en-US"/>
           </a:p>
@@ -2649,7 +2655,7 @@
               <a:pPr>
                 <a:defRPr/>
               </a:pPr>
-              <a:t>21</a:t>
+              <a:t>22</a:t>
             </a:fld>
             <a:endParaRPr lang="en-US"/>
           </a:p>
@@ -2916,7 +2922,7 @@
               <a:pPr>
                 <a:defRPr/>
               </a:pPr>
-              <a:t>22</a:t>
+              <a:t>23</a:t>
             </a:fld>
             <a:endParaRPr lang="en-US"/>
           </a:p>
@@ -3168,7 +3174,7 @@
               <a:pPr>
                 <a:defRPr/>
               </a:pPr>
-              <a:t>23</a:t>
+              <a:t>24</a:t>
             </a:fld>
             <a:endParaRPr lang="en-US"/>
           </a:p>
@@ -3310,7 +3316,7 @@
               <a:pPr>
                 <a:defRPr/>
               </a:pPr>
-              <a:t>24</a:t>
+              <a:t>25</a:t>
             </a:fld>
             <a:endParaRPr lang="en-US"/>
           </a:p>
@@ -9699,6 +9705,1363 @@
       </p:grpSpPr>
       <p:sp>
         <p:nvSpPr>
+          <p:cNvPr id="7" name="ZoneTexte 6"/>
+          <p:cNvSpPr txBox="1"/>
+          <p:nvPr/>
+        </p:nvSpPr>
+        <p:spPr>
+          <a:xfrm>
+            <a:off x="4174065" y="4056554"/>
+            <a:ext cx="2031999" cy="769441"/>
+          </a:xfrm>
+          <a:prstGeom prst="rect">
+            <a:avLst/>
+          </a:prstGeom>
+          <a:noFill/>
+          <a:ln w="50800">
+            <a:solidFill>
+              <a:schemeClr val="tx1"/>
+            </a:solidFill>
+          </a:ln>
+        </p:spPr>
+        <p:txBody>
+          <a:bodyPr wrap="square" rtlCol="0">
+            <a:spAutoFit/>
+          </a:bodyPr>
+          <a:lstStyle/>
+          <a:p>
+            <a:pPr algn="ctr"/>
+            <a:r>
+              <a:rPr lang="fr-FR" sz="4400" dirty="0" smtClean="0">
+                <a:latin typeface="Calibri" panose="020F0502020204030204" pitchFamily="34" charset="0"/>
+                <a:cs typeface="Calibri" panose="020F0502020204030204" pitchFamily="34" charset="0"/>
+              </a:rPr>
+              <a:t>class C</a:t>
+            </a:r>
+            <a:endParaRPr lang="fr-FR" sz="4400" dirty="0">
+              <a:latin typeface="Calibri" panose="020F0502020204030204" pitchFamily="34" charset="0"/>
+              <a:cs typeface="Calibri" panose="020F0502020204030204" pitchFamily="34" charset="0"/>
+            </a:endParaRPr>
+          </a:p>
+        </p:txBody>
+      </p:sp>
+      <p:sp>
+        <p:nvSpPr>
+          <p:cNvPr id="9" name="ZoneTexte 8"/>
+          <p:cNvSpPr txBox="1"/>
+          <p:nvPr/>
+        </p:nvSpPr>
+        <p:spPr>
+          <a:xfrm>
+            <a:off x="4174065" y="2397088"/>
+            <a:ext cx="2031999" cy="769441"/>
+          </a:xfrm>
+          <a:prstGeom prst="rect">
+            <a:avLst/>
+          </a:prstGeom>
+          <a:noFill/>
+          <a:ln w="50800">
+            <a:solidFill>
+              <a:schemeClr val="tx1"/>
+            </a:solidFill>
+          </a:ln>
+        </p:spPr>
+        <p:txBody>
+          <a:bodyPr wrap="square" rtlCol="0">
+            <a:spAutoFit/>
+          </a:bodyPr>
+          <a:lstStyle/>
+          <a:p>
+            <a:pPr algn="ctr"/>
+            <a:r>
+              <a:rPr lang="fr-FR" sz="4400" dirty="0" smtClean="0">
+                <a:latin typeface="Calibri" panose="020F0502020204030204" pitchFamily="34" charset="0"/>
+                <a:cs typeface="Calibri" panose="020F0502020204030204" pitchFamily="34" charset="0"/>
+              </a:rPr>
+              <a:t>class B</a:t>
+            </a:r>
+            <a:endParaRPr lang="fr-FR" sz="4400" dirty="0">
+              <a:latin typeface="Calibri" panose="020F0502020204030204" pitchFamily="34" charset="0"/>
+              <a:cs typeface="Calibri" panose="020F0502020204030204" pitchFamily="34" charset="0"/>
+            </a:endParaRPr>
+          </a:p>
+        </p:txBody>
+      </p:sp>
+      <p:sp>
+        <p:nvSpPr>
+          <p:cNvPr id="10" name="ZoneTexte 9"/>
+          <p:cNvSpPr txBox="1"/>
+          <p:nvPr/>
+        </p:nvSpPr>
+        <p:spPr>
+          <a:xfrm>
+            <a:off x="4174066" y="737621"/>
+            <a:ext cx="2031999" cy="769441"/>
+          </a:xfrm>
+          <a:prstGeom prst="rect">
+            <a:avLst/>
+          </a:prstGeom>
+          <a:noFill/>
+          <a:ln w="50800">
+            <a:solidFill>
+              <a:schemeClr val="tx1"/>
+            </a:solidFill>
+          </a:ln>
+        </p:spPr>
+        <p:txBody>
+          <a:bodyPr wrap="square" rtlCol="0">
+            <a:spAutoFit/>
+          </a:bodyPr>
+          <a:lstStyle/>
+          <a:p>
+            <a:pPr algn="ctr"/>
+            <a:r>
+              <a:rPr lang="fr-FR" sz="4400" dirty="0" err="1" smtClean="0">
+                <a:latin typeface="Calibri" panose="020F0502020204030204" pitchFamily="34" charset="0"/>
+                <a:cs typeface="Calibri" panose="020F0502020204030204" pitchFamily="34" charset="0"/>
+              </a:rPr>
+              <a:t>object</a:t>
+            </a:r>
+            <a:endParaRPr lang="fr-FR" sz="4400" dirty="0">
+              <a:latin typeface="Calibri" panose="020F0502020204030204" pitchFamily="34" charset="0"/>
+              <a:cs typeface="Calibri" panose="020F0502020204030204" pitchFamily="34" charset="0"/>
+            </a:endParaRPr>
+          </a:p>
+        </p:txBody>
+      </p:sp>
+      <p:sp>
+        <p:nvSpPr>
+          <p:cNvPr id="11" name="ZoneTexte 10"/>
+          <p:cNvSpPr txBox="1"/>
+          <p:nvPr/>
+        </p:nvSpPr>
+        <p:spPr>
+          <a:xfrm>
+            <a:off x="3352796" y="5716020"/>
+            <a:ext cx="3674536" cy="769441"/>
+          </a:xfrm>
+          <a:prstGeom prst="rect">
+            <a:avLst/>
+          </a:prstGeom>
+          <a:noFill/>
+          <a:ln w="50800">
+            <a:solidFill>
+              <a:schemeClr val="tx1"/>
+            </a:solidFill>
+          </a:ln>
+        </p:spPr>
+        <p:txBody>
+          <a:bodyPr wrap="square" rtlCol="0">
+            <a:spAutoFit/>
+          </a:bodyPr>
+          <a:lstStyle/>
+          <a:p>
+            <a:pPr algn="ctr"/>
+            <a:r>
+              <a:rPr lang="fr-FR" sz="4400" dirty="0">
+                <a:latin typeface="Calibri" panose="020F0502020204030204" pitchFamily="34" charset="0"/>
+                <a:cs typeface="Calibri" panose="020F0502020204030204" pitchFamily="34" charset="0"/>
+              </a:rPr>
+              <a:t>i</a:t>
+            </a:r>
+            <a:r>
+              <a:rPr lang="fr-FR" sz="4400" dirty="0" smtClean="0">
+                <a:latin typeface="Calibri" panose="020F0502020204030204" pitchFamily="34" charset="0"/>
+                <a:cs typeface="Calibri" panose="020F0502020204030204" pitchFamily="34" charset="0"/>
+              </a:rPr>
+              <a:t>nstance de C</a:t>
+            </a:r>
+            <a:endParaRPr lang="fr-FR" sz="4400" dirty="0">
+              <a:latin typeface="Calibri" panose="020F0502020204030204" pitchFamily="34" charset="0"/>
+              <a:cs typeface="Calibri" panose="020F0502020204030204" pitchFamily="34" charset="0"/>
+            </a:endParaRPr>
+          </a:p>
+        </p:txBody>
+      </p:sp>
+      <p:sp>
+        <p:nvSpPr>
+          <p:cNvPr id="12" name="ZoneTexte 11"/>
+          <p:cNvSpPr txBox="1"/>
+          <p:nvPr/>
+        </p:nvSpPr>
+        <p:spPr>
+          <a:xfrm>
+            <a:off x="770463" y="730175"/>
+            <a:ext cx="2031999" cy="769441"/>
+          </a:xfrm>
+          <a:prstGeom prst="rect">
+            <a:avLst/>
+          </a:prstGeom>
+          <a:noFill/>
+          <a:ln w="50800">
+            <a:solidFill>
+              <a:schemeClr val="tx1"/>
+            </a:solidFill>
+          </a:ln>
+        </p:spPr>
+        <p:txBody>
+          <a:bodyPr wrap="square" rtlCol="0">
+            <a:spAutoFit/>
+          </a:bodyPr>
+          <a:lstStyle/>
+          <a:p>
+            <a:pPr algn="ctr"/>
+            <a:r>
+              <a:rPr lang="fr-FR" sz="4400" dirty="0" smtClean="0">
+                <a:latin typeface="Calibri" panose="020F0502020204030204" pitchFamily="34" charset="0"/>
+                <a:cs typeface="Calibri" panose="020F0502020204030204" pitchFamily="34" charset="0"/>
+              </a:rPr>
+              <a:t>type</a:t>
+            </a:r>
+            <a:endParaRPr lang="fr-FR" sz="4400" dirty="0">
+              <a:latin typeface="Calibri" panose="020F0502020204030204" pitchFamily="34" charset="0"/>
+              <a:cs typeface="Calibri" panose="020F0502020204030204" pitchFamily="34" charset="0"/>
+            </a:endParaRPr>
+          </a:p>
+        </p:txBody>
+      </p:sp>
+      <p:cxnSp>
+        <p:nvCxnSpPr>
+          <p:cNvPr id="14" name="Connecteur droit avec flèche 13"/>
+          <p:cNvCxnSpPr>
+            <a:stCxn id="11" idx="0"/>
+            <a:endCxn id="7" idx="2"/>
+          </p:cNvCxnSpPr>
+          <p:nvPr/>
+        </p:nvCxnSpPr>
+        <p:spPr bwMode="auto">
+          <a:xfrm flipV="1">
+            <a:off x="5190064" y="4825995"/>
+            <a:ext cx="1" cy="890025"/>
+          </a:xfrm>
+          <a:prstGeom prst="straightConnector1">
+            <a:avLst/>
+          </a:prstGeom>
+          <a:noFill/>
+          <a:ln w="38100" cap="flat" cmpd="sng" algn="ctr">
+            <a:solidFill>
+              <a:srgbClr val="00B050"/>
+            </a:solidFill>
+            <a:prstDash val="solid"/>
+            <a:round/>
+            <a:headEnd type="none" w="med" len="med"/>
+            <a:tailEnd type="triangle" w="lg" len="lg"/>
+          </a:ln>
+          <a:effectLst/>
+        </p:spPr>
+      </p:cxnSp>
+      <p:sp>
+        <p:nvSpPr>
+          <p:cNvPr id="15" name="Forme libre 14"/>
+          <p:cNvSpPr/>
+          <p:nvPr/>
+        </p:nvSpPr>
+        <p:spPr bwMode="auto">
+          <a:xfrm>
+            <a:off x="1028292" y="1501698"/>
+            <a:ext cx="3120376" cy="2917902"/>
+          </a:xfrm>
+          <a:custGeom>
+            <a:avLst/>
+            <a:gdLst>
+              <a:gd name="connsiteX0" fmla="*/ 2776539 w 2776539"/>
+              <a:gd name="connsiteY0" fmla="*/ 2895600 h 2895600"/>
+              <a:gd name="connsiteX1" fmla="*/ 202672 w 2776539"/>
+              <a:gd name="connsiteY1" fmla="*/ 2133600 h 2895600"/>
+              <a:gd name="connsiteX2" fmla="*/ 355072 w 2776539"/>
+              <a:gd name="connsiteY2" fmla="*/ 0 h 2895600"/>
+              <a:gd name="connsiteX0" fmla="*/ 3209577 w 3209577"/>
+              <a:gd name="connsiteY0" fmla="*/ 2884448 h 2884448"/>
+              <a:gd name="connsiteX1" fmla="*/ 635710 w 3209577"/>
+              <a:gd name="connsiteY1" fmla="*/ 2122448 h 2884448"/>
+              <a:gd name="connsiteX2" fmla="*/ 107886 w 3209577"/>
+              <a:gd name="connsiteY2" fmla="*/ 0 h 2884448"/>
+              <a:gd name="connsiteX0" fmla="*/ 3130433 w 3130433"/>
+              <a:gd name="connsiteY0" fmla="*/ 2884448 h 2884448"/>
+              <a:gd name="connsiteX1" fmla="*/ 556566 w 3130433"/>
+              <a:gd name="connsiteY1" fmla="*/ 2122448 h 2884448"/>
+              <a:gd name="connsiteX2" fmla="*/ 28742 w 3130433"/>
+              <a:gd name="connsiteY2" fmla="*/ 0 h 2884448"/>
+              <a:gd name="connsiteX0" fmla="*/ 3120376 w 3120376"/>
+              <a:gd name="connsiteY0" fmla="*/ 2917902 h 2917902"/>
+              <a:gd name="connsiteX1" fmla="*/ 546509 w 3120376"/>
+              <a:gd name="connsiteY1" fmla="*/ 2155902 h 2917902"/>
+              <a:gd name="connsiteX2" fmla="*/ 29837 w 3120376"/>
+              <a:gd name="connsiteY2" fmla="*/ 0 h 2917902"/>
+            </a:gdLst>
+            <a:ahLst/>
+            <a:cxnLst>
+              <a:cxn ang="0">
+                <a:pos x="connsiteX0" y="connsiteY0"/>
+              </a:cxn>
+              <a:cxn ang="0">
+                <a:pos x="connsiteX1" y="connsiteY1"/>
+              </a:cxn>
+              <a:cxn ang="0">
+                <a:pos x="connsiteX2" y="connsiteY2"/>
+              </a:cxn>
+            </a:cxnLst>
+            <a:rect l="l" t="t" r="r" b="b"/>
+            <a:pathLst>
+              <a:path w="3120376" h="2917902">
+                <a:moveTo>
+                  <a:pt x="3120376" y="2917902"/>
+                </a:moveTo>
+                <a:cubicBezTo>
+                  <a:pt x="2035231" y="2778202"/>
+                  <a:pt x="1061599" y="2642219"/>
+                  <a:pt x="546509" y="2155902"/>
+                </a:cubicBezTo>
+                <a:cubicBezTo>
+                  <a:pt x="31419" y="1669585"/>
+                  <a:pt x="-58582" y="814349"/>
+                  <a:pt x="29837" y="0"/>
+                </a:cubicBezTo>
+              </a:path>
+            </a:pathLst>
+          </a:custGeom>
+          <a:noFill/>
+          <a:ln w="38100" cap="flat" cmpd="sng" algn="ctr">
+            <a:solidFill>
+              <a:srgbClr val="00B050"/>
+            </a:solidFill>
+            <a:prstDash val="solid"/>
+            <a:round/>
+            <a:headEnd type="none" w="med" len="med"/>
+            <a:tailEnd type="triangle" w="lg" len="lg"/>
+          </a:ln>
+          <a:effectLst/>
+        </p:spPr>
+        <p:txBody>
+          <a:bodyPr rtlCol="0" anchor="ctr"/>
+          <a:lstStyle/>
+          <a:p>
+            <a:pPr algn="ctr"/>
+            <a:endParaRPr lang="fr-FR"/>
+          </a:p>
+        </p:txBody>
+      </p:sp>
+      <p:sp>
+        <p:nvSpPr>
+          <p:cNvPr id="17" name="Forme libre 16"/>
+          <p:cNvSpPr/>
+          <p:nvPr/>
+        </p:nvSpPr>
+        <p:spPr bwMode="auto">
+          <a:xfrm>
+            <a:off x="1523883" y="1516566"/>
+            <a:ext cx="2646673" cy="1260088"/>
+          </a:xfrm>
+          <a:custGeom>
+            <a:avLst/>
+            <a:gdLst>
+              <a:gd name="connsiteX0" fmla="*/ 2646673 w 2646673"/>
+              <a:gd name="connsiteY0" fmla="*/ 1260088 h 1260088"/>
+              <a:gd name="connsiteX1" fmla="*/ 394127 w 2646673"/>
+              <a:gd name="connsiteY1" fmla="*/ 869795 h 1260088"/>
+              <a:gd name="connsiteX2" fmla="*/ 14985 w 2646673"/>
+              <a:gd name="connsiteY2" fmla="*/ 0 h 1260088"/>
+            </a:gdLst>
+            <a:ahLst/>
+            <a:cxnLst>
+              <a:cxn ang="0">
+                <a:pos x="connsiteX0" y="connsiteY0"/>
+              </a:cxn>
+              <a:cxn ang="0">
+                <a:pos x="connsiteX1" y="connsiteY1"/>
+              </a:cxn>
+              <a:cxn ang="0">
+                <a:pos x="connsiteX2" y="connsiteY2"/>
+              </a:cxn>
+            </a:cxnLst>
+            <a:rect l="l" t="t" r="r" b="b"/>
+            <a:pathLst>
+              <a:path w="2646673" h="1260088">
+                <a:moveTo>
+                  <a:pt x="2646673" y="1260088"/>
+                </a:moveTo>
+                <a:cubicBezTo>
+                  <a:pt x="1739707" y="1169949"/>
+                  <a:pt x="832742" y="1079810"/>
+                  <a:pt x="394127" y="869795"/>
+                </a:cubicBezTo>
+                <a:cubicBezTo>
+                  <a:pt x="-44488" y="659780"/>
+                  <a:pt x="-14752" y="329890"/>
+                  <a:pt x="14985" y="0"/>
+                </a:cubicBezTo>
+              </a:path>
+            </a:pathLst>
+          </a:custGeom>
+          <a:noFill/>
+          <a:ln w="38100" cap="flat" cmpd="sng" algn="ctr">
+            <a:solidFill>
+              <a:srgbClr val="00B050"/>
+            </a:solidFill>
+            <a:prstDash val="solid"/>
+            <a:round/>
+            <a:headEnd type="none" w="med" len="med"/>
+            <a:tailEnd type="triangle" w="lg" len="lg"/>
+          </a:ln>
+          <a:effectLst/>
+        </p:spPr>
+        <p:txBody>
+          <a:bodyPr rtlCol="0" anchor="ctr"/>
+          <a:lstStyle/>
+          <a:p>
+            <a:pPr algn="ctr"/>
+            <a:endParaRPr lang="fr-FR"/>
+          </a:p>
+        </p:txBody>
+      </p:sp>
+      <p:cxnSp>
+        <p:nvCxnSpPr>
+          <p:cNvPr id="21" name="Connecteur droit avec flèche 20"/>
+          <p:cNvCxnSpPr/>
+          <p:nvPr/>
+        </p:nvCxnSpPr>
+        <p:spPr bwMode="auto">
+          <a:xfrm flipH="1" flipV="1">
+            <a:off x="2802462" y="1271013"/>
+            <a:ext cx="1371604" cy="7446"/>
+          </a:xfrm>
+          <a:prstGeom prst="straightConnector1">
+            <a:avLst/>
+          </a:prstGeom>
+          <a:noFill/>
+          <a:ln w="38100" cap="flat" cmpd="sng" algn="ctr">
+            <a:solidFill>
+              <a:srgbClr val="00B050"/>
+            </a:solidFill>
+            <a:prstDash val="solid"/>
+            <a:round/>
+            <a:headEnd type="none" w="med" len="med"/>
+            <a:tailEnd type="triangle" w="lg" len="lg"/>
+          </a:ln>
+          <a:effectLst/>
+        </p:spPr>
+      </p:cxnSp>
+      <p:sp>
+        <p:nvSpPr>
+          <p:cNvPr id="22" name="Forme libre 21"/>
+          <p:cNvSpPr/>
+          <p:nvPr/>
+        </p:nvSpPr>
+        <p:spPr bwMode="auto">
+          <a:xfrm>
+            <a:off x="215201" y="215106"/>
+            <a:ext cx="1838853" cy="866562"/>
+          </a:xfrm>
+          <a:custGeom>
+            <a:avLst/>
+            <a:gdLst>
+              <a:gd name="connsiteX0" fmla="*/ 565384 w 1838853"/>
+              <a:gd name="connsiteY0" fmla="*/ 866562 h 866562"/>
+              <a:gd name="connsiteX1" fmla="*/ 52428 w 1838853"/>
+              <a:gd name="connsiteY1" fmla="*/ 141733 h 866562"/>
+              <a:gd name="connsiteX2" fmla="*/ 1691658 w 1838853"/>
+              <a:gd name="connsiteY2" fmla="*/ 30221 h 866562"/>
+              <a:gd name="connsiteX3" fmla="*/ 1658204 w 1838853"/>
+              <a:gd name="connsiteY3" fmla="*/ 520874 h 866562"/>
+            </a:gdLst>
+            <a:ahLst/>
+            <a:cxnLst>
+              <a:cxn ang="0">
+                <a:pos x="connsiteX0" y="connsiteY0"/>
+              </a:cxn>
+              <a:cxn ang="0">
+                <a:pos x="connsiteX1" y="connsiteY1"/>
+              </a:cxn>
+              <a:cxn ang="0">
+                <a:pos x="connsiteX2" y="connsiteY2"/>
+              </a:cxn>
+              <a:cxn ang="0">
+                <a:pos x="connsiteX3" y="connsiteY3"/>
+              </a:cxn>
+            </a:cxnLst>
+            <a:rect l="l" t="t" r="r" b="b"/>
+            <a:pathLst>
+              <a:path w="1838853" h="866562">
+                <a:moveTo>
+                  <a:pt x="565384" y="866562"/>
+                </a:moveTo>
+                <a:cubicBezTo>
+                  <a:pt x="215050" y="573842"/>
+                  <a:pt x="-135284" y="281123"/>
+                  <a:pt x="52428" y="141733"/>
+                </a:cubicBezTo>
+                <a:cubicBezTo>
+                  <a:pt x="240140" y="2343"/>
+                  <a:pt x="1424029" y="-32969"/>
+                  <a:pt x="1691658" y="30221"/>
+                </a:cubicBezTo>
+                <a:cubicBezTo>
+                  <a:pt x="1959287" y="93411"/>
+                  <a:pt x="1808745" y="307142"/>
+                  <a:pt x="1658204" y="520874"/>
+                </a:cubicBezTo>
+              </a:path>
+            </a:pathLst>
+          </a:custGeom>
+          <a:noFill/>
+          <a:ln w="38100" cap="flat" cmpd="sng" algn="ctr">
+            <a:solidFill>
+              <a:srgbClr val="00B050"/>
+            </a:solidFill>
+            <a:prstDash val="solid"/>
+            <a:round/>
+            <a:headEnd type="none" w="med" len="med"/>
+            <a:tailEnd type="triangle" w="lg" len="lg"/>
+          </a:ln>
+          <a:effectLst/>
+        </p:spPr>
+        <p:txBody>
+          <a:bodyPr rtlCol="0" anchor="ctr"/>
+          <a:lstStyle/>
+          <a:p>
+            <a:pPr algn="ctr"/>
+            <a:endParaRPr lang="fr-FR"/>
+          </a:p>
+        </p:txBody>
+      </p:sp>
+      <p:cxnSp>
+        <p:nvCxnSpPr>
+          <p:cNvPr id="24" name="Connecteur droit avec flèche 23"/>
+          <p:cNvCxnSpPr>
+            <a:stCxn id="7" idx="0"/>
+            <a:endCxn id="9" idx="2"/>
+          </p:cNvCxnSpPr>
+          <p:nvPr/>
+        </p:nvCxnSpPr>
+        <p:spPr bwMode="auto">
+          <a:xfrm flipV="1">
+            <a:off x="5190065" y="3166529"/>
+            <a:ext cx="0" cy="890025"/>
+          </a:xfrm>
+          <a:prstGeom prst="straightConnector1">
+            <a:avLst/>
+          </a:prstGeom>
+          <a:noFill/>
+          <a:ln w="38100" cap="flat" cmpd="sng" algn="ctr">
+            <a:solidFill>
+              <a:srgbClr val="FF0000"/>
+            </a:solidFill>
+            <a:prstDash val="solid"/>
+            <a:round/>
+            <a:headEnd type="none" w="med" len="med"/>
+            <a:tailEnd type="triangle" w="lg" len="lg"/>
+          </a:ln>
+          <a:effectLst/>
+        </p:spPr>
+      </p:cxnSp>
+      <p:cxnSp>
+        <p:nvCxnSpPr>
+          <p:cNvPr id="26" name="Connecteur droit avec flèche 25"/>
+          <p:cNvCxnSpPr>
+            <a:stCxn id="9" idx="0"/>
+            <a:endCxn id="10" idx="2"/>
+          </p:cNvCxnSpPr>
+          <p:nvPr/>
+        </p:nvCxnSpPr>
+        <p:spPr bwMode="auto">
+          <a:xfrm flipV="1">
+            <a:off x="5190065" y="1507062"/>
+            <a:ext cx="1" cy="890026"/>
+          </a:xfrm>
+          <a:prstGeom prst="straightConnector1">
+            <a:avLst/>
+          </a:prstGeom>
+          <a:noFill/>
+          <a:ln w="38100" cap="flat" cmpd="sng" algn="ctr">
+            <a:solidFill>
+              <a:srgbClr val="FF0000"/>
+            </a:solidFill>
+            <a:prstDash val="solid"/>
+            <a:round/>
+            <a:headEnd type="none" w="med" len="med"/>
+            <a:tailEnd type="triangle" w="lg" len="lg"/>
+          </a:ln>
+          <a:effectLst/>
+        </p:spPr>
+      </p:cxnSp>
+      <p:cxnSp>
+        <p:nvCxnSpPr>
+          <p:cNvPr id="28" name="Connecteur droit avec flèche 27"/>
+          <p:cNvCxnSpPr/>
+          <p:nvPr/>
+        </p:nvCxnSpPr>
+        <p:spPr bwMode="auto">
+          <a:xfrm>
+            <a:off x="2802462" y="959005"/>
+            <a:ext cx="1368094" cy="11151"/>
+          </a:xfrm>
+          <a:prstGeom prst="straightConnector1">
+            <a:avLst/>
+          </a:prstGeom>
+          <a:noFill/>
+          <a:ln w="38100" cap="flat" cmpd="sng" algn="ctr">
+            <a:solidFill>
+              <a:srgbClr val="FF0000"/>
+            </a:solidFill>
+            <a:prstDash val="solid"/>
+            <a:round/>
+            <a:headEnd type="none" w="med" len="med"/>
+            <a:tailEnd type="triangle" w="lg" len="lg"/>
+          </a:ln>
+          <a:effectLst/>
+        </p:spPr>
+      </p:cxnSp>
+      <p:grpSp>
+        <p:nvGrpSpPr>
+          <p:cNvPr id="40" name="Groupe 39"/>
+          <p:cNvGrpSpPr/>
+          <p:nvPr/>
+        </p:nvGrpSpPr>
+        <p:grpSpPr>
+          <a:xfrm>
+            <a:off x="-5600" y="5111834"/>
+            <a:ext cx="2808062" cy="1540459"/>
+            <a:chOff x="-79356" y="4560281"/>
+            <a:chExt cx="2808062" cy="1540459"/>
+          </a:xfrm>
+        </p:grpSpPr>
+        <p:cxnSp>
+          <p:nvCxnSpPr>
+            <p:cNvPr id="30" name="Connecteur droit avec flèche 29"/>
+            <p:cNvCxnSpPr/>
+            <p:nvPr/>
+          </p:nvCxnSpPr>
+          <p:spPr bwMode="auto">
+            <a:xfrm>
+              <a:off x="301084" y="5097940"/>
+              <a:ext cx="2118732" cy="0"/>
+            </a:xfrm>
+            <a:prstGeom prst="straightConnector1">
+              <a:avLst/>
+            </a:prstGeom>
+            <a:noFill/>
+            <a:ln w="38100" cap="flat" cmpd="sng" algn="ctr">
+              <a:solidFill>
+                <a:srgbClr val="00B050"/>
+              </a:solidFill>
+              <a:prstDash val="solid"/>
+              <a:round/>
+              <a:headEnd type="none" w="med" len="med"/>
+              <a:tailEnd type="triangle" w="lg" len="lg"/>
+            </a:ln>
+            <a:effectLst/>
+          </p:spPr>
+        </p:cxnSp>
+        <p:sp>
+          <p:nvSpPr>
+            <p:cNvPr id="31" name="ZoneTexte 30"/>
+            <p:cNvSpPr txBox="1"/>
+            <p:nvPr/>
+          </p:nvSpPr>
+          <p:spPr>
+            <a:xfrm>
+              <a:off x="-50219" y="4560281"/>
+              <a:ext cx="2778925" cy="523220"/>
+            </a:xfrm>
+            <a:prstGeom prst="rect">
+              <a:avLst/>
+            </a:prstGeom>
+            <a:noFill/>
+            <a:ln w="50800">
+              <a:noFill/>
+            </a:ln>
+          </p:spPr>
+          <p:txBody>
+            <a:bodyPr wrap="square" rtlCol="0">
+              <a:spAutoFit/>
+            </a:bodyPr>
+            <a:lstStyle/>
+            <a:p>
+              <a:pPr algn="ctr"/>
+              <a:r>
+                <a:rPr lang="fr-FR" sz="2800" dirty="0">
+                  <a:latin typeface="Calibri" panose="020F0502020204030204" pitchFamily="34" charset="0"/>
+                  <a:cs typeface="Calibri" panose="020F0502020204030204" pitchFamily="34" charset="0"/>
+                </a:rPr>
+                <a:t>i</a:t>
+              </a:r>
+              <a:r>
+                <a:rPr lang="fr-FR" sz="2800" dirty="0" smtClean="0">
+                  <a:latin typeface="Calibri" panose="020F0502020204030204" pitchFamily="34" charset="0"/>
+                  <a:cs typeface="Calibri" panose="020F0502020204030204" pitchFamily="34" charset="0"/>
+                </a:rPr>
+                <a:t>nstancié par</a:t>
+              </a:r>
+            </a:p>
+          </p:txBody>
+        </p:sp>
+        <p:cxnSp>
+          <p:nvCxnSpPr>
+            <p:cNvPr id="37" name="Connecteur droit avec flèche 36"/>
+            <p:cNvCxnSpPr/>
+            <p:nvPr/>
+          </p:nvCxnSpPr>
+          <p:spPr bwMode="auto">
+            <a:xfrm>
+              <a:off x="301084" y="5874808"/>
+              <a:ext cx="2118732" cy="0"/>
+            </a:xfrm>
+            <a:prstGeom prst="straightConnector1">
+              <a:avLst/>
+            </a:prstGeom>
+            <a:noFill/>
+            <a:ln w="38100" cap="flat" cmpd="sng" algn="ctr">
+              <a:solidFill>
+                <a:srgbClr val="FF0000"/>
+              </a:solidFill>
+              <a:prstDash val="solid"/>
+              <a:round/>
+              <a:headEnd type="none" w="med" len="med"/>
+              <a:tailEnd type="triangle" w="lg" len="lg"/>
+            </a:ln>
+            <a:effectLst/>
+          </p:spPr>
+        </p:cxnSp>
+        <p:sp>
+          <p:nvSpPr>
+            <p:cNvPr id="38" name="ZoneTexte 37"/>
+            <p:cNvSpPr txBox="1"/>
+            <p:nvPr/>
+          </p:nvSpPr>
+          <p:spPr>
+            <a:xfrm>
+              <a:off x="-79356" y="5328538"/>
+              <a:ext cx="2778925" cy="523220"/>
+            </a:xfrm>
+            <a:prstGeom prst="rect">
+              <a:avLst/>
+            </a:prstGeom>
+            <a:noFill/>
+            <a:ln w="50800">
+              <a:noFill/>
+            </a:ln>
+          </p:spPr>
+          <p:txBody>
+            <a:bodyPr wrap="square" rtlCol="0">
+              <a:spAutoFit/>
+            </a:bodyPr>
+            <a:lstStyle/>
+            <a:p>
+              <a:pPr algn="ctr"/>
+              <a:r>
+                <a:rPr lang="fr-FR" sz="2800" dirty="0" smtClean="0">
+                  <a:latin typeface="Calibri" panose="020F0502020204030204" pitchFamily="34" charset="0"/>
+                  <a:cs typeface="Calibri" panose="020F0502020204030204" pitchFamily="34" charset="0"/>
+                </a:rPr>
+                <a:t>hérite de</a:t>
+              </a:r>
+            </a:p>
+          </p:txBody>
+        </p:sp>
+        <p:sp>
+          <p:nvSpPr>
+            <p:cNvPr id="39" name="Rectangle à coins arrondis 38"/>
+            <p:cNvSpPr/>
+            <p:nvPr/>
+          </p:nvSpPr>
+          <p:spPr bwMode="auto">
+            <a:xfrm>
+              <a:off x="89210" y="4574720"/>
+              <a:ext cx="2499270" cy="1526020"/>
+            </a:xfrm>
+            <a:prstGeom prst="roundRect">
+              <a:avLst/>
+            </a:prstGeom>
+            <a:noFill/>
+            <a:ln w="38100" cap="flat" cmpd="sng" algn="ctr">
+              <a:solidFill>
+                <a:schemeClr val="tx1"/>
+              </a:solidFill>
+              <a:prstDash val="solid"/>
+              <a:round/>
+              <a:headEnd type="none" w="med" len="med"/>
+              <a:tailEnd type="triangle" w="lg" len="lg"/>
+            </a:ln>
+            <a:effectLst/>
+          </p:spPr>
+          <p:txBody>
+            <a:bodyPr rot="0" spcFirstLastPara="0" vertOverflow="overflow" horzOverflow="overflow" vert="horz" wrap="square" lIns="91440" tIns="45720" rIns="91440" bIns="45720" numCol="1" spcCol="0" rtlCol="0" fromWordArt="0" anchor="ctr" anchorCtr="0" forceAA="0" compatLnSpc="1">
+              <a:prstTxWarp prst="textNoShape">
+                <a:avLst/>
+              </a:prstTxWarp>
+              <a:noAutofit/>
+            </a:bodyPr>
+            <a:lstStyle/>
+            <a:p>
+              <a:pPr algn="ctr"/>
+              <a:endParaRPr lang="fr-FR"/>
+            </a:p>
+          </p:txBody>
+        </p:sp>
+      </p:grpSp>
+    </p:spTree>
+    <p:extLst>
+      <p:ext uri="{BB962C8B-B14F-4D97-AF65-F5344CB8AC3E}">
+        <p14:creationId xmlns:p14="http://schemas.microsoft.com/office/powerpoint/2010/main" val="702389453"/>
+      </p:ext>
+    </p:extLst>
+  </p:cSld>
+  <p:clrMapOvr>
+    <a:masterClrMapping/>
+  </p:clrMapOvr>
+  <p:timing>
+    <p:tnLst>
+      <p:par>
+        <p:cTn id="1" dur="indefinite" restart="never" nodeType="tmRoot">
+          <p:childTnLst>
+            <p:seq concurrent="1" nextAc="seek">
+              <p:cTn id="2" dur="indefinite" nodeType="mainSeq">
+                <p:childTnLst>
+                  <p:par>
+                    <p:cTn id="3" fill="hold">
+                      <p:stCondLst>
+                        <p:cond delay="indefinite"/>
+                      </p:stCondLst>
+                      <p:childTnLst>
+                        <p:par>
+                          <p:cTn id="4" fill="hold">
+                            <p:stCondLst>
+                              <p:cond delay="0"/>
+                            </p:stCondLst>
+                            <p:childTnLst>
+                              <p:par>
+                                <p:cTn id="5" presetID="10" presetClass="entr" presetSubtype="0" fill="hold" nodeType="clickEffect">
+                                  <p:stCondLst>
+                                    <p:cond delay="0"/>
+                                  </p:stCondLst>
+                                  <p:childTnLst>
+                                    <p:set>
+                                      <p:cBhvr>
+                                        <p:cTn id="6" dur="1" fill="hold">
+                                          <p:stCondLst>
+                                            <p:cond delay="0"/>
+                                          </p:stCondLst>
+                                        </p:cTn>
+                                        <p:tgtEl>
+                                          <p:spTgt spid="28"/>
+                                        </p:tgtEl>
+                                        <p:attrNameLst>
+                                          <p:attrName>style.visibility</p:attrName>
+                                        </p:attrNameLst>
+                                      </p:cBhvr>
+                                      <p:to>
+                                        <p:strVal val="visible"/>
+                                      </p:to>
+                                    </p:set>
+                                    <p:animEffect transition="in" filter="fade">
+                                      <p:cBhvr>
+                                        <p:cTn id="7" dur="500"/>
+                                        <p:tgtEl>
+                                          <p:spTgt spid="28"/>
+                                        </p:tgtEl>
+                                      </p:cBhvr>
+                                    </p:animEffect>
+                                  </p:childTnLst>
+                                </p:cTn>
+                              </p:par>
+                            </p:childTnLst>
+                          </p:cTn>
+                        </p:par>
+                      </p:childTnLst>
+                    </p:cTn>
+                  </p:par>
+                  <p:par>
+                    <p:cTn id="8" fill="hold">
+                      <p:stCondLst>
+                        <p:cond delay="indefinite"/>
+                      </p:stCondLst>
+                      <p:childTnLst>
+                        <p:par>
+                          <p:cTn id="9" fill="hold">
+                            <p:stCondLst>
+                              <p:cond delay="0"/>
+                            </p:stCondLst>
+                            <p:childTnLst>
+                              <p:par>
+                                <p:cTn id="10" presetID="10" presetClass="entr" presetSubtype="0" fill="hold" nodeType="clickEffect">
+                                  <p:stCondLst>
+                                    <p:cond delay="0"/>
+                                  </p:stCondLst>
+                                  <p:childTnLst>
+                                    <p:set>
+                                      <p:cBhvr>
+                                        <p:cTn id="11" dur="1" fill="hold">
+                                          <p:stCondLst>
+                                            <p:cond delay="0"/>
+                                          </p:stCondLst>
+                                        </p:cTn>
+                                        <p:tgtEl>
+                                          <p:spTgt spid="21"/>
+                                        </p:tgtEl>
+                                        <p:attrNameLst>
+                                          <p:attrName>style.visibility</p:attrName>
+                                        </p:attrNameLst>
+                                      </p:cBhvr>
+                                      <p:to>
+                                        <p:strVal val="visible"/>
+                                      </p:to>
+                                    </p:set>
+                                    <p:animEffect transition="in" filter="fade">
+                                      <p:cBhvr>
+                                        <p:cTn id="12" dur="500"/>
+                                        <p:tgtEl>
+                                          <p:spTgt spid="21"/>
+                                        </p:tgtEl>
+                                      </p:cBhvr>
+                                    </p:animEffect>
+                                  </p:childTnLst>
+                                </p:cTn>
+                              </p:par>
+                            </p:childTnLst>
+                          </p:cTn>
+                        </p:par>
+                      </p:childTnLst>
+                    </p:cTn>
+                  </p:par>
+                  <p:par>
+                    <p:cTn id="13" fill="hold">
+                      <p:stCondLst>
+                        <p:cond delay="indefinite"/>
+                      </p:stCondLst>
+                      <p:childTnLst>
+                        <p:par>
+                          <p:cTn id="14" fill="hold">
+                            <p:stCondLst>
+                              <p:cond delay="0"/>
+                            </p:stCondLst>
+                            <p:childTnLst>
+                              <p:par>
+                                <p:cTn id="15" presetID="10" presetClass="entr" presetSubtype="0" fill="hold" grpId="0" nodeType="clickEffect">
+                                  <p:stCondLst>
+                                    <p:cond delay="0"/>
+                                  </p:stCondLst>
+                                  <p:childTnLst>
+                                    <p:set>
+                                      <p:cBhvr>
+                                        <p:cTn id="16" dur="1" fill="hold">
+                                          <p:stCondLst>
+                                            <p:cond delay="0"/>
+                                          </p:stCondLst>
+                                        </p:cTn>
+                                        <p:tgtEl>
+                                          <p:spTgt spid="22"/>
+                                        </p:tgtEl>
+                                        <p:attrNameLst>
+                                          <p:attrName>style.visibility</p:attrName>
+                                        </p:attrNameLst>
+                                      </p:cBhvr>
+                                      <p:to>
+                                        <p:strVal val="visible"/>
+                                      </p:to>
+                                    </p:set>
+                                    <p:animEffect transition="in" filter="fade">
+                                      <p:cBhvr>
+                                        <p:cTn id="17" dur="500"/>
+                                        <p:tgtEl>
+                                          <p:spTgt spid="22"/>
+                                        </p:tgtEl>
+                                      </p:cBhvr>
+                                    </p:animEffect>
+                                  </p:childTnLst>
+                                </p:cTn>
+                              </p:par>
+                            </p:childTnLst>
+                          </p:cTn>
+                        </p:par>
+                      </p:childTnLst>
+                    </p:cTn>
+                  </p:par>
+                  <p:par>
+                    <p:cTn id="18" fill="hold">
+                      <p:stCondLst>
+                        <p:cond delay="indefinite"/>
+                      </p:stCondLst>
+                      <p:childTnLst>
+                        <p:par>
+                          <p:cTn id="19" fill="hold">
+                            <p:stCondLst>
+                              <p:cond delay="0"/>
+                            </p:stCondLst>
+                            <p:childTnLst>
+                              <p:par>
+                                <p:cTn id="20" presetID="10" presetClass="entr" presetSubtype="0" fill="hold" grpId="0" nodeType="clickEffect">
+                                  <p:stCondLst>
+                                    <p:cond delay="0"/>
+                                  </p:stCondLst>
+                                  <p:childTnLst>
+                                    <p:set>
+                                      <p:cBhvr>
+                                        <p:cTn id="21" dur="1" fill="hold">
+                                          <p:stCondLst>
+                                            <p:cond delay="0"/>
+                                          </p:stCondLst>
+                                        </p:cTn>
+                                        <p:tgtEl>
+                                          <p:spTgt spid="9"/>
+                                        </p:tgtEl>
+                                        <p:attrNameLst>
+                                          <p:attrName>style.visibility</p:attrName>
+                                        </p:attrNameLst>
+                                      </p:cBhvr>
+                                      <p:to>
+                                        <p:strVal val="visible"/>
+                                      </p:to>
+                                    </p:set>
+                                    <p:animEffect transition="in" filter="fade">
+                                      <p:cBhvr>
+                                        <p:cTn id="22" dur="500"/>
+                                        <p:tgtEl>
+                                          <p:spTgt spid="9"/>
+                                        </p:tgtEl>
+                                      </p:cBhvr>
+                                    </p:animEffect>
+                                  </p:childTnLst>
+                                </p:cTn>
+                              </p:par>
+                              <p:par>
+                                <p:cTn id="23" presetID="10" presetClass="entr" presetSubtype="0" fill="hold" nodeType="withEffect">
+                                  <p:stCondLst>
+                                    <p:cond delay="0"/>
+                                  </p:stCondLst>
+                                  <p:childTnLst>
+                                    <p:set>
+                                      <p:cBhvr>
+                                        <p:cTn id="24" dur="1" fill="hold">
+                                          <p:stCondLst>
+                                            <p:cond delay="0"/>
+                                          </p:stCondLst>
+                                        </p:cTn>
+                                        <p:tgtEl>
+                                          <p:spTgt spid="26"/>
+                                        </p:tgtEl>
+                                        <p:attrNameLst>
+                                          <p:attrName>style.visibility</p:attrName>
+                                        </p:attrNameLst>
+                                      </p:cBhvr>
+                                      <p:to>
+                                        <p:strVal val="visible"/>
+                                      </p:to>
+                                    </p:set>
+                                    <p:animEffect transition="in" filter="fade">
+                                      <p:cBhvr>
+                                        <p:cTn id="25" dur="500"/>
+                                        <p:tgtEl>
+                                          <p:spTgt spid="26"/>
+                                        </p:tgtEl>
+                                      </p:cBhvr>
+                                    </p:animEffect>
+                                  </p:childTnLst>
+                                </p:cTn>
+                              </p:par>
+                              <p:par>
+                                <p:cTn id="26" presetID="10" presetClass="entr" presetSubtype="0" fill="hold" grpId="0" nodeType="withEffect">
+                                  <p:stCondLst>
+                                    <p:cond delay="0"/>
+                                  </p:stCondLst>
+                                  <p:childTnLst>
+                                    <p:set>
+                                      <p:cBhvr>
+                                        <p:cTn id="27" dur="1" fill="hold">
+                                          <p:stCondLst>
+                                            <p:cond delay="0"/>
+                                          </p:stCondLst>
+                                        </p:cTn>
+                                        <p:tgtEl>
+                                          <p:spTgt spid="17"/>
+                                        </p:tgtEl>
+                                        <p:attrNameLst>
+                                          <p:attrName>style.visibility</p:attrName>
+                                        </p:attrNameLst>
+                                      </p:cBhvr>
+                                      <p:to>
+                                        <p:strVal val="visible"/>
+                                      </p:to>
+                                    </p:set>
+                                    <p:animEffect transition="in" filter="fade">
+                                      <p:cBhvr>
+                                        <p:cTn id="28" dur="500"/>
+                                        <p:tgtEl>
+                                          <p:spTgt spid="17"/>
+                                        </p:tgtEl>
+                                      </p:cBhvr>
+                                    </p:animEffect>
+                                  </p:childTnLst>
+                                </p:cTn>
+                              </p:par>
+                            </p:childTnLst>
+                          </p:cTn>
+                        </p:par>
+                      </p:childTnLst>
+                    </p:cTn>
+                  </p:par>
+                  <p:par>
+                    <p:cTn id="29" fill="hold">
+                      <p:stCondLst>
+                        <p:cond delay="indefinite"/>
+                      </p:stCondLst>
+                      <p:childTnLst>
+                        <p:par>
+                          <p:cTn id="30" fill="hold">
+                            <p:stCondLst>
+                              <p:cond delay="0"/>
+                            </p:stCondLst>
+                            <p:childTnLst>
+                              <p:par>
+                                <p:cTn id="31" presetID="10" presetClass="entr" presetSubtype="0" fill="hold" grpId="0" nodeType="clickEffect">
+                                  <p:stCondLst>
+                                    <p:cond delay="0"/>
+                                  </p:stCondLst>
+                                  <p:childTnLst>
+                                    <p:set>
+                                      <p:cBhvr>
+                                        <p:cTn id="32" dur="1" fill="hold">
+                                          <p:stCondLst>
+                                            <p:cond delay="0"/>
+                                          </p:stCondLst>
+                                        </p:cTn>
+                                        <p:tgtEl>
+                                          <p:spTgt spid="7"/>
+                                        </p:tgtEl>
+                                        <p:attrNameLst>
+                                          <p:attrName>style.visibility</p:attrName>
+                                        </p:attrNameLst>
+                                      </p:cBhvr>
+                                      <p:to>
+                                        <p:strVal val="visible"/>
+                                      </p:to>
+                                    </p:set>
+                                    <p:animEffect transition="in" filter="fade">
+                                      <p:cBhvr>
+                                        <p:cTn id="33" dur="500"/>
+                                        <p:tgtEl>
+                                          <p:spTgt spid="7"/>
+                                        </p:tgtEl>
+                                      </p:cBhvr>
+                                    </p:animEffect>
+                                  </p:childTnLst>
+                                </p:cTn>
+                              </p:par>
+                              <p:par>
+                                <p:cTn id="34" presetID="10" presetClass="entr" presetSubtype="0" fill="hold" nodeType="withEffect">
+                                  <p:stCondLst>
+                                    <p:cond delay="0"/>
+                                  </p:stCondLst>
+                                  <p:childTnLst>
+                                    <p:set>
+                                      <p:cBhvr>
+                                        <p:cTn id="35" dur="1" fill="hold">
+                                          <p:stCondLst>
+                                            <p:cond delay="0"/>
+                                          </p:stCondLst>
+                                        </p:cTn>
+                                        <p:tgtEl>
+                                          <p:spTgt spid="24"/>
+                                        </p:tgtEl>
+                                        <p:attrNameLst>
+                                          <p:attrName>style.visibility</p:attrName>
+                                        </p:attrNameLst>
+                                      </p:cBhvr>
+                                      <p:to>
+                                        <p:strVal val="visible"/>
+                                      </p:to>
+                                    </p:set>
+                                    <p:animEffect transition="in" filter="fade">
+                                      <p:cBhvr>
+                                        <p:cTn id="36" dur="500"/>
+                                        <p:tgtEl>
+                                          <p:spTgt spid="24"/>
+                                        </p:tgtEl>
+                                      </p:cBhvr>
+                                    </p:animEffect>
+                                  </p:childTnLst>
+                                </p:cTn>
+                              </p:par>
+                              <p:par>
+                                <p:cTn id="37" presetID="10" presetClass="entr" presetSubtype="0" fill="hold" grpId="0" nodeType="withEffect">
+                                  <p:stCondLst>
+                                    <p:cond delay="0"/>
+                                  </p:stCondLst>
+                                  <p:childTnLst>
+                                    <p:set>
+                                      <p:cBhvr>
+                                        <p:cTn id="38" dur="1" fill="hold">
+                                          <p:stCondLst>
+                                            <p:cond delay="0"/>
+                                          </p:stCondLst>
+                                        </p:cTn>
+                                        <p:tgtEl>
+                                          <p:spTgt spid="15"/>
+                                        </p:tgtEl>
+                                        <p:attrNameLst>
+                                          <p:attrName>style.visibility</p:attrName>
+                                        </p:attrNameLst>
+                                      </p:cBhvr>
+                                      <p:to>
+                                        <p:strVal val="visible"/>
+                                      </p:to>
+                                    </p:set>
+                                    <p:animEffect transition="in" filter="fade">
+                                      <p:cBhvr>
+                                        <p:cTn id="39" dur="500"/>
+                                        <p:tgtEl>
+                                          <p:spTgt spid="15"/>
+                                        </p:tgtEl>
+                                      </p:cBhvr>
+                                    </p:animEffect>
+                                  </p:childTnLst>
+                                </p:cTn>
+                              </p:par>
+                            </p:childTnLst>
+                          </p:cTn>
+                        </p:par>
+                      </p:childTnLst>
+                    </p:cTn>
+                  </p:par>
+                  <p:par>
+                    <p:cTn id="40" fill="hold">
+                      <p:stCondLst>
+                        <p:cond delay="indefinite"/>
+                      </p:stCondLst>
+                      <p:childTnLst>
+                        <p:par>
+                          <p:cTn id="41" fill="hold">
+                            <p:stCondLst>
+                              <p:cond delay="0"/>
+                            </p:stCondLst>
+                            <p:childTnLst>
+                              <p:par>
+                                <p:cTn id="42" presetID="10" presetClass="entr" presetSubtype="0" fill="hold" grpId="0" nodeType="clickEffect">
+                                  <p:stCondLst>
+                                    <p:cond delay="0"/>
+                                  </p:stCondLst>
+                                  <p:childTnLst>
+                                    <p:set>
+                                      <p:cBhvr>
+                                        <p:cTn id="43" dur="1" fill="hold">
+                                          <p:stCondLst>
+                                            <p:cond delay="0"/>
+                                          </p:stCondLst>
+                                        </p:cTn>
+                                        <p:tgtEl>
+                                          <p:spTgt spid="11"/>
+                                        </p:tgtEl>
+                                        <p:attrNameLst>
+                                          <p:attrName>style.visibility</p:attrName>
+                                        </p:attrNameLst>
+                                      </p:cBhvr>
+                                      <p:to>
+                                        <p:strVal val="visible"/>
+                                      </p:to>
+                                    </p:set>
+                                    <p:animEffect transition="in" filter="fade">
+                                      <p:cBhvr>
+                                        <p:cTn id="44" dur="500"/>
+                                        <p:tgtEl>
+                                          <p:spTgt spid="11"/>
+                                        </p:tgtEl>
+                                      </p:cBhvr>
+                                    </p:animEffect>
+                                  </p:childTnLst>
+                                </p:cTn>
+                              </p:par>
+                              <p:par>
+                                <p:cTn id="45" presetID="10" presetClass="entr" presetSubtype="0" fill="hold" nodeType="withEffect">
+                                  <p:stCondLst>
+                                    <p:cond delay="0"/>
+                                  </p:stCondLst>
+                                  <p:childTnLst>
+                                    <p:set>
+                                      <p:cBhvr>
+                                        <p:cTn id="46" dur="1" fill="hold">
+                                          <p:stCondLst>
+                                            <p:cond delay="0"/>
+                                          </p:stCondLst>
+                                        </p:cTn>
+                                        <p:tgtEl>
+                                          <p:spTgt spid="14"/>
+                                        </p:tgtEl>
+                                        <p:attrNameLst>
+                                          <p:attrName>style.visibility</p:attrName>
+                                        </p:attrNameLst>
+                                      </p:cBhvr>
+                                      <p:to>
+                                        <p:strVal val="visible"/>
+                                      </p:to>
+                                    </p:set>
+                                    <p:animEffect transition="in" filter="fade">
+                                      <p:cBhvr>
+                                        <p:cTn id="47" dur="500"/>
+                                        <p:tgtEl>
+                                          <p:spTgt spid="14"/>
+                                        </p:tgtEl>
+                                      </p:cBhvr>
+                                    </p:animEffect>
+                                  </p:childTnLst>
+                                </p:cTn>
+                              </p:par>
+                            </p:childTnLst>
+                          </p:cTn>
+                        </p:par>
+                      </p:childTnLst>
+                    </p:cTn>
+                  </p:par>
+                </p:childTnLst>
+              </p:cTn>
+              <p:prevCondLst>
+                <p:cond evt="onPrev" delay="0">
+                  <p:tgtEl>
+                    <p:sldTgt/>
+                  </p:tgtEl>
+                </p:cond>
+              </p:prevCondLst>
+              <p:nextCondLst>
+                <p:cond evt="onNext" delay="0">
+                  <p:tgtEl>
+                    <p:sldTgt/>
+                  </p:tgtEl>
+                </p:cond>
+              </p:nextCondLst>
+            </p:seq>
+          </p:childTnLst>
+        </p:cTn>
+      </p:par>
+    </p:tnLst>
+    <p:bldLst>
+      <p:bldP spid="7" grpId="0" animBg="1"/>
+      <p:bldP spid="9" grpId="0" animBg="1"/>
+      <p:bldP spid="11" grpId="0" animBg="1"/>
+      <p:bldP spid="15" grpId="0" animBg="1"/>
+      <p:bldP spid="17" grpId="0" animBg="1"/>
+      <p:bldP spid="22" grpId="0" animBg="1"/>
+    </p:bldLst>
+  </p:timing>
+</p:sld>
+</file>
+
+<file path=ppt/slides/slide17.xml><?xml version="1.0" encoding="utf-8"?>
+<p:sld xmlns:a="http://schemas.openxmlformats.org/drawingml/2006/main" xmlns:r="http://schemas.openxmlformats.org/officeDocument/2006/relationships" xmlns:p="http://schemas.openxmlformats.org/presentationml/2006/main">
+  <p:cSld>
+    <p:spTree>
+      <p:nvGrpSpPr>
+        <p:cNvPr id="1" name=""/>
+        <p:cNvGrpSpPr/>
+        <p:nvPr/>
+      </p:nvGrpSpPr>
+      <p:grpSpPr>
+        <a:xfrm>
+          <a:off x="0" y="0"/>
+          <a:ext cx="0" cy="0"/>
+          <a:chOff x="0" y="0"/>
+          <a:chExt cx="0" cy="0"/>
+        </a:xfrm>
+      </p:grpSpPr>
+      <p:sp>
+        <p:nvSpPr>
           <p:cNvPr id="5" name="ZoneTexte 4"/>
           <p:cNvSpPr txBox="1"/>
           <p:nvPr/>
@@ -9854,7 +11217,7 @@
 </p:sld>
 </file>
 
-<file path=ppt/slides/slide17.xml><?xml version="1.0" encoding="utf-8"?>
+<file path=ppt/slides/slide18.xml><?xml version="1.0" encoding="utf-8"?>
 <p:sld xmlns:a="http://schemas.openxmlformats.org/drawingml/2006/main" xmlns:r="http://schemas.openxmlformats.org/officeDocument/2006/relationships" xmlns:p="http://schemas.openxmlformats.org/presentationml/2006/main">
   <p:cSld>
     <p:spTree>
@@ -10092,7 +11455,7 @@
 </p:sld>
 </file>
 
-<file path=ppt/slides/slide18.xml><?xml version="1.0" encoding="utf-8"?>
+<file path=ppt/slides/slide19.xml><?xml version="1.0" encoding="utf-8"?>
 <p:sld xmlns:a="http://schemas.openxmlformats.org/drawingml/2006/main" xmlns:r="http://schemas.openxmlformats.org/officeDocument/2006/relationships" xmlns:p="http://schemas.openxmlformats.org/presentationml/2006/main">
   <p:cSld>
     <p:spTree>
@@ -10452,93 +11815,6 @@
 </p:sld>
 </file>
 
-<file path=ppt/slides/slide19.xml><?xml version="1.0" encoding="utf-8"?>
-<p:sld xmlns:a="http://schemas.openxmlformats.org/drawingml/2006/main" xmlns:r="http://schemas.openxmlformats.org/officeDocument/2006/relationships" xmlns:p="http://schemas.openxmlformats.org/presentationml/2006/main">
-  <p:cSld>
-    <p:spTree>
-      <p:nvGrpSpPr>
-        <p:cNvPr id="1" name=""/>
-        <p:cNvGrpSpPr/>
-        <p:nvPr/>
-      </p:nvGrpSpPr>
-      <p:grpSpPr>
-        <a:xfrm>
-          <a:off x="0" y="0"/>
-          <a:ext cx="0" cy="0"/>
-          <a:chOff x="0" y="0"/>
-          <a:chExt cx="0" cy="0"/>
-        </a:xfrm>
-      </p:grpSpPr>
-      <p:sp>
-        <p:nvSpPr>
-          <p:cNvPr id="5" name="ZoneTexte 4"/>
-          <p:cNvSpPr txBox="1"/>
-          <p:nvPr/>
-        </p:nvSpPr>
-        <p:spPr>
-          <a:xfrm>
-            <a:off x="401443" y="689145"/>
-            <a:ext cx="11790557" cy="1938992"/>
-          </a:xfrm>
-          <a:prstGeom prst="rect">
-            <a:avLst/>
-          </a:prstGeom>
-          <a:noFill/>
-        </p:spPr>
-        <p:txBody>
-          <a:bodyPr wrap="square" rtlCol="0">
-            <a:spAutoFit/>
-          </a:bodyPr>
-          <a:lstStyle/>
-          <a:p>
-            <a:r>
-              <a:rPr lang="fr-FR" sz="6000" dirty="0" smtClean="0">
-                <a:latin typeface="Calibri" panose="020F0502020204030204" pitchFamily="34" charset="0"/>
-                <a:cs typeface="Courier New" panose="02070309020205020404" pitchFamily="49" charset="0"/>
-              </a:rPr>
-              <a:t>Comment la </a:t>
-            </a:r>
-            <a:r>
-              <a:rPr lang="fr-FR" sz="6000" dirty="0" err="1" smtClean="0">
-                <a:latin typeface="Calibri" panose="020F0502020204030204" pitchFamily="34" charset="0"/>
-                <a:cs typeface="Courier New" panose="02070309020205020404" pitchFamily="49" charset="0"/>
-              </a:rPr>
-              <a:t>métaclasse</a:t>
-            </a:r>
-            <a:r>
-              <a:rPr lang="fr-FR" sz="6000" dirty="0" smtClean="0">
-                <a:latin typeface="Calibri" panose="020F0502020204030204" pitchFamily="34" charset="0"/>
-                <a:cs typeface="Courier New" panose="02070309020205020404" pitchFamily="49" charset="0"/>
-              </a:rPr>
-              <a:t> crée l’objet classe ?</a:t>
-            </a:r>
-            <a:endParaRPr lang="fr-FR" sz="5400" dirty="0" smtClean="0">
-              <a:latin typeface="Calibri" panose="020F0502020204030204" pitchFamily="34" charset="0"/>
-              <a:cs typeface="Courier New" panose="02070309020205020404" pitchFamily="49" charset="0"/>
-            </a:endParaRPr>
-          </a:p>
-        </p:txBody>
-      </p:sp>
-    </p:spTree>
-    <p:extLst>
-      <p:ext uri="{BB962C8B-B14F-4D97-AF65-F5344CB8AC3E}">
-        <p14:creationId xmlns:p14="http://schemas.microsoft.com/office/powerpoint/2010/main" val="955377406"/>
-      </p:ext>
-    </p:extLst>
-  </p:cSld>
-  <p:clrMapOvr>
-    <a:masterClrMapping/>
-  </p:clrMapOvr>
-  <p:timing>
-    <p:tnLst>
-      <p:par>
-        <p:cTn id="1" dur="indefinite" restart="never" nodeType="tmRoot"/>
-      </p:par>
-    </p:tnLst>
-  </p:timing>
-</p:sld>
-</file>
-
 <file path=ppt/slides/slide2.xml><?xml version="1.0" encoding="utf-8"?>
 <p:sld xmlns:a="http://schemas.openxmlformats.org/drawingml/2006/main" xmlns:r="http://schemas.openxmlformats.org/officeDocument/2006/relationships" xmlns:p="http://schemas.openxmlformats.org/presentationml/2006/main">
   <p:cSld>
@@ -10611,6 +11887,93 @@
 </file>
 
 <file path=ppt/slides/slide20.xml><?xml version="1.0" encoding="utf-8"?>
+<p:sld xmlns:a="http://schemas.openxmlformats.org/drawingml/2006/main" xmlns:r="http://schemas.openxmlformats.org/officeDocument/2006/relationships" xmlns:p="http://schemas.openxmlformats.org/presentationml/2006/main">
+  <p:cSld>
+    <p:spTree>
+      <p:nvGrpSpPr>
+        <p:cNvPr id="1" name=""/>
+        <p:cNvGrpSpPr/>
+        <p:nvPr/>
+      </p:nvGrpSpPr>
+      <p:grpSpPr>
+        <a:xfrm>
+          <a:off x="0" y="0"/>
+          <a:ext cx="0" cy="0"/>
+          <a:chOff x="0" y="0"/>
+          <a:chExt cx="0" cy="0"/>
+        </a:xfrm>
+      </p:grpSpPr>
+      <p:sp>
+        <p:nvSpPr>
+          <p:cNvPr id="5" name="ZoneTexte 4"/>
+          <p:cNvSpPr txBox="1"/>
+          <p:nvPr/>
+        </p:nvSpPr>
+        <p:spPr>
+          <a:xfrm>
+            <a:off x="401443" y="689145"/>
+            <a:ext cx="11790557" cy="1938992"/>
+          </a:xfrm>
+          <a:prstGeom prst="rect">
+            <a:avLst/>
+          </a:prstGeom>
+          <a:noFill/>
+        </p:spPr>
+        <p:txBody>
+          <a:bodyPr wrap="square" rtlCol="0">
+            <a:spAutoFit/>
+          </a:bodyPr>
+          <a:lstStyle/>
+          <a:p>
+            <a:r>
+              <a:rPr lang="fr-FR" sz="6000" dirty="0" smtClean="0">
+                <a:latin typeface="Calibri" panose="020F0502020204030204" pitchFamily="34" charset="0"/>
+                <a:cs typeface="Courier New" panose="02070309020205020404" pitchFamily="49" charset="0"/>
+              </a:rPr>
+              <a:t>Comment la </a:t>
+            </a:r>
+            <a:r>
+              <a:rPr lang="fr-FR" sz="6000" dirty="0" err="1" smtClean="0">
+                <a:latin typeface="Calibri" panose="020F0502020204030204" pitchFamily="34" charset="0"/>
+                <a:cs typeface="Courier New" panose="02070309020205020404" pitchFamily="49" charset="0"/>
+              </a:rPr>
+              <a:t>métaclasse</a:t>
+            </a:r>
+            <a:r>
+              <a:rPr lang="fr-FR" sz="6000" dirty="0" smtClean="0">
+                <a:latin typeface="Calibri" panose="020F0502020204030204" pitchFamily="34" charset="0"/>
+                <a:cs typeface="Courier New" panose="02070309020205020404" pitchFamily="49" charset="0"/>
+              </a:rPr>
+              <a:t> crée l’objet classe ?</a:t>
+            </a:r>
+            <a:endParaRPr lang="fr-FR" sz="5400" dirty="0" smtClean="0">
+              <a:latin typeface="Calibri" panose="020F0502020204030204" pitchFamily="34" charset="0"/>
+              <a:cs typeface="Courier New" panose="02070309020205020404" pitchFamily="49" charset="0"/>
+            </a:endParaRPr>
+          </a:p>
+        </p:txBody>
+      </p:sp>
+    </p:spTree>
+    <p:extLst>
+      <p:ext uri="{BB962C8B-B14F-4D97-AF65-F5344CB8AC3E}">
+        <p14:creationId xmlns:p14="http://schemas.microsoft.com/office/powerpoint/2010/main" val="955377406"/>
+      </p:ext>
+    </p:extLst>
+  </p:cSld>
+  <p:clrMapOvr>
+    <a:masterClrMapping/>
+  </p:clrMapOvr>
+  <p:timing>
+    <p:tnLst>
+      <p:par>
+        <p:cTn id="1" dur="indefinite" restart="never" nodeType="tmRoot"/>
+      </p:par>
+    </p:tnLst>
+  </p:timing>
+</p:sld>
+</file>
+
+<file path=ppt/slides/slide21.xml><?xml version="1.0" encoding="utf-8"?>
 <p:sld xmlns:a="http://schemas.openxmlformats.org/drawingml/2006/main" xmlns:r="http://schemas.openxmlformats.org/officeDocument/2006/relationships" xmlns:p="http://schemas.openxmlformats.org/presentationml/2006/main">
   <p:cSld>
     <p:spTree>
@@ -11689,286 +13052,6 @@
 </p:sld>
 </file>
 
-<file path=ppt/slides/slide21.xml><?xml version="1.0" encoding="utf-8"?>
-<p:sld xmlns:a="http://schemas.openxmlformats.org/drawingml/2006/main" xmlns:r="http://schemas.openxmlformats.org/officeDocument/2006/relationships" xmlns:p="http://schemas.openxmlformats.org/presentationml/2006/main">
-  <p:cSld>
-    <p:spTree>
-      <p:nvGrpSpPr>
-        <p:cNvPr id="1" name=""/>
-        <p:cNvGrpSpPr/>
-        <p:nvPr/>
-      </p:nvGrpSpPr>
-      <p:grpSpPr>
-        <a:xfrm>
-          <a:off x="0" y="0"/>
-          <a:ext cx="0" cy="0"/>
-          <a:chOff x="0" y="0"/>
-          <a:chExt cx="0" cy="0"/>
-        </a:xfrm>
-      </p:grpSpPr>
-      <p:sp>
-        <p:nvSpPr>
-          <p:cNvPr id="5" name="ZoneTexte 4"/>
-          <p:cNvSpPr txBox="1"/>
-          <p:nvPr/>
-        </p:nvSpPr>
-        <p:spPr>
-          <a:xfrm>
-            <a:off x="401443" y="689145"/>
-            <a:ext cx="11790557" cy="5416868"/>
-          </a:xfrm>
-          <a:prstGeom prst="rect">
-            <a:avLst/>
-          </a:prstGeom>
-          <a:noFill/>
-        </p:spPr>
-        <p:txBody>
-          <a:bodyPr wrap="square" rtlCol="0">
-            <a:spAutoFit/>
-          </a:bodyPr>
-          <a:lstStyle/>
-          <a:p>
-            <a:r>
-              <a:rPr lang="fr-FR" sz="6000" dirty="0" smtClean="0">
-                <a:latin typeface="Calibri" panose="020F0502020204030204" pitchFamily="34" charset="0"/>
-                <a:cs typeface="Courier New" panose="02070309020205020404" pitchFamily="49" charset="0"/>
-              </a:rPr>
-              <a:t>Que fait l’appel </a:t>
-            </a:r>
-          </a:p>
-          <a:p>
-            <a:r>
-              <a:rPr lang="fr-FR" sz="6000" dirty="0" smtClean="0">
-                <a:latin typeface="Courier New" panose="02070309020205020404" pitchFamily="49" charset="0"/>
-                <a:cs typeface="Courier New" panose="02070309020205020404" pitchFamily="49" charset="0"/>
-              </a:rPr>
-              <a:t>type(</a:t>
-            </a:r>
-            <a:r>
-              <a:rPr lang="fr-FR" sz="6000" dirty="0" err="1" smtClean="0">
-                <a:latin typeface="Courier New" panose="02070309020205020404" pitchFamily="49" charset="0"/>
-                <a:cs typeface="Courier New" panose="02070309020205020404" pitchFamily="49" charset="0"/>
-              </a:rPr>
-              <a:t>name</a:t>
-            </a:r>
-            <a:r>
-              <a:rPr lang="fr-FR" sz="6000" dirty="0">
-                <a:latin typeface="Courier New" panose="02070309020205020404" pitchFamily="49" charset="0"/>
-                <a:cs typeface="Courier New" panose="02070309020205020404" pitchFamily="49" charset="0"/>
-              </a:rPr>
-              <a:t>, bases, </a:t>
-            </a:r>
-            <a:r>
-              <a:rPr lang="fr-FR" sz="6000" dirty="0" err="1">
-                <a:latin typeface="Courier New" panose="02070309020205020404" pitchFamily="49" charset="0"/>
-                <a:cs typeface="Courier New" panose="02070309020205020404" pitchFamily="49" charset="0"/>
-              </a:rPr>
-              <a:t>dict</a:t>
-            </a:r>
-            <a:r>
-              <a:rPr lang="fr-FR" sz="6000" dirty="0">
-                <a:latin typeface="Courier New" panose="02070309020205020404" pitchFamily="49" charset="0"/>
-                <a:cs typeface="Courier New" panose="02070309020205020404" pitchFamily="49" charset="0"/>
-              </a:rPr>
-              <a:t>)</a:t>
-            </a:r>
-            <a:r>
-              <a:rPr lang="fr-FR" sz="6000" dirty="0">
-                <a:latin typeface="Calibri" panose="020F0502020204030204" pitchFamily="34" charset="0"/>
-                <a:cs typeface="Courier New" panose="02070309020205020404" pitchFamily="49" charset="0"/>
-              </a:rPr>
-              <a:t> </a:t>
-            </a:r>
-            <a:r>
-              <a:rPr lang="fr-FR" sz="6000" dirty="0" smtClean="0">
-                <a:latin typeface="Calibri" panose="020F0502020204030204" pitchFamily="34" charset="0"/>
-                <a:cs typeface="Courier New" panose="02070309020205020404" pitchFamily="49" charset="0"/>
-              </a:rPr>
-              <a:t>?</a:t>
-            </a:r>
-          </a:p>
-          <a:p>
-            <a:pPr marL="1143000" lvl="1" indent="-685800">
-              <a:buFont typeface="Arial" panose="020B0604020202020204" pitchFamily="34" charset="0"/>
-              <a:buChar char="•"/>
-            </a:pPr>
-            <a:r>
-              <a:rPr lang="fr-FR" sz="5400" dirty="0" smtClean="0">
-                <a:latin typeface="Calibri" panose="020F0502020204030204" pitchFamily="34" charset="0"/>
-                <a:cs typeface="Courier New" panose="02070309020205020404" pitchFamily="49" charset="0"/>
-              </a:rPr>
-              <a:t>Appel de </a:t>
-            </a:r>
-            <a:r>
-              <a:rPr lang="fr-FR" sz="5400" dirty="0" smtClean="0">
-                <a:latin typeface="Courier New" panose="02070309020205020404" pitchFamily="49" charset="0"/>
-                <a:cs typeface="Courier New" panose="02070309020205020404" pitchFamily="49" charset="0"/>
-              </a:rPr>
-              <a:t>__call__ </a:t>
-            </a:r>
-            <a:r>
-              <a:rPr lang="fr-FR" sz="5400" dirty="0" smtClean="0">
-                <a:latin typeface="Calibri" panose="020F0502020204030204" pitchFamily="34" charset="0"/>
-                <a:cs typeface="Courier New" panose="02070309020205020404" pitchFamily="49" charset="0"/>
-              </a:rPr>
-              <a:t>sur l’objet </a:t>
-            </a:r>
-            <a:r>
-              <a:rPr lang="fr-FR" sz="5400" dirty="0" smtClean="0">
-                <a:solidFill>
-                  <a:srgbClr val="00B050"/>
-                </a:solidFill>
-                <a:latin typeface="Courier New" panose="02070309020205020404" pitchFamily="49" charset="0"/>
-                <a:cs typeface="Courier New" panose="02070309020205020404" pitchFamily="49" charset="0"/>
-              </a:rPr>
-              <a:t>type</a:t>
-            </a:r>
-          </a:p>
-          <a:p>
-            <a:pPr lvl="1"/>
-            <a:endParaRPr lang="fr-FR" sz="5400" dirty="0">
-              <a:solidFill>
-                <a:srgbClr val="00B050"/>
-              </a:solidFill>
-              <a:latin typeface="Courier New" panose="02070309020205020404" pitchFamily="49" charset="0"/>
-              <a:cs typeface="Courier New" panose="02070309020205020404" pitchFamily="49" charset="0"/>
-            </a:endParaRPr>
-          </a:p>
-          <a:p>
-            <a:r>
-              <a:rPr lang="en-US" sz="3200" dirty="0" err="1">
-                <a:latin typeface="Courier New" panose="02070309020205020404" pitchFamily="49" charset="0"/>
-                <a:cs typeface="Courier New" panose="02070309020205020404" pitchFamily="49" charset="0"/>
-              </a:rPr>
-              <a:t>cls</a:t>
-            </a:r>
-            <a:r>
-              <a:rPr lang="en-US" sz="3200" dirty="0">
-                <a:latin typeface="Courier New" panose="02070309020205020404" pitchFamily="49" charset="0"/>
-                <a:cs typeface="Courier New" panose="02070309020205020404" pitchFamily="49" charset="0"/>
-              </a:rPr>
-              <a:t> = </a:t>
-            </a:r>
-            <a:r>
-              <a:rPr lang="en-US" sz="3200" dirty="0" err="1" smtClean="0">
-                <a:latin typeface="Courier New" panose="02070309020205020404" pitchFamily="49" charset="0"/>
-                <a:cs typeface="Courier New" panose="02070309020205020404" pitchFamily="49" charset="0"/>
-              </a:rPr>
-              <a:t>type.__</a:t>
-            </a:r>
-            <a:r>
-              <a:rPr lang="en-US" sz="3200" dirty="0" err="1">
-                <a:latin typeface="Courier New" panose="02070309020205020404" pitchFamily="49" charset="0"/>
-                <a:cs typeface="Courier New" panose="02070309020205020404" pitchFamily="49" charset="0"/>
-              </a:rPr>
-              <a:t>new</a:t>
-            </a:r>
-            <a:r>
-              <a:rPr lang="en-US" sz="3200" dirty="0" smtClean="0">
-                <a:latin typeface="Courier New" panose="02070309020205020404" pitchFamily="49" charset="0"/>
-                <a:cs typeface="Courier New" panose="02070309020205020404" pitchFamily="49" charset="0"/>
-              </a:rPr>
-              <a:t>__(type, </a:t>
-            </a:r>
-            <a:r>
-              <a:rPr lang="en-US" sz="3200" dirty="0">
-                <a:latin typeface="Courier New" panose="02070309020205020404" pitchFamily="49" charset="0"/>
-                <a:cs typeface="Courier New" panose="02070309020205020404" pitchFamily="49" charset="0"/>
-              </a:rPr>
-              <a:t>name, bases, </a:t>
-            </a:r>
-            <a:r>
-              <a:rPr lang="en-US" sz="3200" dirty="0" err="1">
-                <a:latin typeface="Courier New" panose="02070309020205020404" pitchFamily="49" charset="0"/>
-                <a:cs typeface="Courier New" panose="02070309020205020404" pitchFamily="49" charset="0"/>
-              </a:rPr>
-              <a:t>dict</a:t>
-            </a:r>
-            <a:r>
-              <a:rPr lang="en-US" sz="3200" dirty="0">
-                <a:latin typeface="Courier New" panose="02070309020205020404" pitchFamily="49" charset="0"/>
-                <a:cs typeface="Courier New" panose="02070309020205020404" pitchFamily="49" charset="0"/>
-              </a:rPr>
-              <a:t>)</a:t>
-            </a:r>
-          </a:p>
-          <a:p>
-            <a:r>
-              <a:rPr lang="en-US" sz="3200" dirty="0" smtClean="0">
-                <a:latin typeface="Courier New" panose="02070309020205020404" pitchFamily="49" charset="0"/>
-                <a:cs typeface="Courier New" panose="02070309020205020404" pitchFamily="49" charset="0"/>
-              </a:rPr>
-              <a:t>type.__</a:t>
-            </a:r>
-            <a:r>
-              <a:rPr lang="en-US" sz="3200" dirty="0" err="1">
-                <a:latin typeface="Courier New" panose="02070309020205020404" pitchFamily="49" charset="0"/>
-                <a:cs typeface="Courier New" panose="02070309020205020404" pitchFamily="49" charset="0"/>
-              </a:rPr>
-              <a:t>init</a:t>
-            </a:r>
-            <a:r>
-              <a:rPr lang="en-US" sz="3200" dirty="0">
-                <a:latin typeface="Courier New" panose="02070309020205020404" pitchFamily="49" charset="0"/>
-                <a:cs typeface="Courier New" panose="02070309020205020404" pitchFamily="49" charset="0"/>
-              </a:rPr>
-              <a:t>__(</a:t>
-            </a:r>
-            <a:r>
-              <a:rPr lang="en-US" sz="3200" dirty="0" err="1">
-                <a:latin typeface="Courier New" panose="02070309020205020404" pitchFamily="49" charset="0"/>
-                <a:cs typeface="Courier New" panose="02070309020205020404" pitchFamily="49" charset="0"/>
-              </a:rPr>
-              <a:t>cls</a:t>
-            </a:r>
-            <a:r>
-              <a:rPr lang="en-US" sz="3200" dirty="0">
-                <a:latin typeface="Courier New" panose="02070309020205020404" pitchFamily="49" charset="0"/>
-                <a:cs typeface="Courier New" panose="02070309020205020404" pitchFamily="49" charset="0"/>
-              </a:rPr>
-              <a:t>, name, bases, </a:t>
-            </a:r>
-            <a:r>
-              <a:rPr lang="en-US" sz="3200" dirty="0" err="1">
-                <a:latin typeface="Courier New" panose="02070309020205020404" pitchFamily="49" charset="0"/>
-                <a:cs typeface="Courier New" panose="02070309020205020404" pitchFamily="49" charset="0"/>
-              </a:rPr>
-              <a:t>dict</a:t>
-            </a:r>
-            <a:r>
-              <a:rPr lang="en-US" sz="3200" dirty="0">
-                <a:latin typeface="Courier New" panose="02070309020205020404" pitchFamily="49" charset="0"/>
-                <a:cs typeface="Courier New" panose="02070309020205020404" pitchFamily="49" charset="0"/>
-              </a:rPr>
-              <a:t>)</a:t>
-            </a:r>
-            <a:endParaRPr lang="fr-FR" sz="3200" dirty="0" smtClean="0">
-              <a:latin typeface="Courier New" panose="02070309020205020404" pitchFamily="49" charset="0"/>
-              <a:cs typeface="Courier New" panose="02070309020205020404" pitchFamily="49" charset="0"/>
-            </a:endParaRPr>
-          </a:p>
-        </p:txBody>
-      </p:sp>
-    </p:spTree>
-    <p:extLst>
-      <p:ext uri="{BB962C8B-B14F-4D97-AF65-F5344CB8AC3E}">
-        <p14:creationId xmlns:p14="http://schemas.microsoft.com/office/powerpoint/2010/main" val="1807560953"/>
-      </p:ext>
-    </p:extLst>
-  </p:cSld>
-  <p:clrMapOvr>
-    <a:masterClrMapping/>
-  </p:clrMapOvr>
-  <p:timing>
-    <p:tnLst>
-      <p:par>
-        <p:cTn id="1" dur="indefinite" restart="never" nodeType="tmRoot"/>
-      </p:par>
-    </p:tnLst>
-  </p:timing>
-</p:sld>
-</file>
-
 <file path=ppt/slides/slide22.xml><?xml version="1.0" encoding="utf-8"?>
 <p:sld xmlns:a="http://schemas.openxmlformats.org/drawingml/2006/main" xmlns:r="http://schemas.openxmlformats.org/officeDocument/2006/relationships" xmlns:p="http://schemas.openxmlformats.org/presentationml/2006/main">
   <p:cSld>
@@ -11994,8 +13077,8 @@
         </p:nvSpPr>
         <p:spPr>
           <a:xfrm>
-            <a:off x="401443" y="572766"/>
-            <a:ext cx="11790557" cy="3600986"/>
+            <a:off x="401443" y="689145"/>
+            <a:ext cx="11790557" cy="5416868"/>
           </a:xfrm>
           <a:prstGeom prst="rect">
             <a:avLst/>
@@ -12009,70 +13092,63 @@
           <a:lstStyle/>
           <a:p>
             <a:r>
-              <a:rPr lang="fr-FR" sz="4800" dirty="0" smtClean="0">
-                <a:latin typeface="Courier New" panose="02070309020205020404" pitchFamily="49" charset="0"/>
-                <a:cs typeface="Courier New" panose="02070309020205020404" pitchFamily="49" charset="0"/>
-              </a:rPr>
-              <a:t>__new__ </a:t>
-            </a:r>
-            <a:r>
-              <a:rPr lang="fr-FR" sz="4800" dirty="0">
+              <a:rPr lang="fr-FR" sz="6000" dirty="0" smtClean="0">
                 <a:latin typeface="Calibri" panose="020F0502020204030204" pitchFamily="34" charset="0"/>
                 <a:cs typeface="Courier New" panose="02070309020205020404" pitchFamily="49" charset="0"/>
               </a:rPr>
-              <a:t>crée l’objet classe</a:t>
-            </a:r>
-            <a:endParaRPr lang="fr-FR" sz="4800" dirty="0" smtClean="0">
-              <a:latin typeface="Calibri" panose="020F0502020204030204" pitchFamily="34" charset="0"/>
-              <a:cs typeface="Courier New" panose="02070309020205020404" pitchFamily="49" charset="0"/>
-            </a:endParaRPr>
-          </a:p>
-          <a:p>
-            <a:pPr marL="1314450" lvl="1" indent="-857250">
-              <a:buFont typeface="Arial" panose="020B0604020202020204" pitchFamily="34" charset="0"/>
-              <a:buChar char="•"/>
-            </a:pPr>
-            <a:r>
-              <a:rPr lang="fr-FR" sz="4400" dirty="0" smtClean="0">
+              <a:t>Que fait l’appel </a:t>
+            </a:r>
+          </a:p>
+          <a:p>
+            <a:r>
+              <a:rPr lang="fr-FR" sz="6000" dirty="0" smtClean="0">
+                <a:latin typeface="Courier New" panose="02070309020205020404" pitchFamily="49" charset="0"/>
+                <a:cs typeface="Courier New" panose="02070309020205020404" pitchFamily="49" charset="0"/>
+              </a:rPr>
+              <a:t>type(</a:t>
+            </a:r>
+            <a:r>
+              <a:rPr lang="fr-FR" sz="6000" dirty="0" err="1" smtClean="0">
+                <a:latin typeface="Courier New" panose="02070309020205020404" pitchFamily="49" charset="0"/>
+                <a:cs typeface="Courier New" panose="02070309020205020404" pitchFamily="49" charset="0"/>
+              </a:rPr>
+              <a:t>name</a:t>
+            </a:r>
+            <a:r>
+              <a:rPr lang="fr-FR" sz="6000" dirty="0">
+                <a:latin typeface="Courier New" panose="02070309020205020404" pitchFamily="49" charset="0"/>
+                <a:cs typeface="Courier New" panose="02070309020205020404" pitchFamily="49" charset="0"/>
+              </a:rPr>
+              <a:t>, bases, </a:t>
+            </a:r>
+            <a:r>
+              <a:rPr lang="fr-FR" sz="6000" dirty="0" err="1">
+                <a:latin typeface="Courier New" panose="02070309020205020404" pitchFamily="49" charset="0"/>
+                <a:cs typeface="Courier New" panose="02070309020205020404" pitchFamily="49" charset="0"/>
+              </a:rPr>
+              <a:t>dict</a:t>
+            </a:r>
+            <a:r>
+              <a:rPr lang="fr-FR" sz="6000" dirty="0">
+                <a:latin typeface="Courier New" panose="02070309020205020404" pitchFamily="49" charset="0"/>
+                <a:cs typeface="Courier New" panose="02070309020205020404" pitchFamily="49" charset="0"/>
+              </a:rPr>
+              <a:t>)</a:t>
+            </a:r>
+            <a:r>
+              <a:rPr lang="fr-FR" sz="6000" dirty="0">
                 <a:latin typeface="Calibri" panose="020F0502020204030204" pitchFamily="34" charset="0"/>
                 <a:cs typeface="Courier New" panose="02070309020205020404" pitchFamily="49" charset="0"/>
               </a:rPr>
-              <a:t>Utile pour modifier l’espace de nommage ou les superclasses avant la création de la classe</a:t>
-            </a:r>
-          </a:p>
-          <a:p>
-            <a:r>
-              <a:rPr lang="fr-FR" sz="4800" dirty="0" smtClean="0">
-                <a:latin typeface="Courier New" panose="02070309020205020404" pitchFamily="49" charset="0"/>
-                <a:cs typeface="Courier New" panose="02070309020205020404" pitchFamily="49" charset="0"/>
-              </a:rPr>
-              <a:t>__</a:t>
-            </a:r>
-            <a:r>
-              <a:rPr lang="fr-FR" sz="4800" dirty="0" err="1" smtClean="0">
-                <a:latin typeface="Courier New" panose="02070309020205020404" pitchFamily="49" charset="0"/>
-                <a:cs typeface="Courier New" panose="02070309020205020404" pitchFamily="49" charset="0"/>
-              </a:rPr>
-              <a:t>init</a:t>
-            </a:r>
-            <a:r>
-              <a:rPr lang="fr-FR" sz="4800" dirty="0" smtClean="0">
-                <a:latin typeface="Courier New" panose="02070309020205020404" pitchFamily="49" charset="0"/>
-                <a:cs typeface="Courier New" panose="02070309020205020404" pitchFamily="49" charset="0"/>
-              </a:rPr>
-              <a:t>__ </a:t>
-            </a:r>
-            <a:r>
-              <a:rPr lang="fr-FR" sz="4800" dirty="0">
+              <a:t> </a:t>
+            </a:r>
+            <a:r>
+              <a:rPr lang="fr-FR" sz="6000" dirty="0" smtClean="0">
                 <a:latin typeface="Calibri" panose="020F0502020204030204" pitchFamily="34" charset="0"/>
                 <a:cs typeface="Courier New" panose="02070309020205020404" pitchFamily="49" charset="0"/>
               </a:rPr>
-              <a:t>initialise l’objet classe</a:t>
-            </a:r>
-            <a:endParaRPr lang="fr-FR" sz="4800" dirty="0" smtClean="0">
-              <a:latin typeface="Calibri" panose="020F0502020204030204" pitchFamily="34" charset="0"/>
-              <a:cs typeface="Courier New" panose="02070309020205020404" pitchFamily="49" charset="0"/>
-            </a:endParaRPr>
+              <a:t>?</a:t>
+            </a:r>
           </a:p>
           <a:p>
             <a:pPr marL="1143000" lvl="1" indent="-685800">
@@ -12080,23 +13156,166 @@
               <a:buChar char="•"/>
             </a:pPr>
             <a:r>
-              <a:rPr lang="fr-FR" sz="4400" dirty="0" smtClean="0">
+              <a:rPr lang="fr-FR" sz="5400" dirty="0" smtClean="0">
                 <a:latin typeface="Calibri" panose="020F0502020204030204" pitchFamily="34" charset="0"/>
                 <a:cs typeface="Courier New" panose="02070309020205020404" pitchFamily="49" charset="0"/>
               </a:rPr>
-              <a:t>Utile pour modifier la classe après sa création</a:t>
-            </a:r>
-            <a:endParaRPr lang="fr-FR" sz="4400" dirty="0" smtClean="0">
+              <a:t>Appel de </a:t>
+            </a:r>
+            <a:r>
+              <a:rPr lang="fr-FR" sz="5400" dirty="0" smtClean="0">
+                <a:latin typeface="Courier New" panose="02070309020205020404" pitchFamily="49" charset="0"/>
+                <a:cs typeface="Courier New" panose="02070309020205020404" pitchFamily="49" charset="0"/>
+              </a:rPr>
+              <a:t>__call__ </a:t>
+            </a:r>
+            <a:r>
+              <a:rPr lang="fr-FR" sz="5400" dirty="0" smtClean="0">
+                <a:latin typeface="Calibri" panose="020F0502020204030204" pitchFamily="34" charset="0"/>
+                <a:cs typeface="Courier New" panose="02070309020205020404" pitchFamily="49" charset="0"/>
+              </a:rPr>
+              <a:t>sur l’objet </a:t>
+            </a:r>
+            <a:r>
+              <a:rPr lang="fr-FR" sz="5400" dirty="0" smtClean="0">
+                <a:solidFill>
+                  <a:srgbClr val="00B050"/>
+                </a:solidFill>
+                <a:latin typeface="Courier New" panose="02070309020205020404" pitchFamily="49" charset="0"/>
+                <a:cs typeface="Courier New" panose="02070309020205020404" pitchFamily="49" charset="0"/>
+              </a:rPr>
+              <a:t>type</a:t>
+            </a:r>
+          </a:p>
+          <a:p>
+            <a:pPr lvl="1"/>
+            <a:endParaRPr lang="fr-FR" sz="5400" dirty="0">
+              <a:solidFill>
+                <a:srgbClr val="00B050"/>
+              </a:solidFill>
               <a:latin typeface="Courier New" panose="02070309020205020404" pitchFamily="49" charset="0"/>
               <a:cs typeface="Courier New" panose="02070309020205020404" pitchFamily="49" charset="0"/>
             </a:endParaRPr>
           </a:p>
+          <a:p>
+            <a:r>
+              <a:rPr lang="en-US" sz="3200" dirty="0" err="1">
+                <a:latin typeface="Courier New" panose="02070309020205020404" pitchFamily="49" charset="0"/>
+                <a:cs typeface="Courier New" panose="02070309020205020404" pitchFamily="49" charset="0"/>
+              </a:rPr>
+              <a:t>cls</a:t>
+            </a:r>
+            <a:r>
+              <a:rPr lang="en-US" sz="3200" dirty="0">
+                <a:latin typeface="Courier New" panose="02070309020205020404" pitchFamily="49" charset="0"/>
+                <a:cs typeface="Courier New" panose="02070309020205020404" pitchFamily="49" charset="0"/>
+              </a:rPr>
+              <a:t> = </a:t>
+            </a:r>
+            <a:r>
+              <a:rPr lang="en-US" sz="3200" dirty="0" err="1" smtClean="0">
+                <a:latin typeface="Courier New" panose="02070309020205020404" pitchFamily="49" charset="0"/>
+                <a:cs typeface="Courier New" panose="02070309020205020404" pitchFamily="49" charset="0"/>
+              </a:rPr>
+              <a:t>type.__</a:t>
+            </a:r>
+            <a:r>
+              <a:rPr lang="en-US" sz="3200" dirty="0" err="1">
+                <a:latin typeface="Courier New" panose="02070309020205020404" pitchFamily="49" charset="0"/>
+                <a:cs typeface="Courier New" panose="02070309020205020404" pitchFamily="49" charset="0"/>
+              </a:rPr>
+              <a:t>new</a:t>
+            </a:r>
+            <a:r>
+              <a:rPr lang="en-US" sz="3200" dirty="0" smtClean="0">
+                <a:latin typeface="Courier New" panose="02070309020205020404" pitchFamily="49" charset="0"/>
+                <a:cs typeface="Courier New" panose="02070309020205020404" pitchFamily="49" charset="0"/>
+              </a:rPr>
+              <a:t>__(type, </a:t>
+            </a:r>
+            <a:r>
+              <a:rPr lang="en-US" sz="3200" dirty="0">
+                <a:latin typeface="Courier New" panose="02070309020205020404" pitchFamily="49" charset="0"/>
+                <a:cs typeface="Courier New" panose="02070309020205020404" pitchFamily="49" charset="0"/>
+              </a:rPr>
+              <a:t>name, bases, </a:t>
+            </a:r>
+            <a:r>
+              <a:rPr lang="en-US" sz="3200" dirty="0" err="1">
+                <a:latin typeface="Courier New" panose="02070309020205020404" pitchFamily="49" charset="0"/>
+                <a:cs typeface="Courier New" panose="02070309020205020404" pitchFamily="49" charset="0"/>
+              </a:rPr>
+              <a:t>dict</a:t>
+            </a:r>
+            <a:r>
+              <a:rPr lang="en-US" sz="3200" dirty="0">
+                <a:latin typeface="Courier New" panose="02070309020205020404" pitchFamily="49" charset="0"/>
+                <a:cs typeface="Courier New" panose="02070309020205020404" pitchFamily="49" charset="0"/>
+              </a:rPr>
+              <a:t>)</a:t>
+            </a:r>
+          </a:p>
+          <a:p>
+            <a:r>
+              <a:rPr lang="en-US" sz="3200" dirty="0" smtClean="0">
+                <a:latin typeface="Courier New" panose="02070309020205020404" pitchFamily="49" charset="0"/>
+                <a:cs typeface="Courier New" panose="02070309020205020404" pitchFamily="49" charset="0"/>
+              </a:rPr>
+              <a:t>type.__</a:t>
+            </a:r>
+            <a:r>
+              <a:rPr lang="en-US" sz="3200" dirty="0" err="1">
+                <a:latin typeface="Courier New" panose="02070309020205020404" pitchFamily="49" charset="0"/>
+                <a:cs typeface="Courier New" panose="02070309020205020404" pitchFamily="49" charset="0"/>
+              </a:rPr>
+              <a:t>init</a:t>
+            </a:r>
+            <a:r>
+              <a:rPr lang="en-US" sz="3200" dirty="0">
+                <a:latin typeface="Courier New" panose="02070309020205020404" pitchFamily="49" charset="0"/>
+                <a:cs typeface="Courier New" panose="02070309020205020404" pitchFamily="49" charset="0"/>
+              </a:rPr>
+              <a:t>__(</a:t>
+            </a:r>
+            <a:r>
+              <a:rPr lang="en-US" sz="3200" dirty="0" err="1">
+                <a:latin typeface="Courier New" panose="02070309020205020404" pitchFamily="49" charset="0"/>
+                <a:cs typeface="Courier New" panose="02070309020205020404" pitchFamily="49" charset="0"/>
+              </a:rPr>
+              <a:t>cls</a:t>
+            </a:r>
+            <a:r>
+              <a:rPr lang="en-US" sz="3200" dirty="0">
+                <a:latin typeface="Courier New" panose="02070309020205020404" pitchFamily="49" charset="0"/>
+                <a:cs typeface="Courier New" panose="02070309020205020404" pitchFamily="49" charset="0"/>
+              </a:rPr>
+              <a:t>, name, bases, </a:t>
+            </a:r>
+            <a:r>
+              <a:rPr lang="en-US" sz="3200" dirty="0" err="1">
+                <a:latin typeface="Courier New" panose="02070309020205020404" pitchFamily="49" charset="0"/>
+                <a:cs typeface="Courier New" panose="02070309020205020404" pitchFamily="49" charset="0"/>
+              </a:rPr>
+              <a:t>dict</a:t>
+            </a:r>
+            <a:r>
+              <a:rPr lang="en-US" sz="3200" dirty="0">
+                <a:latin typeface="Courier New" panose="02070309020205020404" pitchFamily="49" charset="0"/>
+                <a:cs typeface="Courier New" panose="02070309020205020404" pitchFamily="49" charset="0"/>
+              </a:rPr>
+              <a:t>)</a:t>
+            </a:r>
+            <a:endParaRPr lang="fr-FR" sz="3200" dirty="0" smtClean="0">
+              <a:latin typeface="Courier New" panose="02070309020205020404" pitchFamily="49" charset="0"/>
+              <a:cs typeface="Courier New" panose="02070309020205020404" pitchFamily="49" charset="0"/>
+            </a:endParaRPr>
+          </a:p>
         </p:txBody>
       </p:sp>
     </p:spTree>
     <p:extLst>
       <p:ext uri="{BB962C8B-B14F-4D97-AF65-F5344CB8AC3E}">
-        <p14:creationId xmlns:p14="http://schemas.microsoft.com/office/powerpoint/2010/main" val="764096279"/>
+        <p14:creationId xmlns:p14="http://schemas.microsoft.com/office/powerpoint/2010/main" val="1807560953"/>
       </p:ext>
     </p:extLst>
   </p:cSld>
@@ -12132,6 +13351,150 @@
       </p:grpSpPr>
       <p:sp>
         <p:nvSpPr>
+          <p:cNvPr id="5" name="ZoneTexte 4"/>
+          <p:cNvSpPr txBox="1"/>
+          <p:nvPr/>
+        </p:nvSpPr>
+        <p:spPr>
+          <a:xfrm>
+            <a:off x="401443" y="572766"/>
+            <a:ext cx="11790557" cy="3600986"/>
+          </a:xfrm>
+          <a:prstGeom prst="rect">
+            <a:avLst/>
+          </a:prstGeom>
+          <a:noFill/>
+        </p:spPr>
+        <p:txBody>
+          <a:bodyPr wrap="square" rtlCol="0">
+            <a:spAutoFit/>
+          </a:bodyPr>
+          <a:lstStyle/>
+          <a:p>
+            <a:r>
+              <a:rPr lang="fr-FR" sz="4800" dirty="0" smtClean="0">
+                <a:latin typeface="Courier New" panose="02070309020205020404" pitchFamily="49" charset="0"/>
+                <a:cs typeface="Courier New" panose="02070309020205020404" pitchFamily="49" charset="0"/>
+              </a:rPr>
+              <a:t>__new__ </a:t>
+            </a:r>
+            <a:r>
+              <a:rPr lang="fr-FR" sz="4800" dirty="0">
+                <a:latin typeface="Calibri" panose="020F0502020204030204" pitchFamily="34" charset="0"/>
+                <a:cs typeface="Courier New" panose="02070309020205020404" pitchFamily="49" charset="0"/>
+              </a:rPr>
+              <a:t>crée l’objet classe</a:t>
+            </a:r>
+            <a:endParaRPr lang="fr-FR" sz="4800" dirty="0" smtClean="0">
+              <a:latin typeface="Calibri" panose="020F0502020204030204" pitchFamily="34" charset="0"/>
+              <a:cs typeface="Courier New" panose="02070309020205020404" pitchFamily="49" charset="0"/>
+            </a:endParaRPr>
+          </a:p>
+          <a:p>
+            <a:pPr marL="1314450" lvl="1" indent="-857250">
+              <a:buFont typeface="Arial" panose="020B0604020202020204" pitchFamily="34" charset="0"/>
+              <a:buChar char="•"/>
+            </a:pPr>
+            <a:r>
+              <a:rPr lang="fr-FR" sz="4400" dirty="0" smtClean="0">
+                <a:latin typeface="Calibri" panose="020F0502020204030204" pitchFamily="34" charset="0"/>
+                <a:cs typeface="Courier New" panose="02070309020205020404" pitchFamily="49" charset="0"/>
+              </a:rPr>
+              <a:t>Utile pour modifier l’espace de nommage ou les superclasses avant la création de la classe</a:t>
+            </a:r>
+          </a:p>
+          <a:p>
+            <a:r>
+              <a:rPr lang="fr-FR" sz="4800" dirty="0" smtClean="0">
+                <a:latin typeface="Courier New" panose="02070309020205020404" pitchFamily="49" charset="0"/>
+                <a:cs typeface="Courier New" panose="02070309020205020404" pitchFamily="49" charset="0"/>
+              </a:rPr>
+              <a:t>__</a:t>
+            </a:r>
+            <a:r>
+              <a:rPr lang="fr-FR" sz="4800" dirty="0" err="1" smtClean="0">
+                <a:latin typeface="Courier New" panose="02070309020205020404" pitchFamily="49" charset="0"/>
+                <a:cs typeface="Courier New" panose="02070309020205020404" pitchFamily="49" charset="0"/>
+              </a:rPr>
+              <a:t>init</a:t>
+            </a:r>
+            <a:r>
+              <a:rPr lang="fr-FR" sz="4800" dirty="0" smtClean="0">
+                <a:latin typeface="Courier New" panose="02070309020205020404" pitchFamily="49" charset="0"/>
+                <a:cs typeface="Courier New" panose="02070309020205020404" pitchFamily="49" charset="0"/>
+              </a:rPr>
+              <a:t>__ </a:t>
+            </a:r>
+            <a:r>
+              <a:rPr lang="fr-FR" sz="4800" dirty="0">
+                <a:latin typeface="Calibri" panose="020F0502020204030204" pitchFamily="34" charset="0"/>
+                <a:cs typeface="Courier New" panose="02070309020205020404" pitchFamily="49" charset="0"/>
+              </a:rPr>
+              <a:t>initialise l’objet classe</a:t>
+            </a:r>
+            <a:endParaRPr lang="fr-FR" sz="4800" dirty="0" smtClean="0">
+              <a:latin typeface="Calibri" panose="020F0502020204030204" pitchFamily="34" charset="0"/>
+              <a:cs typeface="Courier New" panose="02070309020205020404" pitchFamily="49" charset="0"/>
+            </a:endParaRPr>
+          </a:p>
+          <a:p>
+            <a:pPr marL="1143000" lvl="1" indent="-685800">
+              <a:buFont typeface="Arial" panose="020B0604020202020204" pitchFamily="34" charset="0"/>
+              <a:buChar char="•"/>
+            </a:pPr>
+            <a:r>
+              <a:rPr lang="fr-FR" sz="4400" dirty="0" smtClean="0">
+                <a:latin typeface="Calibri" panose="020F0502020204030204" pitchFamily="34" charset="0"/>
+                <a:cs typeface="Courier New" panose="02070309020205020404" pitchFamily="49" charset="0"/>
+              </a:rPr>
+              <a:t>Utile pour modifier la classe après sa création</a:t>
+            </a:r>
+            <a:endParaRPr lang="fr-FR" sz="4400" dirty="0" smtClean="0">
+              <a:latin typeface="Courier New" panose="02070309020205020404" pitchFamily="49" charset="0"/>
+              <a:cs typeface="Courier New" panose="02070309020205020404" pitchFamily="49" charset="0"/>
+            </a:endParaRPr>
+          </a:p>
+        </p:txBody>
+      </p:sp>
+    </p:spTree>
+    <p:extLst>
+      <p:ext uri="{BB962C8B-B14F-4D97-AF65-F5344CB8AC3E}">
+        <p14:creationId xmlns:p14="http://schemas.microsoft.com/office/powerpoint/2010/main" val="764096279"/>
+      </p:ext>
+    </p:extLst>
+  </p:cSld>
+  <p:clrMapOvr>
+    <a:masterClrMapping/>
+  </p:clrMapOvr>
+  <p:timing>
+    <p:tnLst>
+      <p:par>
+        <p:cTn id="1" dur="indefinite" restart="never" nodeType="tmRoot"/>
+      </p:par>
+    </p:tnLst>
+  </p:timing>
+</p:sld>
+</file>
+
+<file path=ppt/slides/slide24.xml><?xml version="1.0" encoding="utf-8"?>
+<p:sld xmlns:a="http://schemas.openxmlformats.org/drawingml/2006/main" xmlns:r="http://schemas.openxmlformats.org/officeDocument/2006/relationships" xmlns:p="http://schemas.openxmlformats.org/presentationml/2006/main">
+  <p:cSld>
+    <p:spTree>
+      <p:nvGrpSpPr>
+        <p:cNvPr id="1" name=""/>
+        <p:cNvGrpSpPr/>
+        <p:nvPr/>
+      </p:nvGrpSpPr>
+      <p:grpSpPr>
+        <a:xfrm>
+          <a:off x="0" y="0"/>
+          <a:ext cx="0" cy="0"/>
+          <a:chOff x="0" y="0"/>
+          <a:chExt cx="0" cy="0"/>
+        </a:xfrm>
+      </p:grpSpPr>
+      <p:sp>
+        <p:nvSpPr>
           <p:cNvPr id="2" name="ZoneTexte 1"/>
           <p:cNvSpPr txBox="1"/>
           <p:nvPr/>
@@ -12683,10 +14046,6 @@
               </a:rPr>
               <a:t>"</a:t>
             </a:r>
-            <a:endParaRPr lang="en-US" dirty="0">
-              <a:latin typeface="Courier New" panose="02070309020205020404" pitchFamily="49" charset="0"/>
-              <a:cs typeface="Courier New" panose="02070309020205020404" pitchFamily="49" charset="0"/>
-            </a:endParaRPr>
           </a:p>
         </p:txBody>
       </p:sp>
@@ -12781,7 +14140,7 @@
 </p:sld>
 </file>
 
-<file path=ppt/slides/slide24.xml><?xml version="1.0" encoding="utf-8"?>
+<file path=ppt/slides/slide25.xml><?xml version="1.0" encoding="utf-8"?>
 <p:sld xmlns:a="http://schemas.openxmlformats.org/drawingml/2006/main" xmlns:r="http://schemas.openxmlformats.org/officeDocument/2006/relationships" xmlns:p="http://schemas.openxmlformats.org/presentationml/2006/main">
   <p:cSld>
     <p:spTree>
@@ -13009,6 +14368,1396 @@
     <p:bldLst>
       <p:bldP spid="2" grpId="0"/>
     </p:bldLst>
+  </p:timing>
+</p:sld>
+</file>
+
+<file path=ppt/slides/slide26.xml><?xml version="1.0" encoding="utf-8"?>
+<p:sld xmlns:a="http://schemas.openxmlformats.org/drawingml/2006/main" xmlns:r="http://schemas.openxmlformats.org/officeDocument/2006/relationships" xmlns:p="http://schemas.openxmlformats.org/presentationml/2006/main">
+  <p:cSld>
+    <p:spTree>
+      <p:nvGrpSpPr>
+        <p:cNvPr id="1" name=""/>
+        <p:cNvGrpSpPr/>
+        <p:nvPr/>
+      </p:nvGrpSpPr>
+      <p:grpSpPr>
+        <a:xfrm>
+          <a:off x="0" y="0"/>
+          <a:ext cx="0" cy="0"/>
+          <a:chOff x="0" y="0"/>
+          <a:chExt cx="0" cy="0"/>
+        </a:xfrm>
+      </p:grpSpPr>
+      <p:sp>
+        <p:nvSpPr>
+          <p:cNvPr id="7" name="ZoneTexte 6"/>
+          <p:cNvSpPr txBox="1"/>
+          <p:nvPr/>
+        </p:nvSpPr>
+        <p:spPr>
+          <a:xfrm>
+            <a:off x="4174065" y="4056554"/>
+            <a:ext cx="2031999" cy="769441"/>
+          </a:xfrm>
+          <a:prstGeom prst="rect">
+            <a:avLst/>
+          </a:prstGeom>
+          <a:noFill/>
+          <a:ln w="50800">
+            <a:solidFill>
+              <a:schemeClr val="tx1"/>
+            </a:solidFill>
+          </a:ln>
+        </p:spPr>
+        <p:txBody>
+          <a:bodyPr wrap="square" rtlCol="0">
+            <a:spAutoFit/>
+          </a:bodyPr>
+          <a:lstStyle/>
+          <a:p>
+            <a:pPr algn="ctr"/>
+            <a:r>
+              <a:rPr lang="fr-FR" sz="4400" dirty="0" smtClean="0">
+                <a:latin typeface="Calibri" panose="020F0502020204030204" pitchFamily="34" charset="0"/>
+                <a:cs typeface="Calibri" panose="020F0502020204030204" pitchFamily="34" charset="0"/>
+              </a:rPr>
+              <a:t>class C</a:t>
+            </a:r>
+            <a:endParaRPr lang="fr-FR" sz="4400" dirty="0">
+              <a:latin typeface="Calibri" panose="020F0502020204030204" pitchFamily="34" charset="0"/>
+              <a:cs typeface="Calibri" panose="020F0502020204030204" pitchFamily="34" charset="0"/>
+            </a:endParaRPr>
+          </a:p>
+        </p:txBody>
+      </p:sp>
+      <p:sp>
+        <p:nvSpPr>
+          <p:cNvPr id="9" name="ZoneTexte 8"/>
+          <p:cNvSpPr txBox="1"/>
+          <p:nvPr/>
+        </p:nvSpPr>
+        <p:spPr>
+          <a:xfrm>
+            <a:off x="86416" y="2399135"/>
+            <a:ext cx="3400093" cy="769441"/>
+          </a:xfrm>
+          <a:prstGeom prst="rect">
+            <a:avLst/>
+          </a:prstGeom>
+          <a:noFill/>
+          <a:ln w="50800">
+            <a:solidFill>
+              <a:schemeClr val="tx1"/>
+            </a:solidFill>
+          </a:ln>
+        </p:spPr>
+        <p:txBody>
+          <a:bodyPr wrap="square" rtlCol="0">
+            <a:spAutoFit/>
+          </a:bodyPr>
+          <a:lstStyle/>
+          <a:p>
+            <a:pPr algn="ctr"/>
+            <a:r>
+              <a:rPr lang="fr-FR" sz="4400" dirty="0" err="1" smtClean="0">
+                <a:latin typeface="Calibri" panose="020F0502020204030204" pitchFamily="34" charset="0"/>
+                <a:cs typeface="Calibri" panose="020F0502020204030204" pitchFamily="34" charset="0"/>
+              </a:rPr>
+              <a:t>metaclass</a:t>
+            </a:r>
+            <a:r>
+              <a:rPr lang="fr-FR" sz="4400" dirty="0" smtClean="0">
+                <a:latin typeface="Calibri" panose="020F0502020204030204" pitchFamily="34" charset="0"/>
+                <a:cs typeface="Calibri" panose="020F0502020204030204" pitchFamily="34" charset="0"/>
+              </a:rPr>
+              <a:t> M</a:t>
+            </a:r>
+            <a:endParaRPr lang="fr-FR" sz="4400" dirty="0">
+              <a:latin typeface="Calibri" panose="020F0502020204030204" pitchFamily="34" charset="0"/>
+              <a:cs typeface="Calibri" panose="020F0502020204030204" pitchFamily="34" charset="0"/>
+            </a:endParaRPr>
+          </a:p>
+        </p:txBody>
+      </p:sp>
+      <p:sp>
+        <p:nvSpPr>
+          <p:cNvPr id="10" name="ZoneTexte 9"/>
+          <p:cNvSpPr txBox="1"/>
+          <p:nvPr/>
+        </p:nvSpPr>
+        <p:spPr>
+          <a:xfrm>
+            <a:off x="4174066" y="737621"/>
+            <a:ext cx="2031999" cy="769441"/>
+          </a:xfrm>
+          <a:prstGeom prst="rect">
+            <a:avLst/>
+          </a:prstGeom>
+          <a:noFill/>
+          <a:ln w="50800">
+            <a:solidFill>
+              <a:schemeClr val="tx1"/>
+            </a:solidFill>
+          </a:ln>
+        </p:spPr>
+        <p:txBody>
+          <a:bodyPr wrap="square" rtlCol="0">
+            <a:spAutoFit/>
+          </a:bodyPr>
+          <a:lstStyle/>
+          <a:p>
+            <a:pPr algn="ctr"/>
+            <a:r>
+              <a:rPr lang="fr-FR" sz="4400" dirty="0" err="1" smtClean="0">
+                <a:latin typeface="Calibri" panose="020F0502020204030204" pitchFamily="34" charset="0"/>
+                <a:cs typeface="Calibri" panose="020F0502020204030204" pitchFamily="34" charset="0"/>
+              </a:rPr>
+              <a:t>object</a:t>
+            </a:r>
+            <a:endParaRPr lang="fr-FR" sz="4400" dirty="0">
+              <a:latin typeface="Calibri" panose="020F0502020204030204" pitchFamily="34" charset="0"/>
+              <a:cs typeface="Calibri" panose="020F0502020204030204" pitchFamily="34" charset="0"/>
+            </a:endParaRPr>
+          </a:p>
+        </p:txBody>
+      </p:sp>
+      <p:sp>
+        <p:nvSpPr>
+          <p:cNvPr id="11" name="ZoneTexte 10"/>
+          <p:cNvSpPr txBox="1"/>
+          <p:nvPr/>
+        </p:nvSpPr>
+        <p:spPr>
+          <a:xfrm>
+            <a:off x="3352796" y="5716020"/>
+            <a:ext cx="3674536" cy="769441"/>
+          </a:xfrm>
+          <a:prstGeom prst="rect">
+            <a:avLst/>
+          </a:prstGeom>
+          <a:noFill/>
+          <a:ln w="50800">
+            <a:solidFill>
+              <a:schemeClr val="tx1"/>
+            </a:solidFill>
+          </a:ln>
+        </p:spPr>
+        <p:txBody>
+          <a:bodyPr wrap="square" rtlCol="0">
+            <a:spAutoFit/>
+          </a:bodyPr>
+          <a:lstStyle/>
+          <a:p>
+            <a:pPr algn="ctr"/>
+            <a:r>
+              <a:rPr lang="fr-FR" sz="4400" dirty="0">
+                <a:latin typeface="Calibri" panose="020F0502020204030204" pitchFamily="34" charset="0"/>
+                <a:cs typeface="Calibri" panose="020F0502020204030204" pitchFamily="34" charset="0"/>
+              </a:rPr>
+              <a:t>i</a:t>
+            </a:r>
+            <a:r>
+              <a:rPr lang="fr-FR" sz="4400" dirty="0" smtClean="0">
+                <a:latin typeface="Calibri" panose="020F0502020204030204" pitchFamily="34" charset="0"/>
+                <a:cs typeface="Calibri" panose="020F0502020204030204" pitchFamily="34" charset="0"/>
+              </a:rPr>
+              <a:t>nstance de C</a:t>
+            </a:r>
+            <a:endParaRPr lang="fr-FR" sz="4400" dirty="0">
+              <a:latin typeface="Calibri" panose="020F0502020204030204" pitchFamily="34" charset="0"/>
+              <a:cs typeface="Calibri" panose="020F0502020204030204" pitchFamily="34" charset="0"/>
+            </a:endParaRPr>
+          </a:p>
+        </p:txBody>
+      </p:sp>
+      <p:sp>
+        <p:nvSpPr>
+          <p:cNvPr id="12" name="ZoneTexte 11"/>
+          <p:cNvSpPr txBox="1"/>
+          <p:nvPr/>
+        </p:nvSpPr>
+        <p:spPr>
+          <a:xfrm>
+            <a:off x="770463" y="730175"/>
+            <a:ext cx="2031999" cy="769441"/>
+          </a:xfrm>
+          <a:prstGeom prst="rect">
+            <a:avLst/>
+          </a:prstGeom>
+          <a:noFill/>
+          <a:ln w="50800">
+            <a:solidFill>
+              <a:schemeClr val="tx1"/>
+            </a:solidFill>
+          </a:ln>
+        </p:spPr>
+        <p:txBody>
+          <a:bodyPr wrap="square" rtlCol="0">
+            <a:spAutoFit/>
+          </a:bodyPr>
+          <a:lstStyle/>
+          <a:p>
+            <a:pPr algn="ctr"/>
+            <a:r>
+              <a:rPr lang="fr-FR" sz="4400" dirty="0" smtClean="0">
+                <a:latin typeface="Calibri" panose="020F0502020204030204" pitchFamily="34" charset="0"/>
+                <a:cs typeface="Calibri" panose="020F0502020204030204" pitchFamily="34" charset="0"/>
+              </a:rPr>
+              <a:t>type</a:t>
+            </a:r>
+            <a:endParaRPr lang="fr-FR" sz="4400" dirty="0">
+              <a:latin typeface="Calibri" panose="020F0502020204030204" pitchFamily="34" charset="0"/>
+              <a:cs typeface="Calibri" panose="020F0502020204030204" pitchFamily="34" charset="0"/>
+            </a:endParaRPr>
+          </a:p>
+        </p:txBody>
+      </p:sp>
+      <p:cxnSp>
+        <p:nvCxnSpPr>
+          <p:cNvPr id="14" name="Connecteur droit avec flèche 13"/>
+          <p:cNvCxnSpPr>
+            <a:stCxn id="11" idx="0"/>
+            <a:endCxn id="7" idx="2"/>
+          </p:cNvCxnSpPr>
+          <p:nvPr/>
+        </p:nvCxnSpPr>
+        <p:spPr bwMode="auto">
+          <a:xfrm flipV="1">
+            <a:off x="5190064" y="4825995"/>
+            <a:ext cx="1" cy="890025"/>
+          </a:xfrm>
+          <a:prstGeom prst="straightConnector1">
+            <a:avLst/>
+          </a:prstGeom>
+          <a:noFill/>
+          <a:ln w="38100" cap="flat" cmpd="sng" algn="ctr">
+            <a:solidFill>
+              <a:srgbClr val="00B050"/>
+            </a:solidFill>
+            <a:prstDash val="solid"/>
+            <a:round/>
+            <a:headEnd type="none" w="med" len="med"/>
+            <a:tailEnd type="triangle" w="lg" len="lg"/>
+          </a:ln>
+          <a:effectLst/>
+        </p:spPr>
+      </p:cxnSp>
+      <p:cxnSp>
+        <p:nvCxnSpPr>
+          <p:cNvPr id="21" name="Connecteur droit avec flèche 20"/>
+          <p:cNvCxnSpPr/>
+          <p:nvPr/>
+        </p:nvCxnSpPr>
+        <p:spPr bwMode="auto">
+          <a:xfrm flipH="1" flipV="1">
+            <a:off x="2802462" y="1271013"/>
+            <a:ext cx="1371604" cy="7446"/>
+          </a:xfrm>
+          <a:prstGeom prst="straightConnector1">
+            <a:avLst/>
+          </a:prstGeom>
+          <a:noFill/>
+          <a:ln w="38100" cap="flat" cmpd="sng" algn="ctr">
+            <a:solidFill>
+              <a:srgbClr val="00B050"/>
+            </a:solidFill>
+            <a:prstDash val="solid"/>
+            <a:round/>
+            <a:headEnd type="none" w="med" len="med"/>
+            <a:tailEnd type="triangle" w="lg" len="lg"/>
+          </a:ln>
+          <a:effectLst/>
+        </p:spPr>
+      </p:cxnSp>
+      <p:sp>
+        <p:nvSpPr>
+          <p:cNvPr id="22" name="Forme libre 21"/>
+          <p:cNvSpPr/>
+          <p:nvPr/>
+        </p:nvSpPr>
+        <p:spPr bwMode="auto">
+          <a:xfrm>
+            <a:off x="215201" y="215106"/>
+            <a:ext cx="1838853" cy="866562"/>
+          </a:xfrm>
+          <a:custGeom>
+            <a:avLst/>
+            <a:gdLst>
+              <a:gd name="connsiteX0" fmla="*/ 565384 w 1838853"/>
+              <a:gd name="connsiteY0" fmla="*/ 866562 h 866562"/>
+              <a:gd name="connsiteX1" fmla="*/ 52428 w 1838853"/>
+              <a:gd name="connsiteY1" fmla="*/ 141733 h 866562"/>
+              <a:gd name="connsiteX2" fmla="*/ 1691658 w 1838853"/>
+              <a:gd name="connsiteY2" fmla="*/ 30221 h 866562"/>
+              <a:gd name="connsiteX3" fmla="*/ 1658204 w 1838853"/>
+              <a:gd name="connsiteY3" fmla="*/ 520874 h 866562"/>
+            </a:gdLst>
+            <a:ahLst/>
+            <a:cxnLst>
+              <a:cxn ang="0">
+                <a:pos x="connsiteX0" y="connsiteY0"/>
+              </a:cxn>
+              <a:cxn ang="0">
+                <a:pos x="connsiteX1" y="connsiteY1"/>
+              </a:cxn>
+              <a:cxn ang="0">
+                <a:pos x="connsiteX2" y="connsiteY2"/>
+              </a:cxn>
+              <a:cxn ang="0">
+                <a:pos x="connsiteX3" y="connsiteY3"/>
+              </a:cxn>
+            </a:cxnLst>
+            <a:rect l="l" t="t" r="r" b="b"/>
+            <a:pathLst>
+              <a:path w="1838853" h="866562">
+                <a:moveTo>
+                  <a:pt x="565384" y="866562"/>
+                </a:moveTo>
+                <a:cubicBezTo>
+                  <a:pt x="215050" y="573842"/>
+                  <a:pt x="-135284" y="281123"/>
+                  <a:pt x="52428" y="141733"/>
+                </a:cubicBezTo>
+                <a:cubicBezTo>
+                  <a:pt x="240140" y="2343"/>
+                  <a:pt x="1424029" y="-32969"/>
+                  <a:pt x="1691658" y="30221"/>
+                </a:cubicBezTo>
+                <a:cubicBezTo>
+                  <a:pt x="1959287" y="93411"/>
+                  <a:pt x="1808745" y="307142"/>
+                  <a:pt x="1658204" y="520874"/>
+                </a:cubicBezTo>
+              </a:path>
+            </a:pathLst>
+          </a:custGeom>
+          <a:noFill/>
+          <a:ln w="38100" cap="flat" cmpd="sng" algn="ctr">
+            <a:solidFill>
+              <a:srgbClr val="00B050"/>
+            </a:solidFill>
+            <a:prstDash val="solid"/>
+            <a:round/>
+            <a:headEnd type="none" w="med" len="med"/>
+            <a:tailEnd type="triangle" w="lg" len="lg"/>
+          </a:ln>
+          <a:effectLst/>
+        </p:spPr>
+        <p:txBody>
+          <a:bodyPr rtlCol="0" anchor="ctr"/>
+          <a:lstStyle/>
+          <a:p>
+            <a:pPr algn="ctr"/>
+            <a:endParaRPr lang="fr-FR"/>
+          </a:p>
+        </p:txBody>
+      </p:sp>
+      <p:cxnSp>
+        <p:nvCxnSpPr>
+          <p:cNvPr id="24" name="Connecteur droit avec flèche 23"/>
+          <p:cNvCxnSpPr>
+            <a:stCxn id="7" idx="0"/>
+            <a:endCxn id="10" idx="2"/>
+          </p:cNvCxnSpPr>
+          <p:nvPr/>
+        </p:nvCxnSpPr>
+        <p:spPr bwMode="auto">
+          <a:xfrm flipV="1">
+            <a:off x="5190065" y="1507062"/>
+            <a:ext cx="1" cy="2549492"/>
+          </a:xfrm>
+          <a:prstGeom prst="straightConnector1">
+            <a:avLst/>
+          </a:prstGeom>
+          <a:noFill/>
+          <a:ln w="38100" cap="flat" cmpd="sng" algn="ctr">
+            <a:solidFill>
+              <a:srgbClr val="FF0000"/>
+            </a:solidFill>
+            <a:prstDash val="solid"/>
+            <a:round/>
+            <a:headEnd type="none" w="med" len="med"/>
+            <a:tailEnd type="triangle" w="lg" len="lg"/>
+          </a:ln>
+          <a:effectLst/>
+        </p:spPr>
+      </p:cxnSp>
+      <p:cxnSp>
+        <p:nvCxnSpPr>
+          <p:cNvPr id="28" name="Connecteur droit avec flèche 27"/>
+          <p:cNvCxnSpPr/>
+          <p:nvPr/>
+        </p:nvCxnSpPr>
+        <p:spPr bwMode="auto">
+          <a:xfrm>
+            <a:off x="2802462" y="959005"/>
+            <a:ext cx="1368094" cy="11151"/>
+          </a:xfrm>
+          <a:prstGeom prst="straightConnector1">
+            <a:avLst/>
+          </a:prstGeom>
+          <a:noFill/>
+          <a:ln w="38100" cap="flat" cmpd="sng" algn="ctr">
+            <a:solidFill>
+              <a:srgbClr val="FF0000"/>
+            </a:solidFill>
+            <a:prstDash val="solid"/>
+            <a:round/>
+            <a:headEnd type="none" w="med" len="med"/>
+            <a:tailEnd type="triangle" w="lg" len="lg"/>
+          </a:ln>
+          <a:effectLst/>
+        </p:spPr>
+      </p:cxnSp>
+      <p:grpSp>
+        <p:nvGrpSpPr>
+          <p:cNvPr id="40" name="Groupe 39"/>
+          <p:cNvGrpSpPr/>
+          <p:nvPr/>
+        </p:nvGrpSpPr>
+        <p:grpSpPr>
+          <a:xfrm>
+            <a:off x="-5600" y="5111834"/>
+            <a:ext cx="2808062" cy="1540459"/>
+            <a:chOff x="-79356" y="4560281"/>
+            <a:chExt cx="2808062" cy="1540459"/>
+          </a:xfrm>
+        </p:grpSpPr>
+        <p:cxnSp>
+          <p:nvCxnSpPr>
+            <p:cNvPr id="30" name="Connecteur droit avec flèche 29"/>
+            <p:cNvCxnSpPr/>
+            <p:nvPr/>
+          </p:nvCxnSpPr>
+          <p:spPr bwMode="auto">
+            <a:xfrm>
+              <a:off x="301084" y="5097940"/>
+              <a:ext cx="2118732" cy="0"/>
+            </a:xfrm>
+            <a:prstGeom prst="straightConnector1">
+              <a:avLst/>
+            </a:prstGeom>
+            <a:noFill/>
+            <a:ln w="38100" cap="flat" cmpd="sng" algn="ctr">
+              <a:solidFill>
+                <a:srgbClr val="00B050"/>
+              </a:solidFill>
+              <a:prstDash val="solid"/>
+              <a:round/>
+              <a:headEnd type="none" w="med" len="med"/>
+              <a:tailEnd type="triangle" w="lg" len="lg"/>
+            </a:ln>
+            <a:effectLst/>
+          </p:spPr>
+        </p:cxnSp>
+        <p:sp>
+          <p:nvSpPr>
+            <p:cNvPr id="31" name="ZoneTexte 30"/>
+            <p:cNvSpPr txBox="1"/>
+            <p:nvPr/>
+          </p:nvSpPr>
+          <p:spPr>
+            <a:xfrm>
+              <a:off x="-50219" y="4560281"/>
+              <a:ext cx="2778925" cy="523220"/>
+            </a:xfrm>
+            <a:prstGeom prst="rect">
+              <a:avLst/>
+            </a:prstGeom>
+            <a:noFill/>
+            <a:ln w="50800">
+              <a:noFill/>
+            </a:ln>
+          </p:spPr>
+          <p:txBody>
+            <a:bodyPr wrap="square" rtlCol="0">
+              <a:spAutoFit/>
+            </a:bodyPr>
+            <a:lstStyle/>
+            <a:p>
+              <a:pPr algn="ctr"/>
+              <a:r>
+                <a:rPr lang="fr-FR" sz="2800" dirty="0">
+                  <a:latin typeface="Calibri" panose="020F0502020204030204" pitchFamily="34" charset="0"/>
+                  <a:cs typeface="Calibri" panose="020F0502020204030204" pitchFamily="34" charset="0"/>
+                </a:rPr>
+                <a:t>i</a:t>
+              </a:r>
+              <a:r>
+                <a:rPr lang="fr-FR" sz="2800" dirty="0" smtClean="0">
+                  <a:latin typeface="Calibri" panose="020F0502020204030204" pitchFamily="34" charset="0"/>
+                  <a:cs typeface="Calibri" panose="020F0502020204030204" pitchFamily="34" charset="0"/>
+                </a:rPr>
+                <a:t>nstancié par</a:t>
+              </a:r>
+            </a:p>
+          </p:txBody>
+        </p:sp>
+        <p:cxnSp>
+          <p:nvCxnSpPr>
+            <p:cNvPr id="37" name="Connecteur droit avec flèche 36"/>
+            <p:cNvCxnSpPr/>
+            <p:nvPr/>
+          </p:nvCxnSpPr>
+          <p:spPr bwMode="auto">
+            <a:xfrm>
+              <a:off x="301084" y="5874808"/>
+              <a:ext cx="2118732" cy="0"/>
+            </a:xfrm>
+            <a:prstGeom prst="straightConnector1">
+              <a:avLst/>
+            </a:prstGeom>
+            <a:noFill/>
+            <a:ln w="38100" cap="flat" cmpd="sng" algn="ctr">
+              <a:solidFill>
+                <a:srgbClr val="FF0000"/>
+              </a:solidFill>
+              <a:prstDash val="solid"/>
+              <a:round/>
+              <a:headEnd type="none" w="med" len="med"/>
+              <a:tailEnd type="triangle" w="lg" len="lg"/>
+            </a:ln>
+            <a:effectLst/>
+          </p:spPr>
+        </p:cxnSp>
+        <p:sp>
+          <p:nvSpPr>
+            <p:cNvPr id="38" name="ZoneTexte 37"/>
+            <p:cNvSpPr txBox="1"/>
+            <p:nvPr/>
+          </p:nvSpPr>
+          <p:spPr>
+            <a:xfrm>
+              <a:off x="-79356" y="5328538"/>
+              <a:ext cx="2778925" cy="523220"/>
+            </a:xfrm>
+            <a:prstGeom prst="rect">
+              <a:avLst/>
+            </a:prstGeom>
+            <a:noFill/>
+            <a:ln w="50800">
+              <a:noFill/>
+            </a:ln>
+          </p:spPr>
+          <p:txBody>
+            <a:bodyPr wrap="square" rtlCol="0">
+              <a:spAutoFit/>
+            </a:bodyPr>
+            <a:lstStyle/>
+            <a:p>
+              <a:pPr algn="ctr"/>
+              <a:r>
+                <a:rPr lang="fr-FR" sz="2800" dirty="0" smtClean="0">
+                  <a:latin typeface="Calibri" panose="020F0502020204030204" pitchFamily="34" charset="0"/>
+                  <a:cs typeface="Calibri" panose="020F0502020204030204" pitchFamily="34" charset="0"/>
+                </a:rPr>
+                <a:t>hérite de</a:t>
+              </a:r>
+            </a:p>
+          </p:txBody>
+        </p:sp>
+        <p:sp>
+          <p:nvSpPr>
+            <p:cNvPr id="39" name="Rectangle à coins arrondis 38"/>
+            <p:cNvSpPr/>
+            <p:nvPr/>
+          </p:nvSpPr>
+          <p:spPr bwMode="auto">
+            <a:xfrm>
+              <a:off x="89210" y="4574720"/>
+              <a:ext cx="2499270" cy="1526020"/>
+            </a:xfrm>
+            <a:prstGeom prst="roundRect">
+              <a:avLst/>
+            </a:prstGeom>
+            <a:noFill/>
+            <a:ln w="38100" cap="flat" cmpd="sng" algn="ctr">
+              <a:solidFill>
+                <a:schemeClr val="tx1"/>
+              </a:solidFill>
+              <a:prstDash val="solid"/>
+              <a:round/>
+              <a:headEnd type="none" w="med" len="med"/>
+              <a:tailEnd type="triangle" w="lg" len="lg"/>
+            </a:ln>
+            <a:effectLst/>
+          </p:spPr>
+          <p:txBody>
+            <a:bodyPr rot="0" spcFirstLastPara="0" vertOverflow="overflow" horzOverflow="overflow" vert="horz" wrap="square" lIns="91440" tIns="45720" rIns="91440" bIns="45720" numCol="1" spcCol="0" rtlCol="0" fromWordArt="0" anchor="ctr" anchorCtr="0" forceAA="0" compatLnSpc="1">
+              <a:prstTxWarp prst="textNoShape">
+                <a:avLst/>
+              </a:prstTxWarp>
+              <a:noAutofit/>
+            </a:bodyPr>
+            <a:lstStyle/>
+            <a:p>
+              <a:pPr algn="ctr"/>
+              <a:endParaRPr lang="fr-FR"/>
+            </a:p>
+          </p:txBody>
+        </p:sp>
+      </p:grpSp>
+      <p:sp>
+        <p:nvSpPr>
+          <p:cNvPr id="4" name="Forme libre 3"/>
+          <p:cNvSpPr/>
+          <p:nvPr/>
+        </p:nvSpPr>
+        <p:spPr bwMode="auto">
+          <a:xfrm>
+            <a:off x="1693333" y="3166533"/>
+            <a:ext cx="2472267" cy="1270000"/>
+          </a:xfrm>
+          <a:custGeom>
+            <a:avLst/>
+            <a:gdLst>
+              <a:gd name="connsiteX0" fmla="*/ 2472267 w 2472267"/>
+              <a:gd name="connsiteY0" fmla="*/ 1270000 h 1270000"/>
+              <a:gd name="connsiteX1" fmla="*/ 1016000 w 2472267"/>
+              <a:gd name="connsiteY1" fmla="*/ 982134 h 1270000"/>
+              <a:gd name="connsiteX2" fmla="*/ 0 w 2472267"/>
+              <a:gd name="connsiteY2" fmla="*/ 0 h 1270000"/>
+            </a:gdLst>
+            <a:ahLst/>
+            <a:cxnLst>
+              <a:cxn ang="0">
+                <a:pos x="connsiteX0" y="connsiteY0"/>
+              </a:cxn>
+              <a:cxn ang="0">
+                <a:pos x="connsiteX1" y="connsiteY1"/>
+              </a:cxn>
+              <a:cxn ang="0">
+                <a:pos x="connsiteX2" y="connsiteY2"/>
+              </a:cxn>
+            </a:cxnLst>
+            <a:rect l="l" t="t" r="r" b="b"/>
+            <a:pathLst>
+              <a:path w="2472267" h="1270000">
+                <a:moveTo>
+                  <a:pt x="2472267" y="1270000"/>
+                </a:moveTo>
+                <a:cubicBezTo>
+                  <a:pt x="1950156" y="1231900"/>
+                  <a:pt x="1428045" y="1193801"/>
+                  <a:pt x="1016000" y="982134"/>
+                </a:cubicBezTo>
+                <a:cubicBezTo>
+                  <a:pt x="603955" y="770467"/>
+                  <a:pt x="301977" y="385233"/>
+                  <a:pt x="0" y="0"/>
+                </a:cubicBezTo>
+              </a:path>
+            </a:pathLst>
+          </a:custGeom>
+          <a:noFill/>
+          <a:ln w="38100" cap="flat" cmpd="sng" algn="ctr">
+            <a:solidFill>
+              <a:srgbClr val="00B050"/>
+            </a:solidFill>
+            <a:prstDash val="solid"/>
+            <a:round/>
+            <a:headEnd type="none" w="med" len="med"/>
+            <a:tailEnd type="triangle" w="lg" len="lg"/>
+          </a:ln>
+          <a:effectLst/>
+        </p:spPr>
+        <p:txBody>
+          <a:bodyPr rtlCol="0" anchor="ctr"/>
+          <a:lstStyle/>
+          <a:p>
+            <a:pPr algn="ctr"/>
+            <a:endParaRPr lang="fr-FR"/>
+          </a:p>
+        </p:txBody>
+      </p:sp>
+      <p:cxnSp>
+        <p:nvCxnSpPr>
+          <p:cNvPr id="13" name="Connecteur droit avec flèche 12"/>
+          <p:cNvCxnSpPr/>
+          <p:nvPr/>
+        </p:nvCxnSpPr>
+        <p:spPr bwMode="auto">
+          <a:xfrm flipV="1">
+            <a:off x="1134627" y="1507062"/>
+            <a:ext cx="0" cy="892073"/>
+          </a:xfrm>
+          <a:prstGeom prst="straightConnector1">
+            <a:avLst/>
+          </a:prstGeom>
+          <a:noFill/>
+          <a:ln w="38100" cap="flat" cmpd="sng" algn="ctr">
+            <a:solidFill>
+              <a:srgbClr val="00B050"/>
+            </a:solidFill>
+            <a:prstDash val="solid"/>
+            <a:round/>
+            <a:headEnd type="none" w="med" len="med"/>
+            <a:tailEnd type="triangle" w="lg" len="lg"/>
+          </a:ln>
+          <a:effectLst/>
+        </p:spPr>
+      </p:cxnSp>
+      <p:cxnSp>
+        <p:nvCxnSpPr>
+          <p:cNvPr id="20" name="Connecteur droit avec flèche 19"/>
+          <p:cNvCxnSpPr/>
+          <p:nvPr/>
+        </p:nvCxnSpPr>
+        <p:spPr bwMode="auto">
+          <a:xfrm flipH="1" flipV="1">
+            <a:off x="2319867" y="1507062"/>
+            <a:ext cx="16933" cy="892073"/>
+          </a:xfrm>
+          <a:prstGeom prst="straightConnector1">
+            <a:avLst/>
+          </a:prstGeom>
+          <a:noFill/>
+          <a:ln w="38100" cap="flat" cmpd="sng" algn="ctr">
+            <a:solidFill>
+              <a:srgbClr val="FF0000"/>
+            </a:solidFill>
+            <a:prstDash val="solid"/>
+            <a:round/>
+            <a:headEnd type="none" w="med" len="med"/>
+            <a:tailEnd type="triangle" w="lg" len="lg"/>
+          </a:ln>
+          <a:effectLst/>
+        </p:spPr>
+      </p:cxnSp>
+    </p:spTree>
+    <p:extLst>
+      <p:ext uri="{BB962C8B-B14F-4D97-AF65-F5344CB8AC3E}">
+        <p14:creationId xmlns:p14="http://schemas.microsoft.com/office/powerpoint/2010/main" val="317103356"/>
+      </p:ext>
+    </p:extLst>
+  </p:cSld>
+  <p:clrMapOvr>
+    <a:masterClrMapping/>
+  </p:clrMapOvr>
+  <p:timing>
+    <p:tnLst>
+      <p:par>
+        <p:cTn id="1" dur="indefinite" restart="never" nodeType="tmRoot">
+          <p:childTnLst>
+            <p:seq concurrent="1" nextAc="seek">
+              <p:cTn id="2" dur="indefinite" nodeType="mainSeq">
+                <p:childTnLst>
+                  <p:par>
+                    <p:cTn id="3" fill="hold">
+                      <p:stCondLst>
+                        <p:cond delay="indefinite"/>
+                      </p:stCondLst>
+                      <p:childTnLst>
+                        <p:par>
+                          <p:cTn id="4" fill="hold">
+                            <p:stCondLst>
+                              <p:cond delay="0"/>
+                            </p:stCondLst>
+                            <p:childTnLst>
+                              <p:par>
+                                <p:cTn id="5" presetID="10" presetClass="entr" presetSubtype="0" fill="hold" nodeType="clickEffect">
+                                  <p:stCondLst>
+                                    <p:cond delay="0"/>
+                                  </p:stCondLst>
+                                  <p:childTnLst>
+                                    <p:set>
+                                      <p:cBhvr>
+                                        <p:cTn id="6" dur="1" fill="hold">
+                                          <p:stCondLst>
+                                            <p:cond delay="0"/>
+                                          </p:stCondLst>
+                                        </p:cTn>
+                                        <p:tgtEl>
+                                          <p:spTgt spid="28"/>
+                                        </p:tgtEl>
+                                        <p:attrNameLst>
+                                          <p:attrName>style.visibility</p:attrName>
+                                        </p:attrNameLst>
+                                      </p:cBhvr>
+                                      <p:to>
+                                        <p:strVal val="visible"/>
+                                      </p:to>
+                                    </p:set>
+                                    <p:animEffect transition="in" filter="fade">
+                                      <p:cBhvr>
+                                        <p:cTn id="7" dur="500"/>
+                                        <p:tgtEl>
+                                          <p:spTgt spid="28"/>
+                                        </p:tgtEl>
+                                      </p:cBhvr>
+                                    </p:animEffect>
+                                  </p:childTnLst>
+                                </p:cTn>
+                              </p:par>
+                            </p:childTnLst>
+                          </p:cTn>
+                        </p:par>
+                      </p:childTnLst>
+                    </p:cTn>
+                  </p:par>
+                  <p:par>
+                    <p:cTn id="8" fill="hold">
+                      <p:stCondLst>
+                        <p:cond delay="indefinite"/>
+                      </p:stCondLst>
+                      <p:childTnLst>
+                        <p:par>
+                          <p:cTn id="9" fill="hold">
+                            <p:stCondLst>
+                              <p:cond delay="0"/>
+                            </p:stCondLst>
+                            <p:childTnLst>
+                              <p:par>
+                                <p:cTn id="10" presetID="10" presetClass="entr" presetSubtype="0" fill="hold" nodeType="clickEffect">
+                                  <p:stCondLst>
+                                    <p:cond delay="0"/>
+                                  </p:stCondLst>
+                                  <p:childTnLst>
+                                    <p:set>
+                                      <p:cBhvr>
+                                        <p:cTn id="11" dur="1" fill="hold">
+                                          <p:stCondLst>
+                                            <p:cond delay="0"/>
+                                          </p:stCondLst>
+                                        </p:cTn>
+                                        <p:tgtEl>
+                                          <p:spTgt spid="21"/>
+                                        </p:tgtEl>
+                                        <p:attrNameLst>
+                                          <p:attrName>style.visibility</p:attrName>
+                                        </p:attrNameLst>
+                                      </p:cBhvr>
+                                      <p:to>
+                                        <p:strVal val="visible"/>
+                                      </p:to>
+                                    </p:set>
+                                    <p:animEffect transition="in" filter="fade">
+                                      <p:cBhvr>
+                                        <p:cTn id="12" dur="500"/>
+                                        <p:tgtEl>
+                                          <p:spTgt spid="21"/>
+                                        </p:tgtEl>
+                                      </p:cBhvr>
+                                    </p:animEffect>
+                                  </p:childTnLst>
+                                </p:cTn>
+                              </p:par>
+                            </p:childTnLst>
+                          </p:cTn>
+                        </p:par>
+                      </p:childTnLst>
+                    </p:cTn>
+                  </p:par>
+                  <p:par>
+                    <p:cTn id="13" fill="hold">
+                      <p:stCondLst>
+                        <p:cond delay="indefinite"/>
+                      </p:stCondLst>
+                      <p:childTnLst>
+                        <p:par>
+                          <p:cTn id="14" fill="hold">
+                            <p:stCondLst>
+                              <p:cond delay="0"/>
+                            </p:stCondLst>
+                            <p:childTnLst>
+                              <p:par>
+                                <p:cTn id="15" presetID="10" presetClass="entr" presetSubtype="0" fill="hold" grpId="0" nodeType="clickEffect">
+                                  <p:stCondLst>
+                                    <p:cond delay="0"/>
+                                  </p:stCondLst>
+                                  <p:childTnLst>
+                                    <p:set>
+                                      <p:cBhvr>
+                                        <p:cTn id="16" dur="1" fill="hold">
+                                          <p:stCondLst>
+                                            <p:cond delay="0"/>
+                                          </p:stCondLst>
+                                        </p:cTn>
+                                        <p:tgtEl>
+                                          <p:spTgt spid="22"/>
+                                        </p:tgtEl>
+                                        <p:attrNameLst>
+                                          <p:attrName>style.visibility</p:attrName>
+                                        </p:attrNameLst>
+                                      </p:cBhvr>
+                                      <p:to>
+                                        <p:strVal val="visible"/>
+                                      </p:to>
+                                    </p:set>
+                                    <p:animEffect transition="in" filter="fade">
+                                      <p:cBhvr>
+                                        <p:cTn id="17" dur="500"/>
+                                        <p:tgtEl>
+                                          <p:spTgt spid="22"/>
+                                        </p:tgtEl>
+                                      </p:cBhvr>
+                                    </p:animEffect>
+                                  </p:childTnLst>
+                                </p:cTn>
+                              </p:par>
+                            </p:childTnLst>
+                          </p:cTn>
+                        </p:par>
+                      </p:childTnLst>
+                    </p:cTn>
+                  </p:par>
+                  <p:par>
+                    <p:cTn id="18" fill="hold">
+                      <p:stCondLst>
+                        <p:cond delay="indefinite"/>
+                      </p:stCondLst>
+                      <p:childTnLst>
+                        <p:par>
+                          <p:cTn id="19" fill="hold">
+                            <p:stCondLst>
+                              <p:cond delay="0"/>
+                            </p:stCondLst>
+                            <p:childTnLst>
+                              <p:par>
+                                <p:cTn id="20" presetID="10" presetClass="entr" presetSubtype="0" fill="hold" grpId="0" nodeType="clickEffect">
+                                  <p:stCondLst>
+                                    <p:cond delay="0"/>
+                                  </p:stCondLst>
+                                  <p:childTnLst>
+                                    <p:set>
+                                      <p:cBhvr>
+                                        <p:cTn id="21" dur="1" fill="hold">
+                                          <p:stCondLst>
+                                            <p:cond delay="0"/>
+                                          </p:stCondLst>
+                                        </p:cTn>
+                                        <p:tgtEl>
+                                          <p:spTgt spid="9"/>
+                                        </p:tgtEl>
+                                        <p:attrNameLst>
+                                          <p:attrName>style.visibility</p:attrName>
+                                        </p:attrNameLst>
+                                      </p:cBhvr>
+                                      <p:to>
+                                        <p:strVal val="visible"/>
+                                      </p:to>
+                                    </p:set>
+                                    <p:animEffect transition="in" filter="fade">
+                                      <p:cBhvr>
+                                        <p:cTn id="22" dur="500"/>
+                                        <p:tgtEl>
+                                          <p:spTgt spid="9"/>
+                                        </p:tgtEl>
+                                      </p:cBhvr>
+                                    </p:animEffect>
+                                  </p:childTnLst>
+                                </p:cTn>
+                              </p:par>
+                              <p:par>
+                                <p:cTn id="23" presetID="10" presetClass="entr" presetSubtype="0" fill="hold" nodeType="withEffect">
+                                  <p:stCondLst>
+                                    <p:cond delay="0"/>
+                                  </p:stCondLst>
+                                  <p:childTnLst>
+                                    <p:set>
+                                      <p:cBhvr>
+                                        <p:cTn id="24" dur="1" fill="hold">
+                                          <p:stCondLst>
+                                            <p:cond delay="0"/>
+                                          </p:stCondLst>
+                                        </p:cTn>
+                                        <p:tgtEl>
+                                          <p:spTgt spid="13"/>
+                                        </p:tgtEl>
+                                        <p:attrNameLst>
+                                          <p:attrName>style.visibility</p:attrName>
+                                        </p:attrNameLst>
+                                      </p:cBhvr>
+                                      <p:to>
+                                        <p:strVal val="visible"/>
+                                      </p:to>
+                                    </p:set>
+                                    <p:animEffect transition="in" filter="fade">
+                                      <p:cBhvr>
+                                        <p:cTn id="25" dur="500"/>
+                                        <p:tgtEl>
+                                          <p:spTgt spid="13"/>
+                                        </p:tgtEl>
+                                      </p:cBhvr>
+                                    </p:animEffect>
+                                  </p:childTnLst>
+                                </p:cTn>
+                              </p:par>
+                              <p:par>
+                                <p:cTn id="26" presetID="10" presetClass="entr" presetSubtype="0" fill="hold" nodeType="withEffect">
+                                  <p:stCondLst>
+                                    <p:cond delay="0"/>
+                                  </p:stCondLst>
+                                  <p:childTnLst>
+                                    <p:set>
+                                      <p:cBhvr>
+                                        <p:cTn id="27" dur="1" fill="hold">
+                                          <p:stCondLst>
+                                            <p:cond delay="0"/>
+                                          </p:stCondLst>
+                                        </p:cTn>
+                                        <p:tgtEl>
+                                          <p:spTgt spid="20"/>
+                                        </p:tgtEl>
+                                        <p:attrNameLst>
+                                          <p:attrName>style.visibility</p:attrName>
+                                        </p:attrNameLst>
+                                      </p:cBhvr>
+                                      <p:to>
+                                        <p:strVal val="visible"/>
+                                      </p:to>
+                                    </p:set>
+                                    <p:animEffect transition="in" filter="fade">
+                                      <p:cBhvr>
+                                        <p:cTn id="28" dur="500"/>
+                                        <p:tgtEl>
+                                          <p:spTgt spid="20"/>
+                                        </p:tgtEl>
+                                      </p:cBhvr>
+                                    </p:animEffect>
+                                  </p:childTnLst>
+                                </p:cTn>
+                              </p:par>
+                            </p:childTnLst>
+                          </p:cTn>
+                        </p:par>
+                      </p:childTnLst>
+                    </p:cTn>
+                  </p:par>
+                  <p:par>
+                    <p:cTn id="29" fill="hold">
+                      <p:stCondLst>
+                        <p:cond delay="indefinite"/>
+                      </p:stCondLst>
+                      <p:childTnLst>
+                        <p:par>
+                          <p:cTn id="30" fill="hold">
+                            <p:stCondLst>
+                              <p:cond delay="0"/>
+                            </p:stCondLst>
+                            <p:childTnLst>
+                              <p:par>
+                                <p:cTn id="31" presetID="10" presetClass="entr" presetSubtype="0" fill="hold" grpId="0" nodeType="clickEffect">
+                                  <p:stCondLst>
+                                    <p:cond delay="0"/>
+                                  </p:stCondLst>
+                                  <p:childTnLst>
+                                    <p:set>
+                                      <p:cBhvr>
+                                        <p:cTn id="32" dur="1" fill="hold">
+                                          <p:stCondLst>
+                                            <p:cond delay="0"/>
+                                          </p:stCondLst>
+                                        </p:cTn>
+                                        <p:tgtEl>
+                                          <p:spTgt spid="7"/>
+                                        </p:tgtEl>
+                                        <p:attrNameLst>
+                                          <p:attrName>style.visibility</p:attrName>
+                                        </p:attrNameLst>
+                                      </p:cBhvr>
+                                      <p:to>
+                                        <p:strVal val="visible"/>
+                                      </p:to>
+                                    </p:set>
+                                    <p:animEffect transition="in" filter="fade">
+                                      <p:cBhvr>
+                                        <p:cTn id="33" dur="500"/>
+                                        <p:tgtEl>
+                                          <p:spTgt spid="7"/>
+                                        </p:tgtEl>
+                                      </p:cBhvr>
+                                    </p:animEffect>
+                                  </p:childTnLst>
+                                </p:cTn>
+                              </p:par>
+                              <p:par>
+                                <p:cTn id="34" presetID="10" presetClass="entr" presetSubtype="0" fill="hold" nodeType="withEffect">
+                                  <p:stCondLst>
+                                    <p:cond delay="0"/>
+                                  </p:stCondLst>
+                                  <p:childTnLst>
+                                    <p:set>
+                                      <p:cBhvr>
+                                        <p:cTn id="35" dur="1" fill="hold">
+                                          <p:stCondLst>
+                                            <p:cond delay="0"/>
+                                          </p:stCondLst>
+                                        </p:cTn>
+                                        <p:tgtEl>
+                                          <p:spTgt spid="24"/>
+                                        </p:tgtEl>
+                                        <p:attrNameLst>
+                                          <p:attrName>style.visibility</p:attrName>
+                                        </p:attrNameLst>
+                                      </p:cBhvr>
+                                      <p:to>
+                                        <p:strVal val="visible"/>
+                                      </p:to>
+                                    </p:set>
+                                    <p:animEffect transition="in" filter="fade">
+                                      <p:cBhvr>
+                                        <p:cTn id="36" dur="500"/>
+                                        <p:tgtEl>
+                                          <p:spTgt spid="24"/>
+                                        </p:tgtEl>
+                                      </p:cBhvr>
+                                    </p:animEffect>
+                                  </p:childTnLst>
+                                </p:cTn>
+                              </p:par>
+                              <p:par>
+                                <p:cTn id="37" presetID="10" presetClass="entr" presetSubtype="0" fill="hold" grpId="0" nodeType="withEffect">
+                                  <p:stCondLst>
+                                    <p:cond delay="0"/>
+                                  </p:stCondLst>
+                                  <p:childTnLst>
+                                    <p:set>
+                                      <p:cBhvr>
+                                        <p:cTn id="38" dur="1" fill="hold">
+                                          <p:stCondLst>
+                                            <p:cond delay="0"/>
+                                          </p:stCondLst>
+                                        </p:cTn>
+                                        <p:tgtEl>
+                                          <p:spTgt spid="4"/>
+                                        </p:tgtEl>
+                                        <p:attrNameLst>
+                                          <p:attrName>style.visibility</p:attrName>
+                                        </p:attrNameLst>
+                                      </p:cBhvr>
+                                      <p:to>
+                                        <p:strVal val="visible"/>
+                                      </p:to>
+                                    </p:set>
+                                    <p:animEffect transition="in" filter="fade">
+                                      <p:cBhvr>
+                                        <p:cTn id="39" dur="500"/>
+                                        <p:tgtEl>
+                                          <p:spTgt spid="4"/>
+                                        </p:tgtEl>
+                                      </p:cBhvr>
+                                    </p:animEffect>
+                                  </p:childTnLst>
+                                </p:cTn>
+                              </p:par>
+                            </p:childTnLst>
+                          </p:cTn>
+                        </p:par>
+                      </p:childTnLst>
+                    </p:cTn>
+                  </p:par>
+                  <p:par>
+                    <p:cTn id="40" fill="hold">
+                      <p:stCondLst>
+                        <p:cond delay="indefinite"/>
+                      </p:stCondLst>
+                      <p:childTnLst>
+                        <p:par>
+                          <p:cTn id="41" fill="hold">
+                            <p:stCondLst>
+                              <p:cond delay="0"/>
+                            </p:stCondLst>
+                            <p:childTnLst>
+                              <p:par>
+                                <p:cTn id="42" presetID="10" presetClass="entr" presetSubtype="0" fill="hold" nodeType="clickEffect">
+                                  <p:stCondLst>
+                                    <p:cond delay="0"/>
+                                  </p:stCondLst>
+                                  <p:childTnLst>
+                                    <p:set>
+                                      <p:cBhvr>
+                                        <p:cTn id="43" dur="1" fill="hold">
+                                          <p:stCondLst>
+                                            <p:cond delay="0"/>
+                                          </p:stCondLst>
+                                        </p:cTn>
+                                        <p:tgtEl>
+                                          <p:spTgt spid="14"/>
+                                        </p:tgtEl>
+                                        <p:attrNameLst>
+                                          <p:attrName>style.visibility</p:attrName>
+                                        </p:attrNameLst>
+                                      </p:cBhvr>
+                                      <p:to>
+                                        <p:strVal val="visible"/>
+                                      </p:to>
+                                    </p:set>
+                                    <p:animEffect transition="in" filter="fade">
+                                      <p:cBhvr>
+                                        <p:cTn id="44" dur="500"/>
+                                        <p:tgtEl>
+                                          <p:spTgt spid="14"/>
+                                        </p:tgtEl>
+                                      </p:cBhvr>
+                                    </p:animEffect>
+                                  </p:childTnLst>
+                                </p:cTn>
+                              </p:par>
+                              <p:par>
+                                <p:cTn id="45" presetID="10" presetClass="entr" presetSubtype="0" fill="hold" grpId="0" nodeType="withEffect">
+                                  <p:stCondLst>
+                                    <p:cond delay="0"/>
+                                  </p:stCondLst>
+                                  <p:childTnLst>
+                                    <p:set>
+                                      <p:cBhvr>
+                                        <p:cTn id="46" dur="1" fill="hold">
+                                          <p:stCondLst>
+                                            <p:cond delay="0"/>
+                                          </p:stCondLst>
+                                        </p:cTn>
+                                        <p:tgtEl>
+                                          <p:spTgt spid="11"/>
+                                        </p:tgtEl>
+                                        <p:attrNameLst>
+                                          <p:attrName>style.visibility</p:attrName>
+                                        </p:attrNameLst>
+                                      </p:cBhvr>
+                                      <p:to>
+                                        <p:strVal val="visible"/>
+                                      </p:to>
+                                    </p:set>
+                                    <p:animEffect transition="in" filter="fade">
+                                      <p:cBhvr>
+                                        <p:cTn id="47" dur="500"/>
+                                        <p:tgtEl>
+                                          <p:spTgt spid="11"/>
+                                        </p:tgtEl>
+                                      </p:cBhvr>
+                                    </p:animEffect>
+                                  </p:childTnLst>
+                                </p:cTn>
+                              </p:par>
+                            </p:childTnLst>
+                          </p:cTn>
+                        </p:par>
+                      </p:childTnLst>
+                    </p:cTn>
+                  </p:par>
+                </p:childTnLst>
+              </p:cTn>
+              <p:prevCondLst>
+                <p:cond evt="onPrev" delay="0">
+                  <p:tgtEl>
+                    <p:sldTgt/>
+                  </p:tgtEl>
+                </p:cond>
+              </p:prevCondLst>
+              <p:nextCondLst>
+                <p:cond evt="onNext" delay="0">
+                  <p:tgtEl>
+                    <p:sldTgt/>
+                  </p:tgtEl>
+                </p:cond>
+              </p:nextCondLst>
+            </p:seq>
+          </p:childTnLst>
+        </p:cTn>
+      </p:par>
+    </p:tnLst>
+    <p:bldLst>
+      <p:bldP spid="7" grpId="0" animBg="1"/>
+      <p:bldP spid="9" grpId="0" animBg="1"/>
+      <p:bldP spid="11" grpId="0" animBg="1"/>
+      <p:bldP spid="22" grpId="0" animBg="1"/>
+      <p:bldP spid="4" grpId="0" animBg="1"/>
+    </p:bldLst>
+  </p:timing>
+</p:sld>
+</file>
+
+<file path=ppt/slides/slide27.xml><?xml version="1.0" encoding="utf-8"?>
+<p:sld xmlns:a="http://schemas.openxmlformats.org/drawingml/2006/main" xmlns:r="http://schemas.openxmlformats.org/officeDocument/2006/relationships" xmlns:p="http://schemas.openxmlformats.org/presentationml/2006/main">
+  <p:cSld>
+    <p:spTree>
+      <p:nvGrpSpPr>
+        <p:cNvPr id="1" name=""/>
+        <p:cNvGrpSpPr/>
+        <p:nvPr/>
+      </p:nvGrpSpPr>
+      <p:grpSpPr>
+        <a:xfrm>
+          <a:off x="0" y="0"/>
+          <a:ext cx="0" cy="0"/>
+          <a:chOff x="0" y="0"/>
+          <a:chExt cx="0" cy="0"/>
+        </a:xfrm>
+      </p:grpSpPr>
+      <p:sp>
+        <p:nvSpPr>
+          <p:cNvPr id="2" name="Titre 1"/>
+          <p:cNvSpPr>
+            <a:spLocks noGrp="1"/>
+          </p:cNvSpPr>
+          <p:nvPr>
+            <p:ph type="title"/>
+          </p:nvPr>
+        </p:nvSpPr>
+        <p:spPr/>
+        <p:txBody>
+          <a:bodyPr/>
+          <a:lstStyle/>
+          <a:p>
+            <a:endParaRPr lang="fr-FR"/>
+          </a:p>
+        </p:txBody>
+      </p:sp>
+      <p:sp>
+        <p:nvSpPr>
+          <p:cNvPr id="3" name="Espace réservé du contenu 2"/>
+          <p:cNvSpPr>
+            <a:spLocks noGrp="1"/>
+          </p:cNvSpPr>
+          <p:nvPr>
+            <p:ph sz="half" idx="1"/>
+          </p:nvPr>
+        </p:nvSpPr>
+        <p:spPr/>
+        <p:txBody>
+          <a:bodyPr/>
+          <a:lstStyle/>
+          <a:p>
+            <a:endParaRPr lang="fr-FR"/>
+          </a:p>
+        </p:txBody>
+      </p:sp>
+      <p:sp>
+        <p:nvSpPr>
+          <p:cNvPr id="4" name="Espace réservé du contenu 3"/>
+          <p:cNvSpPr>
+            <a:spLocks noGrp="1"/>
+          </p:cNvSpPr>
+          <p:nvPr>
+            <p:ph sz="half" idx="2"/>
+          </p:nvPr>
+        </p:nvSpPr>
+        <p:spPr/>
+        <p:txBody>
+          <a:bodyPr/>
+          <a:lstStyle/>
+          <a:p>
+            <a:endParaRPr lang="fr-FR"/>
+          </a:p>
+        </p:txBody>
+      </p:sp>
+    </p:spTree>
+    <p:extLst>
+      <p:ext uri="{BB962C8B-B14F-4D97-AF65-F5344CB8AC3E}">
+        <p14:creationId xmlns:p14="http://schemas.microsoft.com/office/powerpoint/2010/main" val="423820125"/>
+      </p:ext>
+    </p:extLst>
+  </p:cSld>
+  <p:clrMapOvr>
+    <a:masterClrMapping/>
+  </p:clrMapOvr>
+  <p:timing>
+    <p:tnLst>
+      <p:par>
+        <p:cTn id="1" dur="indefinite" restart="never" nodeType="tmRoot"/>
+      </p:par>
+    </p:tnLst>
   </p:timing>
 </p:sld>
 </file>
@@ -14816,13 +17565,7 @@
               <a:rPr lang="fr-FR" sz="6000" dirty="0" smtClean="0">
                 <a:latin typeface="Calibri" panose="020F0502020204030204" pitchFamily="34" charset="0"/>
               </a:rPr>
-              <a:t>Quelle différence entre classe et instance </a:t>
-            </a:r>
-            <a:r>
-              <a:rPr lang="fr-FR" sz="6000" dirty="0" smtClean="0">
-                <a:latin typeface="Calibri" panose="020F0502020204030204" pitchFamily="34" charset="0"/>
-              </a:rPr>
-              <a:t>?</a:t>
+              <a:t>Quelle différence entre classe et instance ?</a:t>
             </a:r>
           </a:p>
           <a:p>
@@ -18965,7 +21708,7 @@
         <a:noFill/>
         <a:ln w="38100" cap="flat" cmpd="sng" algn="ctr">
           <a:solidFill>
-            <a:schemeClr val="tx1"/>
+            <a:srgbClr val="00B050"/>
           </a:solidFill>
           <a:prstDash val="solid"/>
           <a:round/>
@@ -18986,7 +21729,7 @@
         <a:noFill/>
         <a:ln w="38100" cap="flat" cmpd="sng" algn="ctr">
           <a:solidFill>
-            <a:schemeClr val="tx1"/>
+            <a:srgbClr val="00B050"/>
           </a:solidFill>
           <a:prstDash val="solid"/>
           <a:round/>
@@ -18998,6 +21741,27 @@
       <a:bodyPr/>
       <a:lstStyle/>
     </a:lnDef>
+    <a:txDef>
+      <a:spPr>
+        <a:noFill/>
+        <a:ln w="50800">
+          <a:solidFill>
+            <a:schemeClr val="tx1"/>
+          </a:solidFill>
+        </a:ln>
+      </a:spPr>
+      <a:bodyPr wrap="square" rtlCol="0">
+        <a:spAutoFit/>
+      </a:bodyPr>
+      <a:lstStyle>
+        <a:defPPr>
+          <a:defRPr sz="4400" dirty="0" smtClean="0">
+            <a:latin typeface="Calibri" panose="020F0502020204030204" pitchFamily="34" charset="0"/>
+            <a:cs typeface="Calibri" panose="020F0502020204030204" pitchFamily="34" charset="0"/>
+          </a:defRPr>
+        </a:defPPr>
+      </a:lstStyle>
+    </a:txDef>
   </a:objectDefaults>
   <a:extraClrSchemeLst>
     <a:extraClrScheme>

--- a/w9/w9-s4-av-slide1.pptx
+++ b/w9/w9-s4-av-slide1.pptx
@@ -5,39 +5,40 @@
     <p:sldMasterId id="2147483649" r:id="rId1"/>
   </p:sldMasterIdLst>
   <p:notesMasterIdLst>
-    <p:notesMasterId r:id="rId29"/>
+    <p:notesMasterId r:id="rId30"/>
   </p:notesMasterIdLst>
   <p:handoutMasterIdLst>
-    <p:handoutMasterId r:id="rId30"/>
+    <p:handoutMasterId r:id="rId31"/>
   </p:handoutMasterIdLst>
   <p:sldIdLst>
-    <p:sldId id="256" r:id="rId2"/>
-    <p:sldId id="258" r:id="rId3"/>
-    <p:sldId id="259" r:id="rId4"/>
-    <p:sldId id="273" r:id="rId5"/>
-    <p:sldId id="263" r:id="rId6"/>
-    <p:sldId id="266" r:id="rId7"/>
-    <p:sldId id="274" r:id="rId8"/>
-    <p:sldId id="268" r:id="rId9"/>
-    <p:sldId id="269" r:id="rId10"/>
-    <p:sldId id="270" r:id="rId11"/>
-    <p:sldId id="275" r:id="rId12"/>
-    <p:sldId id="284" r:id="rId13"/>
-    <p:sldId id="276" r:id="rId14"/>
-    <p:sldId id="272" r:id="rId15"/>
-    <p:sldId id="271" r:id="rId16"/>
-    <p:sldId id="292" r:id="rId17"/>
-    <p:sldId id="278" r:id="rId18"/>
-    <p:sldId id="280" r:id="rId19"/>
-    <p:sldId id="289" r:id="rId20"/>
-    <p:sldId id="282" r:id="rId21"/>
-    <p:sldId id="283" r:id="rId22"/>
-    <p:sldId id="285" r:id="rId23"/>
-    <p:sldId id="286" r:id="rId24"/>
-    <p:sldId id="290" r:id="rId25"/>
-    <p:sldId id="291" r:id="rId26"/>
-    <p:sldId id="293" r:id="rId27"/>
-    <p:sldId id="294" r:id="rId28"/>
+    <p:sldId id="295" r:id="rId2"/>
+    <p:sldId id="256" r:id="rId3"/>
+    <p:sldId id="258" r:id="rId4"/>
+    <p:sldId id="259" r:id="rId5"/>
+    <p:sldId id="273" r:id="rId6"/>
+    <p:sldId id="263" r:id="rId7"/>
+    <p:sldId id="276" r:id="rId8"/>
+    <p:sldId id="266" r:id="rId9"/>
+    <p:sldId id="274" r:id="rId10"/>
+    <p:sldId id="268" r:id="rId11"/>
+    <p:sldId id="269" r:id="rId12"/>
+    <p:sldId id="272" r:id="rId13"/>
+    <p:sldId id="271" r:id="rId14"/>
+    <p:sldId id="292" r:id="rId15"/>
+    <p:sldId id="278" r:id="rId16"/>
+    <p:sldId id="280" r:id="rId17"/>
+    <p:sldId id="289" r:id="rId18"/>
+    <p:sldId id="282" r:id="rId19"/>
+    <p:sldId id="283" r:id="rId20"/>
+    <p:sldId id="285" r:id="rId21"/>
+    <p:sldId id="286" r:id="rId22"/>
+    <p:sldId id="290" r:id="rId23"/>
+    <p:sldId id="291" r:id="rId24"/>
+    <p:sldId id="293" r:id="rId25"/>
+    <p:sldId id="294" r:id="rId26"/>
+    <p:sldId id="270" r:id="rId27"/>
+    <p:sldId id="275" r:id="rId28"/>
+    <p:sldId id="284" r:id="rId29"/>
   </p:sldIdLst>
   <p:sldSz cx="12192000" cy="6858000"/>
   <p:notesSz cx="7099300" cy="10234613"/>
@@ -171,19 +172,17 @@
       <p14:sectionLst xmlns:p14="http://schemas.microsoft.com/office/powerpoint/2010/main">
         <p14:section name="Section par défaut" id="{28C650F0-13B2-49C9-9ED4-D40CD07835D6}">
           <p14:sldIdLst>
+            <p14:sldId id="295"/>
             <p14:sldId id="256"/>
             <p14:sldId id="258"/>
             <p14:sldId id="259"/>
             <p14:sldId id="273"/>
             <p14:sldId id="263"/>
+            <p14:sldId id="276"/>
             <p14:sldId id="266"/>
             <p14:sldId id="274"/>
             <p14:sldId id="268"/>
             <p14:sldId id="269"/>
-            <p14:sldId id="270"/>
-            <p14:sldId id="275"/>
-            <p14:sldId id="284"/>
-            <p14:sldId id="276"/>
             <p14:sldId id="272"/>
             <p14:sldId id="271"/>
             <p14:sldId id="292"/>
@@ -198,6 +197,9 @@
             <p14:sldId id="291"/>
             <p14:sldId id="293"/>
             <p14:sldId id="294"/>
+            <p14:sldId id="270"/>
+            <p14:sldId id="275"/>
+            <p14:sldId id="284"/>
           </p14:sldIdLst>
         </p14:section>
       </p14:sectionLst>
@@ -1041,7 +1043,7 @@
               <a:pPr>
                 <a:defRPr/>
               </a:pPr>
-              <a:t>1</a:t>
+              <a:t>2</a:t>
             </a:fld>
             <a:endParaRPr lang="en-US"/>
           </a:p>
@@ -1104,50 +1106,6 @@
           <a:bodyPr/>
           <a:lstStyle/>
           <a:p>
-            <a:pPr marL="0" marR="0" indent="0" algn="l" defTabSz="914400" rtl="0" eaLnBrk="0" fontAlgn="base" latinLnBrk="0" hangingPunct="0">
-              <a:lnSpc>
-                <a:spcPct val="100000"/>
-              </a:lnSpc>
-              <a:spcBef>
-                <a:spcPct val="30000"/>
-              </a:spcBef>
-              <a:spcAft>
-                <a:spcPct val="0"/>
-              </a:spcAft>
-              <a:buClrTx/>
-              <a:buSzTx/>
-              <a:buFontTx/>
-              <a:buNone/>
-              <a:tabLst/>
-              <a:defRPr/>
-            </a:pPr>
-            <a:r>
-              <a:rPr lang="fr-FR" dirty="0" smtClean="0"/>
-              <a:t>Attention</a:t>
-            </a:r>
-            <a:r>
-              <a:rPr lang="fr-FR" baseline="0" dirty="0" smtClean="0"/>
-              <a:t> à la terminologie. Tous les objets sont des instances de quelque chose, en particulier les classes sont des instances de la </a:t>
-            </a:r>
-            <a:r>
-              <a:rPr lang="fr-FR" baseline="0" dirty="0" err="1" smtClean="0"/>
-              <a:t>metaclasse</a:t>
-            </a:r>
-            <a:r>
-              <a:rPr lang="fr-FR" baseline="0" dirty="0" smtClean="0"/>
-              <a:t>, mais dans notre contexte on réserve le terme instance à des objets qui n’ont pas pour type l’objet type. On appelle ici les instance de la </a:t>
-            </a:r>
-            <a:r>
-              <a:rPr lang="fr-FR" baseline="0" dirty="0" err="1" smtClean="0"/>
-              <a:t>metaclase</a:t>
-            </a:r>
-            <a:r>
-              <a:rPr lang="fr-FR" baseline="0" dirty="0" smtClean="0"/>
-              <a:t> des classes ou des types (les deux termes sont équivalents). </a:t>
-            </a:r>
-            <a:endParaRPr lang="fr-FR" dirty="0" smtClean="0"/>
-          </a:p>
-          <a:p>
             <a:endParaRPr lang="fr-FR" dirty="0"/>
           </a:p>
         </p:txBody>
@@ -1175,7 +1133,7 @@
               <a:pPr>
                 <a:defRPr/>
               </a:pPr>
-              <a:t>12</a:t>
+              <a:t>15</a:t>
             </a:fld>
             <a:endParaRPr lang="en-US"/>
           </a:p>
@@ -1184,7 +1142,7 @@
     </p:spTree>
     <p:extLst>
       <p:ext uri="{BB962C8B-B14F-4D97-AF65-F5344CB8AC3E}">
-        <p14:creationId xmlns:p14="http://schemas.microsoft.com/office/powerpoint/2010/main" val="326094596"/>
+        <p14:creationId xmlns:p14="http://schemas.microsoft.com/office/powerpoint/2010/main" val="589349349"/>
       </p:ext>
     </p:extLst>
   </p:cSld>
@@ -1238,483 +1196,17 @@
           <a:bodyPr/>
           <a:lstStyle/>
           <a:p>
-            <a:pPr marL="0" marR="0" indent="0" algn="l" defTabSz="914400" rtl="0" eaLnBrk="0" fontAlgn="base" latinLnBrk="0" hangingPunct="0">
-              <a:lnSpc>
-                <a:spcPct val="100000"/>
-              </a:lnSpc>
-              <a:spcBef>
-                <a:spcPct val="30000"/>
-              </a:spcBef>
-              <a:spcAft>
-                <a:spcPct val="0"/>
-              </a:spcAft>
-              <a:buClrTx/>
-              <a:buSzTx/>
-              <a:buFontTx/>
-              <a:buNone/>
-              <a:tabLst/>
-              <a:defRPr/>
-            </a:pPr>
             <a:r>
               <a:rPr lang="fr-FR" dirty="0" smtClean="0"/>
-              <a:t>Attention</a:t>
+              <a:t>En</a:t>
             </a:r>
             <a:r>
               <a:rPr lang="fr-FR" baseline="0" dirty="0" smtClean="0"/>
-              <a:t> à la terminologie. Tous les objets sont des instances de quelque chose, en particulier les classes sont des instances de la </a:t>
-            </a:r>
-            <a:r>
-              <a:rPr lang="fr-FR" baseline="0" dirty="0" err="1" smtClean="0"/>
-              <a:t>metaclasse</a:t>
-            </a:r>
-            <a:r>
-              <a:rPr lang="fr-FR" baseline="0" dirty="0" smtClean="0"/>
-              <a:t>, mais dans notre contexte on réserve le terme instance à des objets qui n’ont pas pour type l’objet type. On appelle ici les instance de la </a:t>
-            </a:r>
-            <a:r>
-              <a:rPr lang="fr-FR" baseline="0" dirty="0" err="1" smtClean="0"/>
-              <a:t>metaclase</a:t>
-            </a:r>
-            <a:r>
-              <a:rPr lang="fr-FR" baseline="0" dirty="0" smtClean="0"/>
-              <a:t> des classes ou des types (les deux termes sont équivalents). </a:t>
-            </a:r>
-          </a:p>
-          <a:p>
-            <a:pPr marL="0" marR="0" indent="0" algn="l" defTabSz="914400" rtl="0" eaLnBrk="0" fontAlgn="base" latinLnBrk="0" hangingPunct="0">
-              <a:lnSpc>
-                <a:spcPct val="100000"/>
-              </a:lnSpc>
-              <a:spcBef>
-                <a:spcPct val="30000"/>
-              </a:spcBef>
-              <a:spcAft>
-                <a:spcPct val="0"/>
-              </a:spcAft>
-              <a:buClrTx/>
-              <a:buSzTx/>
-              <a:buFontTx/>
-              <a:buNone/>
-              <a:tabLst/>
-              <a:defRPr/>
-            </a:pPr>
+              <a:t> C on peut notamment allouer la mémoire pour la création des objets. </a:t>
+            </a:r>
+          </a:p>
+          <a:p>
             <a:endParaRPr lang="fr-FR" baseline="0" dirty="0" smtClean="0"/>
-          </a:p>
-          <a:p>
-            <a:pPr marL="0" marR="0" indent="0" algn="l" defTabSz="914400" rtl="0" eaLnBrk="0" fontAlgn="base" latinLnBrk="0" hangingPunct="0">
-              <a:lnSpc>
-                <a:spcPct val="100000"/>
-              </a:lnSpc>
-              <a:spcBef>
-                <a:spcPct val="30000"/>
-              </a:spcBef>
-              <a:spcAft>
-                <a:spcPct val="0"/>
-              </a:spcAft>
-              <a:buClrTx/>
-              <a:buSzTx/>
-              <a:buFontTx/>
-              <a:buNone/>
-              <a:tabLst/>
-              <a:defRPr/>
-            </a:pPr>
-            <a:r>
-              <a:rPr lang="fr-FR" baseline="0" dirty="0" smtClean="0"/>
-              <a:t>Certains </a:t>
-            </a:r>
-            <a:r>
-              <a:rPr lang="fr-FR" baseline="0" dirty="0" err="1" smtClean="0"/>
-              <a:t>built</a:t>
-            </a:r>
-            <a:r>
-              <a:rPr lang="fr-FR" baseline="0" dirty="0" smtClean="0"/>
-              <a:t>-in type ne peuvent pas être des super classes comme </a:t>
-            </a:r>
-            <a:r>
-              <a:rPr lang="fr-FR" baseline="0" dirty="0" err="1" smtClean="0"/>
-              <a:t>FunctionType</a:t>
-            </a:r>
-            <a:r>
-              <a:rPr lang="fr-FR" baseline="0" dirty="0" smtClean="0"/>
-              <a:t> (la raison n’est pas claire pour moi, peut-être est-ce lié</a:t>
-            </a:r>
-          </a:p>
-          <a:p>
-            <a:pPr marL="0" marR="0" indent="0" algn="l" defTabSz="914400" rtl="0" eaLnBrk="0" fontAlgn="base" latinLnBrk="0" hangingPunct="0">
-              <a:lnSpc>
-                <a:spcPct val="100000"/>
-              </a:lnSpc>
-              <a:spcBef>
-                <a:spcPct val="30000"/>
-              </a:spcBef>
-              <a:spcAft>
-                <a:spcPct val="0"/>
-              </a:spcAft>
-              <a:buClrTx/>
-              <a:buSzTx/>
-              <a:buFontTx/>
-              <a:buNone/>
-              <a:tabLst/>
-              <a:defRPr/>
-            </a:pPr>
-            <a:r>
-              <a:rPr lang="fr-FR" baseline="0" dirty="0" smtClean="0"/>
-              <a:t>Rôle très particulier des fonctions).</a:t>
-            </a:r>
-          </a:p>
-          <a:p>
-            <a:pPr marL="0" marR="0" indent="0" algn="l" defTabSz="914400" rtl="0" eaLnBrk="0" fontAlgn="base" latinLnBrk="0" hangingPunct="0">
-              <a:lnSpc>
-                <a:spcPct val="100000"/>
-              </a:lnSpc>
-              <a:spcBef>
-                <a:spcPct val="30000"/>
-              </a:spcBef>
-              <a:spcAft>
-                <a:spcPct val="0"/>
-              </a:spcAft>
-              <a:buClrTx/>
-              <a:buSzTx/>
-              <a:buFontTx/>
-              <a:buNone/>
-              <a:tabLst/>
-              <a:defRPr/>
-            </a:pPr>
-            <a:r>
-              <a:rPr lang="fr-FR" dirty="0" smtClean="0"/>
-              <a:t>&gt;&gt;&gt; import types</a:t>
-            </a:r>
-          </a:p>
-          <a:p>
-            <a:pPr marL="0" marR="0" indent="0" algn="l" defTabSz="914400" rtl="0" eaLnBrk="0" fontAlgn="base" latinLnBrk="0" hangingPunct="0">
-              <a:lnSpc>
-                <a:spcPct val="100000"/>
-              </a:lnSpc>
-              <a:spcBef>
-                <a:spcPct val="30000"/>
-              </a:spcBef>
-              <a:spcAft>
-                <a:spcPct val="0"/>
-              </a:spcAft>
-              <a:buClrTx/>
-              <a:buSzTx/>
-              <a:buFontTx/>
-              <a:buNone/>
-              <a:tabLst/>
-              <a:defRPr/>
-            </a:pPr>
-            <a:r>
-              <a:rPr lang="fr-FR" dirty="0" smtClean="0"/>
-              <a:t>&gt;&gt;&gt; type(</a:t>
-            </a:r>
-            <a:r>
-              <a:rPr lang="fr-FR" dirty="0" err="1" smtClean="0"/>
-              <a:t>types.FunctionType</a:t>
-            </a:r>
-            <a:r>
-              <a:rPr lang="fr-FR" dirty="0" smtClean="0"/>
-              <a:t>)</a:t>
-            </a:r>
-          </a:p>
-          <a:p>
-            <a:pPr marL="0" marR="0" indent="0" algn="l" defTabSz="914400" rtl="0" eaLnBrk="0" fontAlgn="base" latinLnBrk="0" hangingPunct="0">
-              <a:lnSpc>
-                <a:spcPct val="100000"/>
-              </a:lnSpc>
-              <a:spcBef>
-                <a:spcPct val="30000"/>
-              </a:spcBef>
-              <a:spcAft>
-                <a:spcPct val="0"/>
-              </a:spcAft>
-              <a:buClrTx/>
-              <a:buSzTx/>
-              <a:buFontTx/>
-              <a:buNone/>
-              <a:tabLst/>
-              <a:defRPr/>
-            </a:pPr>
-            <a:r>
-              <a:rPr lang="fr-FR" dirty="0" smtClean="0"/>
-              <a:t>&lt;type 'type'&gt;</a:t>
-            </a:r>
-          </a:p>
-          <a:p>
-            <a:pPr marL="0" marR="0" indent="0" algn="l" defTabSz="914400" rtl="0" eaLnBrk="0" fontAlgn="base" latinLnBrk="0" hangingPunct="0">
-              <a:lnSpc>
-                <a:spcPct val="100000"/>
-              </a:lnSpc>
-              <a:spcBef>
-                <a:spcPct val="30000"/>
-              </a:spcBef>
-              <a:spcAft>
-                <a:spcPct val="0"/>
-              </a:spcAft>
-              <a:buClrTx/>
-              <a:buSzTx/>
-              <a:buFontTx/>
-              <a:buNone/>
-              <a:tabLst/>
-              <a:defRPr/>
-            </a:pPr>
-            <a:r>
-              <a:rPr lang="fr-FR" dirty="0" smtClean="0"/>
-              <a:t>&gt;&gt;&gt; class C(</a:t>
-            </a:r>
-            <a:r>
-              <a:rPr lang="fr-FR" dirty="0" err="1" smtClean="0"/>
-              <a:t>types.FunctionType</a:t>
-            </a:r>
-            <a:r>
-              <a:rPr lang="fr-FR" dirty="0" smtClean="0"/>
-              <a:t>):</a:t>
-            </a:r>
-          </a:p>
-          <a:p>
-            <a:pPr marL="0" marR="0" indent="0" algn="l" defTabSz="914400" rtl="0" eaLnBrk="0" fontAlgn="base" latinLnBrk="0" hangingPunct="0">
-              <a:lnSpc>
-                <a:spcPct val="100000"/>
-              </a:lnSpc>
-              <a:spcBef>
-                <a:spcPct val="30000"/>
-              </a:spcBef>
-              <a:spcAft>
-                <a:spcPct val="0"/>
-              </a:spcAft>
-              <a:buClrTx/>
-              <a:buSzTx/>
-              <a:buFontTx/>
-              <a:buNone/>
-              <a:tabLst/>
-              <a:defRPr/>
-            </a:pPr>
-            <a:r>
-              <a:rPr lang="fr-FR" dirty="0" smtClean="0"/>
-              <a:t>	</a:t>
-            </a:r>
-            <a:r>
-              <a:rPr lang="fr-FR" dirty="0" err="1" smtClean="0"/>
-              <a:t>pass</a:t>
-            </a:r>
-            <a:endParaRPr lang="fr-FR" dirty="0" smtClean="0"/>
-          </a:p>
-          <a:p>
-            <a:pPr marL="0" marR="0" indent="0" algn="l" defTabSz="914400" rtl="0" eaLnBrk="0" fontAlgn="base" latinLnBrk="0" hangingPunct="0">
-              <a:lnSpc>
-                <a:spcPct val="100000"/>
-              </a:lnSpc>
-              <a:spcBef>
-                <a:spcPct val="30000"/>
-              </a:spcBef>
-              <a:spcAft>
-                <a:spcPct val="0"/>
-              </a:spcAft>
-              <a:buClrTx/>
-              <a:buSzTx/>
-              <a:buFontTx/>
-              <a:buNone/>
-              <a:tabLst/>
-              <a:defRPr/>
-            </a:pPr>
-            <a:endParaRPr lang="fr-FR" dirty="0" smtClean="0"/>
-          </a:p>
-          <a:p>
-            <a:pPr marL="0" marR="0" indent="0" algn="l" defTabSz="914400" rtl="0" eaLnBrk="0" fontAlgn="base" latinLnBrk="0" hangingPunct="0">
-              <a:lnSpc>
-                <a:spcPct val="100000"/>
-              </a:lnSpc>
-              <a:spcBef>
-                <a:spcPct val="30000"/>
-              </a:spcBef>
-              <a:spcAft>
-                <a:spcPct val="0"/>
-              </a:spcAft>
-              <a:buClrTx/>
-              <a:buSzTx/>
-              <a:buFontTx/>
-              <a:buNone/>
-              <a:tabLst/>
-              <a:defRPr/>
-            </a:pPr>
-            <a:r>
-              <a:rPr lang="fr-FR" dirty="0" err="1" smtClean="0"/>
-              <a:t>Traceback</a:t>
-            </a:r>
-            <a:r>
-              <a:rPr lang="fr-FR" dirty="0" smtClean="0"/>
-              <a:t> (</a:t>
-            </a:r>
-            <a:r>
-              <a:rPr lang="fr-FR" dirty="0" err="1" smtClean="0"/>
-              <a:t>most</a:t>
-            </a:r>
-            <a:r>
-              <a:rPr lang="fr-FR" dirty="0" smtClean="0"/>
-              <a:t> </a:t>
-            </a:r>
-            <a:r>
-              <a:rPr lang="fr-FR" dirty="0" err="1" smtClean="0"/>
-              <a:t>recent</a:t>
-            </a:r>
-            <a:r>
-              <a:rPr lang="fr-FR" dirty="0" smtClean="0"/>
-              <a:t> call last):</a:t>
-            </a:r>
-          </a:p>
-          <a:p>
-            <a:pPr marL="0" marR="0" indent="0" algn="l" defTabSz="914400" rtl="0" eaLnBrk="0" fontAlgn="base" latinLnBrk="0" hangingPunct="0">
-              <a:lnSpc>
-                <a:spcPct val="100000"/>
-              </a:lnSpc>
-              <a:spcBef>
-                <a:spcPct val="30000"/>
-              </a:spcBef>
-              <a:spcAft>
-                <a:spcPct val="0"/>
-              </a:spcAft>
-              <a:buClrTx/>
-              <a:buSzTx/>
-              <a:buFontTx/>
-              <a:buNone/>
-              <a:tabLst/>
-              <a:defRPr/>
-            </a:pPr>
-            <a:r>
-              <a:rPr lang="fr-FR" dirty="0" smtClean="0"/>
-              <a:t>  File "&lt;pyshell#74&gt;", line 1, in &lt;module&gt;</a:t>
-            </a:r>
-          </a:p>
-          <a:p>
-            <a:pPr marL="0" marR="0" indent="0" algn="l" defTabSz="914400" rtl="0" eaLnBrk="0" fontAlgn="base" latinLnBrk="0" hangingPunct="0">
-              <a:lnSpc>
-                <a:spcPct val="100000"/>
-              </a:lnSpc>
-              <a:spcBef>
-                <a:spcPct val="30000"/>
-              </a:spcBef>
-              <a:spcAft>
-                <a:spcPct val="0"/>
-              </a:spcAft>
-              <a:buClrTx/>
-              <a:buSzTx/>
-              <a:buFontTx/>
-              <a:buNone/>
-              <a:tabLst/>
-              <a:defRPr/>
-            </a:pPr>
-            <a:r>
-              <a:rPr lang="fr-FR" dirty="0" smtClean="0"/>
-              <a:t>    class C(</a:t>
-            </a:r>
-            <a:r>
-              <a:rPr lang="fr-FR" dirty="0" err="1" smtClean="0"/>
-              <a:t>types.FunctionType</a:t>
-            </a:r>
-            <a:r>
-              <a:rPr lang="fr-FR" dirty="0" smtClean="0"/>
-              <a:t>):</a:t>
-            </a:r>
-          </a:p>
-          <a:p>
-            <a:pPr marL="0" marR="0" indent="0" algn="l" defTabSz="914400" rtl="0" eaLnBrk="0" fontAlgn="base" latinLnBrk="0" hangingPunct="0">
-              <a:lnSpc>
-                <a:spcPct val="100000"/>
-              </a:lnSpc>
-              <a:spcBef>
-                <a:spcPct val="30000"/>
-              </a:spcBef>
-              <a:spcAft>
-                <a:spcPct val="0"/>
-              </a:spcAft>
-              <a:buClrTx/>
-              <a:buSzTx/>
-              <a:buFontTx/>
-              <a:buNone/>
-              <a:tabLst/>
-              <a:defRPr/>
-            </a:pPr>
-            <a:r>
-              <a:rPr lang="fr-FR" dirty="0" err="1" smtClean="0"/>
-              <a:t>TypeError</a:t>
-            </a:r>
-            <a:r>
-              <a:rPr lang="fr-FR" dirty="0" smtClean="0"/>
-              <a:t>: </a:t>
-            </a:r>
-            <a:r>
-              <a:rPr lang="fr-FR" dirty="0" err="1" smtClean="0"/>
-              <a:t>Error</a:t>
-            </a:r>
-            <a:r>
-              <a:rPr lang="fr-FR" dirty="0" smtClean="0"/>
-              <a:t> </a:t>
-            </a:r>
-            <a:r>
-              <a:rPr lang="fr-FR" dirty="0" err="1" smtClean="0"/>
-              <a:t>when</a:t>
-            </a:r>
-            <a:r>
-              <a:rPr lang="fr-FR" dirty="0" smtClean="0"/>
-              <a:t> </a:t>
-            </a:r>
-            <a:r>
-              <a:rPr lang="fr-FR" dirty="0" err="1" smtClean="0"/>
-              <a:t>calling</a:t>
-            </a:r>
-            <a:r>
-              <a:rPr lang="fr-FR" dirty="0" smtClean="0"/>
-              <a:t> the </a:t>
-            </a:r>
-            <a:r>
-              <a:rPr lang="fr-FR" dirty="0" err="1" smtClean="0"/>
-              <a:t>metaclass</a:t>
-            </a:r>
-            <a:r>
-              <a:rPr lang="fr-FR" dirty="0" smtClean="0"/>
-              <a:t> bases</a:t>
-            </a:r>
-          </a:p>
-          <a:p>
-            <a:pPr marL="0" marR="0" indent="0" algn="l" defTabSz="914400" rtl="0" eaLnBrk="0" fontAlgn="base" latinLnBrk="0" hangingPunct="0">
-              <a:lnSpc>
-                <a:spcPct val="100000"/>
-              </a:lnSpc>
-              <a:spcBef>
-                <a:spcPct val="30000"/>
-              </a:spcBef>
-              <a:spcAft>
-                <a:spcPct val="0"/>
-              </a:spcAft>
-              <a:buClrTx/>
-              <a:buSzTx/>
-              <a:buFontTx/>
-              <a:buNone/>
-              <a:tabLst/>
-              <a:defRPr/>
-            </a:pPr>
-            <a:r>
-              <a:rPr lang="fr-FR" dirty="0" smtClean="0"/>
-              <a:t>    type '</a:t>
-            </a:r>
-            <a:r>
-              <a:rPr lang="fr-FR" dirty="0" err="1" smtClean="0"/>
-              <a:t>function</a:t>
-            </a:r>
-            <a:r>
-              <a:rPr lang="fr-FR" dirty="0" smtClean="0"/>
-              <a:t>' </a:t>
-            </a:r>
-            <a:r>
-              <a:rPr lang="fr-FR" dirty="0" err="1" smtClean="0"/>
-              <a:t>is</a:t>
-            </a:r>
-            <a:r>
-              <a:rPr lang="fr-FR" dirty="0" smtClean="0"/>
-              <a:t> not an acceptable base type</a:t>
-            </a:r>
-          </a:p>
-          <a:p>
-            <a:endParaRPr lang="fr-FR" dirty="0"/>
           </a:p>
         </p:txBody>
       </p:sp>
@@ -1741,7 +1233,7 @@
               <a:pPr>
                 <a:defRPr/>
               </a:pPr>
-              <a:t>13</a:t>
+              <a:t>16</a:t>
             </a:fld>
             <a:endParaRPr lang="en-US"/>
           </a:p>
@@ -1750,7 +1242,7 @@
     </p:spTree>
     <p:extLst>
       <p:ext uri="{BB962C8B-B14F-4D97-AF65-F5344CB8AC3E}">
-        <p14:creationId xmlns:p14="http://schemas.microsoft.com/office/powerpoint/2010/main" val="3918877288"/>
+        <p14:creationId xmlns:p14="http://schemas.microsoft.com/office/powerpoint/2010/main" val="1791801533"/>
       </p:ext>
     </p:extLst>
   </p:cSld>
@@ -1806,200 +1298,15 @@
           <a:p>
             <a:r>
               <a:rPr lang="fr-FR" dirty="0" smtClean="0"/>
-              <a:t>Type est la </a:t>
-            </a:r>
-            <a:r>
-              <a:rPr lang="fr-FR" dirty="0" err="1" smtClean="0"/>
-              <a:t>métaclasse</a:t>
+              <a:t>En</a:t>
             </a:r>
             <a:r>
               <a:rPr lang="fr-FR" baseline="0" dirty="0" smtClean="0"/>
-              <a:t> pour type. Ça n’est évidement pas type qui instancie type, ça n’aurait pas de sens puisque type doit exister à un moment et ne peut pas être</a:t>
-            </a:r>
-          </a:p>
-          <a:p>
-            <a:r>
-              <a:rPr lang="fr-FR" baseline="0" dirty="0" smtClean="0"/>
-              <a:t>Une génération </a:t>
-            </a:r>
-            <a:r>
-              <a:rPr lang="fr-FR" baseline="0" dirty="0" err="1" smtClean="0"/>
-              <a:t>spontannée</a:t>
-            </a:r>
-            <a:r>
-              <a:rPr lang="fr-FR" baseline="0" dirty="0" smtClean="0"/>
-              <a:t>. L’objet type est le premier créé par l’interpréteur Python. Le fait que type(type) retourne type est simplement une astuce pour n’avoir qu’un seul niveau de </a:t>
-            </a:r>
-            <a:r>
-              <a:rPr lang="fr-FR" baseline="0" dirty="0" err="1" smtClean="0"/>
-              <a:t>metaclasses</a:t>
-            </a:r>
-            <a:r>
-              <a:rPr lang="fr-FR" baseline="0" dirty="0" smtClean="0"/>
-              <a:t>. Si ça n’était pas le cas, il faudrait une autre </a:t>
-            </a:r>
-            <a:r>
-              <a:rPr lang="fr-FR" baseline="0" dirty="0" err="1" smtClean="0"/>
-              <a:t>métaclasse</a:t>
-            </a:r>
-            <a:r>
-              <a:rPr lang="fr-FR" baseline="0" dirty="0" smtClean="0"/>
-              <a:t> pour type, et une autre </a:t>
-            </a:r>
-            <a:r>
-              <a:rPr lang="fr-FR" baseline="0" dirty="0" err="1" smtClean="0"/>
-              <a:t>métaclasse</a:t>
-            </a:r>
-            <a:r>
-              <a:rPr lang="fr-FR" baseline="0" dirty="0" smtClean="0"/>
-              <a:t> pour la </a:t>
-            </a:r>
-            <a:r>
-              <a:rPr lang="fr-FR" baseline="0" dirty="0" err="1" smtClean="0"/>
-              <a:t>métaclasse</a:t>
-            </a:r>
-            <a:r>
-              <a:rPr lang="fr-FR" baseline="0" dirty="0" smtClean="0"/>
-              <a:t> de type, et ainsi de suite. </a:t>
+              <a:t> C on peut notamment allouer la mémoire pour la création des objets. </a:t>
             </a:r>
           </a:p>
           <a:p>
             <a:endParaRPr lang="fr-FR" baseline="0" dirty="0" smtClean="0"/>
-          </a:p>
-          <a:p>
-            <a:r>
-              <a:rPr lang="fr-FR" baseline="0" dirty="0" smtClean="0"/>
-              <a:t>L’objet type est implémenté en C puisque c’est l’objet qui alloue ma mémoire pour tous les objets. On peut implémenter</a:t>
-            </a:r>
-          </a:p>
-          <a:p>
-            <a:r>
-              <a:rPr lang="fr-FR" baseline="0" dirty="0" smtClean="0"/>
-              <a:t>De nouvelles </a:t>
-            </a:r>
-            <a:r>
-              <a:rPr lang="fr-FR" baseline="0" dirty="0" err="1" smtClean="0"/>
-              <a:t>metaclasses</a:t>
-            </a:r>
-            <a:r>
-              <a:rPr lang="fr-FR" baseline="0" dirty="0" smtClean="0"/>
-              <a:t> en C, ou on peut simplement faire une classe qui hérite de type, mais dans ce cas, les </a:t>
-            </a:r>
-          </a:p>
-          <a:p>
-            <a:r>
-              <a:rPr lang="fr-FR" baseline="0" dirty="0" smtClean="0"/>
-              <a:t>Fonctionnalités de la </a:t>
-            </a:r>
-            <a:r>
-              <a:rPr lang="fr-FR" baseline="0" dirty="0" err="1" smtClean="0"/>
-              <a:t>metaclasse</a:t>
-            </a:r>
-            <a:r>
-              <a:rPr lang="fr-FR" baseline="0" dirty="0" smtClean="0"/>
-              <a:t> seront limités (elle n’aura notamment pas la possibilité de faire de l’allocation mémoire).</a:t>
-            </a:r>
-          </a:p>
-          <a:p>
-            <a:r>
-              <a:rPr lang="fr-FR" baseline="0" dirty="0" smtClean="0"/>
-              <a:t>Voir http://legacy.python.org/dev/peps/pep-0253/</a:t>
-            </a:r>
-          </a:p>
-          <a:p>
-            <a:endParaRPr lang="fr-FR" baseline="0" dirty="0" smtClean="0"/>
-          </a:p>
-          <a:p>
-            <a:r>
-              <a:rPr lang="fr-FR" baseline="0" dirty="0" smtClean="0"/>
-              <a:t>Quelques résultats étonnants à première vue</a:t>
-            </a:r>
-          </a:p>
-          <a:p>
-            <a:r>
-              <a:rPr lang="fr-FR" dirty="0" smtClean="0"/>
-              <a:t>&gt;&gt;&gt; </a:t>
-            </a:r>
-            <a:r>
-              <a:rPr lang="fr-FR" dirty="0" err="1" smtClean="0"/>
-              <a:t>isinstance</a:t>
-            </a:r>
-            <a:r>
-              <a:rPr lang="fr-FR" dirty="0" smtClean="0"/>
-              <a:t>(</a:t>
-            </a:r>
-            <a:r>
-              <a:rPr lang="fr-FR" dirty="0" err="1" smtClean="0"/>
-              <a:t>object</a:t>
-            </a:r>
-            <a:r>
-              <a:rPr lang="fr-FR" dirty="0" smtClean="0"/>
-              <a:t>, </a:t>
-            </a:r>
-            <a:r>
-              <a:rPr lang="fr-FR" dirty="0" err="1" smtClean="0"/>
-              <a:t>object</a:t>
-            </a:r>
-            <a:r>
-              <a:rPr lang="fr-FR" dirty="0" smtClean="0"/>
-              <a:t>)</a:t>
-            </a:r>
-          </a:p>
-          <a:p>
-            <a:r>
-              <a:rPr lang="fr-FR" dirty="0" err="1" smtClean="0"/>
-              <a:t>True</a:t>
-            </a:r>
-            <a:endParaRPr lang="fr-FR" dirty="0" smtClean="0"/>
-          </a:p>
-          <a:p>
-            <a:r>
-              <a:rPr lang="fr-FR" dirty="0" smtClean="0"/>
-              <a:t>&gt;&gt;&gt; </a:t>
-            </a:r>
-            <a:r>
-              <a:rPr lang="fr-FR" dirty="0" err="1" smtClean="0"/>
-              <a:t>isinstance</a:t>
-            </a:r>
-            <a:r>
-              <a:rPr lang="fr-FR" dirty="0" smtClean="0"/>
-              <a:t>(type, </a:t>
-            </a:r>
-            <a:r>
-              <a:rPr lang="fr-FR" dirty="0" err="1" smtClean="0"/>
-              <a:t>object</a:t>
-            </a:r>
-            <a:r>
-              <a:rPr lang="fr-FR" dirty="0" smtClean="0"/>
-              <a:t>)</a:t>
-            </a:r>
-          </a:p>
-          <a:p>
-            <a:r>
-              <a:rPr lang="fr-FR" dirty="0" err="1" smtClean="0"/>
-              <a:t>True</a:t>
-            </a:r>
-            <a:endParaRPr lang="fr-FR" dirty="0" smtClean="0"/>
-          </a:p>
-          <a:p>
-            <a:endParaRPr lang="fr-FR" dirty="0" smtClean="0"/>
-          </a:p>
-          <a:p>
-            <a:r>
-              <a:rPr lang="fr-FR" dirty="0" smtClean="0"/>
-              <a:t>objet est une instance</a:t>
-            </a:r>
-            <a:r>
-              <a:rPr lang="fr-FR" baseline="0" dirty="0" smtClean="0"/>
-              <a:t> d’objet parce que objet est une instance de type et objet est une super classe de type (relation de transitivité)</a:t>
-            </a:r>
-          </a:p>
-          <a:p>
-            <a:r>
-              <a:rPr lang="fr-FR" baseline="0" dirty="0" smtClean="0"/>
-              <a:t>type est une instance d’objet parce que parce que type est une instance de type et objet est une super classe de type (relation de transitivité)</a:t>
-            </a:r>
-            <a:endParaRPr lang="fr-FR" dirty="0" smtClean="0"/>
           </a:p>
         </p:txBody>
       </p:sp>
@@ -2026,7 +1333,7 @@
               <a:pPr>
                 <a:defRPr/>
               </a:pPr>
-              <a:t>15</a:t>
+              <a:t>17</a:t>
             </a:fld>
             <a:endParaRPr lang="en-US"/>
           </a:p>
@@ -2035,7 +1342,7 @@
     </p:spTree>
     <p:extLst>
       <p:ext uri="{BB962C8B-B14F-4D97-AF65-F5344CB8AC3E}">
-        <p14:creationId xmlns:p14="http://schemas.microsoft.com/office/powerpoint/2010/main" val="3107066879"/>
+        <p14:creationId xmlns:p14="http://schemas.microsoft.com/office/powerpoint/2010/main" val="2098244655"/>
       </p:ext>
     </p:extLst>
   </p:cSld>
@@ -2089,7 +1396,17 @@
           <a:bodyPr/>
           <a:lstStyle/>
           <a:p>
-            <a:endParaRPr lang="fr-FR" dirty="0"/>
+            <a:r>
+              <a:rPr lang="fr-FR" dirty="0" smtClean="0"/>
+              <a:t>En</a:t>
+            </a:r>
+            <a:r>
+              <a:rPr lang="fr-FR" baseline="0" dirty="0" smtClean="0"/>
+              <a:t> C on peut notamment allouer la mémoire pour la création des objets. </a:t>
+            </a:r>
+          </a:p>
+          <a:p>
+            <a:endParaRPr lang="fr-FR" baseline="0" dirty="0" smtClean="0"/>
           </a:p>
         </p:txBody>
       </p:sp>
@@ -2116,7 +1433,7 @@
               <a:pPr>
                 <a:defRPr/>
               </a:pPr>
-              <a:t>17</a:t>
+              <a:t>18</a:t>
             </a:fld>
             <a:endParaRPr lang="en-US"/>
           </a:p>
@@ -2125,7 +1442,7 @@
     </p:spTree>
     <p:extLst>
       <p:ext uri="{BB962C8B-B14F-4D97-AF65-F5344CB8AC3E}">
-        <p14:creationId xmlns:p14="http://schemas.microsoft.com/office/powerpoint/2010/main" val="589349349"/>
+        <p14:creationId xmlns:p14="http://schemas.microsoft.com/office/powerpoint/2010/main" val="2982088450"/>
       </p:ext>
     </p:extLst>
   </p:cSld>
@@ -2181,11 +1498,19 @@
           <a:p>
             <a:r>
               <a:rPr lang="fr-FR" dirty="0" smtClean="0"/>
-              <a:t>En</a:t>
+              <a:t>L’</a:t>
+            </a:r>
+            <a:r>
+              <a:rPr lang="fr-FR" dirty="0" err="1" smtClean="0"/>
+              <a:t>intérpréteur</a:t>
+            </a:r>
+            <a:r>
+              <a:rPr lang="fr-FR" dirty="0" smtClean="0"/>
+              <a:t> crée tous les objets dans le</a:t>
             </a:r>
             <a:r>
               <a:rPr lang="fr-FR" baseline="0" dirty="0" smtClean="0"/>
-              <a:t> C on peut notamment allouer la mémoire pour la création des objets. </a:t>
+              <a:t> bloc de code de la classe et crée un espace de nommage temporaire, ensuite c’est l’appel à type qui crée l’objet classe</a:t>
             </a:r>
           </a:p>
           <a:p>
@@ -2216,7 +1541,7 @@
               <a:pPr>
                 <a:defRPr/>
               </a:pPr>
-              <a:t>18</a:t>
+              <a:t>19</a:t>
             </a:fld>
             <a:endParaRPr lang="en-US"/>
           </a:p>
@@ -2225,7 +1550,7 @@
     </p:spTree>
     <p:extLst>
       <p:ext uri="{BB962C8B-B14F-4D97-AF65-F5344CB8AC3E}">
-        <p14:creationId xmlns:p14="http://schemas.microsoft.com/office/powerpoint/2010/main" val="1791801533"/>
+        <p14:creationId xmlns:p14="http://schemas.microsoft.com/office/powerpoint/2010/main" val="621904774"/>
       </p:ext>
     </p:extLst>
   </p:cSld>
@@ -2280,16 +1605,47 @@
           <a:lstStyle/>
           <a:p>
             <a:r>
-              <a:rPr lang="fr-FR" dirty="0" smtClean="0"/>
-              <a:t>En</a:t>
-            </a:r>
-            <a:r>
               <a:rPr lang="fr-FR" baseline="0" dirty="0" smtClean="0"/>
-              <a:t> C on peut notamment allouer la mémoire pour la création des objets. </a:t>
-            </a:r>
-          </a:p>
-          <a:p>
-            <a:endParaRPr lang="fr-FR" baseline="0" dirty="0" smtClean="0"/>
+              <a:t>__new__ est une méthode statique. On lui passe comme premier argument la </a:t>
+            </a:r>
+            <a:r>
+              <a:rPr lang="fr-FR" baseline="0" dirty="0" err="1" smtClean="0"/>
+              <a:t>métaclasse</a:t>
+            </a:r>
+            <a:r>
+              <a:rPr lang="fr-FR" baseline="0" dirty="0" smtClean="0"/>
+              <a:t>. </a:t>
+            </a:r>
+          </a:p>
+          <a:p>
+            <a:r>
+              <a:rPr lang="fr-FR" baseline="0" dirty="0" smtClean="0"/>
+              <a:t>__</a:t>
+            </a:r>
+            <a:r>
+              <a:rPr lang="fr-FR" baseline="0" dirty="0" err="1" smtClean="0"/>
+              <a:t>init</a:t>
+            </a:r>
+            <a:r>
+              <a:rPr lang="fr-FR" baseline="0" dirty="0" smtClean="0"/>
+              <a:t>__ est appelé sur la classe </a:t>
+            </a:r>
+            <a:r>
+              <a:rPr lang="fr-FR" baseline="0" dirty="0" err="1" smtClean="0"/>
+              <a:t>cls</a:t>
+            </a:r>
+            <a:r>
+              <a:rPr lang="fr-FR" baseline="0" dirty="0" smtClean="0"/>
+              <a:t> et non sur l’instance de la classe </a:t>
+            </a:r>
+            <a:r>
+              <a:rPr lang="fr-FR" baseline="0" dirty="0" err="1" smtClean="0"/>
+              <a:t>cls</a:t>
+            </a:r>
+            <a:r>
+              <a:rPr lang="fr-FR" baseline="0" dirty="0" smtClean="0"/>
+              <a:t>. </a:t>
+            </a:r>
           </a:p>
         </p:txBody>
       </p:sp>
@@ -2316,7 +1672,7 @@
               <a:pPr>
                 <a:defRPr/>
               </a:pPr>
-              <a:t>19</a:t>
+              <a:t>20</a:t>
             </a:fld>
             <a:endParaRPr lang="en-US"/>
           </a:p>
@@ -2325,7 +1681,7 @@
     </p:spTree>
     <p:extLst>
       <p:ext uri="{BB962C8B-B14F-4D97-AF65-F5344CB8AC3E}">
-        <p14:creationId xmlns:p14="http://schemas.microsoft.com/office/powerpoint/2010/main" val="2098244655"/>
+        <p14:creationId xmlns:p14="http://schemas.microsoft.com/office/powerpoint/2010/main" val="3224721912"/>
       </p:ext>
     </p:extLst>
   </p:cSld>
@@ -2380,12 +1736,179 @@
           <a:lstStyle/>
           <a:p>
             <a:r>
-              <a:rPr lang="fr-FR" dirty="0" smtClean="0"/>
-              <a:t>En</a:t>
-            </a:r>
-            <a:r>
               <a:rPr lang="fr-FR" baseline="0" dirty="0" smtClean="0"/>
-              <a:t> C on peut notamment allouer la mémoire pour la création des objets. </a:t>
+              <a:t>__new__ est une méthode statique. On lui passe comme premier argument la </a:t>
+            </a:r>
+            <a:r>
+              <a:rPr lang="fr-FR" baseline="0" dirty="0" err="1" smtClean="0"/>
+              <a:t>métaclasse</a:t>
+            </a:r>
+            <a:r>
+              <a:rPr lang="fr-FR" baseline="0" dirty="0" smtClean="0"/>
+              <a:t>. </a:t>
+            </a:r>
+          </a:p>
+          <a:p>
+            <a:r>
+              <a:rPr lang="fr-FR" baseline="0" dirty="0" smtClean="0"/>
+              <a:t>__</a:t>
+            </a:r>
+            <a:r>
+              <a:rPr lang="fr-FR" baseline="0" dirty="0" err="1" smtClean="0"/>
+              <a:t>init</a:t>
+            </a:r>
+            <a:r>
+              <a:rPr lang="fr-FR" baseline="0" dirty="0" smtClean="0"/>
+              <a:t>__ est appelé sur la classe </a:t>
+            </a:r>
+            <a:r>
+              <a:rPr lang="fr-FR" baseline="0" dirty="0" err="1" smtClean="0"/>
+              <a:t>cls</a:t>
+            </a:r>
+            <a:r>
+              <a:rPr lang="fr-FR" baseline="0" dirty="0" smtClean="0"/>
+              <a:t> et non sur l’instance de la classe </a:t>
+            </a:r>
+            <a:r>
+              <a:rPr lang="fr-FR" baseline="0" dirty="0" err="1" smtClean="0"/>
+              <a:t>cls</a:t>
+            </a:r>
+            <a:r>
+              <a:rPr lang="fr-FR" baseline="0" dirty="0" smtClean="0"/>
+              <a:t>. </a:t>
+            </a:r>
+          </a:p>
+          <a:p>
+            <a:endParaRPr lang="fr-FR" baseline="0" dirty="0" smtClean="0"/>
+          </a:p>
+          <a:p>
+            <a:pPr>
+              <a:buFont typeface="Arial" panose="020B0604020202020204" pitchFamily="34" charset="0"/>
+              <a:buChar char="•"/>
+            </a:pPr>
+            <a:r>
+              <a:rPr lang="fr-FR" kern="0" dirty="0" smtClean="0"/>
+              <a:t>Ce que je peux faire dans </a:t>
+            </a:r>
+            <a:r>
+              <a:rPr lang="fr-FR" kern="0" dirty="0" smtClean="0">
+                <a:latin typeface="Courier New" panose="02070309020205020404" pitchFamily="49" charset="0"/>
+                <a:cs typeface="Courier New" panose="02070309020205020404" pitchFamily="49" charset="0"/>
+              </a:rPr>
+              <a:t>__new__</a:t>
+            </a:r>
+            <a:r>
+              <a:rPr lang="fr-FR" kern="0" dirty="0" smtClean="0"/>
+              <a:t> et pas dans </a:t>
+            </a:r>
+            <a:r>
+              <a:rPr lang="fr-FR" kern="0" dirty="0" smtClean="0">
+                <a:latin typeface="Courier New" panose="02070309020205020404" pitchFamily="49" charset="0"/>
+                <a:cs typeface="Courier New" panose="02070309020205020404" pitchFamily="49" charset="0"/>
+              </a:rPr>
+              <a:t>__</a:t>
+            </a:r>
+            <a:r>
+              <a:rPr lang="fr-FR" kern="0" dirty="0" err="1" smtClean="0">
+                <a:latin typeface="Courier New" panose="02070309020205020404" pitchFamily="49" charset="0"/>
+                <a:cs typeface="Courier New" panose="02070309020205020404" pitchFamily="49" charset="0"/>
+              </a:rPr>
+              <a:t>init</a:t>
+            </a:r>
+            <a:r>
+              <a:rPr lang="fr-FR" kern="0" dirty="0" smtClean="0">
+                <a:latin typeface="Courier New" panose="02070309020205020404" pitchFamily="49" charset="0"/>
+                <a:cs typeface="Courier New" panose="02070309020205020404" pitchFamily="49" charset="0"/>
+              </a:rPr>
+              <a:t>__</a:t>
+            </a:r>
+          </a:p>
+          <a:p>
+            <a:pPr lvl="1">
+              <a:buFont typeface="Arial" panose="020B0604020202020204" pitchFamily="34" charset="0"/>
+              <a:buChar char="•"/>
+            </a:pPr>
+            <a:r>
+              <a:rPr lang="fr-FR" kern="0" dirty="0" smtClean="0"/>
+              <a:t>Retourner un autre objet </a:t>
+            </a:r>
+          </a:p>
+          <a:p>
+            <a:pPr lvl="1">
+              <a:buFont typeface="Arial" panose="020B0604020202020204" pitchFamily="34" charset="0"/>
+              <a:buChar char="•"/>
+            </a:pPr>
+            <a:r>
+              <a:rPr lang="fr-FR" kern="0" dirty="0" smtClean="0"/>
+              <a:t>Changer l’arbre d’héritage</a:t>
+            </a:r>
+          </a:p>
+          <a:p>
+            <a:pPr lvl="1">
+              <a:buFont typeface="Arial" panose="020B0604020202020204" pitchFamily="34" charset="0"/>
+              <a:buChar char="•"/>
+            </a:pPr>
+            <a:r>
+              <a:rPr lang="fr-FR" kern="0" dirty="0" smtClean="0"/>
+              <a:t>Changer l’espace de nommage avant la création de l’objet classe (plus facile qu’après)</a:t>
+            </a:r>
+          </a:p>
+          <a:p>
+            <a:pPr>
+              <a:buFont typeface="Arial" panose="020B0604020202020204" pitchFamily="34" charset="0"/>
+              <a:buChar char="•"/>
+            </a:pPr>
+            <a:r>
+              <a:rPr lang="fr-FR" kern="0" dirty="0" smtClean="0"/>
+              <a:t>Souvent, c’est équivalent d’utiliser l’une ou l’autre, le choix est alors une question de goût</a:t>
+            </a:r>
+          </a:p>
+          <a:p>
+            <a:pPr lvl="1">
+              <a:buFont typeface="Arial" panose="020B0604020202020204" pitchFamily="34" charset="0"/>
+              <a:buChar char="•"/>
+            </a:pPr>
+            <a:r>
+              <a:rPr lang="fr-FR" kern="0" dirty="0" smtClean="0">
+                <a:latin typeface="Courier New" panose="02070309020205020404" pitchFamily="49" charset="0"/>
+                <a:cs typeface="Courier New" panose="02070309020205020404" pitchFamily="49" charset="0"/>
+              </a:rPr>
+              <a:t>__new__ </a:t>
+            </a:r>
+            <a:r>
+              <a:rPr lang="fr-FR" kern="0" dirty="0" smtClean="0"/>
+              <a:t>marche dans tous les cas</a:t>
+            </a:r>
+          </a:p>
+          <a:p>
+            <a:pPr lvl="1">
+              <a:buFont typeface="Arial" panose="020B0604020202020204" pitchFamily="34" charset="0"/>
+              <a:buChar char="•"/>
+            </a:pPr>
+            <a:r>
+              <a:rPr lang="fr-FR" kern="0" dirty="0" smtClean="0">
+                <a:latin typeface="Courier New" panose="02070309020205020404" pitchFamily="49" charset="0"/>
+                <a:cs typeface="Courier New" panose="02070309020205020404" pitchFamily="49" charset="0"/>
+              </a:rPr>
+              <a:t>__</a:t>
+            </a:r>
+            <a:r>
+              <a:rPr lang="fr-FR" kern="0" dirty="0" err="1" smtClean="0">
+                <a:latin typeface="Courier New" panose="02070309020205020404" pitchFamily="49" charset="0"/>
+                <a:cs typeface="Courier New" panose="02070309020205020404" pitchFamily="49" charset="0"/>
+              </a:rPr>
+              <a:t>init</a:t>
+            </a:r>
+            <a:r>
+              <a:rPr lang="fr-FR" kern="0" dirty="0" smtClean="0">
+                <a:latin typeface="Courier New" panose="02070309020205020404" pitchFamily="49" charset="0"/>
+                <a:cs typeface="Courier New" panose="02070309020205020404" pitchFamily="49" charset="0"/>
+              </a:rPr>
+              <a:t>__ </a:t>
+            </a:r>
+            <a:r>
+              <a:rPr lang="fr-FR" kern="0" dirty="0" smtClean="0"/>
+              <a:t>est plus simple</a:t>
             </a:r>
           </a:p>
           <a:p>
@@ -2416,7 +1939,7 @@
               <a:pPr>
                 <a:defRPr/>
               </a:pPr>
-              <a:t>20</a:t>
+              <a:t>21</a:t>
             </a:fld>
             <a:endParaRPr lang="en-US"/>
           </a:p>
@@ -2425,7 +1948,7 @@
     </p:spTree>
     <p:extLst>
       <p:ext uri="{BB962C8B-B14F-4D97-AF65-F5344CB8AC3E}">
-        <p14:creationId xmlns:p14="http://schemas.microsoft.com/office/powerpoint/2010/main" val="2982088450"/>
+        <p14:creationId xmlns:p14="http://schemas.microsoft.com/office/powerpoint/2010/main" val="606563412"/>
       </p:ext>
     </p:extLst>
   </p:cSld>
@@ -2480,21 +2003,55 @@
           <a:lstStyle/>
           <a:p>
             <a:r>
-              <a:rPr lang="fr-FR" dirty="0" smtClean="0"/>
-              <a:t>L’</a:t>
-            </a:r>
-            <a:r>
-              <a:rPr lang="fr-FR" dirty="0" err="1" smtClean="0"/>
-              <a:t>intérpréteur</a:t>
-            </a:r>
-            <a:r>
-              <a:rPr lang="fr-FR" dirty="0" smtClean="0"/>
-              <a:t> crée tous les objets dans le</a:t>
-            </a:r>
-            <a:r>
               <a:rPr lang="fr-FR" baseline="0" dirty="0" smtClean="0"/>
-              <a:t> bloc de code de la classe et crée un espace de nommage temporaire, ensuite c’est l’appel à type qui crée l’objet classe</a:t>
-            </a:r>
+              <a:t>Dans __new__ c’est obligatoire de faire à la fin un return </a:t>
+            </a:r>
+            <a:r>
+              <a:rPr lang="en-US" dirty="0" err="1" smtClean="0">
+                <a:solidFill>
+                  <a:srgbClr val="FF0000"/>
+                </a:solidFill>
+                <a:latin typeface="Courier New" panose="02070309020205020404" pitchFamily="49" charset="0"/>
+                <a:cs typeface="Courier New" panose="02070309020205020404" pitchFamily="49" charset="0"/>
+              </a:rPr>
+              <a:t>type.__new</a:t>
+            </a:r>
+            <a:r>
+              <a:rPr lang="en-US" dirty="0" smtClean="0">
+                <a:solidFill>
+                  <a:srgbClr val="FF0000"/>
+                </a:solidFill>
+                <a:latin typeface="Courier New" panose="02070309020205020404" pitchFamily="49" charset="0"/>
+                <a:cs typeface="Courier New" panose="02070309020205020404" pitchFamily="49" charset="0"/>
+              </a:rPr>
+              <a:t>__(meta, name, bases, </a:t>
+            </a:r>
+            <a:r>
+              <a:rPr lang="en-US" dirty="0" err="1" smtClean="0">
+                <a:solidFill>
+                  <a:srgbClr val="FF0000"/>
+                </a:solidFill>
+                <a:latin typeface="Courier New" panose="02070309020205020404" pitchFamily="49" charset="0"/>
+                <a:cs typeface="Courier New" panose="02070309020205020404" pitchFamily="49" charset="0"/>
+              </a:rPr>
+              <a:t>classdict</a:t>
+            </a:r>
+            <a:r>
+              <a:rPr lang="en-US" dirty="0" smtClean="0">
+                <a:solidFill>
+                  <a:srgbClr val="FF0000"/>
+                </a:solidFill>
+                <a:latin typeface="Courier New" panose="02070309020205020404" pitchFamily="49" charset="0"/>
+                <a:cs typeface="Courier New" panose="02070309020205020404" pitchFamily="49" charset="0"/>
+              </a:rPr>
+              <a:t>)</a:t>
+            </a:r>
+          </a:p>
+          <a:p>
+            <a:endParaRPr lang="en-US" dirty="0" smtClean="0">
+              <a:latin typeface="Courier New" panose="02070309020205020404" pitchFamily="49" charset="0"/>
+              <a:cs typeface="Courier New" panose="02070309020205020404" pitchFamily="49" charset="0"/>
+            </a:endParaRPr>
           </a:p>
           <a:p>
             <a:endParaRPr lang="fr-FR" baseline="0" dirty="0" smtClean="0"/>
@@ -2524,7 +2081,7 @@
               <a:pPr>
                 <a:defRPr/>
               </a:pPr>
-              <a:t>21</a:t>
+              <a:t>22</a:t>
             </a:fld>
             <a:endParaRPr lang="en-US"/>
           </a:p>
@@ -2533,7 +2090,7 @@
     </p:spTree>
     <p:extLst>
       <p:ext uri="{BB962C8B-B14F-4D97-AF65-F5344CB8AC3E}">
-        <p14:creationId xmlns:p14="http://schemas.microsoft.com/office/powerpoint/2010/main" val="621904774"/>
+        <p14:creationId xmlns:p14="http://schemas.microsoft.com/office/powerpoint/2010/main" val="3667160092"/>
       </p:ext>
     </p:extLst>
   </p:cSld>
@@ -2589,46 +2146,57 @@
           <a:p>
             <a:r>
               <a:rPr lang="fr-FR" baseline="0" dirty="0" smtClean="0"/>
-              <a:t>__new__ est une méthode statique. On lui passe comme premier argument la </a:t>
-            </a:r>
-            <a:r>
-              <a:rPr lang="fr-FR" baseline="0" dirty="0" err="1" smtClean="0"/>
-              <a:t>métaclasse</a:t>
-            </a:r>
-            <a:r>
-              <a:rPr lang="fr-FR" baseline="0" dirty="0" smtClean="0"/>
-              <a:t>. </a:t>
-            </a:r>
-          </a:p>
-          <a:p>
-            <a:r>
-              <a:rPr lang="fr-FR" baseline="0" dirty="0" smtClean="0"/>
-              <a:t>__</a:t>
-            </a:r>
-            <a:r>
-              <a:rPr lang="fr-FR" baseline="0" dirty="0" err="1" smtClean="0"/>
-              <a:t>init</a:t>
-            </a:r>
-            <a:r>
-              <a:rPr lang="fr-FR" baseline="0" dirty="0" smtClean="0"/>
-              <a:t>__ est appelé sur la classe </a:t>
-            </a:r>
-            <a:r>
-              <a:rPr lang="fr-FR" baseline="0" dirty="0" err="1" smtClean="0"/>
-              <a:t>cls</a:t>
-            </a:r>
-            <a:r>
-              <a:rPr lang="fr-FR" baseline="0" dirty="0" smtClean="0"/>
-              <a:t> et non sur l’instance de la classe </a:t>
-            </a:r>
-            <a:r>
-              <a:rPr lang="fr-FR" baseline="0" dirty="0" err="1" smtClean="0"/>
-              <a:t>cls</a:t>
-            </a:r>
-            <a:r>
-              <a:rPr lang="fr-FR" baseline="0" dirty="0" smtClean="0"/>
-              <a:t>. </a:t>
-            </a:r>
+              <a:t>Dans __new__ c’est obligatoire de faire à la fin un return </a:t>
+            </a:r>
+            <a:r>
+              <a:rPr lang="en-US" dirty="0" err="1" smtClean="0">
+                <a:solidFill>
+                  <a:srgbClr val="FF0000"/>
+                </a:solidFill>
+                <a:latin typeface="Courier New" panose="02070309020205020404" pitchFamily="49" charset="0"/>
+                <a:cs typeface="Courier New" panose="02070309020205020404" pitchFamily="49" charset="0"/>
+              </a:rPr>
+              <a:t>type.__new</a:t>
+            </a:r>
+            <a:r>
+              <a:rPr lang="en-US" dirty="0" smtClean="0">
+                <a:solidFill>
+                  <a:srgbClr val="FF0000"/>
+                </a:solidFill>
+                <a:latin typeface="Courier New" panose="02070309020205020404" pitchFamily="49" charset="0"/>
+                <a:cs typeface="Courier New" panose="02070309020205020404" pitchFamily="49" charset="0"/>
+              </a:rPr>
+              <a:t>__(meta, name, bases, </a:t>
+            </a:r>
+            <a:r>
+              <a:rPr lang="en-US" dirty="0" err="1" smtClean="0">
+                <a:solidFill>
+                  <a:srgbClr val="FF0000"/>
+                </a:solidFill>
+                <a:latin typeface="Courier New" panose="02070309020205020404" pitchFamily="49" charset="0"/>
+                <a:cs typeface="Courier New" panose="02070309020205020404" pitchFamily="49" charset="0"/>
+              </a:rPr>
+              <a:t>classdict</a:t>
+            </a:r>
+            <a:r>
+              <a:rPr lang="en-US" dirty="0" smtClean="0">
+                <a:solidFill>
+                  <a:srgbClr val="FF0000"/>
+                </a:solidFill>
+                <a:latin typeface="Courier New" panose="02070309020205020404" pitchFamily="49" charset="0"/>
+                <a:cs typeface="Courier New" panose="02070309020205020404" pitchFamily="49" charset="0"/>
+              </a:rPr>
+              <a:t>)</a:t>
+            </a:r>
+          </a:p>
+          <a:p>
+            <a:endParaRPr lang="en-US" dirty="0" smtClean="0">
+              <a:latin typeface="Courier New" panose="02070309020205020404" pitchFamily="49" charset="0"/>
+              <a:cs typeface="Courier New" panose="02070309020205020404" pitchFamily="49" charset="0"/>
+            </a:endParaRPr>
+          </a:p>
+          <a:p>
+            <a:endParaRPr lang="fr-FR" baseline="0" dirty="0" smtClean="0"/>
           </a:p>
         </p:txBody>
       </p:sp>
@@ -2655,7 +2223,7 @@
               <a:pPr>
                 <a:defRPr/>
               </a:pPr>
-              <a:t>22</a:t>
+              <a:t>23</a:t>
             </a:fld>
             <a:endParaRPr lang="en-US"/>
           </a:p>
@@ -2664,7 +2232,7 @@
     </p:spTree>
     <p:extLst>
       <p:ext uri="{BB962C8B-B14F-4D97-AF65-F5344CB8AC3E}">
-        <p14:creationId xmlns:p14="http://schemas.microsoft.com/office/powerpoint/2010/main" val="3224721912"/>
+        <p14:creationId xmlns:p14="http://schemas.microsoft.com/office/powerpoint/2010/main" val="2262118860"/>
       </p:ext>
     </p:extLst>
   </p:cSld>
@@ -2718,184 +2286,7 @@
           <a:bodyPr/>
           <a:lstStyle/>
           <a:p>
-            <a:r>
-              <a:rPr lang="fr-FR" baseline="0" dirty="0" smtClean="0"/>
-              <a:t>__new__ est une méthode statique. On lui passe comme premier argument la </a:t>
-            </a:r>
-            <a:r>
-              <a:rPr lang="fr-FR" baseline="0" dirty="0" err="1" smtClean="0"/>
-              <a:t>métaclasse</a:t>
-            </a:r>
-            <a:r>
-              <a:rPr lang="fr-FR" baseline="0" dirty="0" smtClean="0"/>
-              <a:t>. </a:t>
-            </a:r>
-          </a:p>
-          <a:p>
-            <a:r>
-              <a:rPr lang="fr-FR" baseline="0" dirty="0" smtClean="0"/>
-              <a:t>__</a:t>
-            </a:r>
-            <a:r>
-              <a:rPr lang="fr-FR" baseline="0" dirty="0" err="1" smtClean="0"/>
-              <a:t>init</a:t>
-            </a:r>
-            <a:r>
-              <a:rPr lang="fr-FR" baseline="0" dirty="0" smtClean="0"/>
-              <a:t>__ est appelé sur la classe </a:t>
-            </a:r>
-            <a:r>
-              <a:rPr lang="fr-FR" baseline="0" dirty="0" err="1" smtClean="0"/>
-              <a:t>cls</a:t>
-            </a:r>
-            <a:r>
-              <a:rPr lang="fr-FR" baseline="0" dirty="0" smtClean="0"/>
-              <a:t> et non sur l’instance de la classe </a:t>
-            </a:r>
-            <a:r>
-              <a:rPr lang="fr-FR" baseline="0" dirty="0" err="1" smtClean="0"/>
-              <a:t>cls</a:t>
-            </a:r>
-            <a:r>
-              <a:rPr lang="fr-FR" baseline="0" dirty="0" smtClean="0"/>
-              <a:t>. </a:t>
-            </a:r>
-          </a:p>
-          <a:p>
-            <a:endParaRPr lang="fr-FR" baseline="0" dirty="0" smtClean="0"/>
-          </a:p>
-          <a:p>
-            <a:pPr>
-              <a:buFont typeface="Arial" panose="020B0604020202020204" pitchFamily="34" charset="0"/>
-              <a:buChar char="•"/>
-            </a:pPr>
-            <a:r>
-              <a:rPr lang="fr-FR" kern="0" dirty="0" smtClean="0"/>
-              <a:t>Ce que je peux faire dans </a:t>
-            </a:r>
-            <a:r>
-              <a:rPr lang="fr-FR" kern="0" dirty="0" smtClean="0">
-                <a:latin typeface="Courier New" panose="02070309020205020404" pitchFamily="49" charset="0"/>
-                <a:cs typeface="Courier New" panose="02070309020205020404" pitchFamily="49" charset="0"/>
-              </a:rPr>
-              <a:t>__new__</a:t>
-            </a:r>
-            <a:r>
-              <a:rPr lang="fr-FR" kern="0" dirty="0" smtClean="0"/>
-              <a:t> et pas dans </a:t>
-            </a:r>
-            <a:r>
-              <a:rPr lang="fr-FR" kern="0" dirty="0" smtClean="0">
-                <a:latin typeface="Courier New" panose="02070309020205020404" pitchFamily="49" charset="0"/>
-                <a:cs typeface="Courier New" panose="02070309020205020404" pitchFamily="49" charset="0"/>
-              </a:rPr>
-              <a:t>__</a:t>
-            </a:r>
-            <a:r>
-              <a:rPr lang="fr-FR" kern="0" dirty="0" err="1" smtClean="0">
-                <a:latin typeface="Courier New" panose="02070309020205020404" pitchFamily="49" charset="0"/>
-                <a:cs typeface="Courier New" panose="02070309020205020404" pitchFamily="49" charset="0"/>
-              </a:rPr>
-              <a:t>init</a:t>
-            </a:r>
-            <a:r>
-              <a:rPr lang="fr-FR" kern="0" dirty="0" smtClean="0">
-                <a:latin typeface="Courier New" panose="02070309020205020404" pitchFamily="49" charset="0"/>
-                <a:cs typeface="Courier New" panose="02070309020205020404" pitchFamily="49" charset="0"/>
-              </a:rPr>
-              <a:t>__</a:t>
-            </a:r>
-          </a:p>
-          <a:p>
-            <a:pPr lvl="1">
-              <a:buFont typeface="Arial" panose="020B0604020202020204" pitchFamily="34" charset="0"/>
-              <a:buChar char="•"/>
-            </a:pPr>
-            <a:r>
-              <a:rPr lang="fr-FR" kern="0" dirty="0" smtClean="0"/>
-              <a:t>Retourner un autre objet </a:t>
-            </a:r>
-          </a:p>
-          <a:p>
-            <a:pPr lvl="1">
-              <a:buFont typeface="Arial" panose="020B0604020202020204" pitchFamily="34" charset="0"/>
-              <a:buChar char="•"/>
-            </a:pPr>
-            <a:r>
-              <a:rPr lang="fr-FR" kern="0" dirty="0" smtClean="0"/>
-              <a:t>Changer l’arbre d’héritage</a:t>
-            </a:r>
-          </a:p>
-          <a:p>
-            <a:pPr lvl="1">
-              <a:buFont typeface="Arial" panose="020B0604020202020204" pitchFamily="34" charset="0"/>
-              <a:buChar char="•"/>
-            </a:pPr>
-            <a:r>
-              <a:rPr lang="fr-FR" kern="0" dirty="0" smtClean="0"/>
-              <a:t>Changer l’espace de nommage avant la création de l’objet classe (plus facile qu’après)</a:t>
-            </a:r>
-          </a:p>
-          <a:p>
-            <a:pPr>
-              <a:buFont typeface="Arial" panose="020B0604020202020204" pitchFamily="34" charset="0"/>
-              <a:buChar char="•"/>
-            </a:pPr>
-            <a:r>
-              <a:rPr lang="fr-FR" kern="0" dirty="0" smtClean="0"/>
-              <a:t>Souvent, c’est équivalent d’utiliser l’une ou l’autre, le choix est alors une question de goût</a:t>
-            </a:r>
-          </a:p>
-          <a:p>
-            <a:pPr lvl="1">
-              <a:buFont typeface="Arial" panose="020B0604020202020204" pitchFamily="34" charset="0"/>
-              <a:buChar char="•"/>
-            </a:pPr>
-            <a:r>
-              <a:rPr lang="fr-FR" kern="0" dirty="0" smtClean="0">
-                <a:latin typeface="Courier New" panose="02070309020205020404" pitchFamily="49" charset="0"/>
-                <a:cs typeface="Courier New" panose="02070309020205020404" pitchFamily="49" charset="0"/>
-              </a:rPr>
-              <a:t>__new__ </a:t>
-            </a:r>
-            <a:r>
-              <a:rPr lang="fr-FR" kern="0" dirty="0" smtClean="0"/>
-              <a:t>marche dans tous les cas</a:t>
-            </a:r>
-          </a:p>
-          <a:p>
-            <a:pPr lvl="1">
-              <a:buFont typeface="Arial" panose="020B0604020202020204" pitchFamily="34" charset="0"/>
-              <a:buChar char="•"/>
-            </a:pPr>
-            <a:r>
-              <a:rPr lang="fr-FR" kern="0" dirty="0" smtClean="0">
-                <a:latin typeface="Courier New" panose="02070309020205020404" pitchFamily="49" charset="0"/>
-                <a:cs typeface="Courier New" panose="02070309020205020404" pitchFamily="49" charset="0"/>
-              </a:rPr>
-              <a:t>__</a:t>
-            </a:r>
-            <a:r>
-              <a:rPr lang="fr-FR" kern="0" dirty="0" err="1" smtClean="0">
-                <a:latin typeface="Courier New" panose="02070309020205020404" pitchFamily="49" charset="0"/>
-                <a:cs typeface="Courier New" panose="02070309020205020404" pitchFamily="49" charset="0"/>
-              </a:rPr>
-              <a:t>init</a:t>
-            </a:r>
-            <a:r>
-              <a:rPr lang="fr-FR" kern="0" dirty="0" smtClean="0">
-                <a:latin typeface="Courier New" panose="02070309020205020404" pitchFamily="49" charset="0"/>
-                <a:cs typeface="Courier New" panose="02070309020205020404" pitchFamily="49" charset="0"/>
-              </a:rPr>
-              <a:t>__ </a:t>
-            </a:r>
-            <a:r>
-              <a:rPr lang="fr-FR" kern="0" dirty="0" smtClean="0"/>
-              <a:t>est plus simple</a:t>
-            </a:r>
-          </a:p>
-          <a:p>
-            <a:endParaRPr lang="fr-FR" baseline="0" dirty="0" smtClean="0"/>
+            <a:endParaRPr lang="fr-FR" dirty="0"/>
           </a:p>
         </p:txBody>
       </p:sp>
@@ -2922,7 +2313,7 @@
               <a:pPr>
                 <a:defRPr/>
               </a:pPr>
-              <a:t>23</a:t>
+              <a:t>26</a:t>
             </a:fld>
             <a:endParaRPr lang="en-US"/>
           </a:p>
@@ -2931,7 +2322,7 @@
     </p:spTree>
     <p:extLst>
       <p:ext uri="{BB962C8B-B14F-4D97-AF65-F5344CB8AC3E}">
-        <p14:creationId xmlns:p14="http://schemas.microsoft.com/office/powerpoint/2010/main" val="606563412"/>
+        <p14:creationId xmlns:p14="http://schemas.microsoft.com/office/powerpoint/2010/main" val="3392731514"/>
       </p:ext>
     </p:extLst>
   </p:cSld>
@@ -3032,7 +2423,7 @@
               <a:pPr>
                 <a:defRPr/>
               </a:pPr>
-              <a:t>3</a:t>
+              <a:t>4</a:t>
             </a:fld>
             <a:endParaRPr lang="en-US"/>
           </a:p>
@@ -3095,59 +2486,51 @@
           <a:bodyPr/>
           <a:lstStyle/>
           <a:p>
+            <a:pPr marL="0" marR="0" indent="0" algn="l" defTabSz="914400" rtl="0" eaLnBrk="0" fontAlgn="base" latinLnBrk="0" hangingPunct="0">
+              <a:lnSpc>
+                <a:spcPct val="100000"/>
+              </a:lnSpc>
+              <a:spcBef>
+                <a:spcPct val="30000"/>
+              </a:spcBef>
+              <a:spcAft>
+                <a:spcPct val="0"/>
+              </a:spcAft>
+              <a:buClrTx/>
+              <a:buSzTx/>
+              <a:buFontTx/>
+              <a:buNone/>
+              <a:tabLst/>
+              <a:defRPr/>
+            </a:pPr>
+            <a:r>
+              <a:rPr lang="fr-FR" dirty="0" smtClean="0"/>
+              <a:t>Attention</a:t>
+            </a:r>
             <a:r>
               <a:rPr lang="fr-FR" baseline="0" dirty="0" smtClean="0"/>
-              <a:t>Dans __new__ c’est obligatoire de faire à la fin un return </a:t>
-            </a:r>
-            <a:r>
-              <a:rPr lang="en-US" dirty="0" err="1" smtClean="0">
-                <a:solidFill>
-                  <a:srgbClr val="FF0000"/>
-                </a:solidFill>
-                <a:latin typeface="Courier New" panose="02070309020205020404" pitchFamily="49" charset="0"/>
-                <a:cs typeface="Courier New" panose="02070309020205020404" pitchFamily="49" charset="0"/>
-              </a:rPr>
-              <a:t>type.__new</a:t>
-            </a:r>
-            <a:r>
-              <a:rPr lang="en-US" dirty="0" smtClean="0">
-                <a:solidFill>
-                  <a:srgbClr val="FF0000"/>
-                </a:solidFill>
-                <a:latin typeface="Courier New" panose="02070309020205020404" pitchFamily="49" charset="0"/>
-                <a:cs typeface="Courier New" panose="02070309020205020404" pitchFamily="49" charset="0"/>
-              </a:rPr>
-              <a:t>__(meta, name, bases, </a:t>
-            </a:r>
-            <a:r>
-              <a:rPr lang="en-US" dirty="0" err="1" smtClean="0">
-                <a:solidFill>
-                  <a:srgbClr val="FF0000"/>
-                </a:solidFill>
-                <a:latin typeface="Courier New" panose="02070309020205020404" pitchFamily="49" charset="0"/>
-                <a:cs typeface="Courier New" panose="02070309020205020404" pitchFamily="49" charset="0"/>
-              </a:rPr>
-              <a:t>classdict</a:t>
-            </a:r>
-            <a:r>
-              <a:rPr lang="en-US" dirty="0" smtClean="0">
-                <a:solidFill>
-                  <a:srgbClr val="FF0000"/>
-                </a:solidFill>
-                <a:latin typeface="Courier New" panose="02070309020205020404" pitchFamily="49" charset="0"/>
-                <a:cs typeface="Courier New" panose="02070309020205020404" pitchFamily="49" charset="0"/>
-              </a:rPr>
-              <a:t>)</a:t>
-            </a:r>
-          </a:p>
-          <a:p>
-            <a:endParaRPr lang="en-US" dirty="0" smtClean="0">
-              <a:latin typeface="Courier New" panose="02070309020205020404" pitchFamily="49" charset="0"/>
-              <a:cs typeface="Courier New" panose="02070309020205020404" pitchFamily="49" charset="0"/>
-            </a:endParaRPr>
-          </a:p>
-          <a:p>
-            <a:endParaRPr lang="fr-FR" baseline="0" dirty="0" smtClean="0"/>
+              <a:t> à la terminologie. Tous les objets sont des instances de quelque chose, en particulier les classes sont des instances de la </a:t>
+            </a:r>
+            <a:r>
+              <a:rPr lang="fr-FR" baseline="0" dirty="0" err="1" smtClean="0"/>
+              <a:t>metaclasse</a:t>
+            </a:r>
+            <a:r>
+              <a:rPr lang="fr-FR" baseline="0" dirty="0" smtClean="0"/>
+              <a:t>, mais dans notre contexte on réserve le terme instance à des objets qui n’ont pas pour type l’objet type. On appelle ici les instance de la </a:t>
+            </a:r>
+            <a:r>
+              <a:rPr lang="fr-FR" baseline="0" dirty="0" err="1" smtClean="0"/>
+              <a:t>metaclase</a:t>
+            </a:r>
+            <a:r>
+              <a:rPr lang="fr-FR" baseline="0" dirty="0" smtClean="0"/>
+              <a:t> des classes ou des types (les deux termes sont équivalents). </a:t>
+            </a:r>
+            <a:endParaRPr lang="fr-FR" dirty="0" smtClean="0"/>
+          </a:p>
+          <a:p>
+            <a:endParaRPr lang="fr-FR" dirty="0"/>
           </a:p>
         </p:txBody>
       </p:sp>
@@ -3174,7 +2557,7 @@
               <a:pPr>
                 <a:defRPr/>
               </a:pPr>
-              <a:t>24</a:t>
+              <a:t>27</a:t>
             </a:fld>
             <a:endParaRPr lang="en-US"/>
           </a:p>
@@ -3183,7 +2566,7 @@
     </p:spTree>
     <p:extLst>
       <p:ext uri="{BB962C8B-B14F-4D97-AF65-F5344CB8AC3E}">
-        <p14:creationId xmlns:p14="http://schemas.microsoft.com/office/powerpoint/2010/main" val="3667160092"/>
+        <p14:creationId xmlns:p14="http://schemas.microsoft.com/office/powerpoint/2010/main" val="930179752"/>
       </p:ext>
     </p:extLst>
   </p:cSld>
@@ -3237,59 +2620,51 @@
           <a:bodyPr/>
           <a:lstStyle/>
           <a:p>
+            <a:pPr marL="0" marR="0" indent="0" algn="l" defTabSz="914400" rtl="0" eaLnBrk="0" fontAlgn="base" latinLnBrk="0" hangingPunct="0">
+              <a:lnSpc>
+                <a:spcPct val="100000"/>
+              </a:lnSpc>
+              <a:spcBef>
+                <a:spcPct val="30000"/>
+              </a:spcBef>
+              <a:spcAft>
+                <a:spcPct val="0"/>
+              </a:spcAft>
+              <a:buClrTx/>
+              <a:buSzTx/>
+              <a:buFontTx/>
+              <a:buNone/>
+              <a:tabLst/>
+              <a:defRPr/>
+            </a:pPr>
+            <a:r>
+              <a:rPr lang="fr-FR" dirty="0" smtClean="0"/>
+              <a:t>Attention</a:t>
+            </a:r>
             <a:r>
               <a:rPr lang="fr-FR" baseline="0" dirty="0" smtClean="0"/>
-              <a:t>Dans __new__ c’est obligatoire de faire à la fin un return </a:t>
-            </a:r>
-            <a:r>
-              <a:rPr lang="en-US" dirty="0" err="1" smtClean="0">
-                <a:solidFill>
-                  <a:srgbClr val="FF0000"/>
-                </a:solidFill>
-                <a:latin typeface="Courier New" panose="02070309020205020404" pitchFamily="49" charset="0"/>
-                <a:cs typeface="Courier New" panose="02070309020205020404" pitchFamily="49" charset="0"/>
-              </a:rPr>
-              <a:t>type.__new</a:t>
-            </a:r>
-            <a:r>
-              <a:rPr lang="en-US" dirty="0" smtClean="0">
-                <a:solidFill>
-                  <a:srgbClr val="FF0000"/>
-                </a:solidFill>
-                <a:latin typeface="Courier New" panose="02070309020205020404" pitchFamily="49" charset="0"/>
-                <a:cs typeface="Courier New" panose="02070309020205020404" pitchFamily="49" charset="0"/>
-              </a:rPr>
-              <a:t>__(meta, name, bases, </a:t>
-            </a:r>
-            <a:r>
-              <a:rPr lang="en-US" dirty="0" err="1" smtClean="0">
-                <a:solidFill>
-                  <a:srgbClr val="FF0000"/>
-                </a:solidFill>
-                <a:latin typeface="Courier New" panose="02070309020205020404" pitchFamily="49" charset="0"/>
-                <a:cs typeface="Courier New" panose="02070309020205020404" pitchFamily="49" charset="0"/>
-              </a:rPr>
-              <a:t>classdict</a:t>
-            </a:r>
-            <a:r>
-              <a:rPr lang="en-US" dirty="0" smtClean="0">
-                <a:solidFill>
-                  <a:srgbClr val="FF0000"/>
-                </a:solidFill>
-                <a:latin typeface="Courier New" panose="02070309020205020404" pitchFamily="49" charset="0"/>
-                <a:cs typeface="Courier New" panose="02070309020205020404" pitchFamily="49" charset="0"/>
-              </a:rPr>
-              <a:t>)</a:t>
-            </a:r>
-          </a:p>
-          <a:p>
-            <a:endParaRPr lang="en-US" dirty="0" smtClean="0">
-              <a:latin typeface="Courier New" panose="02070309020205020404" pitchFamily="49" charset="0"/>
-              <a:cs typeface="Courier New" panose="02070309020205020404" pitchFamily="49" charset="0"/>
-            </a:endParaRPr>
-          </a:p>
-          <a:p>
-            <a:endParaRPr lang="fr-FR" baseline="0" dirty="0" smtClean="0"/>
+              <a:t> à la terminologie. Tous les objets sont des instances de quelque chose, en particulier les classes sont des instances de la </a:t>
+            </a:r>
+            <a:r>
+              <a:rPr lang="fr-FR" baseline="0" dirty="0" err="1" smtClean="0"/>
+              <a:t>metaclasse</a:t>
+            </a:r>
+            <a:r>
+              <a:rPr lang="fr-FR" baseline="0" dirty="0" smtClean="0"/>
+              <a:t>, mais dans notre contexte on réserve le terme instance à des objets qui n’ont pas pour type l’objet type. On appelle ici les instance de la </a:t>
+            </a:r>
+            <a:r>
+              <a:rPr lang="fr-FR" baseline="0" dirty="0" err="1" smtClean="0"/>
+              <a:t>metaclase</a:t>
+            </a:r>
+            <a:r>
+              <a:rPr lang="fr-FR" baseline="0" dirty="0" smtClean="0"/>
+              <a:t> des classes ou des types (les deux termes sont équivalents). </a:t>
+            </a:r>
+            <a:endParaRPr lang="fr-FR" dirty="0" smtClean="0"/>
+          </a:p>
+          <a:p>
+            <a:endParaRPr lang="fr-FR" dirty="0"/>
           </a:p>
         </p:txBody>
       </p:sp>
@@ -3316,7 +2691,7 @@
               <a:pPr>
                 <a:defRPr/>
               </a:pPr>
-              <a:t>25</a:t>
+              <a:t>28</a:t>
             </a:fld>
             <a:endParaRPr lang="en-US"/>
           </a:p>
@@ -3325,7 +2700,7 @@
     </p:spTree>
     <p:extLst>
       <p:ext uri="{BB962C8B-B14F-4D97-AF65-F5344CB8AC3E}">
-        <p14:creationId xmlns:p14="http://schemas.microsoft.com/office/powerpoint/2010/main" val="2262118860"/>
+        <p14:creationId xmlns:p14="http://schemas.microsoft.com/office/powerpoint/2010/main" val="326094596"/>
       </p:ext>
     </p:extLst>
   </p:cSld>
@@ -3426,7 +2801,7 @@
               <a:pPr>
                 <a:defRPr/>
               </a:pPr>
-              <a:t>4</a:t>
+              <a:t>5</a:t>
             </a:fld>
             <a:endParaRPr lang="en-US"/>
           </a:p>
@@ -3489,15 +2864,483 @@
           <a:bodyPr/>
           <a:lstStyle/>
           <a:p>
+            <a:pPr marL="0" marR="0" indent="0" algn="l" defTabSz="914400" rtl="0" eaLnBrk="0" fontAlgn="base" latinLnBrk="0" hangingPunct="0">
+              <a:lnSpc>
+                <a:spcPct val="100000"/>
+              </a:lnSpc>
+              <a:spcBef>
+                <a:spcPct val="30000"/>
+              </a:spcBef>
+              <a:spcAft>
+                <a:spcPct val="0"/>
+              </a:spcAft>
+              <a:buClrTx/>
+              <a:buSzTx/>
+              <a:buFontTx/>
+              <a:buNone/>
+              <a:tabLst/>
+              <a:defRPr/>
+            </a:pPr>
             <a:r>
               <a:rPr lang="fr-FR" dirty="0" smtClean="0"/>
-              <a:t>Le type d’une instance est</a:t>
+              <a:t>Attention</a:t>
             </a:r>
             <a:r>
               <a:rPr lang="fr-FR" baseline="0" dirty="0" smtClean="0"/>
-              <a:t> la classe qui l’a instanciée</a:t>
+              <a:t> à la terminologie. Tous les objets sont des instances de quelque chose, en particulier les classes sont des instances de la </a:t>
+            </a:r>
+            <a:r>
+              <a:rPr lang="fr-FR" baseline="0" dirty="0" err="1" smtClean="0"/>
+              <a:t>metaclasse</a:t>
+            </a:r>
+            <a:r>
+              <a:rPr lang="fr-FR" baseline="0" dirty="0" smtClean="0"/>
+              <a:t>, mais dans notre contexte on réserve le terme instance à des objets qui n’ont pas pour type l’objet type. On appelle ici les instance de la </a:t>
+            </a:r>
+            <a:r>
+              <a:rPr lang="fr-FR" baseline="0" dirty="0" err="1" smtClean="0"/>
+              <a:t>metaclase</a:t>
+            </a:r>
+            <a:r>
+              <a:rPr lang="fr-FR" baseline="0" dirty="0" smtClean="0"/>
+              <a:t> des classes ou des types (les deux termes sont équivalents). </a:t>
+            </a:r>
+          </a:p>
+          <a:p>
+            <a:pPr marL="0" marR="0" indent="0" algn="l" defTabSz="914400" rtl="0" eaLnBrk="0" fontAlgn="base" latinLnBrk="0" hangingPunct="0">
+              <a:lnSpc>
+                <a:spcPct val="100000"/>
+              </a:lnSpc>
+              <a:spcBef>
+                <a:spcPct val="30000"/>
+              </a:spcBef>
+              <a:spcAft>
+                <a:spcPct val="0"/>
+              </a:spcAft>
+              <a:buClrTx/>
+              <a:buSzTx/>
+              <a:buFontTx/>
+              <a:buNone/>
+              <a:tabLst/>
+              <a:defRPr/>
+            </a:pPr>
+            <a:endParaRPr lang="fr-FR" baseline="0" dirty="0" smtClean="0"/>
+          </a:p>
+          <a:p>
+            <a:pPr marL="0" marR="0" indent="0" algn="l" defTabSz="914400" rtl="0" eaLnBrk="0" fontAlgn="base" latinLnBrk="0" hangingPunct="0">
+              <a:lnSpc>
+                <a:spcPct val="100000"/>
+              </a:lnSpc>
+              <a:spcBef>
+                <a:spcPct val="30000"/>
+              </a:spcBef>
+              <a:spcAft>
+                <a:spcPct val="0"/>
+              </a:spcAft>
+              <a:buClrTx/>
+              <a:buSzTx/>
+              <a:buFontTx/>
+              <a:buNone/>
+              <a:tabLst/>
+              <a:defRPr/>
+            </a:pPr>
+            <a:r>
+              <a:rPr lang="fr-FR" baseline="0" dirty="0" smtClean="0"/>
+              <a:t>Certains </a:t>
+            </a:r>
+            <a:r>
+              <a:rPr lang="fr-FR" baseline="0" dirty="0" err="1" smtClean="0"/>
+              <a:t>built</a:t>
+            </a:r>
+            <a:r>
+              <a:rPr lang="fr-FR" baseline="0" dirty="0" smtClean="0"/>
+              <a:t>-in type ne peuvent pas être des super classes comme </a:t>
+            </a:r>
+            <a:r>
+              <a:rPr lang="fr-FR" baseline="0" dirty="0" err="1" smtClean="0"/>
+              <a:t>FunctionType</a:t>
+            </a:r>
+            <a:r>
+              <a:rPr lang="fr-FR" baseline="0" dirty="0" smtClean="0"/>
+              <a:t> (la raison n’est pas claire pour moi, peut-être est-ce lié</a:t>
+            </a:r>
+          </a:p>
+          <a:p>
+            <a:pPr marL="0" marR="0" indent="0" algn="l" defTabSz="914400" rtl="0" eaLnBrk="0" fontAlgn="base" latinLnBrk="0" hangingPunct="0">
+              <a:lnSpc>
+                <a:spcPct val="100000"/>
+              </a:lnSpc>
+              <a:spcBef>
+                <a:spcPct val="30000"/>
+              </a:spcBef>
+              <a:spcAft>
+                <a:spcPct val="0"/>
+              </a:spcAft>
+              <a:buClrTx/>
+              <a:buSzTx/>
+              <a:buFontTx/>
+              <a:buNone/>
+              <a:tabLst/>
+              <a:defRPr/>
+            </a:pPr>
+            <a:r>
+              <a:rPr lang="fr-FR" baseline="0" dirty="0" smtClean="0"/>
+              <a:t>Rôle très particulier des fonctions).</a:t>
+            </a:r>
+          </a:p>
+          <a:p>
+            <a:pPr marL="0" marR="0" indent="0" algn="l" defTabSz="914400" rtl="0" eaLnBrk="0" fontAlgn="base" latinLnBrk="0" hangingPunct="0">
+              <a:lnSpc>
+                <a:spcPct val="100000"/>
+              </a:lnSpc>
+              <a:spcBef>
+                <a:spcPct val="30000"/>
+              </a:spcBef>
+              <a:spcAft>
+                <a:spcPct val="0"/>
+              </a:spcAft>
+              <a:buClrTx/>
+              <a:buSzTx/>
+              <a:buFontTx/>
+              <a:buNone/>
+              <a:tabLst/>
+              <a:defRPr/>
+            </a:pPr>
+            <a:r>
+              <a:rPr lang="fr-FR" dirty="0" smtClean="0"/>
+              <a:t>&gt;&gt;&gt; import types</a:t>
+            </a:r>
+          </a:p>
+          <a:p>
+            <a:pPr marL="0" marR="0" indent="0" algn="l" defTabSz="914400" rtl="0" eaLnBrk="0" fontAlgn="base" latinLnBrk="0" hangingPunct="0">
+              <a:lnSpc>
+                <a:spcPct val="100000"/>
+              </a:lnSpc>
+              <a:spcBef>
+                <a:spcPct val="30000"/>
+              </a:spcBef>
+              <a:spcAft>
+                <a:spcPct val="0"/>
+              </a:spcAft>
+              <a:buClrTx/>
+              <a:buSzTx/>
+              <a:buFontTx/>
+              <a:buNone/>
+              <a:tabLst/>
+              <a:defRPr/>
+            </a:pPr>
+            <a:r>
+              <a:rPr lang="fr-FR" dirty="0" smtClean="0"/>
+              <a:t>&gt;&gt;&gt; type(</a:t>
+            </a:r>
+            <a:r>
+              <a:rPr lang="fr-FR" dirty="0" err="1" smtClean="0"/>
+              <a:t>types.FunctionType</a:t>
+            </a:r>
+            <a:r>
+              <a:rPr lang="fr-FR" dirty="0" smtClean="0"/>
+              <a:t>)</a:t>
+            </a:r>
+          </a:p>
+          <a:p>
+            <a:pPr marL="0" marR="0" indent="0" algn="l" defTabSz="914400" rtl="0" eaLnBrk="0" fontAlgn="base" latinLnBrk="0" hangingPunct="0">
+              <a:lnSpc>
+                <a:spcPct val="100000"/>
+              </a:lnSpc>
+              <a:spcBef>
+                <a:spcPct val="30000"/>
+              </a:spcBef>
+              <a:spcAft>
+                <a:spcPct val="0"/>
+              </a:spcAft>
+              <a:buClrTx/>
+              <a:buSzTx/>
+              <a:buFontTx/>
+              <a:buNone/>
+              <a:tabLst/>
+              <a:defRPr/>
+            </a:pPr>
+            <a:r>
+              <a:rPr lang="fr-FR" dirty="0" smtClean="0"/>
+              <a:t>&lt;type 'type'&gt;</a:t>
+            </a:r>
+          </a:p>
+          <a:p>
+            <a:pPr marL="0" marR="0" indent="0" algn="l" defTabSz="914400" rtl="0" eaLnBrk="0" fontAlgn="base" latinLnBrk="0" hangingPunct="0">
+              <a:lnSpc>
+                <a:spcPct val="100000"/>
+              </a:lnSpc>
+              <a:spcBef>
+                <a:spcPct val="30000"/>
+              </a:spcBef>
+              <a:spcAft>
+                <a:spcPct val="0"/>
+              </a:spcAft>
+              <a:buClrTx/>
+              <a:buSzTx/>
+              <a:buFontTx/>
+              <a:buNone/>
+              <a:tabLst/>
+              <a:defRPr/>
+            </a:pPr>
+            <a:r>
+              <a:rPr lang="fr-FR" dirty="0" smtClean="0"/>
+              <a:t>&gt;&gt;&gt; class C(</a:t>
+            </a:r>
+            <a:r>
+              <a:rPr lang="fr-FR" dirty="0" err="1" smtClean="0"/>
+              <a:t>types.FunctionType</a:t>
+            </a:r>
+            <a:r>
+              <a:rPr lang="fr-FR" dirty="0" smtClean="0"/>
+              <a:t>):</a:t>
+            </a:r>
+          </a:p>
+          <a:p>
+            <a:pPr marL="0" marR="0" indent="0" algn="l" defTabSz="914400" rtl="0" eaLnBrk="0" fontAlgn="base" latinLnBrk="0" hangingPunct="0">
+              <a:lnSpc>
+                <a:spcPct val="100000"/>
+              </a:lnSpc>
+              <a:spcBef>
+                <a:spcPct val="30000"/>
+              </a:spcBef>
+              <a:spcAft>
+                <a:spcPct val="0"/>
+              </a:spcAft>
+              <a:buClrTx/>
+              <a:buSzTx/>
+              <a:buFontTx/>
+              <a:buNone/>
+              <a:tabLst/>
+              <a:defRPr/>
+            </a:pPr>
+            <a:r>
+              <a:rPr lang="fr-FR" dirty="0" smtClean="0"/>
+              <a:t>	</a:t>
+            </a:r>
+            <a:r>
+              <a:rPr lang="fr-FR" dirty="0" err="1" smtClean="0"/>
+              <a:t>pass</a:t>
             </a:r>
             <a:endParaRPr lang="fr-FR" dirty="0" smtClean="0"/>
+          </a:p>
+          <a:p>
+            <a:pPr marL="0" marR="0" indent="0" algn="l" defTabSz="914400" rtl="0" eaLnBrk="0" fontAlgn="base" latinLnBrk="0" hangingPunct="0">
+              <a:lnSpc>
+                <a:spcPct val="100000"/>
+              </a:lnSpc>
+              <a:spcBef>
+                <a:spcPct val="30000"/>
+              </a:spcBef>
+              <a:spcAft>
+                <a:spcPct val="0"/>
+              </a:spcAft>
+              <a:buClrTx/>
+              <a:buSzTx/>
+              <a:buFontTx/>
+              <a:buNone/>
+              <a:tabLst/>
+              <a:defRPr/>
+            </a:pPr>
+            <a:endParaRPr lang="fr-FR" dirty="0" smtClean="0"/>
+          </a:p>
+          <a:p>
+            <a:pPr marL="0" marR="0" indent="0" algn="l" defTabSz="914400" rtl="0" eaLnBrk="0" fontAlgn="base" latinLnBrk="0" hangingPunct="0">
+              <a:lnSpc>
+                <a:spcPct val="100000"/>
+              </a:lnSpc>
+              <a:spcBef>
+                <a:spcPct val="30000"/>
+              </a:spcBef>
+              <a:spcAft>
+                <a:spcPct val="0"/>
+              </a:spcAft>
+              <a:buClrTx/>
+              <a:buSzTx/>
+              <a:buFontTx/>
+              <a:buNone/>
+              <a:tabLst/>
+              <a:defRPr/>
+            </a:pPr>
+            <a:r>
+              <a:rPr lang="fr-FR" dirty="0" err="1" smtClean="0"/>
+              <a:t>Traceback</a:t>
+            </a:r>
+            <a:r>
+              <a:rPr lang="fr-FR" dirty="0" smtClean="0"/>
+              <a:t> (</a:t>
+            </a:r>
+            <a:r>
+              <a:rPr lang="fr-FR" dirty="0" err="1" smtClean="0"/>
+              <a:t>most</a:t>
+            </a:r>
+            <a:r>
+              <a:rPr lang="fr-FR" dirty="0" smtClean="0"/>
+              <a:t> </a:t>
+            </a:r>
+            <a:r>
+              <a:rPr lang="fr-FR" dirty="0" err="1" smtClean="0"/>
+              <a:t>recent</a:t>
+            </a:r>
+            <a:r>
+              <a:rPr lang="fr-FR" dirty="0" smtClean="0"/>
+              <a:t> call last):</a:t>
+            </a:r>
+          </a:p>
+          <a:p>
+            <a:pPr marL="0" marR="0" indent="0" algn="l" defTabSz="914400" rtl="0" eaLnBrk="0" fontAlgn="base" latinLnBrk="0" hangingPunct="0">
+              <a:lnSpc>
+                <a:spcPct val="100000"/>
+              </a:lnSpc>
+              <a:spcBef>
+                <a:spcPct val="30000"/>
+              </a:spcBef>
+              <a:spcAft>
+                <a:spcPct val="0"/>
+              </a:spcAft>
+              <a:buClrTx/>
+              <a:buSzTx/>
+              <a:buFontTx/>
+              <a:buNone/>
+              <a:tabLst/>
+              <a:defRPr/>
+            </a:pPr>
+            <a:r>
+              <a:rPr lang="fr-FR" dirty="0" smtClean="0"/>
+              <a:t>  File "&lt;pyshell#74&gt;", line 1, in &lt;module&gt;</a:t>
+            </a:r>
+          </a:p>
+          <a:p>
+            <a:pPr marL="0" marR="0" indent="0" algn="l" defTabSz="914400" rtl="0" eaLnBrk="0" fontAlgn="base" latinLnBrk="0" hangingPunct="0">
+              <a:lnSpc>
+                <a:spcPct val="100000"/>
+              </a:lnSpc>
+              <a:spcBef>
+                <a:spcPct val="30000"/>
+              </a:spcBef>
+              <a:spcAft>
+                <a:spcPct val="0"/>
+              </a:spcAft>
+              <a:buClrTx/>
+              <a:buSzTx/>
+              <a:buFontTx/>
+              <a:buNone/>
+              <a:tabLst/>
+              <a:defRPr/>
+            </a:pPr>
+            <a:r>
+              <a:rPr lang="fr-FR" dirty="0" smtClean="0"/>
+              <a:t>    class C(</a:t>
+            </a:r>
+            <a:r>
+              <a:rPr lang="fr-FR" dirty="0" err="1" smtClean="0"/>
+              <a:t>types.FunctionType</a:t>
+            </a:r>
+            <a:r>
+              <a:rPr lang="fr-FR" dirty="0" smtClean="0"/>
+              <a:t>):</a:t>
+            </a:r>
+          </a:p>
+          <a:p>
+            <a:pPr marL="0" marR="0" indent="0" algn="l" defTabSz="914400" rtl="0" eaLnBrk="0" fontAlgn="base" latinLnBrk="0" hangingPunct="0">
+              <a:lnSpc>
+                <a:spcPct val="100000"/>
+              </a:lnSpc>
+              <a:spcBef>
+                <a:spcPct val="30000"/>
+              </a:spcBef>
+              <a:spcAft>
+                <a:spcPct val="0"/>
+              </a:spcAft>
+              <a:buClrTx/>
+              <a:buSzTx/>
+              <a:buFontTx/>
+              <a:buNone/>
+              <a:tabLst/>
+              <a:defRPr/>
+            </a:pPr>
+            <a:r>
+              <a:rPr lang="fr-FR" dirty="0" err="1" smtClean="0"/>
+              <a:t>TypeError</a:t>
+            </a:r>
+            <a:r>
+              <a:rPr lang="fr-FR" dirty="0" smtClean="0"/>
+              <a:t>: </a:t>
+            </a:r>
+            <a:r>
+              <a:rPr lang="fr-FR" dirty="0" err="1" smtClean="0"/>
+              <a:t>Error</a:t>
+            </a:r>
+            <a:r>
+              <a:rPr lang="fr-FR" dirty="0" smtClean="0"/>
+              <a:t> </a:t>
+            </a:r>
+            <a:r>
+              <a:rPr lang="fr-FR" dirty="0" err="1" smtClean="0"/>
+              <a:t>when</a:t>
+            </a:r>
+            <a:r>
+              <a:rPr lang="fr-FR" dirty="0" smtClean="0"/>
+              <a:t> </a:t>
+            </a:r>
+            <a:r>
+              <a:rPr lang="fr-FR" dirty="0" err="1" smtClean="0"/>
+              <a:t>calling</a:t>
+            </a:r>
+            <a:r>
+              <a:rPr lang="fr-FR" dirty="0" smtClean="0"/>
+              <a:t> the </a:t>
+            </a:r>
+            <a:r>
+              <a:rPr lang="fr-FR" dirty="0" err="1" smtClean="0"/>
+              <a:t>metaclass</a:t>
+            </a:r>
+            <a:r>
+              <a:rPr lang="fr-FR" dirty="0" smtClean="0"/>
+              <a:t> bases</a:t>
+            </a:r>
+          </a:p>
+          <a:p>
+            <a:pPr marL="0" marR="0" indent="0" algn="l" defTabSz="914400" rtl="0" eaLnBrk="0" fontAlgn="base" latinLnBrk="0" hangingPunct="0">
+              <a:lnSpc>
+                <a:spcPct val="100000"/>
+              </a:lnSpc>
+              <a:spcBef>
+                <a:spcPct val="30000"/>
+              </a:spcBef>
+              <a:spcAft>
+                <a:spcPct val="0"/>
+              </a:spcAft>
+              <a:buClrTx/>
+              <a:buSzTx/>
+              <a:buFontTx/>
+              <a:buNone/>
+              <a:tabLst/>
+              <a:defRPr/>
+            </a:pPr>
+            <a:r>
+              <a:rPr lang="fr-FR" dirty="0" smtClean="0"/>
+              <a:t>    type '</a:t>
+            </a:r>
+            <a:r>
+              <a:rPr lang="fr-FR" dirty="0" err="1" smtClean="0"/>
+              <a:t>function</a:t>
+            </a:r>
+            <a:r>
+              <a:rPr lang="fr-FR" dirty="0" smtClean="0"/>
+              <a:t>' </a:t>
+            </a:r>
+            <a:r>
+              <a:rPr lang="fr-FR" dirty="0" err="1" smtClean="0"/>
+              <a:t>is</a:t>
+            </a:r>
+            <a:r>
+              <a:rPr lang="fr-FR" dirty="0" smtClean="0"/>
+              <a:t> not an acceptable base type</a:t>
+            </a:r>
+          </a:p>
+          <a:p>
+            <a:endParaRPr lang="fr-FR" dirty="0"/>
           </a:p>
         </p:txBody>
       </p:sp>
@@ -3524,7 +3367,7 @@
               <a:pPr>
                 <a:defRPr/>
               </a:pPr>
-              <a:t>6</a:t>
+              <a:t>7</a:t>
             </a:fld>
             <a:endParaRPr lang="en-US"/>
           </a:p>
@@ -3533,7 +3376,7 @@
     </p:spTree>
     <p:extLst>
       <p:ext uri="{BB962C8B-B14F-4D97-AF65-F5344CB8AC3E}">
-        <p14:creationId xmlns:p14="http://schemas.microsoft.com/office/powerpoint/2010/main" val="1342278622"/>
+        <p14:creationId xmlns:p14="http://schemas.microsoft.com/office/powerpoint/2010/main" val="3918877288"/>
       </p:ext>
     </p:extLst>
   </p:cSld>
@@ -3622,7 +3465,7 @@
               <a:pPr>
                 <a:defRPr/>
               </a:pPr>
-              <a:t>7</a:t>
+              <a:t>8</a:t>
             </a:fld>
             <a:endParaRPr lang="en-US"/>
           </a:p>
@@ -3631,7 +3474,7 @@
     </p:spTree>
     <p:extLst>
       <p:ext uri="{BB962C8B-B14F-4D97-AF65-F5344CB8AC3E}">
-        <p14:creationId xmlns:p14="http://schemas.microsoft.com/office/powerpoint/2010/main" val="1114340237"/>
+        <p14:creationId xmlns:p14="http://schemas.microsoft.com/office/powerpoint/2010/main" val="1342278622"/>
       </p:ext>
     </p:extLst>
   </p:cSld>
@@ -3687,17 +3530,13 @@
           <a:p>
             <a:r>
               <a:rPr lang="fr-FR" dirty="0" smtClean="0"/>
-              <a:t>Un objet qui instancie les</a:t>
+              <a:t>Le type d’une instance est</a:t>
             </a:r>
             <a:r>
               <a:rPr lang="fr-FR" baseline="0" dirty="0" smtClean="0"/>
-              <a:t> classes est une </a:t>
-            </a:r>
-            <a:r>
-              <a:rPr lang="fr-FR" baseline="0" dirty="0" err="1" smtClean="0"/>
-              <a:t>metaclasse</a:t>
-            </a:r>
-            <a:endParaRPr lang="fr-FR" dirty="0"/>
+              <a:t> la classe qui l’a instanciée</a:t>
+            </a:r>
+            <a:endParaRPr lang="fr-FR" dirty="0" smtClean="0"/>
           </a:p>
         </p:txBody>
       </p:sp>
@@ -3724,7 +3563,7 @@
               <a:pPr>
                 <a:defRPr/>
               </a:pPr>
-              <a:t>8</a:t>
+              <a:t>9</a:t>
             </a:fld>
             <a:endParaRPr lang="en-US"/>
           </a:p>
@@ -3733,7 +3572,7 @@
     </p:spTree>
     <p:extLst>
       <p:ext uri="{BB962C8B-B14F-4D97-AF65-F5344CB8AC3E}">
-        <p14:creationId xmlns:p14="http://schemas.microsoft.com/office/powerpoint/2010/main" val="211623819"/>
+        <p14:creationId xmlns:p14="http://schemas.microsoft.com/office/powerpoint/2010/main" val="1114340237"/>
       </p:ext>
     </p:extLst>
   </p:cSld>
@@ -3789,47 +3628,17 @@
           <a:p>
             <a:r>
               <a:rPr lang="fr-FR" dirty="0" smtClean="0"/>
-              <a:t>Le type</a:t>
+              <a:t>Un objet qui instancie les</a:t>
             </a:r>
             <a:r>
               <a:rPr lang="fr-FR" baseline="0" dirty="0" smtClean="0"/>
-              <a:t> d’une sous classe est toujours type si type est le type de la super classe, ce qui est toujours le cas pour les</a:t>
-            </a:r>
-          </a:p>
-          <a:p>
-            <a:r>
-              <a:rPr lang="fr-FR" baseline="0" dirty="0" smtClean="0"/>
-              <a:t>Classes new-style (sauf si on change la </a:t>
+              <a:t> classes est une </a:t>
             </a:r>
             <a:r>
               <a:rPr lang="fr-FR" baseline="0" dirty="0" err="1" smtClean="0"/>
-              <a:t>meta</a:t>
-            </a:r>
-            <a:r>
-              <a:rPr lang="fr-FR" baseline="0" dirty="0" smtClean="0"/>
-              <a:t> classe, mais on reviendra dessus plus tard)</a:t>
-            </a:r>
-          </a:p>
-          <a:p>
-            <a:r>
-              <a:rPr lang="fr-FR" baseline="0" dirty="0" smtClean="0"/>
-              <a:t>Le type de </a:t>
-            </a:r>
-            <a:r>
-              <a:rPr lang="fr-FR" baseline="0" dirty="0" err="1" smtClean="0"/>
-              <a:t>object</a:t>
-            </a:r>
-            <a:r>
-              <a:rPr lang="fr-FR" baseline="0" dirty="0" smtClean="0"/>
-              <a:t> est type parce que c’est une classe et que c’est type qui instancie</a:t>
-            </a:r>
-          </a:p>
-          <a:p>
-            <a:r>
-              <a:rPr lang="fr-FR" baseline="0" dirty="0" smtClean="0"/>
-              <a:t>cette classe</a:t>
-            </a:r>
-            <a:endParaRPr lang="fr-FR" dirty="0" smtClean="0"/>
+              <a:t>metaclasse</a:t>
+            </a:r>
+            <a:endParaRPr lang="fr-FR" dirty="0"/>
           </a:p>
         </p:txBody>
       </p:sp>
@@ -3856,7 +3665,7 @@
               <a:pPr>
                 <a:defRPr/>
               </a:pPr>
-              <a:t>9</a:t>
+              <a:t>10</a:t>
             </a:fld>
             <a:endParaRPr lang="en-US"/>
           </a:p>
@@ -3865,7 +3674,7 @@
     </p:spTree>
     <p:extLst>
       <p:ext uri="{BB962C8B-B14F-4D97-AF65-F5344CB8AC3E}">
-        <p14:creationId xmlns:p14="http://schemas.microsoft.com/office/powerpoint/2010/main" val="1558152826"/>
+        <p14:creationId xmlns:p14="http://schemas.microsoft.com/office/powerpoint/2010/main" val="211623819"/>
       </p:ext>
     </p:extLst>
   </p:cSld>
@@ -3919,7 +3728,49 @@
           <a:bodyPr/>
           <a:lstStyle/>
           <a:p>
-            <a:endParaRPr lang="fr-FR" dirty="0"/>
+            <a:r>
+              <a:rPr lang="fr-FR" dirty="0" smtClean="0"/>
+              <a:t>Le type</a:t>
+            </a:r>
+            <a:r>
+              <a:rPr lang="fr-FR" baseline="0" dirty="0" smtClean="0"/>
+              <a:t> d’une sous classe est toujours type si type est le type de la super classe, ce qui est toujours le cas pour les</a:t>
+            </a:r>
+          </a:p>
+          <a:p>
+            <a:r>
+              <a:rPr lang="fr-FR" baseline="0" dirty="0" smtClean="0"/>
+              <a:t>Classes new-style (sauf si on change la </a:t>
+            </a:r>
+            <a:r>
+              <a:rPr lang="fr-FR" baseline="0" dirty="0" err="1" smtClean="0"/>
+              <a:t>meta</a:t>
+            </a:r>
+            <a:r>
+              <a:rPr lang="fr-FR" baseline="0" dirty="0" smtClean="0"/>
+              <a:t> classe, mais on reviendra dessus plus tard)</a:t>
+            </a:r>
+          </a:p>
+          <a:p>
+            <a:r>
+              <a:rPr lang="fr-FR" baseline="0" dirty="0" smtClean="0"/>
+              <a:t>Le type de </a:t>
+            </a:r>
+            <a:r>
+              <a:rPr lang="fr-FR" baseline="0" dirty="0" err="1" smtClean="0"/>
+              <a:t>object</a:t>
+            </a:r>
+            <a:r>
+              <a:rPr lang="fr-FR" baseline="0" dirty="0" smtClean="0"/>
+              <a:t> est type parce que c’est une classe et que c’est type qui instancie</a:t>
+            </a:r>
+          </a:p>
+          <a:p>
+            <a:r>
+              <a:rPr lang="fr-FR" baseline="0" dirty="0" smtClean="0"/>
+              <a:t>cette classe</a:t>
+            </a:r>
+            <a:endParaRPr lang="fr-FR" dirty="0" smtClean="0"/>
           </a:p>
         </p:txBody>
       </p:sp>
@@ -3946,7 +3797,7 @@
               <a:pPr>
                 <a:defRPr/>
               </a:pPr>
-              <a:t>10</a:t>
+              <a:t>11</a:t>
             </a:fld>
             <a:endParaRPr lang="en-US"/>
           </a:p>
@@ -3955,7 +3806,7 @@
     </p:spTree>
     <p:extLst>
       <p:ext uri="{BB962C8B-B14F-4D97-AF65-F5344CB8AC3E}">
-        <p14:creationId xmlns:p14="http://schemas.microsoft.com/office/powerpoint/2010/main" val="3392731514"/>
+        <p14:creationId xmlns:p14="http://schemas.microsoft.com/office/powerpoint/2010/main" val="1558152826"/>
       </p:ext>
     </p:extLst>
   </p:cSld>
@@ -4009,30 +3860,92 @@
           <a:bodyPr/>
           <a:lstStyle/>
           <a:p>
-            <a:pPr marL="0" marR="0" indent="0" algn="l" defTabSz="914400" rtl="0" eaLnBrk="0" fontAlgn="base" latinLnBrk="0" hangingPunct="0">
-              <a:lnSpc>
-                <a:spcPct val="100000"/>
-              </a:lnSpc>
-              <a:spcBef>
-                <a:spcPct val="30000"/>
-              </a:spcBef>
-              <a:spcAft>
-                <a:spcPct val="0"/>
-              </a:spcAft>
-              <a:buClrTx/>
-              <a:buSzTx/>
-              <a:buFontTx/>
-              <a:buNone/>
-              <a:tabLst/>
-              <a:defRPr/>
-            </a:pPr>
             <a:r>
               <a:rPr lang="fr-FR" dirty="0" smtClean="0"/>
-              <a:t>Attention</a:t>
+              <a:t>Type est la </a:t>
+            </a:r>
+            <a:r>
+              <a:rPr lang="fr-FR" dirty="0" err="1" smtClean="0"/>
+              <a:t>métaclasse</a:t>
             </a:r>
             <a:r>
               <a:rPr lang="fr-FR" baseline="0" dirty="0" smtClean="0"/>
-              <a:t> à la terminologie. Tous les objets sont des instances de quelque chose, en particulier les classes sont des instances de la </a:t>
+              <a:t> pour type. Ça n’est évidement pas type qui instancie type, ça n’aurait pas de sens puisque type doit exister à un moment et ne peut pas être</a:t>
+            </a:r>
+          </a:p>
+          <a:p>
+            <a:r>
+              <a:rPr lang="fr-FR" baseline="0" dirty="0" smtClean="0"/>
+              <a:t>Une génération </a:t>
+            </a:r>
+            <a:r>
+              <a:rPr lang="fr-FR" baseline="0" dirty="0" err="1" smtClean="0"/>
+              <a:t>spontannée</a:t>
+            </a:r>
+            <a:r>
+              <a:rPr lang="fr-FR" baseline="0" dirty="0" smtClean="0"/>
+              <a:t>. L’objet type est le premier créé par l’interpréteur Python. Le fait que type(type) retourne type est simplement une astuce pour n’avoir qu’un seul niveau de </a:t>
+            </a:r>
+            <a:r>
+              <a:rPr lang="fr-FR" baseline="0" dirty="0" err="1" smtClean="0"/>
+              <a:t>metaclasses</a:t>
+            </a:r>
+            <a:r>
+              <a:rPr lang="fr-FR" baseline="0" dirty="0" smtClean="0"/>
+              <a:t>. Si ça n’était pas le cas, il faudrait une autre </a:t>
+            </a:r>
+            <a:r>
+              <a:rPr lang="fr-FR" baseline="0" dirty="0" err="1" smtClean="0"/>
+              <a:t>métaclasse</a:t>
+            </a:r>
+            <a:r>
+              <a:rPr lang="fr-FR" baseline="0" dirty="0" smtClean="0"/>
+              <a:t> pour type, et une autre </a:t>
+            </a:r>
+            <a:r>
+              <a:rPr lang="fr-FR" baseline="0" dirty="0" err="1" smtClean="0"/>
+              <a:t>métaclasse</a:t>
+            </a:r>
+            <a:r>
+              <a:rPr lang="fr-FR" baseline="0" dirty="0" smtClean="0"/>
+              <a:t> pour la </a:t>
+            </a:r>
+            <a:r>
+              <a:rPr lang="fr-FR" baseline="0" dirty="0" err="1" smtClean="0"/>
+              <a:t>métaclasse</a:t>
+            </a:r>
+            <a:r>
+              <a:rPr lang="fr-FR" baseline="0" dirty="0" smtClean="0"/>
+              <a:t> de type, et ainsi de suite. </a:t>
+            </a:r>
+          </a:p>
+          <a:p>
+            <a:endParaRPr lang="fr-FR" baseline="0" dirty="0" smtClean="0"/>
+          </a:p>
+          <a:p>
+            <a:r>
+              <a:rPr lang="fr-FR" baseline="0" dirty="0" smtClean="0"/>
+              <a:t>L’objet type est implémenté en C puisque c’est l’objet qui alloue ma mémoire pour tous les objets. On peut implémenter</a:t>
+            </a:r>
+          </a:p>
+          <a:p>
+            <a:r>
+              <a:rPr lang="fr-FR" baseline="0" dirty="0" smtClean="0"/>
+              <a:t>De nouvelles </a:t>
+            </a:r>
+            <a:r>
+              <a:rPr lang="fr-FR" baseline="0" dirty="0" err="1" smtClean="0"/>
+              <a:t>metaclasses</a:t>
+            </a:r>
+            <a:r>
+              <a:rPr lang="fr-FR" baseline="0" dirty="0" smtClean="0"/>
+              <a:t> en C, ou on peut simplement faire une classe qui hérite de type, mais dans ce cas, les </a:t>
+            </a:r>
+          </a:p>
+          <a:p>
+            <a:r>
+              <a:rPr lang="fr-FR" baseline="0" dirty="0" smtClean="0"/>
+              <a:t>Fonctionnalités de la </a:t>
             </a:r>
             <a:r>
               <a:rPr lang="fr-FR" baseline="0" dirty="0" err="1" smtClean="0"/>
@@ -4040,20 +3953,109 @@
             </a:r>
             <a:r>
               <a:rPr lang="fr-FR" baseline="0" dirty="0" smtClean="0"/>
-              <a:t>, mais dans notre contexte on réserve le terme instance à des objets qui n’ont pas pour type l’objet type. On appelle ici les instance de la </a:t>
-            </a:r>
-            <a:r>
-              <a:rPr lang="fr-FR" baseline="0" dirty="0" err="1" smtClean="0"/>
-              <a:t>metaclase</a:t>
-            </a:r>
+              <a:t> seront limités (elle n’aura notamment pas la possibilité de faire de l’allocation mémoire).</a:t>
+            </a:r>
+          </a:p>
+          <a:p>
             <a:r>
               <a:rPr lang="fr-FR" baseline="0" dirty="0" smtClean="0"/>
-              <a:t> des classes ou des types (les deux termes sont équivalents). </a:t>
+              <a:t>Voir http://legacy.python.org/dev/peps/pep-0253/</a:t>
+            </a:r>
+          </a:p>
+          <a:p>
+            <a:endParaRPr lang="fr-FR" baseline="0" dirty="0" smtClean="0"/>
+          </a:p>
+          <a:p>
+            <a:r>
+              <a:rPr lang="fr-FR" baseline="0" dirty="0" smtClean="0"/>
+              <a:t>Quelques résultats étonnants à première vue</a:t>
+            </a:r>
+          </a:p>
+          <a:p>
+            <a:r>
+              <a:rPr lang="fr-FR" dirty="0" smtClean="0"/>
+              <a:t>&gt;&gt;&gt; </a:t>
+            </a:r>
+            <a:r>
+              <a:rPr lang="fr-FR" dirty="0" err="1" smtClean="0"/>
+              <a:t>isinstance</a:t>
+            </a:r>
+            <a:r>
+              <a:rPr lang="fr-FR" dirty="0" smtClean="0"/>
+              <a:t>(</a:t>
+            </a:r>
+            <a:r>
+              <a:rPr lang="fr-FR" dirty="0" err="1" smtClean="0"/>
+              <a:t>object</a:t>
+            </a:r>
+            <a:r>
+              <a:rPr lang="fr-FR" dirty="0" smtClean="0"/>
+              <a:t>, </a:t>
+            </a:r>
+            <a:r>
+              <a:rPr lang="fr-FR" dirty="0" err="1" smtClean="0"/>
+              <a:t>object</a:t>
+            </a:r>
+            <a:r>
+              <a:rPr lang="fr-FR" dirty="0" smtClean="0"/>
+              <a:t>)</a:t>
+            </a:r>
+          </a:p>
+          <a:p>
+            <a:r>
+              <a:rPr lang="fr-FR" dirty="0" err="1" smtClean="0"/>
+              <a:t>True</a:t>
             </a:r>
             <a:endParaRPr lang="fr-FR" dirty="0" smtClean="0"/>
           </a:p>
           <a:p>
-            <a:endParaRPr lang="fr-FR" dirty="0"/>
+            <a:r>
+              <a:rPr lang="fr-FR" dirty="0" smtClean="0"/>
+              <a:t>&gt;&gt;&gt; </a:t>
+            </a:r>
+            <a:r>
+              <a:rPr lang="fr-FR" dirty="0" err="1" smtClean="0"/>
+              <a:t>isinstance</a:t>
+            </a:r>
+            <a:r>
+              <a:rPr lang="fr-FR" dirty="0" smtClean="0"/>
+              <a:t>(type, </a:t>
+            </a:r>
+            <a:r>
+              <a:rPr lang="fr-FR" dirty="0" err="1" smtClean="0"/>
+              <a:t>object</a:t>
+            </a:r>
+            <a:r>
+              <a:rPr lang="fr-FR" dirty="0" smtClean="0"/>
+              <a:t>)</a:t>
+            </a:r>
+          </a:p>
+          <a:p>
+            <a:r>
+              <a:rPr lang="fr-FR" dirty="0" err="1" smtClean="0"/>
+              <a:t>True</a:t>
+            </a:r>
+            <a:endParaRPr lang="fr-FR" dirty="0" smtClean="0"/>
+          </a:p>
+          <a:p>
+            <a:endParaRPr lang="fr-FR" dirty="0" smtClean="0"/>
+          </a:p>
+          <a:p>
+            <a:r>
+              <a:rPr lang="fr-FR" dirty="0" smtClean="0"/>
+              <a:t>objet est une instance</a:t>
+            </a:r>
+            <a:r>
+              <a:rPr lang="fr-FR" baseline="0" dirty="0" smtClean="0"/>
+              <a:t> d’objet parce que objet est une instance de type et objet est une super classe de type (relation de transitivité)</a:t>
+            </a:r>
+          </a:p>
+          <a:p>
+            <a:r>
+              <a:rPr lang="fr-FR" baseline="0" dirty="0" smtClean="0"/>
+              <a:t>type est une instance d’objet parce que parce que type est une instance de type et objet est une super classe de type (relation de transitivité)</a:t>
+            </a:r>
+            <a:endParaRPr lang="fr-FR" dirty="0" smtClean="0"/>
           </a:p>
         </p:txBody>
       </p:sp>
@@ -4080,7 +4082,7 @@
               <a:pPr>
                 <a:defRPr/>
               </a:pPr>
-              <a:t>11</a:t>
+              <a:t>13</a:t>
             </a:fld>
             <a:endParaRPr lang="en-US"/>
           </a:p>
@@ -4089,7 +4091,7 @@
     </p:spTree>
     <p:extLst>
       <p:ext uri="{BB962C8B-B14F-4D97-AF65-F5344CB8AC3E}">
-        <p14:creationId xmlns:p14="http://schemas.microsoft.com/office/powerpoint/2010/main" val="930179752"/>
+        <p14:creationId xmlns:p14="http://schemas.microsoft.com/office/powerpoint/2010/main" val="3107066879"/>
       </p:ext>
     </p:extLst>
   </p:cSld>
@@ -7398,14 +7400,89 @@
       </p:grpSpPr>
       <p:sp>
         <p:nvSpPr>
-          <p:cNvPr id="4" name="ZoneTexte 3"/>
+          <p:cNvPr id="2" name="Titre 1"/>
+          <p:cNvSpPr>
+            <a:spLocks noGrp="1"/>
+          </p:cNvSpPr>
+          <p:nvPr>
+            <p:ph type="title"/>
+          </p:nvPr>
+        </p:nvSpPr>
+        <p:spPr/>
+        <p:txBody>
+          <a:bodyPr/>
+          <a:lstStyle/>
+          <a:p>
+            <a:endParaRPr lang="fr-FR"/>
+          </a:p>
+        </p:txBody>
+      </p:sp>
+      <p:sp>
+        <p:nvSpPr>
+          <p:cNvPr id="3" name="Espace réservé du contenu 2"/>
+          <p:cNvSpPr>
+            <a:spLocks noGrp="1"/>
+          </p:cNvSpPr>
+          <p:nvPr>
+            <p:ph idx="1"/>
+          </p:nvPr>
+        </p:nvSpPr>
+        <p:spPr/>
+        <p:txBody>
+          <a:bodyPr/>
+          <a:lstStyle/>
+          <a:p>
+            <a:endParaRPr lang="fr-FR"/>
+          </a:p>
+        </p:txBody>
+      </p:sp>
+    </p:spTree>
+    <p:extLst>
+      <p:ext uri="{BB962C8B-B14F-4D97-AF65-F5344CB8AC3E}">
+        <p14:creationId xmlns:p14="http://schemas.microsoft.com/office/powerpoint/2010/main" val="2690932283"/>
+      </p:ext>
+    </p:extLst>
+  </p:cSld>
+  <p:clrMapOvr>
+    <a:masterClrMapping/>
+  </p:clrMapOvr>
+  <p:timing>
+    <p:tnLst>
+      <p:par>
+        <p:cTn id="1" dur="indefinite" restart="never" nodeType="tmRoot"/>
+      </p:par>
+    </p:tnLst>
+  </p:timing>
+</p:sld>
+</file>
+
+<file path=ppt/slides/slide10.xml><?xml version="1.0" encoding="utf-8"?>
+<p:sld xmlns:a="http://schemas.openxmlformats.org/drawingml/2006/main" xmlns:r="http://schemas.openxmlformats.org/officeDocument/2006/relationships" xmlns:p="http://schemas.openxmlformats.org/presentationml/2006/main">
+  <p:cSld>
+    <p:spTree>
+      <p:nvGrpSpPr>
+        <p:cNvPr id="1" name=""/>
+        <p:cNvGrpSpPr/>
+        <p:nvPr/>
+      </p:nvGrpSpPr>
+      <p:grpSpPr>
+        <a:xfrm>
+          <a:off x="0" y="0"/>
+          <a:ext cx="0" cy="0"/>
+          <a:chOff x="0" y="0"/>
+          <a:chExt cx="0" cy="0"/>
+        </a:xfrm>
+      </p:grpSpPr>
+      <p:sp>
+        <p:nvSpPr>
+          <p:cNvPr id="5" name="ZoneTexte 4"/>
           <p:cNvSpPr txBox="1"/>
           <p:nvPr/>
         </p:nvSpPr>
         <p:spPr>
           <a:xfrm>
-            <a:off x="389468" y="711200"/>
-            <a:ext cx="10430932" cy="1015663"/>
+            <a:off x="401443" y="312234"/>
+            <a:ext cx="10772080" cy="5632311"/>
           </a:xfrm>
           <a:prstGeom prst="rect">
             <a:avLst/>
@@ -7422,88 +7499,110 @@
               <a:rPr lang="fr-FR" sz="6000" dirty="0" smtClean="0">
                 <a:latin typeface="Calibri" panose="020F0502020204030204" pitchFamily="34" charset="0"/>
               </a:rPr>
-              <a:t>Tout est un objet en Python</a:t>
-            </a:r>
-            <a:endParaRPr lang="fr-FR" sz="6000" dirty="0">
-              <a:latin typeface="Calibri" panose="020F0502020204030204" pitchFamily="34" charset="0"/>
-            </a:endParaRPr>
-          </a:p>
-        </p:txBody>
-      </p:sp>
-      <p:sp>
-        <p:nvSpPr>
-          <p:cNvPr id="5" name="ZoneTexte 4"/>
-          <p:cNvSpPr txBox="1"/>
-          <p:nvPr/>
-        </p:nvSpPr>
-        <p:spPr>
-          <a:xfrm>
-            <a:off x="389468" y="1896534"/>
-            <a:ext cx="10430932" cy="5355312"/>
-          </a:xfrm>
-          <a:prstGeom prst="rect">
-            <a:avLst/>
-          </a:prstGeom>
-          <a:noFill/>
-        </p:spPr>
-        <p:txBody>
-          <a:bodyPr wrap="square" rtlCol="0">
-            <a:spAutoFit/>
-          </a:bodyPr>
-          <a:lstStyle/>
-          <a:p>
+              <a:t>Pourquoi le type de toutes les classes est l’objet </a:t>
+            </a:r>
+            <a:r>
+              <a:rPr lang="fr-FR" sz="6000" dirty="0" smtClean="0">
+                <a:solidFill>
+                  <a:srgbClr val="00B050"/>
+                </a:solidFill>
+                <a:latin typeface="Courier New" panose="02070309020205020404" pitchFamily="49" charset="0"/>
+                <a:cs typeface="Courier New" panose="02070309020205020404" pitchFamily="49" charset="0"/>
+              </a:rPr>
+              <a:t>type</a:t>
+            </a:r>
+            <a:r>
+              <a:rPr lang="fr-FR" sz="6000" dirty="0" smtClean="0">
+                <a:solidFill>
+                  <a:srgbClr val="00B050"/>
+                </a:solidFill>
+                <a:latin typeface="Calibri" panose="020F0502020204030204" pitchFamily="34" charset="0"/>
+                <a:cs typeface="Courier New" panose="02070309020205020404" pitchFamily="49" charset="0"/>
+              </a:rPr>
+              <a:t> </a:t>
+            </a:r>
             <a:r>
               <a:rPr lang="fr-FR" sz="6000" dirty="0" smtClean="0">
                 <a:latin typeface="Calibri" panose="020F0502020204030204" pitchFamily="34" charset="0"/>
-              </a:rPr>
-              <a:t>Mais tous les objets n’ont pas les mêmes propriétés</a:t>
-            </a:r>
-          </a:p>
-          <a:p>
-            <a:pPr marL="1314450" lvl="1" indent="-857250">
+                <a:cs typeface="Courier New" panose="02070309020205020404" pitchFamily="49" charset="0"/>
+              </a:rPr>
+              <a:t>?</a:t>
+            </a:r>
+          </a:p>
+          <a:p>
+            <a:pPr marL="857250" indent="-857250">
               <a:buFont typeface="Arial" panose="020B0604020202020204" pitchFamily="34" charset="0"/>
               <a:buChar char="•"/>
             </a:pPr>
             <a:r>
-              <a:rPr lang="fr-FR" sz="5400" dirty="0" err="1" smtClean="0">
+              <a:rPr lang="fr-FR" sz="6000" dirty="0" smtClean="0">
                 <a:latin typeface="Calibri" panose="020F0502020204030204" pitchFamily="34" charset="0"/>
               </a:rPr>
-              <a:t>Métaclasses</a:t>
-            </a:r>
-            <a:endParaRPr lang="fr-FR" sz="5400" dirty="0" smtClean="0">
-              <a:latin typeface="Calibri" panose="020F0502020204030204" pitchFamily="34" charset="0"/>
-            </a:endParaRPr>
-          </a:p>
-          <a:p>
-            <a:pPr marL="1314450" lvl="1" indent="-857250">
+              <a:t>Le type est l’objet qui instancie</a:t>
+            </a:r>
+          </a:p>
+          <a:p>
+            <a:pPr marL="857250" indent="-857250">
               <a:buFont typeface="Arial" panose="020B0604020202020204" pitchFamily="34" charset="0"/>
               <a:buChar char="•"/>
             </a:pPr>
             <a:r>
-              <a:rPr lang="fr-FR" sz="5400" dirty="0" smtClean="0">
+              <a:rPr lang="fr-FR" sz="6000" dirty="0" smtClean="0">
                 <a:latin typeface="Calibri" panose="020F0502020204030204" pitchFamily="34" charset="0"/>
-              </a:rPr>
-              <a:t>Classes</a:t>
-            </a:r>
-          </a:p>
-          <a:p>
-            <a:pPr marL="1314450" lvl="1" indent="-857250">
+                <a:cs typeface="Courier New" panose="02070309020205020404" pitchFamily="49" charset="0"/>
+              </a:rPr>
+              <a:t>L’objet </a:t>
+            </a:r>
+            <a:r>
+              <a:rPr lang="fr-FR" sz="6000" dirty="0" smtClean="0">
+                <a:solidFill>
+                  <a:srgbClr val="00B050"/>
+                </a:solidFill>
+                <a:latin typeface="Courier New" panose="02070309020205020404" pitchFamily="49" charset="0"/>
+                <a:cs typeface="Courier New" panose="02070309020205020404" pitchFamily="49" charset="0"/>
+              </a:rPr>
+              <a:t>type</a:t>
+            </a:r>
+            <a:r>
+              <a:rPr lang="fr-FR" sz="6000" dirty="0" smtClean="0">
+                <a:solidFill>
+                  <a:srgbClr val="00B050"/>
+                </a:solidFill>
+                <a:latin typeface="Calibri" panose="020F0502020204030204" pitchFamily="34" charset="0"/>
+              </a:rPr>
+              <a:t> </a:t>
+            </a:r>
+            <a:r>
+              <a:rPr lang="fr-FR" sz="6000" dirty="0" smtClean="0">
+                <a:latin typeface="Calibri" panose="020F0502020204030204" pitchFamily="34" charset="0"/>
+              </a:rPr>
+              <a:t>instancie toutes les classes</a:t>
+            </a:r>
+          </a:p>
+          <a:p>
+            <a:pPr marL="857250" indent="-857250">
               <a:buFont typeface="Arial" panose="020B0604020202020204" pitchFamily="34" charset="0"/>
               <a:buChar char="•"/>
             </a:pPr>
             <a:r>
-              <a:rPr lang="fr-FR" sz="5400" dirty="0" smtClean="0">
+              <a:rPr lang="fr-FR" sz="6000" dirty="0" smtClean="0">
                 <a:latin typeface="Calibri" panose="020F0502020204030204" pitchFamily="34" charset="0"/>
               </a:rPr>
-              <a:t>Instances</a:t>
-            </a:r>
-          </a:p>
-          <a:p>
-            <a:pPr marL="1314450" lvl="1" indent="-857250">
-              <a:buFont typeface="Arial" panose="020B0604020202020204" pitchFamily="34" charset="0"/>
-              <a:buChar char="•"/>
-            </a:pPr>
-            <a:endParaRPr lang="fr-FR" sz="6000" dirty="0">
+              <a:t>C’est une </a:t>
+            </a:r>
+            <a:r>
+              <a:rPr lang="fr-FR" sz="6000" u="sng" dirty="0" err="1" smtClean="0">
+                <a:latin typeface="Calibri" panose="020F0502020204030204" pitchFamily="34" charset="0"/>
+              </a:rPr>
+              <a:t>métaclasse</a:t>
+            </a:r>
+            <a:r>
+              <a:rPr lang="fr-FR" sz="6000" u="sng" dirty="0" smtClean="0">
+                <a:latin typeface="Calibri" panose="020F0502020204030204" pitchFamily="34" charset="0"/>
+              </a:rPr>
+              <a:t> </a:t>
+            </a:r>
+            <a:endParaRPr lang="fr-FR" sz="6000" u="sng" dirty="0">
               <a:latin typeface="Calibri" panose="020F0502020204030204" pitchFamily="34" charset="0"/>
             </a:endParaRPr>
           </a:p>
@@ -7512,7 +7611,7 @@
     </p:spTree>
     <p:extLst>
       <p:ext uri="{BB962C8B-B14F-4D97-AF65-F5344CB8AC3E}">
-        <p14:creationId xmlns:p14="http://schemas.microsoft.com/office/powerpoint/2010/main" val="1705867387"/>
+        <p14:creationId xmlns:p14="http://schemas.microsoft.com/office/powerpoint/2010/main" val="1413371335"/>
       </p:ext>
     </p:extLst>
   </p:cSld>
@@ -7555,7 +7654,7 @@
                                         <p:tgtEl>
                                           <p:spTgt spid="5">
                                             <p:txEl>
-                                              <p:pRg st="0" end="0"/>
+                                              <p:pRg st="1" end="1"/>
                                             </p:txEl>
                                           </p:spTgt>
                                         </p:tgtEl>
@@ -7573,7 +7672,7 @@
                                         <p:tgtEl>
                                           <p:spTgt spid="5">
                                             <p:txEl>
-                                              <p:pRg st="0" end="0"/>
+                                              <p:pRg st="1" end="1"/>
                                             </p:txEl>
                                           </p:spTgt>
                                         </p:tgtEl>
@@ -7616,7 +7715,7 @@
                                         <p:tgtEl>
                                           <p:spTgt spid="5">
                                             <p:txEl>
-                                              <p:pRg st="1" end="1"/>
+                                              <p:pRg st="2" end="2"/>
                                             </p:txEl>
                                           </p:spTgt>
                                         </p:tgtEl>
@@ -7634,49 +7733,6 @@
                                         <p:tgtEl>
                                           <p:spTgt spid="5">
                                             <p:txEl>
-                                              <p:pRg st="1" end="1"/>
-                                            </p:txEl>
-                                          </p:spTgt>
-                                        </p:tgtEl>
-                                      </p:cBhvr>
-                                    </p:animEffect>
-                                  </p:childTnLst>
-                                </p:cTn>
-                              </p:par>
-                              <p:par>
-                                <p:cTn id="13" presetID="10" presetClass="entr" presetSubtype="0" fill="hold" nodeType="withEffect">
-                                  <p:stCondLst>
-                                    <p:cond delay="0"/>
-                                  </p:stCondLst>
-                                  <p:childTnLst>
-                                    <p:set>
-                                      <p:cBhvr>
-                                        <p:cTn id="14" dur="1" fill="hold">
-                                          <p:stCondLst>
-                                            <p:cond delay="0"/>
-                                          </p:stCondLst>
-                                        </p:cTn>
-                                        <p:tgtEl>
-                                          <p:spTgt spid="5">
-                                            <p:txEl>
-                                              <p:pRg st="2" end="2"/>
-                                            </p:txEl>
-                                          </p:spTgt>
-                                        </p:tgtEl>
-                                        <p:attrNameLst>
-                                          <p:attrName>style.visibility</p:attrName>
-                                        </p:attrNameLst>
-                                      </p:cBhvr>
-                                      <p:to>
-                                        <p:strVal val="visible"/>
-                                      </p:to>
-                                    </p:set>
-                                    <p:animEffect transition="in" filter="fade">
-                                      <p:cBhvr>
-                                        <p:cTn id="15" dur="500"/>
-                                        <p:tgtEl>
-                                          <p:spTgt spid="5">
-                                            <p:txEl>
                                               <p:pRg st="2" end="2"/>
                                             </p:txEl>
                                           </p:spTgt>
@@ -7686,15 +7742,33 @@
                                   </p:childTnLst>
                                 </p:cTn>
                               </p:par>
+                            </p:childTnLst>
+                          </p:cTn>
+                        </p:par>
+                      </p:childTnLst>
+                    </p:cTn>
+                  </p:par>
+                  <p:par>
+                    <p:cTn id="13" fill="hold">
+                      <p:stCondLst>
+                        <p:cond delay="indefinite"/>
+                      </p:stCondLst>
+                      <p:childTnLst>
+                        <p:par>
+                          <p:cTn id="14" fill="hold">
+                            <p:stCondLst>
+                              <p:cond delay="0"/>
+                            </p:stCondLst>
+                            <p:childTnLst>
                               <p:par>
-                                <p:cTn id="16" presetID="10" presetClass="entr" presetSubtype="0" fill="hold" nodeType="withEffect">
+                                <p:cTn id="15" presetID="10" presetClass="entr" presetSubtype="0" fill="hold" nodeType="clickEffect">
                                   <p:stCondLst>
                                     <p:cond delay="0"/>
                                   </p:stCondLst>
                                   <p:childTnLst>
                                     <p:set>
                                       <p:cBhvr>
-                                        <p:cTn id="17" dur="1" fill="hold">
+                                        <p:cTn id="16" dur="1" fill="hold">
                                           <p:stCondLst>
                                             <p:cond delay="0"/>
                                           </p:stCondLst>
@@ -7716,7 +7790,7 @@
                                     </p:set>
                                     <p:animEffect transition="in" filter="fade">
                                       <p:cBhvr>
-                                        <p:cTn id="18" dur="500"/>
+                                        <p:cTn id="17" dur="500"/>
                                         <p:tgtEl>
                                           <p:spTgt spid="5">
                                             <p:txEl>
@@ -7726,292 +7800,6 @@
                                         </p:tgtEl>
                                       </p:cBhvr>
                                     </p:animEffect>
-                                  </p:childTnLst>
-                                </p:cTn>
-                              </p:par>
-                            </p:childTnLst>
-                          </p:cTn>
-                        </p:par>
-                      </p:childTnLst>
-                    </p:cTn>
-                  </p:par>
-                </p:childTnLst>
-              </p:cTn>
-              <p:prevCondLst>
-                <p:cond evt="onPrev" delay="0">
-                  <p:tgtEl>
-                    <p:sldTgt/>
-                  </p:tgtEl>
-                </p:cond>
-              </p:prevCondLst>
-              <p:nextCondLst>
-                <p:cond evt="onNext" delay="0">
-                  <p:tgtEl>
-                    <p:sldTgt/>
-                  </p:tgtEl>
-                </p:cond>
-              </p:nextCondLst>
-            </p:seq>
-          </p:childTnLst>
-        </p:cTn>
-      </p:par>
-    </p:tnLst>
-  </p:timing>
-</p:sld>
-</file>
-
-<file path=ppt/slides/slide10.xml><?xml version="1.0" encoding="utf-8"?>
-<p:sld xmlns:a="http://schemas.openxmlformats.org/drawingml/2006/main" xmlns:r="http://schemas.openxmlformats.org/officeDocument/2006/relationships" xmlns:p="http://schemas.openxmlformats.org/presentationml/2006/main">
-  <p:cSld>
-    <p:spTree>
-      <p:nvGrpSpPr>
-        <p:cNvPr id="1" name=""/>
-        <p:cNvGrpSpPr/>
-        <p:nvPr/>
-      </p:nvGrpSpPr>
-      <p:grpSpPr>
-        <a:xfrm>
-          <a:off x="0" y="0"/>
-          <a:ext cx="0" cy="0"/>
-          <a:chOff x="0" y="0"/>
-          <a:chExt cx="0" cy="0"/>
-        </a:xfrm>
-      </p:grpSpPr>
-      <p:sp>
-        <p:nvSpPr>
-          <p:cNvPr id="5" name="ZoneTexte 4"/>
-          <p:cNvSpPr txBox="1"/>
-          <p:nvPr/>
-        </p:nvSpPr>
-        <p:spPr>
-          <a:xfrm>
-            <a:off x="401443" y="780585"/>
-            <a:ext cx="11790557" cy="5632311"/>
-          </a:xfrm>
-          <a:prstGeom prst="rect">
-            <a:avLst/>
-          </a:prstGeom>
-          <a:noFill/>
-        </p:spPr>
-        <p:txBody>
-          <a:bodyPr wrap="square" rtlCol="0">
-            <a:spAutoFit/>
-          </a:bodyPr>
-          <a:lstStyle/>
-          <a:p>
-            <a:pPr marL="857250" indent="-857250">
-              <a:buFont typeface="Arial" panose="020B0604020202020204" pitchFamily="34" charset="0"/>
-              <a:buChar char="•"/>
-            </a:pPr>
-            <a:r>
-              <a:rPr lang="fr-FR" sz="6000" dirty="0" smtClean="0">
-                <a:latin typeface="Calibri" panose="020F0502020204030204" pitchFamily="34" charset="0"/>
-              </a:rPr>
-              <a:t>La </a:t>
-            </a:r>
-            <a:r>
-              <a:rPr lang="fr-FR" sz="6000" dirty="0" err="1" smtClean="0">
-                <a:latin typeface="Calibri" panose="020F0502020204030204" pitchFamily="34" charset="0"/>
-              </a:rPr>
-              <a:t>métaclasse</a:t>
-            </a:r>
-            <a:r>
-              <a:rPr lang="fr-FR" sz="6000" dirty="0" smtClean="0">
-                <a:latin typeface="Calibri" panose="020F0502020204030204" pitchFamily="34" charset="0"/>
-              </a:rPr>
-              <a:t> </a:t>
-            </a:r>
-            <a:r>
-              <a:rPr lang="fr-FR" sz="6000" dirty="0" smtClean="0">
-                <a:solidFill>
-                  <a:srgbClr val="00B050"/>
-                </a:solidFill>
-                <a:latin typeface="Courier New" panose="02070309020205020404" pitchFamily="49" charset="0"/>
-                <a:cs typeface="Courier New" panose="02070309020205020404" pitchFamily="49" charset="0"/>
-              </a:rPr>
-              <a:t>type</a:t>
-            </a:r>
-            <a:r>
-              <a:rPr lang="fr-FR" sz="6000" dirty="0" smtClean="0">
-                <a:solidFill>
-                  <a:srgbClr val="00B050"/>
-                </a:solidFill>
-                <a:latin typeface="Calibri" panose="020F0502020204030204" pitchFamily="34" charset="0"/>
-              </a:rPr>
-              <a:t> </a:t>
-            </a:r>
-            <a:r>
-              <a:rPr lang="fr-FR" sz="6000" dirty="0" smtClean="0">
-                <a:latin typeface="Calibri" panose="020F0502020204030204" pitchFamily="34" charset="0"/>
-              </a:rPr>
-              <a:t>instancie les classes</a:t>
-            </a:r>
-          </a:p>
-          <a:p>
-            <a:pPr marL="857250" indent="-857250">
-              <a:buFont typeface="Arial" panose="020B0604020202020204" pitchFamily="34" charset="0"/>
-              <a:buChar char="•"/>
-            </a:pPr>
-            <a:r>
-              <a:rPr lang="fr-FR" sz="6000" dirty="0" smtClean="0">
-                <a:latin typeface="Calibri" panose="020F0502020204030204" pitchFamily="34" charset="0"/>
-                <a:cs typeface="Courier New" panose="02070309020205020404" pitchFamily="49" charset="0"/>
-              </a:rPr>
-              <a:t>Les classes instancient les instances</a:t>
-            </a:r>
-          </a:p>
-          <a:p>
-            <a:pPr marL="857250" indent="-857250">
-              <a:buFont typeface="Arial" panose="020B0604020202020204" pitchFamily="34" charset="0"/>
-              <a:buChar char="•"/>
-            </a:pPr>
-            <a:r>
-              <a:rPr lang="fr-FR" sz="6000" dirty="0" smtClean="0">
-                <a:latin typeface="Calibri" panose="020F0502020204030204" pitchFamily="34" charset="0"/>
-                <a:cs typeface="Courier New" panose="02070309020205020404" pitchFamily="49" charset="0"/>
-              </a:rPr>
-              <a:t>Toutes les classes </a:t>
-            </a:r>
-            <a:br>
-              <a:rPr lang="fr-FR" sz="6000" dirty="0" smtClean="0">
-                <a:latin typeface="Calibri" panose="020F0502020204030204" pitchFamily="34" charset="0"/>
-                <a:cs typeface="Courier New" panose="02070309020205020404" pitchFamily="49" charset="0"/>
-              </a:rPr>
-            </a:br>
-            <a:r>
-              <a:rPr lang="fr-FR" sz="6000" dirty="0" smtClean="0">
-                <a:latin typeface="Calibri" panose="020F0502020204030204" pitchFamily="34" charset="0"/>
-                <a:cs typeface="Courier New" panose="02070309020205020404" pitchFamily="49" charset="0"/>
-              </a:rPr>
-              <a:t>héritent de </a:t>
-            </a:r>
-            <a:r>
-              <a:rPr lang="fr-FR" sz="6000" dirty="0" err="1" smtClean="0">
-                <a:solidFill>
-                  <a:srgbClr val="FF0000"/>
-                </a:solidFill>
-                <a:latin typeface="Courier New" panose="02070309020205020404" pitchFamily="49" charset="0"/>
-                <a:cs typeface="Courier New" panose="02070309020205020404" pitchFamily="49" charset="0"/>
-              </a:rPr>
-              <a:t>object</a:t>
-            </a:r>
-            <a:endParaRPr lang="fr-FR" sz="6000" dirty="0" smtClean="0">
-              <a:solidFill>
-                <a:srgbClr val="FF0000"/>
-              </a:solidFill>
-              <a:latin typeface="Courier New" panose="02070309020205020404" pitchFamily="49" charset="0"/>
-              <a:cs typeface="Courier New" panose="02070309020205020404" pitchFamily="49" charset="0"/>
-            </a:endParaRPr>
-          </a:p>
-        </p:txBody>
-      </p:sp>
-    </p:spTree>
-    <p:extLst>
-      <p:ext uri="{BB962C8B-B14F-4D97-AF65-F5344CB8AC3E}">
-        <p14:creationId xmlns:p14="http://schemas.microsoft.com/office/powerpoint/2010/main" val="7109841"/>
-      </p:ext>
-    </p:extLst>
-  </p:cSld>
-  <p:clrMapOvr>
-    <a:masterClrMapping/>
-  </p:clrMapOvr>
-  <p:timing>
-    <p:tnLst>
-      <p:par>
-        <p:cTn id="1" dur="indefinite" restart="never" nodeType="tmRoot">
-          <p:childTnLst>
-            <p:seq concurrent="1" nextAc="seek">
-              <p:cTn id="2" dur="indefinite" nodeType="mainSeq">
-                <p:childTnLst>
-                  <p:par>
-                    <p:cTn id="3" fill="hold">
-                      <p:stCondLst>
-                        <p:cond delay="indefinite"/>
-                      </p:stCondLst>
-                      <p:childTnLst>
-                        <p:par>
-                          <p:cTn id="4" fill="hold">
-                            <p:stCondLst>
-                              <p:cond delay="0"/>
-                            </p:stCondLst>
-                            <p:childTnLst>
-                              <p:par>
-                                <p:cTn id="5" presetID="1" presetClass="entr" presetSubtype="0" fill="hold" nodeType="clickEffect">
-                                  <p:stCondLst>
-                                    <p:cond delay="0"/>
-                                  </p:stCondLst>
-                                  <p:childTnLst>
-                                    <p:set>
-                                      <p:cBhvr>
-                                        <p:cTn id="6" dur="1" fill="hold">
-                                          <p:stCondLst>
-                                            <p:cond delay="0"/>
-                                          </p:stCondLst>
-                                        </p:cTn>
-                                        <p:tgtEl>
-                                          <p:spTgt spid="5">
-                                            <p:txEl>
-                                              <p:pRg st="1" end="1"/>
-                                            </p:txEl>
-                                          </p:spTgt>
-                                        </p:tgtEl>
-                                        <p:attrNameLst>
-                                          <p:attrName>style.visibility</p:attrName>
-                                        </p:attrNameLst>
-                                      </p:cBhvr>
-                                      <p:to>
-                                        <p:strVal val="visible"/>
-                                      </p:to>
-                                    </p:set>
-                                  </p:childTnLst>
-                                </p:cTn>
-                              </p:par>
-                            </p:childTnLst>
-                          </p:cTn>
-                        </p:par>
-                      </p:childTnLst>
-                    </p:cTn>
-                  </p:par>
-                  <p:par>
-                    <p:cTn id="7" fill="hold">
-                      <p:stCondLst>
-                        <p:cond delay="indefinite"/>
-                      </p:stCondLst>
-                      <p:childTnLst>
-                        <p:par>
-                          <p:cTn id="8" fill="hold">
-                            <p:stCondLst>
-                              <p:cond delay="0"/>
-                            </p:stCondLst>
-                            <p:childTnLst>
-                              <p:par>
-                                <p:cTn id="9" presetID="1" presetClass="entr" presetSubtype="0" fill="hold" nodeType="clickEffect">
-                                  <p:stCondLst>
-                                    <p:cond delay="0"/>
-                                  </p:stCondLst>
-                                  <p:childTnLst>
-                                    <p:set>
-                                      <p:cBhvr>
-                                        <p:cTn id="10" dur="1" fill="hold">
-                                          <p:stCondLst>
-                                            <p:cond delay="0"/>
-                                          </p:stCondLst>
-                                        </p:cTn>
-                                        <p:tgtEl>
-                                          <p:spTgt spid="5">
-                                            <p:txEl>
-                                              <p:pRg st="2" end="2"/>
-                                            </p:txEl>
-                                          </p:spTgt>
-                                        </p:tgtEl>
-                                        <p:attrNameLst>
-                                          <p:attrName>style.visibility</p:attrName>
-                                        </p:attrNameLst>
-                                      </p:cBhvr>
-                                      <p:to>
-                                        <p:strVal val="visible"/>
-                                      </p:to>
-                                    </p:set>
                                   </p:childTnLst>
                                 </p:cTn>
                               </p:par>
@@ -8065,14 +7853,119 @@
       </p:grpSpPr>
       <p:sp>
         <p:nvSpPr>
-          <p:cNvPr id="5" name="ZoneTexte 4"/>
+          <p:cNvPr id="2" name="Rectangle 1"/>
+          <p:cNvSpPr/>
+          <p:nvPr/>
+        </p:nvSpPr>
+        <p:spPr bwMode="auto">
+          <a:xfrm>
+            <a:off x="298174" y="1896533"/>
+            <a:ext cx="2126974" cy="4762684"/>
+          </a:xfrm>
+          <a:prstGeom prst="rect">
+            <a:avLst/>
+          </a:prstGeom>
+          <a:noFill/>
+          <a:ln w="38100" cap="flat" cmpd="sng" algn="ctr">
+            <a:solidFill>
+              <a:schemeClr val="tx1"/>
+            </a:solidFill>
+            <a:prstDash val="solid"/>
+            <a:round/>
+            <a:headEnd type="none" w="med" len="med"/>
+            <a:tailEnd type="triangle" w="lg" len="lg"/>
+          </a:ln>
+          <a:effectLst/>
+        </p:spPr>
+        <p:txBody>
+          <a:bodyPr rtlCol="0" anchor="ctr"/>
+          <a:lstStyle/>
+          <a:p>
+            <a:pPr algn="ctr"/>
+            <a:endParaRPr lang="fr-FR"/>
+          </a:p>
+        </p:txBody>
+      </p:sp>
+      <p:sp>
+        <p:nvSpPr>
+          <p:cNvPr id="4" name="Rectangle 3"/>
+          <p:cNvSpPr/>
+          <p:nvPr/>
+        </p:nvSpPr>
+        <p:spPr bwMode="auto">
+          <a:xfrm>
+            <a:off x="2776330" y="1896533"/>
+            <a:ext cx="2126974" cy="4762684"/>
+          </a:xfrm>
+          <a:prstGeom prst="rect">
+            <a:avLst/>
+          </a:prstGeom>
+          <a:noFill/>
+          <a:ln w="38100" cap="flat" cmpd="sng" algn="ctr">
+            <a:solidFill>
+              <a:schemeClr val="tx1"/>
+            </a:solidFill>
+            <a:prstDash val="solid"/>
+            <a:round/>
+            <a:headEnd type="none" w="med" len="med"/>
+            <a:tailEnd type="triangle" w="lg" len="lg"/>
+          </a:ln>
+          <a:effectLst/>
+        </p:spPr>
+        <p:txBody>
+          <a:bodyPr rtlCol="0" anchor="ctr"/>
+          <a:lstStyle/>
+          <a:p>
+            <a:pPr algn="ctr"/>
+            <a:endParaRPr lang="fr-FR"/>
+          </a:p>
+        </p:txBody>
+      </p:sp>
+      <p:sp>
+        <p:nvSpPr>
+          <p:cNvPr id="6" name="Rectangle 5"/>
+          <p:cNvSpPr/>
+          <p:nvPr/>
+        </p:nvSpPr>
+        <p:spPr bwMode="auto">
+          <a:xfrm>
+            <a:off x="5254486" y="1896533"/>
+            <a:ext cx="2126974" cy="4762684"/>
+          </a:xfrm>
+          <a:prstGeom prst="rect">
+            <a:avLst/>
+          </a:prstGeom>
+          <a:noFill/>
+          <a:ln w="38100" cap="flat" cmpd="sng" algn="ctr">
+            <a:solidFill>
+              <a:schemeClr val="tx1"/>
+            </a:solidFill>
+            <a:prstDash val="solid"/>
+            <a:round/>
+            <a:headEnd type="none" w="med" len="med"/>
+            <a:tailEnd type="triangle" w="lg" len="lg"/>
+          </a:ln>
+          <a:effectLst/>
+        </p:spPr>
+        <p:txBody>
+          <a:bodyPr rtlCol="0" anchor="ctr"/>
+          <a:lstStyle/>
+          <a:p>
+            <a:pPr algn="ctr"/>
+            <a:endParaRPr lang="fr-FR"/>
+          </a:p>
+        </p:txBody>
+      </p:sp>
+      <p:sp>
+        <p:nvSpPr>
+          <p:cNvPr id="7" name="ZoneTexte 6"/>
           <p:cNvSpPr txBox="1"/>
           <p:nvPr/>
         </p:nvSpPr>
         <p:spPr>
           <a:xfrm>
-            <a:off x="401443" y="689145"/>
-            <a:ext cx="11790557" cy="3600986"/>
+            <a:off x="298174" y="291386"/>
+            <a:ext cx="7083286" cy="1323439"/>
           </a:xfrm>
           <a:prstGeom prst="rect">
             <a:avLst/>
@@ -8085,78 +7978,604 @@
           </a:bodyPr>
           <a:lstStyle/>
           <a:p>
-            <a:pPr marL="857250" indent="-857250">
-              <a:buFont typeface="Arial" panose="020B0604020202020204" pitchFamily="34" charset="0"/>
-              <a:buChar char="•"/>
-            </a:pPr>
-            <a:r>
-              <a:rPr lang="fr-FR" sz="6000" dirty="0" smtClean="0">
+            <a:r>
+              <a:rPr lang="fr-FR" sz="4000" dirty="0" smtClean="0">
                 <a:latin typeface="Calibri" panose="020F0502020204030204" pitchFamily="34" charset="0"/>
                 <a:cs typeface="Courier New" panose="02070309020205020404" pitchFamily="49" charset="0"/>
               </a:rPr>
-              <a:t>On appelle </a:t>
-            </a:r>
-            <a:r>
-              <a:rPr lang="fr-FR" sz="6000" i="1" dirty="0" smtClean="0">
+              <a:t>Le type d’une classe est le type de sa </a:t>
+            </a:r>
+            <a:r>
+              <a:rPr lang="fr-FR" sz="4000" dirty="0" err="1" smtClean="0">
                 <a:latin typeface="Calibri" panose="020F0502020204030204" pitchFamily="34" charset="0"/>
                 <a:cs typeface="Courier New" panose="02070309020205020404" pitchFamily="49" charset="0"/>
               </a:rPr>
-              <a:t>classe</a:t>
-            </a:r>
-            <a:r>
-              <a:rPr lang="fr-FR" sz="6000" dirty="0" smtClean="0">
-                <a:latin typeface="Calibri" panose="020F0502020204030204" pitchFamily="34" charset="0"/>
-                <a:cs typeface="Courier New" panose="02070309020205020404" pitchFamily="49" charset="0"/>
-              </a:rPr>
-              <a:t> ou </a:t>
-            </a:r>
-            <a:r>
-              <a:rPr lang="fr-FR" sz="6000" i="1" dirty="0" smtClean="0">
-                <a:latin typeface="Calibri" panose="020F0502020204030204" pitchFamily="34" charset="0"/>
-                <a:cs typeface="Courier New" panose="02070309020205020404" pitchFamily="49" charset="0"/>
-              </a:rPr>
-              <a:t>type</a:t>
-            </a:r>
-            <a:r>
-              <a:rPr lang="fr-FR" sz="6000" dirty="0" smtClean="0">
-                <a:latin typeface="Calibri" panose="020F0502020204030204" pitchFamily="34" charset="0"/>
-                <a:cs typeface="Courier New" panose="02070309020205020404" pitchFamily="49" charset="0"/>
-              </a:rPr>
-              <a:t> une instance de la </a:t>
-            </a:r>
-            <a:r>
-              <a:rPr lang="fr-FR" sz="6000" dirty="0" err="1" smtClean="0">
-                <a:latin typeface="Calibri" panose="020F0502020204030204" pitchFamily="34" charset="0"/>
-                <a:cs typeface="Courier New" panose="02070309020205020404" pitchFamily="49" charset="0"/>
-              </a:rPr>
-              <a:t>métaclasse</a:t>
-            </a:r>
-            <a:endParaRPr lang="fr-FR" sz="6000" dirty="0" smtClean="0">
-              <a:latin typeface="Calibri" panose="020F0502020204030204" pitchFamily="34" charset="0"/>
+              <a:t>super-classe</a:t>
+            </a:r>
+            <a:endParaRPr lang="fr-FR" sz="4000" dirty="0">
+              <a:solidFill>
+                <a:srgbClr val="00B050"/>
+              </a:solidFill>
+              <a:latin typeface="Courier New" panose="02070309020205020404" pitchFamily="49" charset="0"/>
               <a:cs typeface="Courier New" panose="02070309020205020404" pitchFamily="49" charset="0"/>
             </a:endParaRPr>
           </a:p>
-          <a:p>
-            <a:pPr marL="1314450" lvl="1" indent="-857250">
-              <a:buFont typeface="Arial" panose="020B0604020202020204" pitchFamily="34" charset="0"/>
-              <a:buChar char="•"/>
-            </a:pPr>
-            <a:r>
-              <a:rPr lang="fr-FR" sz="5400" dirty="0" smtClean="0">
+        </p:txBody>
+      </p:sp>
+      <p:sp>
+        <p:nvSpPr>
+          <p:cNvPr id="8" name="ZoneTexte 7"/>
+          <p:cNvSpPr txBox="1"/>
+          <p:nvPr/>
+        </p:nvSpPr>
+        <p:spPr>
+          <a:xfrm>
+            <a:off x="207986" y="1896533"/>
+            <a:ext cx="2307350" cy="646331"/>
+          </a:xfrm>
+          <a:prstGeom prst="rect">
+            <a:avLst/>
+          </a:prstGeom>
+          <a:noFill/>
+        </p:spPr>
+        <p:txBody>
+          <a:bodyPr wrap="square" rtlCol="0">
+            <a:spAutoFit/>
+          </a:bodyPr>
+          <a:lstStyle/>
+          <a:p>
+            <a:r>
+              <a:rPr lang="fr-FR" sz="3600" u="sng" dirty="0" err="1" smtClean="0">
                 <a:latin typeface="Calibri" panose="020F0502020204030204" pitchFamily="34" charset="0"/>
-                <a:cs typeface="Courier New" panose="02070309020205020404" pitchFamily="49" charset="0"/>
-              </a:rPr>
-              <a:t>La classe a pour type l’objet </a:t>
-            </a:r>
-            <a:r>
-              <a:rPr lang="fr-FR" sz="5400" dirty="0" err="1" smtClean="0">
+              </a:rPr>
+              <a:t>métaclasse</a:t>
+            </a:r>
+            <a:endParaRPr lang="fr-FR" sz="3600" u="sng" dirty="0">
+              <a:latin typeface="Calibri" panose="020F0502020204030204" pitchFamily="34" charset="0"/>
+            </a:endParaRPr>
+          </a:p>
+        </p:txBody>
+      </p:sp>
+      <p:sp>
+        <p:nvSpPr>
+          <p:cNvPr id="9" name="ZoneTexte 8"/>
+          <p:cNvSpPr txBox="1"/>
+          <p:nvPr/>
+        </p:nvSpPr>
+        <p:spPr>
+          <a:xfrm>
+            <a:off x="2686142" y="1913390"/>
+            <a:ext cx="2307350" cy="646331"/>
+          </a:xfrm>
+          <a:prstGeom prst="rect">
+            <a:avLst/>
+          </a:prstGeom>
+          <a:noFill/>
+        </p:spPr>
+        <p:txBody>
+          <a:bodyPr wrap="square" rtlCol="0">
+            <a:spAutoFit/>
+          </a:bodyPr>
+          <a:lstStyle/>
+          <a:p>
+            <a:pPr algn="ctr"/>
+            <a:r>
+              <a:rPr lang="fr-FR" sz="3600" u="sng" dirty="0" smtClean="0">
                 <a:latin typeface="Calibri" panose="020F0502020204030204" pitchFamily="34" charset="0"/>
-                <a:cs typeface="Courier New" panose="02070309020205020404" pitchFamily="49" charset="0"/>
-              </a:rPr>
-              <a:t>métaclasse</a:t>
-            </a:r>
-            <a:endParaRPr lang="fr-FR" sz="5400" dirty="0" smtClean="0">
+              </a:rPr>
+              <a:t>classe</a:t>
+            </a:r>
+            <a:endParaRPr lang="fr-FR" sz="3600" u="sng" dirty="0">
               <a:latin typeface="Calibri" panose="020F0502020204030204" pitchFamily="34" charset="0"/>
+            </a:endParaRPr>
+          </a:p>
+        </p:txBody>
+      </p:sp>
+      <p:sp>
+        <p:nvSpPr>
+          <p:cNvPr id="10" name="ZoneTexte 9"/>
+          <p:cNvSpPr txBox="1"/>
+          <p:nvPr/>
+        </p:nvSpPr>
+        <p:spPr>
+          <a:xfrm>
+            <a:off x="5254486" y="1896532"/>
+            <a:ext cx="2126974" cy="646331"/>
+          </a:xfrm>
+          <a:prstGeom prst="rect">
+            <a:avLst/>
+          </a:prstGeom>
+          <a:noFill/>
+        </p:spPr>
+        <p:txBody>
+          <a:bodyPr wrap="square" rtlCol="0">
+            <a:spAutoFit/>
+          </a:bodyPr>
+          <a:lstStyle/>
+          <a:p>
+            <a:pPr algn="ctr"/>
+            <a:r>
+              <a:rPr lang="fr-FR" sz="3600" u="sng" dirty="0" smtClean="0">
+                <a:latin typeface="Calibri" panose="020F0502020204030204" pitchFamily="34" charset="0"/>
+              </a:rPr>
+              <a:t>instance</a:t>
+            </a:r>
+            <a:endParaRPr lang="fr-FR" sz="3600" u="sng" dirty="0">
+              <a:latin typeface="Calibri" panose="020F0502020204030204" pitchFamily="34" charset="0"/>
+            </a:endParaRPr>
+          </a:p>
+        </p:txBody>
+      </p:sp>
+      <p:sp>
+        <p:nvSpPr>
+          <p:cNvPr id="5" name="ZoneTexte 4"/>
+          <p:cNvSpPr txBox="1"/>
+          <p:nvPr/>
+        </p:nvSpPr>
+        <p:spPr>
+          <a:xfrm>
+            <a:off x="2919679" y="2841429"/>
+            <a:ext cx="1840275" cy="646331"/>
+          </a:xfrm>
+          <a:prstGeom prst="rect">
+            <a:avLst/>
+          </a:prstGeom>
+          <a:noFill/>
+        </p:spPr>
+        <p:txBody>
+          <a:bodyPr wrap="square" rtlCol="0">
+            <a:spAutoFit/>
+          </a:bodyPr>
+          <a:lstStyle/>
+          <a:p>
+            <a:r>
+              <a:rPr lang="fr-FR" sz="3600" dirty="0" err="1" smtClean="0">
+                <a:solidFill>
+                  <a:srgbClr val="FF0000"/>
+                </a:solidFill>
+                <a:latin typeface="Courier New" panose="02070309020205020404" pitchFamily="49" charset="0"/>
+                <a:cs typeface="Courier New" panose="02070309020205020404" pitchFamily="49" charset="0"/>
+              </a:rPr>
+              <a:t>object</a:t>
+            </a:r>
+            <a:endParaRPr lang="fr-FR" sz="3600" dirty="0">
+              <a:solidFill>
+                <a:srgbClr val="FF0000"/>
+              </a:solidFill>
+            </a:endParaRPr>
+          </a:p>
+        </p:txBody>
+      </p:sp>
+      <p:sp>
+        <p:nvSpPr>
+          <p:cNvPr id="11" name="ZoneTexte 10"/>
+          <p:cNvSpPr txBox="1"/>
+          <p:nvPr/>
+        </p:nvSpPr>
+        <p:spPr>
+          <a:xfrm>
+            <a:off x="2919678" y="3769468"/>
+            <a:ext cx="1840275" cy="646331"/>
+          </a:xfrm>
+          <a:prstGeom prst="rect">
+            <a:avLst/>
+          </a:prstGeom>
+          <a:noFill/>
+        </p:spPr>
+        <p:txBody>
+          <a:bodyPr wrap="square" rtlCol="0">
+            <a:spAutoFit/>
+          </a:bodyPr>
+          <a:lstStyle/>
+          <a:p>
+            <a:r>
+              <a:rPr lang="fr-FR" sz="3600" dirty="0" smtClean="0">
+                <a:latin typeface="Courier New" panose="02070309020205020404" pitchFamily="49" charset="0"/>
+                <a:cs typeface="Courier New" panose="02070309020205020404" pitchFamily="49" charset="0"/>
+              </a:rPr>
+              <a:t>C</a:t>
+            </a:r>
+            <a:endParaRPr lang="fr-FR" sz="3600" dirty="0"/>
+          </a:p>
+        </p:txBody>
+      </p:sp>
+      <p:sp>
+        <p:nvSpPr>
+          <p:cNvPr id="12" name="ZoneTexte 11"/>
+          <p:cNvSpPr txBox="1"/>
+          <p:nvPr/>
+        </p:nvSpPr>
+        <p:spPr>
+          <a:xfrm>
+            <a:off x="2919677" y="4568011"/>
+            <a:ext cx="1840275" cy="646331"/>
+          </a:xfrm>
+          <a:prstGeom prst="rect">
+            <a:avLst/>
+          </a:prstGeom>
+          <a:noFill/>
+        </p:spPr>
+        <p:txBody>
+          <a:bodyPr wrap="square" rtlCol="0">
+            <a:spAutoFit/>
+          </a:bodyPr>
+          <a:lstStyle/>
+          <a:p>
+            <a:r>
+              <a:rPr lang="fr-FR" sz="3600" dirty="0" err="1" smtClean="0">
+                <a:latin typeface="Courier New" panose="02070309020205020404" pitchFamily="49" charset="0"/>
+                <a:cs typeface="Courier New" panose="02070309020205020404" pitchFamily="49" charset="0"/>
+              </a:rPr>
+              <a:t>int</a:t>
+            </a:r>
+            <a:endParaRPr lang="fr-FR" sz="3600" dirty="0"/>
+          </a:p>
+        </p:txBody>
+      </p:sp>
+      <p:sp>
+        <p:nvSpPr>
+          <p:cNvPr id="13" name="ZoneTexte 12"/>
+          <p:cNvSpPr txBox="1"/>
+          <p:nvPr/>
+        </p:nvSpPr>
+        <p:spPr>
+          <a:xfrm>
+            <a:off x="2919676" y="5366554"/>
+            <a:ext cx="1840275" cy="646331"/>
+          </a:xfrm>
+          <a:prstGeom prst="rect">
+            <a:avLst/>
+          </a:prstGeom>
+          <a:noFill/>
+        </p:spPr>
+        <p:txBody>
+          <a:bodyPr wrap="square" rtlCol="0">
+            <a:spAutoFit/>
+          </a:bodyPr>
+          <a:lstStyle/>
+          <a:p>
+            <a:r>
+              <a:rPr lang="fr-FR" sz="3600" dirty="0" err="1" smtClean="0">
+                <a:latin typeface="Courier New" panose="02070309020205020404" pitchFamily="49" charset="0"/>
+                <a:cs typeface="Courier New" panose="02070309020205020404" pitchFamily="49" charset="0"/>
+              </a:rPr>
+              <a:t>str</a:t>
+            </a:r>
+            <a:endParaRPr lang="fr-FR" sz="3600" dirty="0"/>
+          </a:p>
+        </p:txBody>
+      </p:sp>
+      <p:sp>
+        <p:nvSpPr>
+          <p:cNvPr id="14" name="ZoneTexte 13"/>
+          <p:cNvSpPr txBox="1"/>
+          <p:nvPr/>
+        </p:nvSpPr>
+        <p:spPr>
+          <a:xfrm>
+            <a:off x="5397835" y="3769468"/>
+            <a:ext cx="1840275" cy="646331"/>
+          </a:xfrm>
+          <a:prstGeom prst="rect">
+            <a:avLst/>
+          </a:prstGeom>
+          <a:noFill/>
+        </p:spPr>
+        <p:txBody>
+          <a:bodyPr wrap="square" rtlCol="0">
+            <a:spAutoFit/>
+          </a:bodyPr>
+          <a:lstStyle/>
+          <a:p>
+            <a:r>
+              <a:rPr lang="fr-FR" sz="3600" dirty="0" smtClean="0">
+                <a:latin typeface="Courier New" panose="02070309020205020404" pitchFamily="49" charset="0"/>
+                <a:cs typeface="Courier New" panose="02070309020205020404" pitchFamily="49" charset="0"/>
+              </a:rPr>
+              <a:t>i</a:t>
+            </a:r>
+            <a:endParaRPr lang="fr-FR" sz="3600" dirty="0"/>
+          </a:p>
+        </p:txBody>
+      </p:sp>
+      <p:sp>
+        <p:nvSpPr>
+          <p:cNvPr id="15" name="ZoneTexte 14"/>
+          <p:cNvSpPr txBox="1"/>
+          <p:nvPr/>
+        </p:nvSpPr>
+        <p:spPr>
+          <a:xfrm>
+            <a:off x="5397835" y="4568011"/>
+            <a:ext cx="1840275" cy="646331"/>
+          </a:xfrm>
+          <a:prstGeom prst="rect">
+            <a:avLst/>
+          </a:prstGeom>
+          <a:noFill/>
+        </p:spPr>
+        <p:txBody>
+          <a:bodyPr wrap="square" rtlCol="0">
+            <a:spAutoFit/>
+          </a:bodyPr>
+          <a:lstStyle/>
+          <a:p>
+            <a:r>
+              <a:rPr lang="fr-FR" sz="3600" dirty="0" smtClean="0">
+                <a:latin typeface="Courier New" panose="02070309020205020404" pitchFamily="49" charset="0"/>
+                <a:cs typeface="Courier New" panose="02070309020205020404" pitchFamily="49" charset="0"/>
+              </a:rPr>
+              <a:t>1</a:t>
+            </a:r>
+            <a:endParaRPr lang="fr-FR" sz="3600" dirty="0"/>
+          </a:p>
+        </p:txBody>
+      </p:sp>
+      <p:sp>
+        <p:nvSpPr>
+          <p:cNvPr id="16" name="ZoneTexte 15"/>
+          <p:cNvSpPr txBox="1"/>
+          <p:nvPr/>
+        </p:nvSpPr>
+        <p:spPr>
+          <a:xfrm>
+            <a:off x="5397834" y="5366554"/>
+            <a:ext cx="1840275" cy="646331"/>
+          </a:xfrm>
+          <a:prstGeom prst="rect">
+            <a:avLst/>
+          </a:prstGeom>
+          <a:noFill/>
+        </p:spPr>
+        <p:txBody>
+          <a:bodyPr wrap="square" rtlCol="0">
+            <a:spAutoFit/>
+          </a:bodyPr>
+          <a:lstStyle/>
+          <a:p>
+            <a:r>
+              <a:rPr lang="fr-FR" sz="3600" dirty="0">
+                <a:latin typeface="Courier New" panose="02070309020205020404" pitchFamily="49" charset="0"/>
+                <a:cs typeface="Courier New" panose="02070309020205020404" pitchFamily="49" charset="0"/>
+              </a:rPr>
+              <a:t>'a'</a:t>
+            </a:r>
+            <a:endParaRPr lang="fr-FR" sz="3600" dirty="0"/>
+          </a:p>
+        </p:txBody>
+      </p:sp>
+      <p:sp>
+        <p:nvSpPr>
+          <p:cNvPr id="17" name="ZoneTexte 16"/>
+          <p:cNvSpPr txBox="1"/>
+          <p:nvPr/>
+        </p:nvSpPr>
+        <p:spPr>
+          <a:xfrm>
+            <a:off x="441523" y="2841428"/>
+            <a:ext cx="1840275" cy="646331"/>
+          </a:xfrm>
+          <a:prstGeom prst="rect">
+            <a:avLst/>
+          </a:prstGeom>
+          <a:noFill/>
+        </p:spPr>
+        <p:txBody>
+          <a:bodyPr wrap="square" rtlCol="0">
+            <a:spAutoFit/>
+          </a:bodyPr>
+          <a:lstStyle/>
+          <a:p>
+            <a:pPr algn="ctr"/>
+            <a:r>
+              <a:rPr lang="fr-FR" sz="3600" dirty="0" smtClean="0">
+                <a:solidFill>
+                  <a:srgbClr val="00B050"/>
+                </a:solidFill>
+                <a:latin typeface="Courier New" panose="02070309020205020404" pitchFamily="49" charset="0"/>
+                <a:cs typeface="Courier New" panose="02070309020205020404" pitchFamily="49" charset="0"/>
+              </a:rPr>
+              <a:t>type</a:t>
+            </a:r>
+            <a:endParaRPr lang="fr-FR" sz="3600" dirty="0">
+              <a:solidFill>
+                <a:srgbClr val="00B050"/>
+              </a:solidFill>
+            </a:endParaRPr>
+          </a:p>
+        </p:txBody>
+      </p:sp>
+      <p:sp>
+        <p:nvSpPr>
+          <p:cNvPr id="18" name="ZoneTexte 17"/>
+          <p:cNvSpPr txBox="1"/>
+          <p:nvPr/>
+        </p:nvSpPr>
+        <p:spPr>
+          <a:xfrm>
+            <a:off x="7552266" y="291386"/>
+            <a:ext cx="4803285" cy="3970318"/>
+          </a:xfrm>
+          <a:prstGeom prst="rect">
+            <a:avLst/>
+          </a:prstGeom>
+          <a:noFill/>
+        </p:spPr>
+        <p:txBody>
+          <a:bodyPr wrap="square" rtlCol="0">
+            <a:spAutoFit/>
+          </a:bodyPr>
+          <a:lstStyle/>
+          <a:p>
+            <a:r>
+              <a:rPr lang="en-US" sz="2800" dirty="0">
+                <a:latin typeface="Courier New" panose="02070309020205020404" pitchFamily="49" charset="0"/>
+                <a:cs typeface="Courier New" panose="02070309020205020404" pitchFamily="49" charset="0"/>
+              </a:rPr>
+              <a:t>&gt;&gt;&gt; class </a:t>
+            </a:r>
+            <a:r>
+              <a:rPr lang="en-US" sz="2800" dirty="0" smtClean="0">
+                <a:latin typeface="Courier New" panose="02070309020205020404" pitchFamily="49" charset="0"/>
+                <a:cs typeface="Courier New" panose="02070309020205020404" pitchFamily="49" charset="0"/>
+              </a:rPr>
+              <a:t>C:</a:t>
+            </a:r>
+            <a:endParaRPr lang="en-US" sz="2800" dirty="0">
+              <a:latin typeface="Courier New" panose="02070309020205020404" pitchFamily="49" charset="0"/>
+              <a:cs typeface="Courier New" panose="02070309020205020404" pitchFamily="49" charset="0"/>
+            </a:endParaRPr>
+          </a:p>
+          <a:p>
+            <a:r>
+              <a:rPr lang="en-US" sz="2800" dirty="0">
+                <a:latin typeface="Courier New" panose="02070309020205020404" pitchFamily="49" charset="0"/>
+                <a:cs typeface="Courier New" panose="02070309020205020404" pitchFamily="49" charset="0"/>
+              </a:rPr>
+              <a:t>	</a:t>
+            </a:r>
+            <a:r>
+              <a:rPr lang="en-US" sz="2800" dirty="0" smtClean="0">
+                <a:latin typeface="Courier New" panose="02070309020205020404" pitchFamily="49" charset="0"/>
+                <a:cs typeface="Courier New" panose="02070309020205020404" pitchFamily="49" charset="0"/>
+              </a:rPr>
+              <a:t>pass</a:t>
+            </a:r>
+          </a:p>
+          <a:p>
+            <a:r>
+              <a:rPr lang="en-US" sz="2800" dirty="0" smtClean="0">
+                <a:latin typeface="Courier New" panose="02070309020205020404" pitchFamily="49" charset="0"/>
+                <a:cs typeface="Courier New" panose="02070309020205020404" pitchFamily="49" charset="0"/>
+              </a:rPr>
+              <a:t>&gt;&gt;&gt; </a:t>
+            </a:r>
+            <a:r>
+              <a:rPr lang="en-US" sz="2800" dirty="0">
+                <a:latin typeface="Courier New" panose="02070309020205020404" pitchFamily="49" charset="0"/>
+                <a:cs typeface="Courier New" panose="02070309020205020404" pitchFamily="49" charset="0"/>
+              </a:rPr>
+              <a:t>class D(C</a:t>
+            </a:r>
+            <a:r>
+              <a:rPr lang="en-US" sz="2800" dirty="0" smtClean="0">
+                <a:latin typeface="Courier New" panose="02070309020205020404" pitchFamily="49" charset="0"/>
+                <a:cs typeface="Courier New" panose="02070309020205020404" pitchFamily="49" charset="0"/>
+              </a:rPr>
+              <a:t>): pass</a:t>
+            </a:r>
+            <a:endParaRPr lang="en-US" sz="2800" dirty="0">
+              <a:latin typeface="Courier New" panose="02070309020205020404" pitchFamily="49" charset="0"/>
+              <a:cs typeface="Courier New" panose="02070309020205020404" pitchFamily="49" charset="0"/>
+            </a:endParaRPr>
+          </a:p>
+          <a:p>
+            <a:r>
+              <a:rPr lang="fr-FR" sz="2800" dirty="0">
+                <a:latin typeface="Courier New" panose="02070309020205020404" pitchFamily="49" charset="0"/>
+                <a:cs typeface="Courier New" panose="02070309020205020404" pitchFamily="49" charset="0"/>
+              </a:rPr>
+              <a:t>&gt;&gt;&gt; type(</a:t>
+            </a:r>
+            <a:r>
+              <a:rPr lang="fr-FR" sz="2800" dirty="0" err="1">
+                <a:solidFill>
+                  <a:srgbClr val="FF0000"/>
+                </a:solidFill>
+                <a:latin typeface="Courier New" panose="02070309020205020404" pitchFamily="49" charset="0"/>
+                <a:cs typeface="Courier New" panose="02070309020205020404" pitchFamily="49" charset="0"/>
+              </a:rPr>
+              <a:t>object</a:t>
+            </a:r>
+            <a:r>
+              <a:rPr lang="fr-FR" sz="2800" dirty="0">
+                <a:latin typeface="Courier New" panose="02070309020205020404" pitchFamily="49" charset="0"/>
+                <a:cs typeface="Courier New" panose="02070309020205020404" pitchFamily="49" charset="0"/>
+              </a:rPr>
+              <a:t>)</a:t>
+            </a:r>
+          </a:p>
+          <a:p>
+            <a:r>
+              <a:rPr lang="fr-FR" sz="2800" dirty="0" smtClean="0">
+                <a:solidFill>
+                  <a:srgbClr val="00B050"/>
+                </a:solidFill>
+                <a:latin typeface="Courier New" panose="02070309020205020404" pitchFamily="49" charset="0"/>
+                <a:cs typeface="Courier New" panose="02070309020205020404" pitchFamily="49" charset="0"/>
+              </a:rPr>
+              <a:t>type</a:t>
+            </a:r>
+            <a:endParaRPr lang="fr-FR" sz="2800" dirty="0">
+              <a:latin typeface="Courier New" panose="02070309020205020404" pitchFamily="49" charset="0"/>
+              <a:cs typeface="Courier New" panose="02070309020205020404" pitchFamily="49" charset="0"/>
+            </a:endParaRPr>
+          </a:p>
+          <a:p>
+            <a:r>
+              <a:rPr lang="en-US" sz="2800" dirty="0">
+                <a:latin typeface="Courier New" panose="02070309020205020404" pitchFamily="49" charset="0"/>
+                <a:cs typeface="Courier New" panose="02070309020205020404" pitchFamily="49" charset="0"/>
+              </a:rPr>
+              <a:t>&gt;&gt;&gt; </a:t>
+            </a:r>
+            <a:r>
+              <a:rPr lang="en-US" sz="2800" dirty="0" smtClean="0">
+                <a:latin typeface="Courier New" panose="02070309020205020404" pitchFamily="49" charset="0"/>
+                <a:cs typeface="Courier New" panose="02070309020205020404" pitchFamily="49" charset="0"/>
+              </a:rPr>
+              <a:t>type(C)</a:t>
+            </a:r>
+            <a:endParaRPr lang="en-US" sz="2800" dirty="0">
+              <a:latin typeface="Courier New" panose="02070309020205020404" pitchFamily="49" charset="0"/>
+              <a:cs typeface="Courier New" panose="02070309020205020404" pitchFamily="49" charset="0"/>
+            </a:endParaRPr>
+          </a:p>
+          <a:p>
+            <a:r>
+              <a:rPr lang="en-US" sz="2800" dirty="0" smtClean="0">
+                <a:solidFill>
+                  <a:srgbClr val="00B050"/>
+                </a:solidFill>
+                <a:latin typeface="Courier New" panose="02070309020205020404" pitchFamily="49" charset="0"/>
+                <a:cs typeface="Courier New" panose="02070309020205020404" pitchFamily="49" charset="0"/>
+              </a:rPr>
+              <a:t>type</a:t>
+            </a:r>
+            <a:endParaRPr lang="en-US" sz="2800" dirty="0">
+              <a:latin typeface="Courier New" panose="02070309020205020404" pitchFamily="49" charset="0"/>
+              <a:cs typeface="Courier New" panose="02070309020205020404" pitchFamily="49" charset="0"/>
+            </a:endParaRPr>
+          </a:p>
+          <a:p>
+            <a:r>
+              <a:rPr lang="en-US" sz="2800" dirty="0" smtClean="0">
+                <a:latin typeface="Courier New" panose="02070309020205020404" pitchFamily="49" charset="0"/>
+                <a:cs typeface="Courier New" panose="02070309020205020404" pitchFamily="49" charset="0"/>
+              </a:rPr>
+              <a:t>&gt;&gt;&gt; </a:t>
+            </a:r>
+            <a:r>
+              <a:rPr lang="en-US" sz="2800" dirty="0">
+                <a:latin typeface="Courier New" panose="02070309020205020404" pitchFamily="49" charset="0"/>
+                <a:cs typeface="Courier New" panose="02070309020205020404" pitchFamily="49" charset="0"/>
+              </a:rPr>
+              <a:t>type(D)</a:t>
+            </a:r>
+          </a:p>
+          <a:p>
+            <a:r>
+              <a:rPr lang="en-US" sz="2800" dirty="0" smtClean="0">
+                <a:solidFill>
+                  <a:srgbClr val="00B050"/>
+                </a:solidFill>
+                <a:latin typeface="Courier New" panose="02070309020205020404" pitchFamily="49" charset="0"/>
+                <a:cs typeface="Courier New" panose="02070309020205020404" pitchFamily="49" charset="0"/>
+              </a:rPr>
+              <a:t>type</a:t>
+            </a:r>
+            <a:endParaRPr lang="en-US" sz="2800" dirty="0" smtClean="0">
+              <a:latin typeface="Courier New" panose="02070309020205020404" pitchFamily="49" charset="0"/>
               <a:cs typeface="Courier New" panose="02070309020205020404" pitchFamily="49" charset="0"/>
             </a:endParaRPr>
           </a:p>
@@ -8165,7 +8584,7 @@
     </p:spTree>
     <p:extLst>
       <p:ext uri="{BB962C8B-B14F-4D97-AF65-F5344CB8AC3E}">
-        <p14:creationId xmlns:p14="http://schemas.microsoft.com/office/powerpoint/2010/main" val="3313412852"/>
+        <p14:creationId xmlns:p14="http://schemas.microsoft.com/office/powerpoint/2010/main" val="3196573129"/>
       </p:ext>
     </p:extLst>
   </p:cSld>
@@ -8193,7 +8612,7 @@
                             </p:stCondLst>
                             <p:childTnLst>
                               <p:par>
-                                <p:cTn id="5" presetID="1" presetClass="entr" presetSubtype="0" fill="hold" nodeType="clickEffect">
+                                <p:cTn id="5" presetID="1" presetClass="entr" presetSubtype="0" fill="hold" grpId="0" nodeType="clickEffect">
                                   <p:stCondLst>
                                     <p:cond delay="0"/>
                                   </p:stCondLst>
@@ -8206,9 +8625,374 @@
                                           </p:stCondLst>
                                         </p:cTn>
                                         <p:tgtEl>
-                                          <p:spTgt spid="5">
+                                          <p:spTgt spid="7"/>
+                                        </p:tgtEl>
+                                        <p:attrNameLst>
+                                          <p:attrName>style.visibility</p:attrName>
+                                        </p:attrNameLst>
+                                      </p:cBhvr>
+                                      <p:to>
+                                        <p:strVal val="visible"/>
+                                      </p:to>
+                                    </p:set>
+                                  </p:childTnLst>
+                                </p:cTn>
+                              </p:par>
+                            </p:childTnLst>
+                          </p:cTn>
+                        </p:par>
+                      </p:childTnLst>
+                    </p:cTn>
+                  </p:par>
+                  <p:par>
+                    <p:cTn id="7" fill="hold">
+                      <p:stCondLst>
+                        <p:cond delay="indefinite"/>
+                      </p:stCondLst>
+                      <p:childTnLst>
+                        <p:par>
+                          <p:cTn id="8" fill="hold">
+                            <p:stCondLst>
+                              <p:cond delay="0"/>
+                            </p:stCondLst>
+                            <p:childTnLst>
+                              <p:par>
+                                <p:cTn id="9" presetID="1" presetClass="entr" presetSubtype="0" fill="hold" nodeType="clickEffect">
+                                  <p:stCondLst>
+                                    <p:cond delay="0"/>
+                                  </p:stCondLst>
+                                  <p:childTnLst>
+                                    <p:set>
+                                      <p:cBhvr>
+                                        <p:cTn id="10" dur="1" fill="hold">
+                                          <p:stCondLst>
+                                            <p:cond delay="0"/>
+                                          </p:stCondLst>
+                                        </p:cTn>
+                                        <p:tgtEl>
+                                          <p:spTgt spid="18">
+                                            <p:txEl>
+                                              <p:pRg st="0" end="0"/>
+                                            </p:txEl>
+                                          </p:spTgt>
+                                        </p:tgtEl>
+                                        <p:attrNameLst>
+                                          <p:attrName>style.visibility</p:attrName>
+                                        </p:attrNameLst>
+                                      </p:cBhvr>
+                                      <p:to>
+                                        <p:strVal val="visible"/>
+                                      </p:to>
+                                    </p:set>
+                                  </p:childTnLst>
+                                </p:cTn>
+                              </p:par>
+                              <p:par>
+                                <p:cTn id="11" presetID="1" presetClass="entr" presetSubtype="0" fill="hold" nodeType="withEffect">
+                                  <p:stCondLst>
+                                    <p:cond delay="0"/>
+                                  </p:stCondLst>
+                                  <p:childTnLst>
+                                    <p:set>
+                                      <p:cBhvr>
+                                        <p:cTn id="12" dur="1" fill="hold">
+                                          <p:stCondLst>
+                                            <p:cond delay="0"/>
+                                          </p:stCondLst>
+                                        </p:cTn>
+                                        <p:tgtEl>
+                                          <p:spTgt spid="18">
                                             <p:txEl>
                                               <p:pRg st="1" end="1"/>
+                                            </p:txEl>
+                                          </p:spTgt>
+                                        </p:tgtEl>
+                                        <p:attrNameLst>
+                                          <p:attrName>style.visibility</p:attrName>
+                                        </p:attrNameLst>
+                                      </p:cBhvr>
+                                      <p:to>
+                                        <p:strVal val="visible"/>
+                                      </p:to>
+                                    </p:set>
+                                  </p:childTnLst>
+                                </p:cTn>
+                              </p:par>
+                            </p:childTnLst>
+                          </p:cTn>
+                        </p:par>
+                      </p:childTnLst>
+                    </p:cTn>
+                  </p:par>
+                  <p:par>
+                    <p:cTn id="13" fill="hold">
+                      <p:stCondLst>
+                        <p:cond delay="indefinite"/>
+                      </p:stCondLst>
+                      <p:childTnLst>
+                        <p:par>
+                          <p:cTn id="14" fill="hold">
+                            <p:stCondLst>
+                              <p:cond delay="0"/>
+                            </p:stCondLst>
+                            <p:childTnLst>
+                              <p:par>
+                                <p:cTn id="15" presetID="1" presetClass="entr" presetSubtype="0" fill="hold" nodeType="clickEffect">
+                                  <p:stCondLst>
+                                    <p:cond delay="0"/>
+                                  </p:stCondLst>
+                                  <p:childTnLst>
+                                    <p:set>
+                                      <p:cBhvr>
+                                        <p:cTn id="16" dur="1" fill="hold">
+                                          <p:stCondLst>
+                                            <p:cond delay="0"/>
+                                          </p:stCondLst>
+                                        </p:cTn>
+                                        <p:tgtEl>
+                                          <p:spTgt spid="18">
+                                            <p:txEl>
+                                              <p:pRg st="2" end="2"/>
+                                            </p:txEl>
+                                          </p:spTgt>
+                                        </p:tgtEl>
+                                        <p:attrNameLst>
+                                          <p:attrName>style.visibility</p:attrName>
+                                        </p:attrNameLst>
+                                      </p:cBhvr>
+                                      <p:to>
+                                        <p:strVal val="visible"/>
+                                      </p:to>
+                                    </p:set>
+                                  </p:childTnLst>
+                                </p:cTn>
+                              </p:par>
+                            </p:childTnLst>
+                          </p:cTn>
+                        </p:par>
+                      </p:childTnLst>
+                    </p:cTn>
+                  </p:par>
+                  <p:par>
+                    <p:cTn id="17" fill="hold">
+                      <p:stCondLst>
+                        <p:cond delay="indefinite"/>
+                      </p:stCondLst>
+                      <p:childTnLst>
+                        <p:par>
+                          <p:cTn id="18" fill="hold">
+                            <p:stCondLst>
+                              <p:cond delay="0"/>
+                            </p:stCondLst>
+                            <p:childTnLst>
+                              <p:par>
+                                <p:cTn id="19" presetID="1" presetClass="entr" presetSubtype="0" fill="hold" nodeType="clickEffect">
+                                  <p:stCondLst>
+                                    <p:cond delay="0"/>
+                                  </p:stCondLst>
+                                  <p:childTnLst>
+                                    <p:set>
+                                      <p:cBhvr>
+                                        <p:cTn id="20" dur="1" fill="hold">
+                                          <p:stCondLst>
+                                            <p:cond delay="0"/>
+                                          </p:stCondLst>
+                                        </p:cTn>
+                                        <p:tgtEl>
+                                          <p:spTgt spid="18">
+                                            <p:txEl>
+                                              <p:pRg st="3" end="3"/>
+                                            </p:txEl>
+                                          </p:spTgt>
+                                        </p:tgtEl>
+                                        <p:attrNameLst>
+                                          <p:attrName>style.visibility</p:attrName>
+                                        </p:attrNameLst>
+                                      </p:cBhvr>
+                                      <p:to>
+                                        <p:strVal val="visible"/>
+                                      </p:to>
+                                    </p:set>
+                                  </p:childTnLst>
+                                </p:cTn>
+                              </p:par>
+                              <p:par>
+                                <p:cTn id="21" presetID="1" presetClass="entr" presetSubtype="0" fill="hold" nodeType="withEffect">
+                                  <p:stCondLst>
+                                    <p:cond delay="0"/>
+                                  </p:stCondLst>
+                                  <p:childTnLst>
+                                    <p:set>
+                                      <p:cBhvr>
+                                        <p:cTn id="22" dur="1" fill="hold">
+                                          <p:stCondLst>
+                                            <p:cond delay="0"/>
+                                          </p:stCondLst>
+                                        </p:cTn>
+                                        <p:tgtEl>
+                                          <p:spTgt spid="18">
+                                            <p:txEl>
+                                              <p:pRg st="4" end="4"/>
+                                            </p:txEl>
+                                          </p:spTgt>
+                                        </p:tgtEl>
+                                        <p:attrNameLst>
+                                          <p:attrName>style.visibility</p:attrName>
+                                        </p:attrNameLst>
+                                      </p:cBhvr>
+                                      <p:to>
+                                        <p:strVal val="visible"/>
+                                      </p:to>
+                                    </p:set>
+                                  </p:childTnLst>
+                                </p:cTn>
+                              </p:par>
+                            </p:childTnLst>
+                          </p:cTn>
+                        </p:par>
+                      </p:childTnLst>
+                    </p:cTn>
+                  </p:par>
+                  <p:par>
+                    <p:cTn id="23" fill="hold">
+                      <p:stCondLst>
+                        <p:cond delay="indefinite"/>
+                      </p:stCondLst>
+                      <p:childTnLst>
+                        <p:par>
+                          <p:cTn id="24" fill="hold">
+                            <p:stCondLst>
+                              <p:cond delay="0"/>
+                            </p:stCondLst>
+                            <p:childTnLst>
+                              <p:par>
+                                <p:cTn id="25" presetID="1" presetClass="entr" presetSubtype="0" fill="hold" nodeType="clickEffect">
+                                  <p:stCondLst>
+                                    <p:cond delay="0"/>
+                                  </p:stCondLst>
+                                  <p:childTnLst>
+                                    <p:set>
+                                      <p:cBhvr>
+                                        <p:cTn id="26" dur="1" fill="hold">
+                                          <p:stCondLst>
+                                            <p:cond delay="0"/>
+                                          </p:stCondLst>
+                                        </p:cTn>
+                                        <p:tgtEl>
+                                          <p:spTgt spid="18">
+                                            <p:txEl>
+                                              <p:pRg st="5" end="5"/>
+                                            </p:txEl>
+                                          </p:spTgt>
+                                        </p:tgtEl>
+                                        <p:attrNameLst>
+                                          <p:attrName>style.visibility</p:attrName>
+                                        </p:attrNameLst>
+                                      </p:cBhvr>
+                                      <p:to>
+                                        <p:strVal val="visible"/>
+                                      </p:to>
+                                    </p:set>
+                                  </p:childTnLst>
+                                </p:cTn>
+                              </p:par>
+                              <p:par>
+                                <p:cTn id="27" presetID="1" presetClass="entr" presetSubtype="0" fill="hold" nodeType="withEffect">
+                                  <p:stCondLst>
+                                    <p:cond delay="0"/>
+                                  </p:stCondLst>
+                                  <p:childTnLst>
+                                    <p:set>
+                                      <p:cBhvr>
+                                        <p:cTn id="28" dur="1" fill="hold">
+                                          <p:stCondLst>
+                                            <p:cond delay="0"/>
+                                          </p:stCondLst>
+                                        </p:cTn>
+                                        <p:tgtEl>
+                                          <p:spTgt spid="18">
+                                            <p:txEl>
+                                              <p:pRg st="6" end="6"/>
+                                            </p:txEl>
+                                          </p:spTgt>
+                                        </p:tgtEl>
+                                        <p:attrNameLst>
+                                          <p:attrName>style.visibility</p:attrName>
+                                        </p:attrNameLst>
+                                      </p:cBhvr>
+                                      <p:to>
+                                        <p:strVal val="visible"/>
+                                      </p:to>
+                                    </p:set>
+                                  </p:childTnLst>
+                                </p:cTn>
+                              </p:par>
+                            </p:childTnLst>
+                          </p:cTn>
+                        </p:par>
+                      </p:childTnLst>
+                    </p:cTn>
+                  </p:par>
+                  <p:par>
+                    <p:cTn id="29" fill="hold">
+                      <p:stCondLst>
+                        <p:cond delay="indefinite"/>
+                      </p:stCondLst>
+                      <p:childTnLst>
+                        <p:par>
+                          <p:cTn id="30" fill="hold">
+                            <p:stCondLst>
+                              <p:cond delay="0"/>
+                            </p:stCondLst>
+                            <p:childTnLst>
+                              <p:par>
+                                <p:cTn id="31" presetID="1" presetClass="entr" presetSubtype="0" fill="hold" nodeType="clickEffect">
+                                  <p:stCondLst>
+                                    <p:cond delay="0"/>
+                                  </p:stCondLst>
+                                  <p:childTnLst>
+                                    <p:set>
+                                      <p:cBhvr>
+                                        <p:cTn id="32" dur="1" fill="hold">
+                                          <p:stCondLst>
+                                            <p:cond delay="0"/>
+                                          </p:stCondLst>
+                                        </p:cTn>
+                                        <p:tgtEl>
+                                          <p:spTgt spid="18">
+                                            <p:txEl>
+                                              <p:pRg st="7" end="7"/>
+                                            </p:txEl>
+                                          </p:spTgt>
+                                        </p:tgtEl>
+                                        <p:attrNameLst>
+                                          <p:attrName>style.visibility</p:attrName>
+                                        </p:attrNameLst>
+                                      </p:cBhvr>
+                                      <p:to>
+                                        <p:strVal val="visible"/>
+                                      </p:to>
+                                    </p:set>
+                                  </p:childTnLst>
+                                </p:cTn>
+                              </p:par>
+                              <p:par>
+                                <p:cTn id="33" presetID="1" presetClass="entr" presetSubtype="0" fill="hold" nodeType="withEffect">
+                                  <p:stCondLst>
+                                    <p:cond delay="0"/>
+                                  </p:stCondLst>
+                                  <p:childTnLst>
+                                    <p:set>
+                                      <p:cBhvr>
+                                        <p:cTn id="34" dur="1" fill="hold">
+                                          <p:stCondLst>
+                                            <p:cond delay="0"/>
+                                          </p:stCondLst>
+                                        </p:cTn>
+                                        <p:tgtEl>
+                                          <p:spTgt spid="18">
+                                            <p:txEl>
+                                              <p:pRg st="8" end="8"/>
                                             </p:txEl>
                                           </p:spTgt>
                                         </p:tgtEl>
@@ -8250,6 +9034,9 @@
         </p:cTn>
       </p:par>
     </p:tnLst>
+    <p:bldLst>
+      <p:bldP spid="7" grpId="0"/>
+    </p:bldLst>
   </p:timing>
 </p:sld>
 </file>
@@ -8279,370 +9066,6 @@
         </p:nvSpPr>
         <p:spPr>
           <a:xfrm>
-            <a:off x="401443" y="689145"/>
-            <a:ext cx="11790557" cy="3600986"/>
-          </a:xfrm>
-          <a:prstGeom prst="rect">
-            <a:avLst/>
-          </a:prstGeom>
-          <a:noFill/>
-        </p:spPr>
-        <p:txBody>
-          <a:bodyPr wrap="square" rtlCol="0">
-            <a:spAutoFit/>
-          </a:bodyPr>
-          <a:lstStyle/>
-          <a:p>
-            <a:pPr marL="857250" indent="-857250">
-              <a:buFont typeface="Arial" panose="020B0604020202020204" pitchFamily="34" charset="0"/>
-              <a:buChar char="•"/>
-            </a:pPr>
-            <a:r>
-              <a:rPr lang="fr-FR" sz="6000" dirty="0" smtClean="0">
-                <a:latin typeface="Calibri" panose="020F0502020204030204" pitchFamily="34" charset="0"/>
-                <a:cs typeface="Courier New" panose="02070309020205020404" pitchFamily="49" charset="0"/>
-              </a:rPr>
-              <a:t>On appelle </a:t>
-            </a:r>
-            <a:r>
-              <a:rPr lang="fr-FR" sz="6000" i="1" dirty="0" smtClean="0">
-                <a:latin typeface="Calibri" panose="020F0502020204030204" pitchFamily="34" charset="0"/>
-                <a:cs typeface="Courier New" panose="02070309020205020404" pitchFamily="49" charset="0"/>
-              </a:rPr>
-              <a:t>instance</a:t>
-            </a:r>
-            <a:r>
-              <a:rPr lang="fr-FR" sz="6000" dirty="0" smtClean="0">
-                <a:latin typeface="Calibri" panose="020F0502020204030204" pitchFamily="34" charset="0"/>
-                <a:cs typeface="Courier New" panose="02070309020205020404" pitchFamily="49" charset="0"/>
-              </a:rPr>
-              <a:t> une instance d’une classe</a:t>
-            </a:r>
-          </a:p>
-          <a:p>
-            <a:pPr marL="1314450" lvl="1" indent="-857250">
-              <a:buFont typeface="Arial" panose="020B0604020202020204" pitchFamily="34" charset="0"/>
-              <a:buChar char="•"/>
-            </a:pPr>
-            <a:r>
-              <a:rPr lang="fr-FR" sz="5400" dirty="0" smtClean="0">
-                <a:latin typeface="Calibri" panose="020F0502020204030204" pitchFamily="34" charset="0"/>
-                <a:cs typeface="Courier New" panose="02070309020205020404" pitchFamily="49" charset="0"/>
-              </a:rPr>
-              <a:t>Une instance n’a pas pour type l’objet </a:t>
-            </a:r>
-            <a:r>
-              <a:rPr lang="fr-FR" sz="5400" dirty="0" smtClean="0">
-                <a:solidFill>
-                  <a:srgbClr val="00B050"/>
-                </a:solidFill>
-                <a:latin typeface="Courier New" panose="02070309020205020404" pitchFamily="49" charset="0"/>
-                <a:cs typeface="Courier New" panose="02070309020205020404" pitchFamily="49" charset="0"/>
-              </a:rPr>
-              <a:t>type</a:t>
-            </a:r>
-            <a:r>
-              <a:rPr lang="fr-FR" sz="5400" dirty="0" smtClean="0">
-                <a:latin typeface="Calibri" panose="020F0502020204030204" pitchFamily="34" charset="0"/>
-                <a:cs typeface="Courier New" panose="02070309020205020404" pitchFamily="49" charset="0"/>
-              </a:rPr>
-              <a:t>, mais l’objet classe</a:t>
-            </a:r>
-          </a:p>
-        </p:txBody>
-      </p:sp>
-    </p:spTree>
-    <p:extLst>
-      <p:ext uri="{BB962C8B-B14F-4D97-AF65-F5344CB8AC3E}">
-        <p14:creationId xmlns:p14="http://schemas.microsoft.com/office/powerpoint/2010/main" val="808501172"/>
-      </p:ext>
-    </p:extLst>
-  </p:cSld>
-  <p:clrMapOvr>
-    <a:masterClrMapping/>
-  </p:clrMapOvr>
-  <p:timing>
-    <p:tnLst>
-      <p:par>
-        <p:cTn id="1" dur="indefinite" restart="never" nodeType="tmRoot">
-          <p:childTnLst>
-            <p:seq concurrent="1" nextAc="seek">
-              <p:cTn id="2" dur="indefinite" nodeType="mainSeq">
-                <p:childTnLst>
-                  <p:par>
-                    <p:cTn id="3" fill="hold">
-                      <p:stCondLst>
-                        <p:cond delay="indefinite"/>
-                      </p:stCondLst>
-                      <p:childTnLst>
-                        <p:par>
-                          <p:cTn id="4" fill="hold">
-                            <p:stCondLst>
-                              <p:cond delay="0"/>
-                            </p:stCondLst>
-                            <p:childTnLst>
-                              <p:par>
-                                <p:cTn id="5" presetID="1" presetClass="entr" presetSubtype="0" fill="hold" nodeType="clickEffect">
-                                  <p:stCondLst>
-                                    <p:cond delay="0"/>
-                                  </p:stCondLst>
-                                  <p:childTnLst>
-                                    <p:set>
-                                      <p:cBhvr>
-                                        <p:cTn id="6" dur="1" fill="hold">
-                                          <p:stCondLst>
-                                            <p:cond delay="0"/>
-                                          </p:stCondLst>
-                                        </p:cTn>
-                                        <p:tgtEl>
-                                          <p:spTgt spid="5">
-                                            <p:txEl>
-                                              <p:pRg st="1" end="1"/>
-                                            </p:txEl>
-                                          </p:spTgt>
-                                        </p:tgtEl>
-                                        <p:attrNameLst>
-                                          <p:attrName>style.visibility</p:attrName>
-                                        </p:attrNameLst>
-                                      </p:cBhvr>
-                                      <p:to>
-                                        <p:strVal val="visible"/>
-                                      </p:to>
-                                    </p:set>
-                                  </p:childTnLst>
-                                </p:cTn>
-                              </p:par>
-                            </p:childTnLst>
-                          </p:cTn>
-                        </p:par>
-                      </p:childTnLst>
-                    </p:cTn>
-                  </p:par>
-                </p:childTnLst>
-              </p:cTn>
-              <p:prevCondLst>
-                <p:cond evt="onPrev" delay="0">
-                  <p:tgtEl>
-                    <p:sldTgt/>
-                  </p:tgtEl>
-                </p:cond>
-              </p:prevCondLst>
-              <p:nextCondLst>
-                <p:cond evt="onNext" delay="0">
-                  <p:tgtEl>
-                    <p:sldTgt/>
-                  </p:tgtEl>
-                </p:cond>
-              </p:nextCondLst>
-            </p:seq>
-          </p:childTnLst>
-        </p:cTn>
-      </p:par>
-    </p:tnLst>
-  </p:timing>
-</p:sld>
-</file>
-
-<file path=ppt/slides/slide13.xml><?xml version="1.0" encoding="utf-8"?>
-<p:sld xmlns:a="http://schemas.openxmlformats.org/drawingml/2006/main" xmlns:r="http://schemas.openxmlformats.org/officeDocument/2006/relationships" xmlns:p="http://schemas.openxmlformats.org/presentationml/2006/main">
-  <p:cSld>
-    <p:spTree>
-      <p:nvGrpSpPr>
-        <p:cNvPr id="1" name=""/>
-        <p:cNvGrpSpPr/>
-        <p:nvPr/>
-      </p:nvGrpSpPr>
-      <p:grpSpPr>
-        <a:xfrm>
-          <a:off x="0" y="0"/>
-          <a:ext cx="0" cy="0"/>
-          <a:chOff x="0" y="0"/>
-          <a:chExt cx="0" cy="0"/>
-        </a:xfrm>
-      </p:grpSpPr>
-      <p:sp>
-        <p:nvSpPr>
-          <p:cNvPr id="5" name="ZoneTexte 4"/>
-          <p:cNvSpPr txBox="1"/>
-          <p:nvPr/>
-        </p:nvSpPr>
-        <p:spPr>
-          <a:xfrm>
-            <a:off x="401443" y="780585"/>
-            <a:ext cx="11790557" cy="3785652"/>
-          </a:xfrm>
-          <a:prstGeom prst="rect">
-            <a:avLst/>
-          </a:prstGeom>
-          <a:noFill/>
-        </p:spPr>
-        <p:txBody>
-          <a:bodyPr wrap="square" rtlCol="0">
-            <a:spAutoFit/>
-          </a:bodyPr>
-          <a:lstStyle/>
-          <a:p>
-            <a:pPr marL="857250" indent="-857250">
-              <a:buFont typeface="Arial" panose="020B0604020202020204" pitchFamily="34" charset="0"/>
-              <a:buChar char="•"/>
-            </a:pPr>
-            <a:r>
-              <a:rPr lang="fr-FR" sz="6000" dirty="0" smtClean="0">
-                <a:latin typeface="Calibri" panose="020F0502020204030204" pitchFamily="34" charset="0"/>
-                <a:cs typeface="Courier New" panose="02070309020205020404" pitchFamily="49" charset="0"/>
-              </a:rPr>
-              <a:t>Les </a:t>
-            </a:r>
-            <a:r>
-              <a:rPr lang="fr-FR" sz="6000" dirty="0">
-                <a:latin typeface="Calibri" panose="020F0502020204030204" pitchFamily="34" charset="0"/>
-                <a:cs typeface="Courier New" panose="02070309020205020404" pitchFamily="49" charset="0"/>
-              </a:rPr>
-              <a:t>classes peuvent avoir des sous-classes, pas les instances</a:t>
-            </a:r>
-            <a:endParaRPr lang="fr-FR" sz="6000" dirty="0">
-              <a:latin typeface="Calibri" panose="020F0502020204030204" pitchFamily="34" charset="0"/>
-            </a:endParaRPr>
-          </a:p>
-          <a:p>
-            <a:pPr marL="857250" indent="-857250">
-              <a:buFont typeface="Arial" panose="020B0604020202020204" pitchFamily="34" charset="0"/>
-              <a:buChar char="•"/>
-            </a:pPr>
-            <a:r>
-              <a:rPr lang="fr-FR" sz="6000" dirty="0" smtClean="0">
-                <a:latin typeface="Calibri" panose="020F0502020204030204" pitchFamily="34" charset="0"/>
-                <a:cs typeface="Courier New" panose="02070309020205020404" pitchFamily="49" charset="0"/>
-              </a:rPr>
-              <a:t>Les classes peuvent avoir des instances, pas les instances</a:t>
-            </a:r>
-            <a:endParaRPr lang="fr-FR" sz="6000" dirty="0" smtClean="0">
-              <a:solidFill>
-                <a:srgbClr val="FF0000"/>
-              </a:solidFill>
-              <a:latin typeface="Courier New" panose="02070309020205020404" pitchFamily="49" charset="0"/>
-              <a:cs typeface="Courier New" panose="02070309020205020404" pitchFamily="49" charset="0"/>
-            </a:endParaRPr>
-          </a:p>
-        </p:txBody>
-      </p:sp>
-    </p:spTree>
-    <p:extLst>
-      <p:ext uri="{BB962C8B-B14F-4D97-AF65-F5344CB8AC3E}">
-        <p14:creationId xmlns:p14="http://schemas.microsoft.com/office/powerpoint/2010/main" val="2766108600"/>
-      </p:ext>
-    </p:extLst>
-  </p:cSld>
-  <p:clrMapOvr>
-    <a:masterClrMapping/>
-  </p:clrMapOvr>
-  <p:timing>
-    <p:tnLst>
-      <p:par>
-        <p:cTn id="1" dur="indefinite" restart="never" nodeType="tmRoot">
-          <p:childTnLst>
-            <p:seq concurrent="1" nextAc="seek">
-              <p:cTn id="2" dur="indefinite" nodeType="mainSeq">
-                <p:childTnLst>
-                  <p:par>
-                    <p:cTn id="3" fill="hold">
-                      <p:stCondLst>
-                        <p:cond delay="indefinite"/>
-                      </p:stCondLst>
-                      <p:childTnLst>
-                        <p:par>
-                          <p:cTn id="4" fill="hold">
-                            <p:stCondLst>
-                              <p:cond delay="0"/>
-                            </p:stCondLst>
-                            <p:childTnLst>
-                              <p:par>
-                                <p:cTn id="5" presetID="1" presetClass="entr" presetSubtype="0" fill="hold" nodeType="clickEffect">
-                                  <p:stCondLst>
-                                    <p:cond delay="0"/>
-                                  </p:stCondLst>
-                                  <p:childTnLst>
-                                    <p:set>
-                                      <p:cBhvr>
-                                        <p:cTn id="6" dur="1" fill="hold">
-                                          <p:stCondLst>
-                                            <p:cond delay="0"/>
-                                          </p:stCondLst>
-                                        </p:cTn>
-                                        <p:tgtEl>
-                                          <p:spTgt spid="5">
-                                            <p:txEl>
-                                              <p:pRg st="1" end="1"/>
-                                            </p:txEl>
-                                          </p:spTgt>
-                                        </p:tgtEl>
-                                        <p:attrNameLst>
-                                          <p:attrName>style.visibility</p:attrName>
-                                        </p:attrNameLst>
-                                      </p:cBhvr>
-                                      <p:to>
-                                        <p:strVal val="visible"/>
-                                      </p:to>
-                                    </p:set>
-                                  </p:childTnLst>
-                                </p:cTn>
-                              </p:par>
-                            </p:childTnLst>
-                          </p:cTn>
-                        </p:par>
-                      </p:childTnLst>
-                    </p:cTn>
-                  </p:par>
-                </p:childTnLst>
-              </p:cTn>
-              <p:prevCondLst>
-                <p:cond evt="onPrev" delay="0">
-                  <p:tgtEl>
-                    <p:sldTgt/>
-                  </p:tgtEl>
-                </p:cond>
-              </p:prevCondLst>
-              <p:nextCondLst>
-                <p:cond evt="onNext" delay="0">
-                  <p:tgtEl>
-                    <p:sldTgt/>
-                  </p:tgtEl>
-                </p:cond>
-              </p:nextCondLst>
-            </p:seq>
-          </p:childTnLst>
-        </p:cTn>
-      </p:par>
-    </p:tnLst>
-  </p:timing>
-</p:sld>
-</file>
-
-<file path=ppt/slides/slide14.xml><?xml version="1.0" encoding="utf-8"?>
-<p:sld xmlns:a="http://schemas.openxmlformats.org/drawingml/2006/main" xmlns:r="http://schemas.openxmlformats.org/officeDocument/2006/relationships" xmlns:p="http://schemas.openxmlformats.org/presentationml/2006/main">
-  <p:cSld>
-    <p:spTree>
-      <p:nvGrpSpPr>
-        <p:cNvPr id="1" name=""/>
-        <p:cNvGrpSpPr/>
-        <p:nvPr/>
-      </p:nvGrpSpPr>
-      <p:grpSpPr>
-        <a:xfrm>
-          <a:off x="0" y="0"/>
-          <a:ext cx="0" cy="0"/>
-          <a:chOff x="0" y="0"/>
-          <a:chExt cx="0" cy="0"/>
-        </a:xfrm>
-      </p:grpSpPr>
-      <p:sp>
-        <p:nvSpPr>
-          <p:cNvPr id="5" name="ZoneTexte 4"/>
-          <p:cNvSpPr txBox="1"/>
-          <p:nvPr/>
-        </p:nvSpPr>
-        <p:spPr>
-          <a:xfrm>
             <a:off x="401444" y="780585"/>
             <a:ext cx="11508058" cy="1015663"/>
           </a:xfrm>
@@ -8742,7 +9165,7 @@
 </p:sld>
 </file>
 
-<file path=ppt/slides/slide15.xml><?xml version="1.0" encoding="utf-8"?>
+<file path=ppt/slides/slide13.xml><?xml version="1.0" encoding="utf-8"?>
 <p:sld xmlns:a="http://schemas.openxmlformats.org/drawingml/2006/main" xmlns:r="http://schemas.openxmlformats.org/officeDocument/2006/relationships" xmlns:p="http://schemas.openxmlformats.org/presentationml/2006/main">
   <p:cSld>
     <p:spTree>
@@ -9686,7 +10109,7 @@
 </p:sld>
 </file>
 
-<file path=ppt/slides/slide16.xml><?xml version="1.0" encoding="utf-8"?>
+<file path=ppt/slides/slide14.xml><?xml version="1.0" encoding="utf-8"?>
 <p:sld xmlns:a="http://schemas.openxmlformats.org/drawingml/2006/main" xmlns:r="http://schemas.openxmlformats.org/officeDocument/2006/relationships" xmlns:p="http://schemas.openxmlformats.org/presentationml/2006/main">
   <p:cSld>
     <p:spTree>
@@ -9711,8 +10134,8 @@
         </p:nvSpPr>
         <p:spPr>
           <a:xfrm>
-            <a:off x="4174065" y="4056554"/>
-            <a:ext cx="2031999" cy="769441"/>
+            <a:off x="4015365" y="4056553"/>
+            <a:ext cx="2349398" cy="769441"/>
           </a:xfrm>
           <a:prstGeom prst="rect">
             <a:avLst/>
@@ -9736,7 +10159,14 @@
                 <a:latin typeface="Calibri" panose="020F0502020204030204" pitchFamily="34" charset="0"/>
                 <a:cs typeface="Calibri" panose="020F0502020204030204" pitchFamily="34" charset="0"/>
               </a:rPr>
-              <a:t>class C</a:t>
+              <a:t>class </a:t>
+            </a:r>
+            <a:r>
+              <a:rPr lang="fr-FR" sz="4400" dirty="0" smtClean="0">
+                <a:latin typeface="Calibri" panose="020F0502020204030204" pitchFamily="34" charset="0"/>
+                <a:cs typeface="Calibri" panose="020F0502020204030204" pitchFamily="34" charset="0"/>
+              </a:rPr>
+              <a:t>C(B)</a:t>
             </a:r>
             <a:endParaRPr lang="fr-FR" sz="4400" dirty="0">
               <a:latin typeface="Calibri" panose="020F0502020204030204" pitchFamily="34" charset="0"/>
@@ -9931,8 +10361,8 @@
         </p:nvCxnSpPr>
         <p:spPr bwMode="auto">
           <a:xfrm flipV="1">
-            <a:off x="5190064" y="4825995"/>
-            <a:ext cx="1" cy="890025"/>
+            <a:off x="5190064" y="4825994"/>
+            <a:ext cx="0" cy="890026"/>
           </a:xfrm>
           <a:prstGeom prst="straightConnector1">
             <a:avLst/>
@@ -9959,7 +10389,7 @@
         <p:spPr bwMode="auto">
           <a:xfrm>
             <a:off x="1028292" y="1501698"/>
-            <a:ext cx="3120376" cy="2917902"/>
+            <a:ext cx="2986562" cy="2951356"/>
           </a:xfrm>
           <a:custGeom>
             <a:avLst/>
@@ -9988,6 +10418,12 @@
               <a:gd name="connsiteY1" fmla="*/ 2155902 h 2917902"/>
               <a:gd name="connsiteX2" fmla="*/ 29837 w 3120376"/>
               <a:gd name="connsiteY2" fmla="*/ 0 h 2917902"/>
+              <a:gd name="connsiteX0" fmla="*/ 2986562 w 2986562"/>
+              <a:gd name="connsiteY0" fmla="*/ 2951356 h 2951356"/>
+              <a:gd name="connsiteX1" fmla="*/ 546509 w 2986562"/>
+              <a:gd name="connsiteY1" fmla="*/ 2155902 h 2951356"/>
+              <a:gd name="connsiteX2" fmla="*/ 29837 w 2986562"/>
+              <a:gd name="connsiteY2" fmla="*/ 0 h 2951356"/>
             </a:gdLst>
             <a:ahLst/>
             <a:cxnLst>
@@ -10003,12 +10439,12 @@
             </a:cxnLst>
             <a:rect l="l" t="t" r="r" b="b"/>
             <a:pathLst>
-              <a:path w="3120376" h="2917902">
+              <a:path w="2986562" h="2951356">
                 <a:moveTo>
-                  <a:pt x="3120376" y="2917902"/>
+                  <a:pt x="2986562" y="2951356"/>
                 </a:moveTo>
                 <a:cubicBezTo>
-                  <a:pt x="2035231" y="2778202"/>
+                  <a:pt x="1901417" y="2811656"/>
                   <a:pt x="1061599" y="2642219"/>
                   <a:pt x="546509" y="2155902"/>
                 </a:cubicBezTo>
@@ -10235,8 +10671,8 @@
         </p:nvCxnSpPr>
         <p:spPr bwMode="auto">
           <a:xfrm flipV="1">
-            <a:off x="5190065" y="3166529"/>
-            <a:ext cx="0" cy="890025"/>
+            <a:off x="5190064" y="3166529"/>
+            <a:ext cx="1" cy="890024"/>
           </a:xfrm>
           <a:prstGeom prst="straightConnector1">
             <a:avLst/>
@@ -11043,7 +11479,7 @@
 </p:sld>
 </file>
 
-<file path=ppt/slides/slide17.xml><?xml version="1.0" encoding="utf-8"?>
+<file path=ppt/slides/slide15.xml><?xml version="1.0" encoding="utf-8"?>
 <p:sld xmlns:a="http://schemas.openxmlformats.org/drawingml/2006/main" xmlns:r="http://schemas.openxmlformats.org/officeDocument/2006/relationships" xmlns:p="http://schemas.openxmlformats.org/presentationml/2006/main">
   <p:cSld>
     <p:spTree>
@@ -11217,7 +11653,7 @@
 </p:sld>
 </file>
 
-<file path=ppt/slides/slide18.xml><?xml version="1.0" encoding="utf-8"?>
+<file path=ppt/slides/slide16.xml><?xml version="1.0" encoding="utf-8"?>
 <p:sld xmlns:a="http://schemas.openxmlformats.org/drawingml/2006/main" xmlns:r="http://schemas.openxmlformats.org/officeDocument/2006/relationships" xmlns:p="http://schemas.openxmlformats.org/presentationml/2006/main">
   <p:cSld>
     <p:spTree>
@@ -11455,7 +11891,7 @@
 </p:sld>
 </file>
 
-<file path=ppt/slides/slide19.xml><?xml version="1.0" encoding="utf-8"?>
+<file path=ppt/slides/slide17.xml><?xml version="1.0" encoding="utf-8"?>
 <p:sld xmlns:a="http://schemas.openxmlformats.org/drawingml/2006/main" xmlns:r="http://schemas.openxmlformats.org/officeDocument/2006/relationships" xmlns:p="http://schemas.openxmlformats.org/presentationml/2006/main">
   <p:cSld>
     <p:spTree>
@@ -11815,78 +12251,7 @@
 </p:sld>
 </file>
 
-<file path=ppt/slides/slide2.xml><?xml version="1.0" encoding="utf-8"?>
-<p:sld xmlns:a="http://schemas.openxmlformats.org/drawingml/2006/main" xmlns:r="http://schemas.openxmlformats.org/officeDocument/2006/relationships" xmlns:p="http://schemas.openxmlformats.org/presentationml/2006/main">
-  <p:cSld>
-    <p:spTree>
-      <p:nvGrpSpPr>
-        <p:cNvPr id="1" name=""/>
-        <p:cNvGrpSpPr/>
-        <p:nvPr/>
-      </p:nvGrpSpPr>
-      <p:grpSpPr>
-        <a:xfrm>
-          <a:off x="0" y="0"/>
-          <a:ext cx="0" cy="0"/>
-          <a:chOff x="0" y="0"/>
-          <a:chExt cx="0" cy="0"/>
-        </a:xfrm>
-      </p:grpSpPr>
-      <p:sp>
-        <p:nvSpPr>
-          <p:cNvPr id="5" name="ZoneTexte 4"/>
-          <p:cNvSpPr txBox="1"/>
-          <p:nvPr/>
-        </p:nvSpPr>
-        <p:spPr>
-          <a:xfrm>
-            <a:off x="401444" y="780585"/>
-            <a:ext cx="11106614" cy="1938992"/>
-          </a:xfrm>
-          <a:prstGeom prst="rect">
-            <a:avLst/>
-          </a:prstGeom>
-          <a:noFill/>
-        </p:spPr>
-        <p:txBody>
-          <a:bodyPr wrap="square" rtlCol="0">
-            <a:spAutoFit/>
-          </a:bodyPr>
-          <a:lstStyle/>
-          <a:p>
-            <a:r>
-              <a:rPr lang="fr-FR" sz="6000" dirty="0" smtClean="0">
-                <a:latin typeface="Calibri" panose="020F0502020204030204" pitchFamily="34" charset="0"/>
-              </a:rPr>
-              <a:t>Quelle est la super classe de toutes les classes ?</a:t>
-            </a:r>
-            <a:endParaRPr lang="fr-FR" sz="6000" dirty="0">
-              <a:latin typeface="Calibri" panose="020F0502020204030204" pitchFamily="34" charset="0"/>
-            </a:endParaRPr>
-          </a:p>
-        </p:txBody>
-      </p:sp>
-    </p:spTree>
-    <p:extLst>
-      <p:ext uri="{BB962C8B-B14F-4D97-AF65-F5344CB8AC3E}">
-        <p14:creationId xmlns:p14="http://schemas.microsoft.com/office/powerpoint/2010/main" val="2983994237"/>
-      </p:ext>
-    </p:extLst>
-  </p:cSld>
-  <p:clrMapOvr>
-    <a:masterClrMapping/>
-  </p:clrMapOvr>
-  <p:timing>
-    <p:tnLst>
-      <p:par>
-        <p:cTn id="1" dur="indefinite" restart="never" nodeType="tmRoot"/>
-      </p:par>
-    </p:tnLst>
-  </p:timing>
-</p:sld>
-</file>
-
-<file path=ppt/slides/slide20.xml><?xml version="1.0" encoding="utf-8"?>
+<file path=ppt/slides/slide18.xml><?xml version="1.0" encoding="utf-8"?>
 <p:sld xmlns:a="http://schemas.openxmlformats.org/drawingml/2006/main" xmlns:r="http://schemas.openxmlformats.org/officeDocument/2006/relationships" xmlns:p="http://schemas.openxmlformats.org/presentationml/2006/main">
   <p:cSld>
     <p:spTree>
@@ -11973,7 +12338,7 @@
 </p:sld>
 </file>
 
-<file path=ppt/slides/slide21.xml><?xml version="1.0" encoding="utf-8"?>
+<file path=ppt/slides/slide19.xml><?xml version="1.0" encoding="utf-8"?>
 <p:sld xmlns:a="http://schemas.openxmlformats.org/drawingml/2006/main" xmlns:r="http://schemas.openxmlformats.org/officeDocument/2006/relationships" xmlns:p="http://schemas.openxmlformats.org/presentationml/2006/main">
   <p:cSld>
     <p:spTree>
@@ -13052,7 +13417,388 @@
 </p:sld>
 </file>
 
-<file path=ppt/slides/slide22.xml><?xml version="1.0" encoding="utf-8"?>
+<file path=ppt/slides/slide2.xml><?xml version="1.0" encoding="utf-8"?>
+<p:sld xmlns:a="http://schemas.openxmlformats.org/drawingml/2006/main" xmlns:r="http://schemas.openxmlformats.org/officeDocument/2006/relationships" xmlns:p="http://schemas.openxmlformats.org/presentationml/2006/main">
+  <p:cSld>
+    <p:spTree>
+      <p:nvGrpSpPr>
+        <p:cNvPr id="1" name=""/>
+        <p:cNvGrpSpPr/>
+        <p:nvPr/>
+      </p:nvGrpSpPr>
+      <p:grpSpPr>
+        <a:xfrm>
+          <a:off x="0" y="0"/>
+          <a:ext cx="0" cy="0"/>
+          <a:chOff x="0" y="0"/>
+          <a:chExt cx="0" cy="0"/>
+        </a:xfrm>
+      </p:grpSpPr>
+      <p:sp>
+        <p:nvSpPr>
+          <p:cNvPr id="4" name="ZoneTexte 3"/>
+          <p:cNvSpPr txBox="1"/>
+          <p:nvPr/>
+        </p:nvSpPr>
+        <p:spPr>
+          <a:xfrm>
+            <a:off x="389468" y="711200"/>
+            <a:ext cx="10430932" cy="1015663"/>
+          </a:xfrm>
+          <a:prstGeom prst="rect">
+            <a:avLst/>
+          </a:prstGeom>
+          <a:noFill/>
+        </p:spPr>
+        <p:txBody>
+          <a:bodyPr wrap="square" rtlCol="0">
+            <a:spAutoFit/>
+          </a:bodyPr>
+          <a:lstStyle/>
+          <a:p>
+            <a:r>
+              <a:rPr lang="fr-FR" sz="6000" dirty="0" smtClean="0">
+                <a:latin typeface="Calibri" panose="020F0502020204030204" pitchFamily="34" charset="0"/>
+              </a:rPr>
+              <a:t>Tout est un objet en Python</a:t>
+            </a:r>
+            <a:endParaRPr lang="fr-FR" sz="6000" dirty="0">
+              <a:latin typeface="Calibri" panose="020F0502020204030204" pitchFamily="34" charset="0"/>
+            </a:endParaRPr>
+          </a:p>
+        </p:txBody>
+      </p:sp>
+      <p:sp>
+        <p:nvSpPr>
+          <p:cNvPr id="5" name="ZoneTexte 4"/>
+          <p:cNvSpPr txBox="1"/>
+          <p:nvPr/>
+        </p:nvSpPr>
+        <p:spPr>
+          <a:xfrm>
+            <a:off x="389468" y="1896534"/>
+            <a:ext cx="10430932" cy="5355312"/>
+          </a:xfrm>
+          <a:prstGeom prst="rect">
+            <a:avLst/>
+          </a:prstGeom>
+          <a:noFill/>
+        </p:spPr>
+        <p:txBody>
+          <a:bodyPr wrap="square" rtlCol="0">
+            <a:spAutoFit/>
+          </a:bodyPr>
+          <a:lstStyle/>
+          <a:p>
+            <a:r>
+              <a:rPr lang="fr-FR" sz="6000" dirty="0" smtClean="0">
+                <a:latin typeface="Calibri" panose="020F0502020204030204" pitchFamily="34" charset="0"/>
+              </a:rPr>
+              <a:t>Mais tous les objets n’ont pas les mêmes propriétés</a:t>
+            </a:r>
+          </a:p>
+          <a:p>
+            <a:pPr marL="1314450" lvl="1" indent="-857250">
+              <a:buFont typeface="Arial" panose="020B0604020202020204" pitchFamily="34" charset="0"/>
+              <a:buChar char="•"/>
+            </a:pPr>
+            <a:r>
+              <a:rPr lang="fr-FR" sz="5400" dirty="0" err="1" smtClean="0">
+                <a:latin typeface="Calibri" panose="020F0502020204030204" pitchFamily="34" charset="0"/>
+              </a:rPr>
+              <a:t>Métaclasses</a:t>
+            </a:r>
+            <a:endParaRPr lang="fr-FR" sz="5400" dirty="0" smtClean="0">
+              <a:latin typeface="Calibri" panose="020F0502020204030204" pitchFamily="34" charset="0"/>
+            </a:endParaRPr>
+          </a:p>
+          <a:p>
+            <a:pPr marL="1314450" lvl="1" indent="-857250">
+              <a:buFont typeface="Arial" panose="020B0604020202020204" pitchFamily="34" charset="0"/>
+              <a:buChar char="•"/>
+            </a:pPr>
+            <a:r>
+              <a:rPr lang="fr-FR" sz="5400" dirty="0" smtClean="0">
+                <a:latin typeface="Calibri" panose="020F0502020204030204" pitchFamily="34" charset="0"/>
+              </a:rPr>
+              <a:t>Classes</a:t>
+            </a:r>
+          </a:p>
+          <a:p>
+            <a:pPr marL="1314450" lvl="1" indent="-857250">
+              <a:buFont typeface="Arial" panose="020B0604020202020204" pitchFamily="34" charset="0"/>
+              <a:buChar char="•"/>
+            </a:pPr>
+            <a:r>
+              <a:rPr lang="fr-FR" sz="5400" dirty="0" smtClean="0">
+                <a:latin typeface="Calibri" panose="020F0502020204030204" pitchFamily="34" charset="0"/>
+              </a:rPr>
+              <a:t>Instances</a:t>
+            </a:r>
+          </a:p>
+          <a:p>
+            <a:pPr marL="1314450" lvl="1" indent="-857250">
+              <a:buFont typeface="Arial" panose="020B0604020202020204" pitchFamily="34" charset="0"/>
+              <a:buChar char="•"/>
+            </a:pPr>
+            <a:endParaRPr lang="fr-FR" sz="6000" dirty="0">
+              <a:latin typeface="Calibri" panose="020F0502020204030204" pitchFamily="34" charset="0"/>
+            </a:endParaRPr>
+          </a:p>
+        </p:txBody>
+      </p:sp>
+    </p:spTree>
+    <p:extLst>
+      <p:ext uri="{BB962C8B-B14F-4D97-AF65-F5344CB8AC3E}">
+        <p14:creationId xmlns:p14="http://schemas.microsoft.com/office/powerpoint/2010/main" val="1705867387"/>
+      </p:ext>
+    </p:extLst>
+  </p:cSld>
+  <p:clrMapOvr>
+    <a:masterClrMapping/>
+  </p:clrMapOvr>
+  <p:timing>
+    <p:tnLst>
+      <p:par>
+        <p:cTn id="1" dur="indefinite" restart="never" nodeType="tmRoot">
+          <p:childTnLst>
+            <p:seq concurrent="1" nextAc="seek">
+              <p:cTn id="2" dur="indefinite" nodeType="mainSeq">
+                <p:childTnLst>
+                  <p:par>
+                    <p:cTn id="3" fill="hold">
+                      <p:stCondLst>
+                        <p:cond delay="indefinite"/>
+                      </p:stCondLst>
+                      <p:childTnLst>
+                        <p:par>
+                          <p:cTn id="4" fill="hold">
+                            <p:stCondLst>
+                              <p:cond delay="0"/>
+                            </p:stCondLst>
+                            <p:childTnLst>
+                              <p:par>
+                                <p:cTn id="5" presetID="10" presetClass="entr" presetSubtype="0" fill="hold" nodeType="clickEffect">
+                                  <p:stCondLst>
+                                    <p:cond delay="0"/>
+                                  </p:stCondLst>
+                                  <p:childTnLst>
+                                    <p:set>
+                                      <p:cBhvr>
+                                        <p:cTn id="6" dur="1" fill="hold">
+                                          <p:stCondLst>
+                                            <p:cond delay="0"/>
+                                          </p:stCondLst>
+                                        </p:cTn>
+                                        <p:tgtEl>
+                                          <p:spTgt spid="5">
+                                            <p:txEl>
+                                              <p:pRg st="0" end="0"/>
+                                            </p:txEl>
+                                          </p:spTgt>
+                                        </p:tgtEl>
+                                        <p:attrNameLst>
+                                          <p:attrName>style.visibility</p:attrName>
+                                        </p:attrNameLst>
+                                      </p:cBhvr>
+                                      <p:to>
+                                        <p:strVal val="visible"/>
+                                      </p:to>
+                                    </p:set>
+                                    <p:animEffect transition="in" filter="fade">
+                                      <p:cBhvr>
+                                        <p:cTn id="7" dur="500"/>
+                                        <p:tgtEl>
+                                          <p:spTgt spid="5">
+                                            <p:txEl>
+                                              <p:pRg st="0" end="0"/>
+                                            </p:txEl>
+                                          </p:spTgt>
+                                        </p:tgtEl>
+                                      </p:cBhvr>
+                                    </p:animEffect>
+                                  </p:childTnLst>
+                                </p:cTn>
+                              </p:par>
+                            </p:childTnLst>
+                          </p:cTn>
+                        </p:par>
+                      </p:childTnLst>
+                    </p:cTn>
+                  </p:par>
+                  <p:par>
+                    <p:cTn id="8" fill="hold">
+                      <p:stCondLst>
+                        <p:cond delay="indefinite"/>
+                      </p:stCondLst>
+                      <p:childTnLst>
+                        <p:par>
+                          <p:cTn id="9" fill="hold">
+                            <p:stCondLst>
+                              <p:cond delay="0"/>
+                            </p:stCondLst>
+                            <p:childTnLst>
+                              <p:par>
+                                <p:cTn id="10" presetID="10" presetClass="entr" presetSubtype="0" fill="hold" nodeType="clickEffect">
+                                  <p:stCondLst>
+                                    <p:cond delay="0"/>
+                                  </p:stCondLst>
+                                  <p:childTnLst>
+                                    <p:set>
+                                      <p:cBhvr>
+                                        <p:cTn id="11" dur="1" fill="hold">
+                                          <p:stCondLst>
+                                            <p:cond delay="0"/>
+                                          </p:stCondLst>
+                                        </p:cTn>
+                                        <p:tgtEl>
+                                          <p:spTgt spid="5">
+                                            <p:txEl>
+                                              <p:pRg st="1" end="1"/>
+                                            </p:txEl>
+                                          </p:spTgt>
+                                        </p:tgtEl>
+                                        <p:attrNameLst>
+                                          <p:attrName>style.visibility</p:attrName>
+                                        </p:attrNameLst>
+                                      </p:cBhvr>
+                                      <p:to>
+                                        <p:strVal val="visible"/>
+                                      </p:to>
+                                    </p:set>
+                                    <p:animEffect transition="in" filter="fade">
+                                      <p:cBhvr>
+                                        <p:cTn id="12" dur="500"/>
+                                        <p:tgtEl>
+                                          <p:spTgt spid="5">
+                                            <p:txEl>
+                                              <p:pRg st="1" end="1"/>
+                                            </p:txEl>
+                                          </p:spTgt>
+                                        </p:tgtEl>
+                                      </p:cBhvr>
+                                    </p:animEffect>
+                                  </p:childTnLst>
+                                </p:cTn>
+                              </p:par>
+                              <p:par>
+                                <p:cTn id="13" presetID="10" presetClass="entr" presetSubtype="0" fill="hold" nodeType="withEffect">
+                                  <p:stCondLst>
+                                    <p:cond delay="0"/>
+                                  </p:stCondLst>
+                                  <p:childTnLst>
+                                    <p:set>
+                                      <p:cBhvr>
+                                        <p:cTn id="14" dur="1" fill="hold">
+                                          <p:stCondLst>
+                                            <p:cond delay="0"/>
+                                          </p:stCondLst>
+                                        </p:cTn>
+                                        <p:tgtEl>
+                                          <p:spTgt spid="5">
+                                            <p:txEl>
+                                              <p:pRg st="2" end="2"/>
+                                            </p:txEl>
+                                          </p:spTgt>
+                                        </p:tgtEl>
+                                        <p:attrNameLst>
+                                          <p:attrName>style.visibility</p:attrName>
+                                        </p:attrNameLst>
+                                      </p:cBhvr>
+                                      <p:to>
+                                        <p:strVal val="visible"/>
+                                      </p:to>
+                                    </p:set>
+                                    <p:animEffect transition="in" filter="fade">
+                                      <p:cBhvr>
+                                        <p:cTn id="15" dur="500"/>
+                                        <p:tgtEl>
+                                          <p:spTgt spid="5">
+                                            <p:txEl>
+                                              <p:pRg st="2" end="2"/>
+                                            </p:txEl>
+                                          </p:spTgt>
+                                        </p:tgtEl>
+                                      </p:cBhvr>
+                                    </p:animEffect>
+                                  </p:childTnLst>
+                                </p:cTn>
+                              </p:par>
+                              <p:par>
+                                <p:cTn id="16" presetID="10" presetClass="entr" presetSubtype="0" fill="hold" nodeType="withEffect">
+                                  <p:stCondLst>
+                                    <p:cond delay="0"/>
+                                  </p:stCondLst>
+                                  <p:childTnLst>
+                                    <p:set>
+                                      <p:cBhvr>
+                                        <p:cTn id="17" dur="1" fill="hold">
+                                          <p:stCondLst>
+                                            <p:cond delay="0"/>
+                                          </p:stCondLst>
+                                        </p:cTn>
+                                        <p:tgtEl>
+                                          <p:spTgt spid="5">
+                                            <p:txEl>
+                                              <p:pRg st="3" end="3"/>
+                                            </p:txEl>
+                                          </p:spTgt>
+                                        </p:tgtEl>
+                                        <p:attrNameLst>
+                                          <p:attrName>style.visibility</p:attrName>
+                                        </p:attrNameLst>
+                                      </p:cBhvr>
+                                      <p:to>
+                                        <p:strVal val="visible"/>
+                                      </p:to>
+                                    </p:set>
+                                    <p:animEffect transition="in" filter="fade">
+                                      <p:cBhvr>
+                                        <p:cTn id="18" dur="500"/>
+                                        <p:tgtEl>
+                                          <p:spTgt spid="5">
+                                            <p:txEl>
+                                              <p:pRg st="3" end="3"/>
+                                            </p:txEl>
+                                          </p:spTgt>
+                                        </p:tgtEl>
+                                      </p:cBhvr>
+                                    </p:animEffect>
+                                  </p:childTnLst>
+                                </p:cTn>
+                              </p:par>
+                            </p:childTnLst>
+                          </p:cTn>
+                        </p:par>
+                      </p:childTnLst>
+                    </p:cTn>
+                  </p:par>
+                </p:childTnLst>
+              </p:cTn>
+              <p:prevCondLst>
+                <p:cond evt="onPrev" delay="0">
+                  <p:tgtEl>
+                    <p:sldTgt/>
+                  </p:tgtEl>
+                </p:cond>
+              </p:prevCondLst>
+              <p:nextCondLst>
+                <p:cond evt="onNext" delay="0">
+                  <p:tgtEl>
+                    <p:sldTgt/>
+                  </p:tgtEl>
+                </p:cond>
+              </p:nextCondLst>
+            </p:seq>
+          </p:childTnLst>
+        </p:cTn>
+      </p:par>
+    </p:tnLst>
+  </p:timing>
+</p:sld>
+</file>
+
+<file path=ppt/slides/slide20.xml><?xml version="1.0" encoding="utf-8"?>
 <p:sld xmlns:a="http://schemas.openxmlformats.org/drawingml/2006/main" xmlns:r="http://schemas.openxmlformats.org/officeDocument/2006/relationships" xmlns:p="http://schemas.openxmlformats.org/presentationml/2006/main">
   <p:cSld>
     <p:spTree>
@@ -13332,7 +14078,7 @@
 </p:sld>
 </file>
 
-<file path=ppt/slides/slide23.xml><?xml version="1.0" encoding="utf-8"?>
+<file path=ppt/slides/slide21.xml><?xml version="1.0" encoding="utf-8"?>
 <p:sld xmlns:a="http://schemas.openxmlformats.org/drawingml/2006/main" xmlns:r="http://schemas.openxmlformats.org/officeDocument/2006/relationships" xmlns:p="http://schemas.openxmlformats.org/presentationml/2006/main">
   <p:cSld>
     <p:spTree>
@@ -13476,7 +14222,7 @@
 </p:sld>
 </file>
 
-<file path=ppt/slides/slide24.xml><?xml version="1.0" encoding="utf-8"?>
+<file path=ppt/slides/slide22.xml><?xml version="1.0" encoding="utf-8"?>
 <p:sld xmlns:a="http://schemas.openxmlformats.org/drawingml/2006/main" xmlns:r="http://schemas.openxmlformats.org/officeDocument/2006/relationships" xmlns:p="http://schemas.openxmlformats.org/presentationml/2006/main">
   <p:cSld>
     <p:spTree>
@@ -13960,6 +14706,9 @@
             </a:r>
             <a:r>
               <a:rPr lang="en-US" dirty="0" err="1">
+                <a:solidFill>
+                  <a:srgbClr val="FF0000"/>
+                </a:solidFill>
                 <a:latin typeface="Courier New" panose="02070309020205020404" pitchFamily="49" charset="0"/>
                 <a:cs typeface="Courier New" panose="02070309020205020404" pitchFamily="49" charset="0"/>
               </a:rPr>
@@ -13967,6 +14716,9 @@
             </a:r>
             <a:r>
               <a:rPr lang="en-US" dirty="0">
+                <a:solidFill>
+                  <a:srgbClr val="FF0000"/>
+                </a:solidFill>
                 <a:latin typeface="Courier New" panose="02070309020205020404" pitchFamily="49" charset="0"/>
                 <a:cs typeface="Courier New" panose="02070309020205020404" pitchFamily="49" charset="0"/>
               </a:rPr>
@@ -14112,6 +14864,734 @@
                       </p:childTnLst>
                     </p:cTn>
                   </p:par>
+                  <p:par>
+                    <p:cTn id="7" fill="hold">
+                      <p:stCondLst>
+                        <p:cond delay="indefinite"/>
+                      </p:stCondLst>
+                      <p:childTnLst>
+                        <p:par>
+                          <p:cTn id="8" fill="hold">
+                            <p:stCondLst>
+                              <p:cond delay="0"/>
+                            </p:stCondLst>
+                            <p:childTnLst>
+                              <p:par>
+                                <p:cTn id="9" presetID="1" presetClass="entr" presetSubtype="0" fill="hold" nodeType="clickEffect">
+                                  <p:stCondLst>
+                                    <p:cond delay="0"/>
+                                  </p:stCondLst>
+                                  <p:iterate type="lt">
+                                    <p:tmAbs val="100"/>
+                                  </p:iterate>
+                                  <p:childTnLst>
+                                    <p:set>
+                                      <p:cBhvr>
+                                        <p:cTn id="10" dur="1" fill="hold">
+                                          <p:stCondLst>
+                                            <p:cond delay="0"/>
+                                          </p:stCondLst>
+                                        </p:cTn>
+                                        <p:tgtEl>
+                                          <p:spTgt spid="2">
+                                            <p:txEl>
+                                              <p:pRg st="1" end="1"/>
+                                            </p:txEl>
+                                          </p:spTgt>
+                                        </p:tgtEl>
+                                        <p:attrNameLst>
+                                          <p:attrName>style.visibility</p:attrName>
+                                        </p:attrNameLst>
+                                      </p:cBhvr>
+                                      <p:to>
+                                        <p:strVal val="visible"/>
+                                      </p:to>
+                                    </p:set>
+                                  </p:childTnLst>
+                                </p:cTn>
+                              </p:par>
+                            </p:childTnLst>
+                          </p:cTn>
+                        </p:par>
+                      </p:childTnLst>
+                    </p:cTn>
+                  </p:par>
+                  <p:par>
+                    <p:cTn id="11" fill="hold">
+                      <p:stCondLst>
+                        <p:cond delay="indefinite"/>
+                      </p:stCondLst>
+                      <p:childTnLst>
+                        <p:par>
+                          <p:cTn id="12" fill="hold">
+                            <p:stCondLst>
+                              <p:cond delay="0"/>
+                            </p:stCondLst>
+                            <p:childTnLst>
+                              <p:par>
+                                <p:cTn id="13" presetID="1" presetClass="entr" presetSubtype="0" fill="hold" nodeType="clickEffect">
+                                  <p:stCondLst>
+                                    <p:cond delay="0"/>
+                                  </p:stCondLst>
+                                  <p:iterate type="lt">
+                                    <p:tmAbs val="100"/>
+                                  </p:iterate>
+                                  <p:childTnLst>
+                                    <p:set>
+                                      <p:cBhvr>
+                                        <p:cTn id="14" dur="1" fill="hold">
+                                          <p:stCondLst>
+                                            <p:cond delay="0"/>
+                                          </p:stCondLst>
+                                        </p:cTn>
+                                        <p:tgtEl>
+                                          <p:spTgt spid="2">
+                                            <p:txEl>
+                                              <p:pRg st="2" end="2"/>
+                                            </p:txEl>
+                                          </p:spTgt>
+                                        </p:tgtEl>
+                                        <p:attrNameLst>
+                                          <p:attrName>style.visibility</p:attrName>
+                                        </p:attrNameLst>
+                                      </p:cBhvr>
+                                      <p:to>
+                                        <p:strVal val="visible"/>
+                                      </p:to>
+                                    </p:set>
+                                  </p:childTnLst>
+                                </p:cTn>
+                              </p:par>
+                            </p:childTnLst>
+                          </p:cTn>
+                        </p:par>
+                      </p:childTnLst>
+                    </p:cTn>
+                  </p:par>
+                  <p:par>
+                    <p:cTn id="15" fill="hold">
+                      <p:stCondLst>
+                        <p:cond delay="indefinite"/>
+                      </p:stCondLst>
+                      <p:childTnLst>
+                        <p:par>
+                          <p:cTn id="16" fill="hold">
+                            <p:stCondLst>
+                              <p:cond delay="0"/>
+                            </p:stCondLst>
+                            <p:childTnLst>
+                              <p:par>
+                                <p:cTn id="17" presetID="1" presetClass="entr" presetSubtype="0" fill="hold" nodeType="clickEffect">
+                                  <p:stCondLst>
+                                    <p:cond delay="0"/>
+                                  </p:stCondLst>
+                                  <p:iterate type="lt">
+                                    <p:tmAbs val="100"/>
+                                  </p:iterate>
+                                  <p:childTnLst>
+                                    <p:set>
+                                      <p:cBhvr>
+                                        <p:cTn id="18" dur="1" fill="hold">
+                                          <p:stCondLst>
+                                            <p:cond delay="0"/>
+                                          </p:stCondLst>
+                                        </p:cTn>
+                                        <p:tgtEl>
+                                          <p:spTgt spid="2">
+                                            <p:txEl>
+                                              <p:pRg st="3" end="3"/>
+                                            </p:txEl>
+                                          </p:spTgt>
+                                        </p:tgtEl>
+                                        <p:attrNameLst>
+                                          <p:attrName>style.visibility</p:attrName>
+                                        </p:attrNameLst>
+                                      </p:cBhvr>
+                                      <p:to>
+                                        <p:strVal val="visible"/>
+                                      </p:to>
+                                    </p:set>
+                                  </p:childTnLst>
+                                </p:cTn>
+                              </p:par>
+                            </p:childTnLst>
+                          </p:cTn>
+                        </p:par>
+                      </p:childTnLst>
+                    </p:cTn>
+                  </p:par>
+                  <p:par>
+                    <p:cTn id="19" fill="hold">
+                      <p:stCondLst>
+                        <p:cond delay="indefinite"/>
+                      </p:stCondLst>
+                      <p:childTnLst>
+                        <p:par>
+                          <p:cTn id="20" fill="hold">
+                            <p:stCondLst>
+                              <p:cond delay="0"/>
+                            </p:stCondLst>
+                            <p:childTnLst>
+                              <p:par>
+                                <p:cTn id="21" presetID="1" presetClass="entr" presetSubtype="0" fill="hold" nodeType="clickEffect">
+                                  <p:stCondLst>
+                                    <p:cond delay="0"/>
+                                  </p:stCondLst>
+                                  <p:iterate type="lt">
+                                    <p:tmAbs val="100"/>
+                                  </p:iterate>
+                                  <p:childTnLst>
+                                    <p:set>
+                                      <p:cBhvr>
+                                        <p:cTn id="22" dur="1" fill="hold">
+                                          <p:stCondLst>
+                                            <p:cond delay="0"/>
+                                          </p:stCondLst>
+                                        </p:cTn>
+                                        <p:tgtEl>
+                                          <p:spTgt spid="2">
+                                            <p:txEl>
+                                              <p:pRg st="4" end="4"/>
+                                            </p:txEl>
+                                          </p:spTgt>
+                                        </p:tgtEl>
+                                        <p:attrNameLst>
+                                          <p:attrName>style.visibility</p:attrName>
+                                        </p:attrNameLst>
+                                      </p:cBhvr>
+                                      <p:to>
+                                        <p:strVal val="visible"/>
+                                      </p:to>
+                                    </p:set>
+                                  </p:childTnLst>
+                                </p:cTn>
+                              </p:par>
+                            </p:childTnLst>
+                          </p:cTn>
+                        </p:par>
+                      </p:childTnLst>
+                    </p:cTn>
+                  </p:par>
+                  <p:par>
+                    <p:cTn id="23" fill="hold">
+                      <p:stCondLst>
+                        <p:cond delay="indefinite"/>
+                      </p:stCondLst>
+                      <p:childTnLst>
+                        <p:par>
+                          <p:cTn id="24" fill="hold">
+                            <p:stCondLst>
+                              <p:cond delay="0"/>
+                            </p:stCondLst>
+                            <p:childTnLst>
+                              <p:par>
+                                <p:cTn id="25" presetID="1" presetClass="entr" presetSubtype="0" fill="hold" nodeType="clickEffect">
+                                  <p:stCondLst>
+                                    <p:cond delay="0"/>
+                                  </p:stCondLst>
+                                  <p:iterate type="lt">
+                                    <p:tmAbs val="100"/>
+                                  </p:iterate>
+                                  <p:childTnLst>
+                                    <p:set>
+                                      <p:cBhvr>
+                                        <p:cTn id="26" dur="1" fill="hold">
+                                          <p:stCondLst>
+                                            <p:cond delay="0"/>
+                                          </p:stCondLst>
+                                        </p:cTn>
+                                        <p:tgtEl>
+                                          <p:spTgt spid="2">
+                                            <p:txEl>
+                                              <p:pRg st="5" end="5"/>
+                                            </p:txEl>
+                                          </p:spTgt>
+                                        </p:tgtEl>
+                                        <p:attrNameLst>
+                                          <p:attrName>style.visibility</p:attrName>
+                                        </p:attrNameLst>
+                                      </p:cBhvr>
+                                      <p:to>
+                                        <p:strVal val="visible"/>
+                                      </p:to>
+                                    </p:set>
+                                  </p:childTnLst>
+                                </p:cTn>
+                              </p:par>
+                            </p:childTnLst>
+                          </p:cTn>
+                        </p:par>
+                      </p:childTnLst>
+                    </p:cTn>
+                  </p:par>
+                  <p:par>
+                    <p:cTn id="27" fill="hold">
+                      <p:stCondLst>
+                        <p:cond delay="indefinite"/>
+                      </p:stCondLst>
+                      <p:childTnLst>
+                        <p:par>
+                          <p:cTn id="28" fill="hold">
+                            <p:stCondLst>
+                              <p:cond delay="0"/>
+                            </p:stCondLst>
+                            <p:childTnLst>
+                              <p:par>
+                                <p:cTn id="29" presetID="1" presetClass="entr" presetSubtype="0" fill="hold" nodeType="clickEffect">
+                                  <p:stCondLst>
+                                    <p:cond delay="0"/>
+                                  </p:stCondLst>
+                                  <p:iterate type="lt">
+                                    <p:tmAbs val="100"/>
+                                  </p:iterate>
+                                  <p:childTnLst>
+                                    <p:set>
+                                      <p:cBhvr>
+                                        <p:cTn id="30" dur="1" fill="hold">
+                                          <p:stCondLst>
+                                            <p:cond delay="0"/>
+                                          </p:stCondLst>
+                                        </p:cTn>
+                                        <p:tgtEl>
+                                          <p:spTgt spid="2">
+                                            <p:txEl>
+                                              <p:pRg st="6" end="6"/>
+                                            </p:txEl>
+                                          </p:spTgt>
+                                        </p:tgtEl>
+                                        <p:attrNameLst>
+                                          <p:attrName>style.visibility</p:attrName>
+                                        </p:attrNameLst>
+                                      </p:cBhvr>
+                                      <p:to>
+                                        <p:strVal val="visible"/>
+                                      </p:to>
+                                    </p:set>
+                                  </p:childTnLst>
+                                </p:cTn>
+                              </p:par>
+                            </p:childTnLst>
+                          </p:cTn>
+                        </p:par>
+                      </p:childTnLst>
+                    </p:cTn>
+                  </p:par>
+                  <p:par>
+                    <p:cTn id="31" fill="hold">
+                      <p:stCondLst>
+                        <p:cond delay="indefinite"/>
+                      </p:stCondLst>
+                      <p:childTnLst>
+                        <p:par>
+                          <p:cTn id="32" fill="hold">
+                            <p:stCondLst>
+                              <p:cond delay="0"/>
+                            </p:stCondLst>
+                            <p:childTnLst>
+                              <p:par>
+                                <p:cTn id="33" presetID="1" presetClass="entr" presetSubtype="0" fill="hold" nodeType="clickEffect">
+                                  <p:stCondLst>
+                                    <p:cond delay="0"/>
+                                  </p:stCondLst>
+                                  <p:iterate type="lt">
+                                    <p:tmAbs val="100"/>
+                                  </p:iterate>
+                                  <p:childTnLst>
+                                    <p:set>
+                                      <p:cBhvr>
+                                        <p:cTn id="34" dur="1" fill="hold">
+                                          <p:stCondLst>
+                                            <p:cond delay="0"/>
+                                          </p:stCondLst>
+                                        </p:cTn>
+                                        <p:tgtEl>
+                                          <p:spTgt spid="2">
+                                            <p:txEl>
+                                              <p:pRg st="7" end="7"/>
+                                            </p:txEl>
+                                          </p:spTgt>
+                                        </p:tgtEl>
+                                        <p:attrNameLst>
+                                          <p:attrName>style.visibility</p:attrName>
+                                        </p:attrNameLst>
+                                      </p:cBhvr>
+                                      <p:to>
+                                        <p:strVal val="visible"/>
+                                      </p:to>
+                                    </p:set>
+                                  </p:childTnLst>
+                                </p:cTn>
+                              </p:par>
+                            </p:childTnLst>
+                          </p:cTn>
+                        </p:par>
+                      </p:childTnLst>
+                    </p:cTn>
+                  </p:par>
+                  <p:par>
+                    <p:cTn id="35" fill="hold">
+                      <p:stCondLst>
+                        <p:cond delay="indefinite"/>
+                      </p:stCondLst>
+                      <p:childTnLst>
+                        <p:par>
+                          <p:cTn id="36" fill="hold">
+                            <p:stCondLst>
+                              <p:cond delay="0"/>
+                            </p:stCondLst>
+                            <p:childTnLst>
+                              <p:par>
+                                <p:cTn id="37" presetID="1" presetClass="entr" presetSubtype="0" fill="hold" nodeType="clickEffect">
+                                  <p:stCondLst>
+                                    <p:cond delay="0"/>
+                                  </p:stCondLst>
+                                  <p:iterate type="lt">
+                                    <p:tmAbs val="100"/>
+                                  </p:iterate>
+                                  <p:childTnLst>
+                                    <p:set>
+                                      <p:cBhvr>
+                                        <p:cTn id="38" dur="1" fill="hold">
+                                          <p:stCondLst>
+                                            <p:cond delay="0"/>
+                                          </p:stCondLst>
+                                        </p:cTn>
+                                        <p:tgtEl>
+                                          <p:spTgt spid="2">
+                                            <p:txEl>
+                                              <p:pRg st="8" end="8"/>
+                                            </p:txEl>
+                                          </p:spTgt>
+                                        </p:tgtEl>
+                                        <p:attrNameLst>
+                                          <p:attrName>style.visibility</p:attrName>
+                                        </p:attrNameLst>
+                                      </p:cBhvr>
+                                      <p:to>
+                                        <p:strVal val="visible"/>
+                                      </p:to>
+                                    </p:set>
+                                  </p:childTnLst>
+                                </p:cTn>
+                              </p:par>
+                            </p:childTnLst>
+                          </p:cTn>
+                        </p:par>
+                      </p:childTnLst>
+                    </p:cTn>
+                  </p:par>
+                  <p:par>
+                    <p:cTn id="39" fill="hold">
+                      <p:stCondLst>
+                        <p:cond delay="indefinite"/>
+                      </p:stCondLst>
+                      <p:childTnLst>
+                        <p:par>
+                          <p:cTn id="40" fill="hold">
+                            <p:stCondLst>
+                              <p:cond delay="0"/>
+                            </p:stCondLst>
+                            <p:childTnLst>
+                              <p:par>
+                                <p:cTn id="41" presetID="1" presetClass="entr" presetSubtype="0" fill="hold" nodeType="clickEffect">
+                                  <p:stCondLst>
+                                    <p:cond delay="0"/>
+                                  </p:stCondLst>
+                                  <p:iterate type="lt">
+                                    <p:tmAbs val="100"/>
+                                  </p:iterate>
+                                  <p:childTnLst>
+                                    <p:set>
+                                      <p:cBhvr>
+                                        <p:cTn id="42" dur="1" fill="hold">
+                                          <p:stCondLst>
+                                            <p:cond delay="0"/>
+                                          </p:stCondLst>
+                                        </p:cTn>
+                                        <p:tgtEl>
+                                          <p:spTgt spid="2">
+                                            <p:txEl>
+                                              <p:pRg st="10" end="10"/>
+                                            </p:txEl>
+                                          </p:spTgt>
+                                        </p:tgtEl>
+                                        <p:attrNameLst>
+                                          <p:attrName>style.visibility</p:attrName>
+                                        </p:attrNameLst>
+                                      </p:cBhvr>
+                                      <p:to>
+                                        <p:strVal val="visible"/>
+                                      </p:to>
+                                    </p:set>
+                                  </p:childTnLst>
+                                </p:cTn>
+                              </p:par>
+                            </p:childTnLst>
+                          </p:cTn>
+                        </p:par>
+                      </p:childTnLst>
+                    </p:cTn>
+                  </p:par>
+                  <p:par>
+                    <p:cTn id="43" fill="hold">
+                      <p:stCondLst>
+                        <p:cond delay="indefinite"/>
+                      </p:stCondLst>
+                      <p:childTnLst>
+                        <p:par>
+                          <p:cTn id="44" fill="hold">
+                            <p:stCondLst>
+                              <p:cond delay="0"/>
+                            </p:stCondLst>
+                            <p:childTnLst>
+                              <p:par>
+                                <p:cTn id="45" presetID="1" presetClass="entr" presetSubtype="0" fill="hold" nodeType="clickEffect">
+                                  <p:stCondLst>
+                                    <p:cond delay="0"/>
+                                  </p:stCondLst>
+                                  <p:iterate type="lt">
+                                    <p:tmAbs val="100"/>
+                                  </p:iterate>
+                                  <p:childTnLst>
+                                    <p:set>
+                                      <p:cBhvr>
+                                        <p:cTn id="46" dur="1" fill="hold">
+                                          <p:stCondLst>
+                                            <p:cond delay="0"/>
+                                          </p:stCondLst>
+                                        </p:cTn>
+                                        <p:tgtEl>
+                                          <p:spTgt spid="2">
+                                            <p:txEl>
+                                              <p:pRg st="11" end="11"/>
+                                            </p:txEl>
+                                          </p:spTgt>
+                                        </p:tgtEl>
+                                        <p:attrNameLst>
+                                          <p:attrName>style.visibility</p:attrName>
+                                        </p:attrNameLst>
+                                      </p:cBhvr>
+                                      <p:to>
+                                        <p:strVal val="visible"/>
+                                      </p:to>
+                                    </p:set>
+                                  </p:childTnLst>
+                                </p:cTn>
+                              </p:par>
+                            </p:childTnLst>
+                          </p:cTn>
+                        </p:par>
+                      </p:childTnLst>
+                    </p:cTn>
+                  </p:par>
+                  <p:par>
+                    <p:cTn id="47" fill="hold">
+                      <p:stCondLst>
+                        <p:cond delay="indefinite"/>
+                      </p:stCondLst>
+                      <p:childTnLst>
+                        <p:par>
+                          <p:cTn id="48" fill="hold">
+                            <p:stCondLst>
+                              <p:cond delay="0"/>
+                            </p:stCondLst>
+                            <p:childTnLst>
+                              <p:par>
+                                <p:cTn id="49" presetID="1" presetClass="entr" presetSubtype="0" fill="hold" nodeType="clickEffect">
+                                  <p:stCondLst>
+                                    <p:cond delay="0"/>
+                                  </p:stCondLst>
+                                  <p:iterate type="lt">
+                                    <p:tmAbs val="100"/>
+                                  </p:iterate>
+                                  <p:childTnLst>
+                                    <p:set>
+                                      <p:cBhvr>
+                                        <p:cTn id="50" dur="1" fill="hold">
+                                          <p:stCondLst>
+                                            <p:cond delay="0"/>
+                                          </p:stCondLst>
+                                        </p:cTn>
+                                        <p:tgtEl>
+                                          <p:spTgt spid="2">
+                                            <p:txEl>
+                                              <p:pRg st="12" end="12"/>
+                                            </p:txEl>
+                                          </p:spTgt>
+                                        </p:tgtEl>
+                                        <p:attrNameLst>
+                                          <p:attrName>style.visibility</p:attrName>
+                                        </p:attrNameLst>
+                                      </p:cBhvr>
+                                      <p:to>
+                                        <p:strVal val="visible"/>
+                                      </p:to>
+                                    </p:set>
+                                  </p:childTnLst>
+                                </p:cTn>
+                              </p:par>
+                            </p:childTnLst>
+                          </p:cTn>
+                        </p:par>
+                      </p:childTnLst>
+                    </p:cTn>
+                  </p:par>
+                  <p:par>
+                    <p:cTn id="51" fill="hold">
+                      <p:stCondLst>
+                        <p:cond delay="indefinite"/>
+                      </p:stCondLst>
+                      <p:childTnLst>
+                        <p:par>
+                          <p:cTn id="52" fill="hold">
+                            <p:stCondLst>
+                              <p:cond delay="0"/>
+                            </p:stCondLst>
+                            <p:childTnLst>
+                              <p:par>
+                                <p:cTn id="53" presetID="1" presetClass="entr" presetSubtype="0" fill="hold" nodeType="clickEffect">
+                                  <p:stCondLst>
+                                    <p:cond delay="0"/>
+                                  </p:stCondLst>
+                                  <p:iterate type="lt">
+                                    <p:tmAbs val="100"/>
+                                  </p:iterate>
+                                  <p:childTnLst>
+                                    <p:set>
+                                      <p:cBhvr>
+                                        <p:cTn id="54" dur="1" fill="hold">
+                                          <p:stCondLst>
+                                            <p:cond delay="0"/>
+                                          </p:stCondLst>
+                                        </p:cTn>
+                                        <p:tgtEl>
+                                          <p:spTgt spid="2">
+                                            <p:txEl>
+                                              <p:pRg st="14" end="14"/>
+                                            </p:txEl>
+                                          </p:spTgt>
+                                        </p:tgtEl>
+                                        <p:attrNameLst>
+                                          <p:attrName>style.visibility</p:attrName>
+                                        </p:attrNameLst>
+                                      </p:cBhvr>
+                                      <p:to>
+                                        <p:strVal val="visible"/>
+                                      </p:to>
+                                    </p:set>
+                                  </p:childTnLst>
+                                </p:cTn>
+                              </p:par>
+                            </p:childTnLst>
+                          </p:cTn>
+                        </p:par>
+                      </p:childTnLst>
+                    </p:cTn>
+                  </p:par>
+                  <p:par>
+                    <p:cTn id="55" fill="hold">
+                      <p:stCondLst>
+                        <p:cond delay="indefinite"/>
+                      </p:stCondLst>
+                      <p:childTnLst>
+                        <p:par>
+                          <p:cTn id="56" fill="hold">
+                            <p:stCondLst>
+                              <p:cond delay="0"/>
+                            </p:stCondLst>
+                            <p:childTnLst>
+                              <p:par>
+                                <p:cTn id="57" presetID="1" presetClass="entr" presetSubtype="0" fill="hold" nodeType="clickEffect">
+                                  <p:stCondLst>
+                                    <p:cond delay="0"/>
+                                  </p:stCondLst>
+                                  <p:iterate type="lt">
+                                    <p:tmAbs val="100"/>
+                                  </p:iterate>
+                                  <p:childTnLst>
+                                    <p:set>
+                                      <p:cBhvr>
+                                        <p:cTn id="58" dur="1" fill="hold">
+                                          <p:stCondLst>
+                                            <p:cond delay="0"/>
+                                          </p:stCondLst>
+                                        </p:cTn>
+                                        <p:tgtEl>
+                                          <p:spTgt spid="2">
+                                            <p:txEl>
+                                              <p:pRg st="15" end="15"/>
+                                            </p:txEl>
+                                          </p:spTgt>
+                                        </p:tgtEl>
+                                        <p:attrNameLst>
+                                          <p:attrName>style.visibility</p:attrName>
+                                        </p:attrNameLst>
+                                      </p:cBhvr>
+                                      <p:to>
+                                        <p:strVal val="visible"/>
+                                      </p:to>
+                                    </p:set>
+                                  </p:childTnLst>
+                                </p:cTn>
+                              </p:par>
+                            </p:childTnLst>
+                          </p:cTn>
+                        </p:par>
+                      </p:childTnLst>
+                    </p:cTn>
+                  </p:par>
+                  <p:par>
+                    <p:cTn id="59" fill="hold">
+                      <p:stCondLst>
+                        <p:cond delay="indefinite"/>
+                      </p:stCondLst>
+                      <p:childTnLst>
+                        <p:par>
+                          <p:cTn id="60" fill="hold">
+                            <p:stCondLst>
+                              <p:cond delay="0"/>
+                            </p:stCondLst>
+                            <p:childTnLst>
+                              <p:par>
+                                <p:cTn id="61" presetID="1" presetClass="entr" presetSubtype="0" fill="hold" nodeType="clickEffect">
+                                  <p:stCondLst>
+                                    <p:cond delay="0"/>
+                                  </p:stCondLst>
+                                  <p:iterate type="lt">
+                                    <p:tmAbs val="100"/>
+                                  </p:iterate>
+                                  <p:childTnLst>
+                                    <p:set>
+                                      <p:cBhvr>
+                                        <p:cTn id="62" dur="1" fill="hold">
+                                          <p:stCondLst>
+                                            <p:cond delay="0"/>
+                                          </p:stCondLst>
+                                        </p:cTn>
+                                        <p:tgtEl>
+                                          <p:spTgt spid="2">
+                                            <p:txEl>
+                                              <p:pRg st="16" end="16"/>
+                                            </p:txEl>
+                                          </p:spTgt>
+                                        </p:tgtEl>
+                                        <p:attrNameLst>
+                                          <p:attrName>style.visibility</p:attrName>
+                                        </p:attrNameLst>
+                                      </p:cBhvr>
+                                      <p:to>
+                                        <p:strVal val="visible"/>
+                                      </p:to>
+                                    </p:set>
+                                  </p:childTnLst>
+                                </p:cTn>
+                              </p:par>
+                            </p:childTnLst>
+                          </p:cTn>
+                        </p:par>
+                      </p:childTnLst>
+                    </p:cTn>
+                  </p:par>
                 </p:childTnLst>
               </p:cTn>
               <p:prevCondLst>
@@ -14140,7 +15620,7 @@
 </p:sld>
 </file>
 
-<file path=ppt/slides/slide25.xml><?xml version="1.0" encoding="utf-8"?>
+<file path=ppt/slides/slide23.xml><?xml version="1.0" encoding="utf-8"?>
 <p:sld xmlns:a="http://schemas.openxmlformats.org/drawingml/2006/main" xmlns:r="http://schemas.openxmlformats.org/officeDocument/2006/relationships" xmlns:p="http://schemas.openxmlformats.org/presentationml/2006/main">
   <p:cSld>
     <p:spTree>
@@ -14372,7 +15852,7 @@
 </p:sld>
 </file>
 
-<file path=ppt/slides/slide26.xml><?xml version="1.0" encoding="utf-8"?>
+<file path=ppt/slides/slide24.xml><?xml version="1.0" encoding="utf-8"?>
 <p:sld xmlns:a="http://schemas.openxmlformats.org/drawingml/2006/main" xmlns:r="http://schemas.openxmlformats.org/officeDocument/2006/relationships" xmlns:p="http://schemas.openxmlformats.org/presentationml/2006/main">
   <p:cSld>
     <p:spTree>
@@ -15668,7 +17148,7 @@
 </p:sld>
 </file>
 
-<file path=ppt/slides/slide27.xml><?xml version="1.0" encoding="utf-8"?>
+<file path=ppt/slides/slide25.xml><?xml version="1.0" encoding="utf-8"?>
 <p:sld xmlns:a="http://schemas.openxmlformats.org/drawingml/2006/main" xmlns:r="http://schemas.openxmlformats.org/officeDocument/2006/relationships" xmlns:p="http://schemas.openxmlformats.org/presentationml/2006/main">
   <p:cSld>
     <p:spTree>
@@ -15762,7 +17242,761 @@
 </p:sld>
 </file>
 
+<file path=ppt/slides/slide26.xml><?xml version="1.0" encoding="utf-8"?>
+<p:sld xmlns:a="http://schemas.openxmlformats.org/drawingml/2006/main" xmlns:r="http://schemas.openxmlformats.org/officeDocument/2006/relationships" xmlns:p="http://schemas.openxmlformats.org/presentationml/2006/main">
+  <p:cSld>
+    <p:spTree>
+      <p:nvGrpSpPr>
+        <p:cNvPr id="1" name=""/>
+        <p:cNvGrpSpPr/>
+        <p:nvPr/>
+      </p:nvGrpSpPr>
+      <p:grpSpPr>
+        <a:xfrm>
+          <a:off x="0" y="0"/>
+          <a:ext cx="0" cy="0"/>
+          <a:chOff x="0" y="0"/>
+          <a:chExt cx="0" cy="0"/>
+        </a:xfrm>
+      </p:grpSpPr>
+      <p:sp>
+        <p:nvSpPr>
+          <p:cNvPr id="5" name="ZoneTexte 4"/>
+          <p:cNvSpPr txBox="1"/>
+          <p:nvPr/>
+        </p:nvSpPr>
+        <p:spPr>
+          <a:xfrm>
+            <a:off x="401443" y="780585"/>
+            <a:ext cx="11790557" cy="5632311"/>
+          </a:xfrm>
+          <a:prstGeom prst="rect">
+            <a:avLst/>
+          </a:prstGeom>
+          <a:noFill/>
+        </p:spPr>
+        <p:txBody>
+          <a:bodyPr wrap="square" rtlCol="0">
+            <a:spAutoFit/>
+          </a:bodyPr>
+          <a:lstStyle/>
+          <a:p>
+            <a:pPr marL="857250" indent="-857250">
+              <a:buFont typeface="Arial" panose="020B0604020202020204" pitchFamily="34" charset="0"/>
+              <a:buChar char="•"/>
+            </a:pPr>
+            <a:r>
+              <a:rPr lang="fr-FR" sz="6000" dirty="0" smtClean="0">
+                <a:latin typeface="Calibri" panose="020F0502020204030204" pitchFamily="34" charset="0"/>
+              </a:rPr>
+              <a:t>La </a:t>
+            </a:r>
+            <a:r>
+              <a:rPr lang="fr-FR" sz="6000" dirty="0" err="1" smtClean="0">
+                <a:latin typeface="Calibri" panose="020F0502020204030204" pitchFamily="34" charset="0"/>
+              </a:rPr>
+              <a:t>métaclasse</a:t>
+            </a:r>
+            <a:r>
+              <a:rPr lang="fr-FR" sz="6000" dirty="0" smtClean="0">
+                <a:latin typeface="Calibri" panose="020F0502020204030204" pitchFamily="34" charset="0"/>
+              </a:rPr>
+              <a:t> </a:t>
+            </a:r>
+            <a:r>
+              <a:rPr lang="fr-FR" sz="6000" dirty="0" smtClean="0">
+                <a:solidFill>
+                  <a:srgbClr val="00B050"/>
+                </a:solidFill>
+                <a:latin typeface="Courier New" panose="02070309020205020404" pitchFamily="49" charset="0"/>
+                <a:cs typeface="Courier New" panose="02070309020205020404" pitchFamily="49" charset="0"/>
+              </a:rPr>
+              <a:t>type</a:t>
+            </a:r>
+            <a:r>
+              <a:rPr lang="fr-FR" sz="6000" dirty="0" smtClean="0">
+                <a:solidFill>
+                  <a:srgbClr val="00B050"/>
+                </a:solidFill>
+                <a:latin typeface="Calibri" panose="020F0502020204030204" pitchFamily="34" charset="0"/>
+              </a:rPr>
+              <a:t> </a:t>
+            </a:r>
+            <a:r>
+              <a:rPr lang="fr-FR" sz="6000" dirty="0" smtClean="0">
+                <a:latin typeface="Calibri" panose="020F0502020204030204" pitchFamily="34" charset="0"/>
+              </a:rPr>
+              <a:t>instancie les classes</a:t>
+            </a:r>
+          </a:p>
+          <a:p>
+            <a:pPr marL="857250" indent="-857250">
+              <a:buFont typeface="Arial" panose="020B0604020202020204" pitchFamily="34" charset="0"/>
+              <a:buChar char="•"/>
+            </a:pPr>
+            <a:r>
+              <a:rPr lang="fr-FR" sz="6000" dirty="0" smtClean="0">
+                <a:latin typeface="Calibri" panose="020F0502020204030204" pitchFamily="34" charset="0"/>
+                <a:cs typeface="Courier New" panose="02070309020205020404" pitchFamily="49" charset="0"/>
+              </a:rPr>
+              <a:t>Les classes instancient les instances</a:t>
+            </a:r>
+          </a:p>
+          <a:p>
+            <a:pPr marL="857250" indent="-857250">
+              <a:buFont typeface="Arial" panose="020B0604020202020204" pitchFamily="34" charset="0"/>
+              <a:buChar char="•"/>
+            </a:pPr>
+            <a:r>
+              <a:rPr lang="fr-FR" sz="6000" dirty="0" smtClean="0">
+                <a:latin typeface="Calibri" panose="020F0502020204030204" pitchFamily="34" charset="0"/>
+                <a:cs typeface="Courier New" panose="02070309020205020404" pitchFamily="49" charset="0"/>
+              </a:rPr>
+              <a:t>Toutes les classes </a:t>
+            </a:r>
+            <a:br>
+              <a:rPr lang="fr-FR" sz="6000" dirty="0" smtClean="0">
+                <a:latin typeface="Calibri" panose="020F0502020204030204" pitchFamily="34" charset="0"/>
+                <a:cs typeface="Courier New" panose="02070309020205020404" pitchFamily="49" charset="0"/>
+              </a:rPr>
+            </a:br>
+            <a:r>
+              <a:rPr lang="fr-FR" sz="6000" dirty="0" smtClean="0">
+                <a:latin typeface="Calibri" panose="020F0502020204030204" pitchFamily="34" charset="0"/>
+                <a:cs typeface="Courier New" panose="02070309020205020404" pitchFamily="49" charset="0"/>
+              </a:rPr>
+              <a:t>héritent de </a:t>
+            </a:r>
+            <a:r>
+              <a:rPr lang="fr-FR" sz="6000" dirty="0" err="1" smtClean="0">
+                <a:solidFill>
+                  <a:srgbClr val="FF0000"/>
+                </a:solidFill>
+                <a:latin typeface="Courier New" panose="02070309020205020404" pitchFamily="49" charset="0"/>
+                <a:cs typeface="Courier New" panose="02070309020205020404" pitchFamily="49" charset="0"/>
+              </a:rPr>
+              <a:t>object</a:t>
+            </a:r>
+            <a:endParaRPr lang="fr-FR" sz="6000" dirty="0" smtClean="0">
+              <a:solidFill>
+                <a:srgbClr val="FF0000"/>
+              </a:solidFill>
+              <a:latin typeface="Courier New" panose="02070309020205020404" pitchFamily="49" charset="0"/>
+              <a:cs typeface="Courier New" panose="02070309020205020404" pitchFamily="49" charset="0"/>
+            </a:endParaRPr>
+          </a:p>
+        </p:txBody>
+      </p:sp>
+    </p:spTree>
+    <p:extLst>
+      <p:ext uri="{BB962C8B-B14F-4D97-AF65-F5344CB8AC3E}">
+        <p14:creationId xmlns:p14="http://schemas.microsoft.com/office/powerpoint/2010/main" val="7109841"/>
+      </p:ext>
+    </p:extLst>
+  </p:cSld>
+  <p:clrMapOvr>
+    <a:masterClrMapping/>
+  </p:clrMapOvr>
+  <p:timing>
+    <p:tnLst>
+      <p:par>
+        <p:cTn id="1" dur="indefinite" restart="never" nodeType="tmRoot">
+          <p:childTnLst>
+            <p:seq concurrent="1" nextAc="seek">
+              <p:cTn id="2" dur="indefinite" nodeType="mainSeq">
+                <p:childTnLst>
+                  <p:par>
+                    <p:cTn id="3" fill="hold">
+                      <p:stCondLst>
+                        <p:cond delay="indefinite"/>
+                      </p:stCondLst>
+                      <p:childTnLst>
+                        <p:par>
+                          <p:cTn id="4" fill="hold">
+                            <p:stCondLst>
+                              <p:cond delay="0"/>
+                            </p:stCondLst>
+                            <p:childTnLst>
+                              <p:par>
+                                <p:cTn id="5" presetID="1" presetClass="entr" presetSubtype="0" fill="hold" nodeType="clickEffect">
+                                  <p:stCondLst>
+                                    <p:cond delay="0"/>
+                                  </p:stCondLst>
+                                  <p:childTnLst>
+                                    <p:set>
+                                      <p:cBhvr>
+                                        <p:cTn id="6" dur="1" fill="hold">
+                                          <p:stCondLst>
+                                            <p:cond delay="0"/>
+                                          </p:stCondLst>
+                                        </p:cTn>
+                                        <p:tgtEl>
+                                          <p:spTgt spid="5">
+                                            <p:txEl>
+                                              <p:pRg st="1" end="1"/>
+                                            </p:txEl>
+                                          </p:spTgt>
+                                        </p:tgtEl>
+                                        <p:attrNameLst>
+                                          <p:attrName>style.visibility</p:attrName>
+                                        </p:attrNameLst>
+                                      </p:cBhvr>
+                                      <p:to>
+                                        <p:strVal val="visible"/>
+                                      </p:to>
+                                    </p:set>
+                                  </p:childTnLst>
+                                </p:cTn>
+                              </p:par>
+                            </p:childTnLst>
+                          </p:cTn>
+                        </p:par>
+                      </p:childTnLst>
+                    </p:cTn>
+                  </p:par>
+                  <p:par>
+                    <p:cTn id="7" fill="hold">
+                      <p:stCondLst>
+                        <p:cond delay="indefinite"/>
+                      </p:stCondLst>
+                      <p:childTnLst>
+                        <p:par>
+                          <p:cTn id="8" fill="hold">
+                            <p:stCondLst>
+                              <p:cond delay="0"/>
+                            </p:stCondLst>
+                            <p:childTnLst>
+                              <p:par>
+                                <p:cTn id="9" presetID="1" presetClass="entr" presetSubtype="0" fill="hold" nodeType="clickEffect">
+                                  <p:stCondLst>
+                                    <p:cond delay="0"/>
+                                  </p:stCondLst>
+                                  <p:childTnLst>
+                                    <p:set>
+                                      <p:cBhvr>
+                                        <p:cTn id="10" dur="1" fill="hold">
+                                          <p:stCondLst>
+                                            <p:cond delay="0"/>
+                                          </p:stCondLst>
+                                        </p:cTn>
+                                        <p:tgtEl>
+                                          <p:spTgt spid="5">
+                                            <p:txEl>
+                                              <p:pRg st="2" end="2"/>
+                                            </p:txEl>
+                                          </p:spTgt>
+                                        </p:tgtEl>
+                                        <p:attrNameLst>
+                                          <p:attrName>style.visibility</p:attrName>
+                                        </p:attrNameLst>
+                                      </p:cBhvr>
+                                      <p:to>
+                                        <p:strVal val="visible"/>
+                                      </p:to>
+                                    </p:set>
+                                  </p:childTnLst>
+                                </p:cTn>
+                              </p:par>
+                            </p:childTnLst>
+                          </p:cTn>
+                        </p:par>
+                      </p:childTnLst>
+                    </p:cTn>
+                  </p:par>
+                </p:childTnLst>
+              </p:cTn>
+              <p:prevCondLst>
+                <p:cond evt="onPrev" delay="0">
+                  <p:tgtEl>
+                    <p:sldTgt/>
+                  </p:tgtEl>
+                </p:cond>
+              </p:prevCondLst>
+              <p:nextCondLst>
+                <p:cond evt="onNext" delay="0">
+                  <p:tgtEl>
+                    <p:sldTgt/>
+                  </p:tgtEl>
+                </p:cond>
+              </p:nextCondLst>
+            </p:seq>
+          </p:childTnLst>
+        </p:cTn>
+      </p:par>
+    </p:tnLst>
+  </p:timing>
+</p:sld>
+</file>
+
+<file path=ppt/slides/slide27.xml><?xml version="1.0" encoding="utf-8"?>
+<p:sld xmlns:a="http://schemas.openxmlformats.org/drawingml/2006/main" xmlns:r="http://schemas.openxmlformats.org/officeDocument/2006/relationships" xmlns:p="http://schemas.openxmlformats.org/presentationml/2006/main">
+  <p:cSld>
+    <p:spTree>
+      <p:nvGrpSpPr>
+        <p:cNvPr id="1" name=""/>
+        <p:cNvGrpSpPr/>
+        <p:nvPr/>
+      </p:nvGrpSpPr>
+      <p:grpSpPr>
+        <a:xfrm>
+          <a:off x="0" y="0"/>
+          <a:ext cx="0" cy="0"/>
+          <a:chOff x="0" y="0"/>
+          <a:chExt cx="0" cy="0"/>
+        </a:xfrm>
+      </p:grpSpPr>
+      <p:sp>
+        <p:nvSpPr>
+          <p:cNvPr id="5" name="ZoneTexte 4"/>
+          <p:cNvSpPr txBox="1"/>
+          <p:nvPr/>
+        </p:nvSpPr>
+        <p:spPr>
+          <a:xfrm>
+            <a:off x="401443" y="689145"/>
+            <a:ext cx="11790557" cy="3600986"/>
+          </a:xfrm>
+          <a:prstGeom prst="rect">
+            <a:avLst/>
+          </a:prstGeom>
+          <a:noFill/>
+        </p:spPr>
+        <p:txBody>
+          <a:bodyPr wrap="square" rtlCol="0">
+            <a:spAutoFit/>
+          </a:bodyPr>
+          <a:lstStyle/>
+          <a:p>
+            <a:pPr marL="857250" indent="-857250">
+              <a:buFont typeface="Arial" panose="020B0604020202020204" pitchFamily="34" charset="0"/>
+              <a:buChar char="•"/>
+            </a:pPr>
+            <a:r>
+              <a:rPr lang="fr-FR" sz="6000" dirty="0" smtClean="0">
+                <a:latin typeface="Calibri" panose="020F0502020204030204" pitchFamily="34" charset="0"/>
+                <a:cs typeface="Courier New" panose="02070309020205020404" pitchFamily="49" charset="0"/>
+              </a:rPr>
+              <a:t>On appelle </a:t>
+            </a:r>
+            <a:r>
+              <a:rPr lang="fr-FR" sz="6000" i="1" dirty="0" smtClean="0">
+                <a:latin typeface="Calibri" panose="020F0502020204030204" pitchFamily="34" charset="0"/>
+                <a:cs typeface="Courier New" panose="02070309020205020404" pitchFamily="49" charset="0"/>
+              </a:rPr>
+              <a:t>classe</a:t>
+            </a:r>
+            <a:r>
+              <a:rPr lang="fr-FR" sz="6000" dirty="0" smtClean="0">
+                <a:latin typeface="Calibri" panose="020F0502020204030204" pitchFamily="34" charset="0"/>
+                <a:cs typeface="Courier New" panose="02070309020205020404" pitchFamily="49" charset="0"/>
+              </a:rPr>
+              <a:t> ou </a:t>
+            </a:r>
+            <a:r>
+              <a:rPr lang="fr-FR" sz="6000" i="1" dirty="0" smtClean="0">
+                <a:latin typeface="Calibri" panose="020F0502020204030204" pitchFamily="34" charset="0"/>
+                <a:cs typeface="Courier New" panose="02070309020205020404" pitchFamily="49" charset="0"/>
+              </a:rPr>
+              <a:t>type</a:t>
+            </a:r>
+            <a:r>
+              <a:rPr lang="fr-FR" sz="6000" dirty="0" smtClean="0">
+                <a:latin typeface="Calibri" panose="020F0502020204030204" pitchFamily="34" charset="0"/>
+                <a:cs typeface="Courier New" panose="02070309020205020404" pitchFamily="49" charset="0"/>
+              </a:rPr>
+              <a:t> une instance de la </a:t>
+            </a:r>
+            <a:r>
+              <a:rPr lang="fr-FR" sz="6000" dirty="0" err="1" smtClean="0">
+                <a:latin typeface="Calibri" panose="020F0502020204030204" pitchFamily="34" charset="0"/>
+                <a:cs typeface="Courier New" panose="02070309020205020404" pitchFamily="49" charset="0"/>
+              </a:rPr>
+              <a:t>métaclasse</a:t>
+            </a:r>
+            <a:endParaRPr lang="fr-FR" sz="6000" dirty="0" smtClean="0">
+              <a:latin typeface="Calibri" panose="020F0502020204030204" pitchFamily="34" charset="0"/>
+              <a:cs typeface="Courier New" panose="02070309020205020404" pitchFamily="49" charset="0"/>
+            </a:endParaRPr>
+          </a:p>
+          <a:p>
+            <a:pPr marL="1314450" lvl="1" indent="-857250">
+              <a:buFont typeface="Arial" panose="020B0604020202020204" pitchFamily="34" charset="0"/>
+              <a:buChar char="•"/>
+            </a:pPr>
+            <a:r>
+              <a:rPr lang="fr-FR" sz="5400" dirty="0" smtClean="0">
+                <a:latin typeface="Calibri" panose="020F0502020204030204" pitchFamily="34" charset="0"/>
+                <a:cs typeface="Courier New" panose="02070309020205020404" pitchFamily="49" charset="0"/>
+              </a:rPr>
+              <a:t>La classe a pour type l’objet </a:t>
+            </a:r>
+            <a:r>
+              <a:rPr lang="fr-FR" sz="5400" dirty="0" err="1" smtClean="0">
+                <a:latin typeface="Calibri" panose="020F0502020204030204" pitchFamily="34" charset="0"/>
+                <a:cs typeface="Courier New" panose="02070309020205020404" pitchFamily="49" charset="0"/>
+              </a:rPr>
+              <a:t>métaclasse</a:t>
+            </a:r>
+            <a:endParaRPr lang="fr-FR" sz="5400" dirty="0" smtClean="0">
+              <a:latin typeface="Calibri" panose="020F0502020204030204" pitchFamily="34" charset="0"/>
+              <a:cs typeface="Courier New" panose="02070309020205020404" pitchFamily="49" charset="0"/>
+            </a:endParaRPr>
+          </a:p>
+        </p:txBody>
+      </p:sp>
+    </p:spTree>
+    <p:extLst>
+      <p:ext uri="{BB962C8B-B14F-4D97-AF65-F5344CB8AC3E}">
+        <p14:creationId xmlns:p14="http://schemas.microsoft.com/office/powerpoint/2010/main" val="3313412852"/>
+      </p:ext>
+    </p:extLst>
+  </p:cSld>
+  <p:clrMapOvr>
+    <a:masterClrMapping/>
+  </p:clrMapOvr>
+  <p:timing>
+    <p:tnLst>
+      <p:par>
+        <p:cTn id="1" dur="indefinite" restart="never" nodeType="tmRoot">
+          <p:childTnLst>
+            <p:seq concurrent="1" nextAc="seek">
+              <p:cTn id="2" dur="indefinite" nodeType="mainSeq">
+                <p:childTnLst>
+                  <p:par>
+                    <p:cTn id="3" fill="hold">
+                      <p:stCondLst>
+                        <p:cond delay="indefinite"/>
+                      </p:stCondLst>
+                      <p:childTnLst>
+                        <p:par>
+                          <p:cTn id="4" fill="hold">
+                            <p:stCondLst>
+                              <p:cond delay="0"/>
+                            </p:stCondLst>
+                            <p:childTnLst>
+                              <p:par>
+                                <p:cTn id="5" presetID="1" presetClass="entr" presetSubtype="0" fill="hold" nodeType="clickEffect">
+                                  <p:stCondLst>
+                                    <p:cond delay="0"/>
+                                  </p:stCondLst>
+                                  <p:childTnLst>
+                                    <p:set>
+                                      <p:cBhvr>
+                                        <p:cTn id="6" dur="1" fill="hold">
+                                          <p:stCondLst>
+                                            <p:cond delay="0"/>
+                                          </p:stCondLst>
+                                        </p:cTn>
+                                        <p:tgtEl>
+                                          <p:spTgt spid="5">
+                                            <p:txEl>
+                                              <p:pRg st="1" end="1"/>
+                                            </p:txEl>
+                                          </p:spTgt>
+                                        </p:tgtEl>
+                                        <p:attrNameLst>
+                                          <p:attrName>style.visibility</p:attrName>
+                                        </p:attrNameLst>
+                                      </p:cBhvr>
+                                      <p:to>
+                                        <p:strVal val="visible"/>
+                                      </p:to>
+                                    </p:set>
+                                  </p:childTnLst>
+                                </p:cTn>
+                              </p:par>
+                            </p:childTnLst>
+                          </p:cTn>
+                        </p:par>
+                      </p:childTnLst>
+                    </p:cTn>
+                  </p:par>
+                </p:childTnLst>
+              </p:cTn>
+              <p:prevCondLst>
+                <p:cond evt="onPrev" delay="0">
+                  <p:tgtEl>
+                    <p:sldTgt/>
+                  </p:tgtEl>
+                </p:cond>
+              </p:prevCondLst>
+              <p:nextCondLst>
+                <p:cond evt="onNext" delay="0">
+                  <p:tgtEl>
+                    <p:sldTgt/>
+                  </p:tgtEl>
+                </p:cond>
+              </p:nextCondLst>
+            </p:seq>
+          </p:childTnLst>
+        </p:cTn>
+      </p:par>
+    </p:tnLst>
+  </p:timing>
+</p:sld>
+</file>
+
+<file path=ppt/slides/slide28.xml><?xml version="1.0" encoding="utf-8"?>
+<p:sld xmlns:a="http://schemas.openxmlformats.org/drawingml/2006/main" xmlns:r="http://schemas.openxmlformats.org/officeDocument/2006/relationships" xmlns:p="http://schemas.openxmlformats.org/presentationml/2006/main">
+  <p:cSld>
+    <p:spTree>
+      <p:nvGrpSpPr>
+        <p:cNvPr id="1" name=""/>
+        <p:cNvGrpSpPr/>
+        <p:nvPr/>
+      </p:nvGrpSpPr>
+      <p:grpSpPr>
+        <a:xfrm>
+          <a:off x="0" y="0"/>
+          <a:ext cx="0" cy="0"/>
+          <a:chOff x="0" y="0"/>
+          <a:chExt cx="0" cy="0"/>
+        </a:xfrm>
+      </p:grpSpPr>
+      <p:sp>
+        <p:nvSpPr>
+          <p:cNvPr id="5" name="ZoneTexte 4"/>
+          <p:cNvSpPr txBox="1"/>
+          <p:nvPr/>
+        </p:nvSpPr>
+        <p:spPr>
+          <a:xfrm>
+            <a:off x="401443" y="689145"/>
+            <a:ext cx="11790557" cy="3600986"/>
+          </a:xfrm>
+          <a:prstGeom prst="rect">
+            <a:avLst/>
+          </a:prstGeom>
+          <a:noFill/>
+        </p:spPr>
+        <p:txBody>
+          <a:bodyPr wrap="square" rtlCol="0">
+            <a:spAutoFit/>
+          </a:bodyPr>
+          <a:lstStyle/>
+          <a:p>
+            <a:pPr marL="857250" indent="-857250">
+              <a:buFont typeface="Arial" panose="020B0604020202020204" pitchFamily="34" charset="0"/>
+              <a:buChar char="•"/>
+            </a:pPr>
+            <a:r>
+              <a:rPr lang="fr-FR" sz="6000" dirty="0" smtClean="0">
+                <a:latin typeface="Calibri" panose="020F0502020204030204" pitchFamily="34" charset="0"/>
+                <a:cs typeface="Courier New" panose="02070309020205020404" pitchFamily="49" charset="0"/>
+              </a:rPr>
+              <a:t>On appelle </a:t>
+            </a:r>
+            <a:r>
+              <a:rPr lang="fr-FR" sz="6000" i="1" dirty="0" smtClean="0">
+                <a:latin typeface="Calibri" panose="020F0502020204030204" pitchFamily="34" charset="0"/>
+                <a:cs typeface="Courier New" panose="02070309020205020404" pitchFamily="49" charset="0"/>
+              </a:rPr>
+              <a:t>instance</a:t>
+            </a:r>
+            <a:r>
+              <a:rPr lang="fr-FR" sz="6000" dirty="0" smtClean="0">
+                <a:latin typeface="Calibri" panose="020F0502020204030204" pitchFamily="34" charset="0"/>
+                <a:cs typeface="Courier New" panose="02070309020205020404" pitchFamily="49" charset="0"/>
+              </a:rPr>
+              <a:t> une instance d’une classe</a:t>
+            </a:r>
+          </a:p>
+          <a:p>
+            <a:pPr marL="1314450" lvl="1" indent="-857250">
+              <a:buFont typeface="Arial" panose="020B0604020202020204" pitchFamily="34" charset="0"/>
+              <a:buChar char="•"/>
+            </a:pPr>
+            <a:r>
+              <a:rPr lang="fr-FR" sz="5400" dirty="0" smtClean="0">
+                <a:latin typeface="Calibri" panose="020F0502020204030204" pitchFamily="34" charset="0"/>
+                <a:cs typeface="Courier New" panose="02070309020205020404" pitchFamily="49" charset="0"/>
+              </a:rPr>
+              <a:t>Une instance n’a pas pour type l’objet </a:t>
+            </a:r>
+            <a:r>
+              <a:rPr lang="fr-FR" sz="5400" dirty="0" smtClean="0">
+                <a:solidFill>
+                  <a:srgbClr val="00B050"/>
+                </a:solidFill>
+                <a:latin typeface="Courier New" panose="02070309020205020404" pitchFamily="49" charset="0"/>
+                <a:cs typeface="Courier New" panose="02070309020205020404" pitchFamily="49" charset="0"/>
+              </a:rPr>
+              <a:t>type</a:t>
+            </a:r>
+            <a:r>
+              <a:rPr lang="fr-FR" sz="5400" dirty="0" smtClean="0">
+                <a:latin typeface="Calibri" panose="020F0502020204030204" pitchFamily="34" charset="0"/>
+                <a:cs typeface="Courier New" panose="02070309020205020404" pitchFamily="49" charset="0"/>
+              </a:rPr>
+              <a:t>, mais l’objet classe</a:t>
+            </a:r>
+          </a:p>
+        </p:txBody>
+      </p:sp>
+    </p:spTree>
+    <p:extLst>
+      <p:ext uri="{BB962C8B-B14F-4D97-AF65-F5344CB8AC3E}">
+        <p14:creationId xmlns:p14="http://schemas.microsoft.com/office/powerpoint/2010/main" val="808501172"/>
+      </p:ext>
+    </p:extLst>
+  </p:cSld>
+  <p:clrMapOvr>
+    <a:masterClrMapping/>
+  </p:clrMapOvr>
+  <p:timing>
+    <p:tnLst>
+      <p:par>
+        <p:cTn id="1" dur="indefinite" restart="never" nodeType="tmRoot">
+          <p:childTnLst>
+            <p:seq concurrent="1" nextAc="seek">
+              <p:cTn id="2" dur="indefinite" nodeType="mainSeq">
+                <p:childTnLst>
+                  <p:par>
+                    <p:cTn id="3" fill="hold">
+                      <p:stCondLst>
+                        <p:cond delay="indefinite"/>
+                      </p:stCondLst>
+                      <p:childTnLst>
+                        <p:par>
+                          <p:cTn id="4" fill="hold">
+                            <p:stCondLst>
+                              <p:cond delay="0"/>
+                            </p:stCondLst>
+                            <p:childTnLst>
+                              <p:par>
+                                <p:cTn id="5" presetID="1" presetClass="entr" presetSubtype="0" fill="hold" nodeType="clickEffect">
+                                  <p:stCondLst>
+                                    <p:cond delay="0"/>
+                                  </p:stCondLst>
+                                  <p:childTnLst>
+                                    <p:set>
+                                      <p:cBhvr>
+                                        <p:cTn id="6" dur="1" fill="hold">
+                                          <p:stCondLst>
+                                            <p:cond delay="0"/>
+                                          </p:stCondLst>
+                                        </p:cTn>
+                                        <p:tgtEl>
+                                          <p:spTgt spid="5">
+                                            <p:txEl>
+                                              <p:pRg st="1" end="1"/>
+                                            </p:txEl>
+                                          </p:spTgt>
+                                        </p:tgtEl>
+                                        <p:attrNameLst>
+                                          <p:attrName>style.visibility</p:attrName>
+                                        </p:attrNameLst>
+                                      </p:cBhvr>
+                                      <p:to>
+                                        <p:strVal val="visible"/>
+                                      </p:to>
+                                    </p:set>
+                                  </p:childTnLst>
+                                </p:cTn>
+                              </p:par>
+                            </p:childTnLst>
+                          </p:cTn>
+                        </p:par>
+                      </p:childTnLst>
+                    </p:cTn>
+                  </p:par>
+                </p:childTnLst>
+              </p:cTn>
+              <p:prevCondLst>
+                <p:cond evt="onPrev" delay="0">
+                  <p:tgtEl>
+                    <p:sldTgt/>
+                  </p:tgtEl>
+                </p:cond>
+              </p:prevCondLst>
+              <p:nextCondLst>
+                <p:cond evt="onNext" delay="0">
+                  <p:tgtEl>
+                    <p:sldTgt/>
+                  </p:tgtEl>
+                </p:cond>
+              </p:nextCondLst>
+            </p:seq>
+          </p:childTnLst>
+        </p:cTn>
+      </p:par>
+    </p:tnLst>
+  </p:timing>
+</p:sld>
+</file>
+
 <file path=ppt/slides/slide3.xml><?xml version="1.0" encoding="utf-8"?>
+<p:sld xmlns:a="http://schemas.openxmlformats.org/drawingml/2006/main" xmlns:r="http://schemas.openxmlformats.org/officeDocument/2006/relationships" xmlns:p="http://schemas.openxmlformats.org/presentationml/2006/main">
+  <p:cSld>
+    <p:spTree>
+      <p:nvGrpSpPr>
+        <p:cNvPr id="1" name=""/>
+        <p:cNvGrpSpPr/>
+        <p:nvPr/>
+      </p:nvGrpSpPr>
+      <p:grpSpPr>
+        <a:xfrm>
+          <a:off x="0" y="0"/>
+          <a:ext cx="0" cy="0"/>
+          <a:chOff x="0" y="0"/>
+          <a:chExt cx="0" cy="0"/>
+        </a:xfrm>
+      </p:grpSpPr>
+      <p:sp>
+        <p:nvSpPr>
+          <p:cNvPr id="5" name="ZoneTexte 4"/>
+          <p:cNvSpPr txBox="1"/>
+          <p:nvPr/>
+        </p:nvSpPr>
+        <p:spPr>
+          <a:xfrm>
+            <a:off x="401444" y="780585"/>
+            <a:ext cx="11106614" cy="1938992"/>
+          </a:xfrm>
+          <a:prstGeom prst="rect">
+            <a:avLst/>
+          </a:prstGeom>
+          <a:noFill/>
+        </p:spPr>
+        <p:txBody>
+          <a:bodyPr wrap="square" rtlCol="0">
+            <a:spAutoFit/>
+          </a:bodyPr>
+          <a:lstStyle/>
+          <a:p>
+            <a:r>
+              <a:rPr lang="fr-FR" sz="6000" dirty="0" smtClean="0">
+                <a:latin typeface="Calibri" panose="020F0502020204030204" pitchFamily="34" charset="0"/>
+              </a:rPr>
+              <a:t>Quelle est la super classe de toutes les classes ?</a:t>
+            </a:r>
+            <a:endParaRPr lang="fr-FR" sz="6000" dirty="0">
+              <a:latin typeface="Calibri" panose="020F0502020204030204" pitchFamily="34" charset="0"/>
+            </a:endParaRPr>
+          </a:p>
+        </p:txBody>
+      </p:sp>
+    </p:spTree>
+    <p:extLst>
+      <p:ext uri="{BB962C8B-B14F-4D97-AF65-F5344CB8AC3E}">
+        <p14:creationId xmlns:p14="http://schemas.microsoft.com/office/powerpoint/2010/main" val="2983994237"/>
+      </p:ext>
+    </p:extLst>
+  </p:cSld>
+  <p:clrMapOvr>
+    <a:masterClrMapping/>
+  </p:clrMapOvr>
+  <p:timing>
+    <p:tnLst>
+      <p:par>
+        <p:cTn id="1" dur="indefinite" restart="never" nodeType="tmRoot"/>
+      </p:par>
+    </p:tnLst>
+  </p:timing>
+</p:sld>
+</file>
+
+<file path=ppt/slides/slide4.xml><?xml version="1.0" encoding="utf-8"?>
 <p:sld xmlns:a="http://schemas.openxmlformats.org/drawingml/2006/main" xmlns:r="http://schemas.openxmlformats.org/officeDocument/2006/relationships" xmlns:p="http://schemas.openxmlformats.org/presentationml/2006/main">
   <p:cSld>
     <p:spTree>
@@ -16739,7 +18973,7 @@
 </p:sld>
 </file>
 
-<file path=ppt/slides/slide4.xml><?xml version="1.0" encoding="utf-8"?>
+<file path=ppt/slides/slide5.xml><?xml version="1.0" encoding="utf-8"?>
 <p:sld xmlns:a="http://schemas.openxmlformats.org/drawingml/2006/main" xmlns:r="http://schemas.openxmlformats.org/officeDocument/2006/relationships" xmlns:p="http://schemas.openxmlformats.org/presentationml/2006/main">
   <p:cSld>
     <p:spTree>
@@ -17522,7 +19756,7 @@
 </p:sld>
 </file>
 
-<file path=ppt/slides/slide5.xml><?xml version="1.0" encoding="utf-8"?>
+<file path=ppt/slides/slide6.xml><?xml version="1.0" encoding="utf-8"?>
 <p:sld xmlns:a="http://schemas.openxmlformats.org/drawingml/2006/main" xmlns:r="http://schemas.openxmlformats.org/officeDocument/2006/relationships" xmlns:p="http://schemas.openxmlformats.org/presentationml/2006/main">
   <p:cSld>
     <p:spTree>
@@ -17761,7 +19995,182 @@
 </p:sld>
 </file>
 
-<file path=ppt/slides/slide6.xml><?xml version="1.0" encoding="utf-8"?>
+<file path=ppt/slides/slide7.xml><?xml version="1.0" encoding="utf-8"?>
+<p:sld xmlns:a="http://schemas.openxmlformats.org/drawingml/2006/main" xmlns:r="http://schemas.openxmlformats.org/officeDocument/2006/relationships" xmlns:p="http://schemas.openxmlformats.org/presentationml/2006/main">
+  <p:cSld>
+    <p:spTree>
+      <p:nvGrpSpPr>
+        <p:cNvPr id="1" name=""/>
+        <p:cNvGrpSpPr/>
+        <p:nvPr/>
+      </p:nvGrpSpPr>
+      <p:grpSpPr>
+        <a:xfrm>
+          <a:off x="0" y="0"/>
+          <a:ext cx="0" cy="0"/>
+          <a:chOff x="0" y="0"/>
+          <a:chExt cx="0" cy="0"/>
+        </a:xfrm>
+      </p:grpSpPr>
+      <p:sp>
+        <p:nvSpPr>
+          <p:cNvPr id="5" name="ZoneTexte 4"/>
+          <p:cNvSpPr txBox="1"/>
+          <p:nvPr/>
+        </p:nvSpPr>
+        <p:spPr>
+          <a:xfrm>
+            <a:off x="401443" y="780585"/>
+            <a:ext cx="11790557" cy="3785652"/>
+          </a:xfrm>
+          <a:prstGeom prst="rect">
+            <a:avLst/>
+          </a:prstGeom>
+          <a:noFill/>
+        </p:spPr>
+        <p:txBody>
+          <a:bodyPr wrap="square" rtlCol="0">
+            <a:spAutoFit/>
+          </a:bodyPr>
+          <a:lstStyle/>
+          <a:p>
+            <a:pPr marL="857250" indent="-857250">
+              <a:buFont typeface="Arial" panose="020B0604020202020204" pitchFamily="34" charset="0"/>
+              <a:buChar char="•"/>
+            </a:pPr>
+            <a:r>
+              <a:rPr lang="fr-FR" sz="6000" dirty="0" smtClean="0">
+                <a:latin typeface="Calibri" panose="020F0502020204030204" pitchFamily="34" charset="0"/>
+                <a:cs typeface="Courier New" panose="02070309020205020404" pitchFamily="49" charset="0"/>
+              </a:rPr>
+              <a:t>Les </a:t>
+            </a:r>
+            <a:r>
+              <a:rPr lang="fr-FR" sz="6000" dirty="0">
+                <a:latin typeface="Calibri" panose="020F0502020204030204" pitchFamily="34" charset="0"/>
+                <a:cs typeface="Courier New" panose="02070309020205020404" pitchFamily="49" charset="0"/>
+              </a:rPr>
+              <a:t>classes peuvent avoir des sous-classes, pas les instances</a:t>
+            </a:r>
+            <a:endParaRPr lang="fr-FR" sz="6000" dirty="0">
+              <a:latin typeface="Calibri" panose="020F0502020204030204" pitchFamily="34" charset="0"/>
+            </a:endParaRPr>
+          </a:p>
+          <a:p>
+            <a:pPr marL="857250" indent="-857250">
+              <a:buFont typeface="Arial" panose="020B0604020202020204" pitchFamily="34" charset="0"/>
+              <a:buChar char="•"/>
+            </a:pPr>
+            <a:r>
+              <a:rPr lang="fr-FR" sz="6000" dirty="0" smtClean="0">
+                <a:latin typeface="Calibri" panose="020F0502020204030204" pitchFamily="34" charset="0"/>
+                <a:cs typeface="Courier New" panose="02070309020205020404" pitchFamily="49" charset="0"/>
+              </a:rPr>
+              <a:t>Les classes peuvent avoir des instances, pas les instances</a:t>
+            </a:r>
+            <a:endParaRPr lang="fr-FR" sz="6000" dirty="0" smtClean="0">
+              <a:solidFill>
+                <a:srgbClr val="FF0000"/>
+              </a:solidFill>
+              <a:latin typeface="Courier New" panose="02070309020205020404" pitchFamily="49" charset="0"/>
+              <a:cs typeface="Courier New" panose="02070309020205020404" pitchFamily="49" charset="0"/>
+            </a:endParaRPr>
+          </a:p>
+        </p:txBody>
+      </p:sp>
+    </p:spTree>
+    <p:extLst>
+      <p:ext uri="{BB962C8B-B14F-4D97-AF65-F5344CB8AC3E}">
+        <p14:creationId xmlns:p14="http://schemas.microsoft.com/office/powerpoint/2010/main" val="2766108600"/>
+      </p:ext>
+    </p:extLst>
+  </p:cSld>
+  <p:clrMapOvr>
+    <a:masterClrMapping/>
+  </p:clrMapOvr>
+  <p:timing>
+    <p:tnLst>
+      <p:par>
+        <p:cTn id="1" dur="indefinite" restart="never" nodeType="tmRoot">
+          <p:childTnLst>
+            <p:seq concurrent="1" nextAc="seek">
+              <p:cTn id="2" dur="indefinite" nodeType="mainSeq">
+                <p:childTnLst>
+                  <p:par>
+                    <p:cTn id="3" fill="hold">
+                      <p:stCondLst>
+                        <p:cond delay="indefinite"/>
+                      </p:stCondLst>
+                      <p:childTnLst>
+                        <p:par>
+                          <p:cTn id="4" fill="hold">
+                            <p:stCondLst>
+                              <p:cond delay="0"/>
+                            </p:stCondLst>
+                            <p:childTnLst>
+                              <p:par>
+                                <p:cTn id="5" presetID="1" presetClass="entr" presetSubtype="0" fill="hold" nodeType="clickEffect">
+                                  <p:stCondLst>
+                                    <p:cond delay="0"/>
+                                  </p:stCondLst>
+                                  <p:childTnLst>
+                                    <p:set>
+                                      <p:cBhvr>
+                                        <p:cTn id="6" dur="1" fill="hold">
+                                          <p:stCondLst>
+                                            <p:cond delay="0"/>
+                                          </p:stCondLst>
+                                        </p:cTn>
+                                        <p:tgtEl>
+                                          <p:spTgt spid="5">
+                                            <p:txEl>
+                                              <p:pRg st="1" end="1"/>
+                                            </p:txEl>
+                                          </p:spTgt>
+                                        </p:tgtEl>
+                                        <p:attrNameLst>
+                                          <p:attrName>style.visibility</p:attrName>
+                                        </p:attrNameLst>
+                                      </p:cBhvr>
+                                      <p:to>
+                                        <p:strVal val="visible"/>
+                                      </p:to>
+                                    </p:set>
+                                  </p:childTnLst>
+                                </p:cTn>
+                              </p:par>
+                            </p:childTnLst>
+                          </p:cTn>
+                        </p:par>
+                      </p:childTnLst>
+                    </p:cTn>
+                  </p:par>
+                </p:childTnLst>
+              </p:cTn>
+              <p:prevCondLst>
+                <p:cond evt="onPrev" delay="0">
+                  <p:tgtEl>
+                    <p:sldTgt/>
+                  </p:tgtEl>
+                </p:cond>
+              </p:prevCondLst>
+              <p:nextCondLst>
+                <p:cond evt="onNext" delay="0">
+                  <p:tgtEl>
+                    <p:sldTgt/>
+                  </p:tgtEl>
+                </p:cond>
+              </p:nextCondLst>
+            </p:seq>
+          </p:childTnLst>
+        </p:cTn>
+      </p:par>
+    </p:tnLst>
+  </p:timing>
+</p:sld>
+</file>
+
+<file path=ppt/slides/slide8.xml><?xml version="1.0" encoding="utf-8"?>
 <p:sld xmlns:a="http://schemas.openxmlformats.org/drawingml/2006/main" xmlns:r="http://schemas.openxmlformats.org/officeDocument/2006/relationships" xmlns:p="http://schemas.openxmlformats.org/presentationml/2006/main">
   <p:cSld>
     <p:spTree>
@@ -18725,7 +21134,7 @@
 </p:sld>
 </file>
 
-<file path=ppt/slides/slide7.xml><?xml version="1.0" encoding="utf-8"?>
+<file path=ppt/slides/slide9.xml><?xml version="1.0" encoding="utf-8"?>
 <p:sld xmlns:a="http://schemas.openxmlformats.org/drawingml/2006/main" xmlns:r="http://schemas.openxmlformats.org/officeDocument/2006/relationships" xmlns:p="http://schemas.openxmlformats.org/presentationml/2006/main">
   <p:cSld>
     <p:spTree>
@@ -19892,1591 +22301,6 @@
     </p:tnLst>
     <p:bldLst>
       <p:bldP spid="15" grpId="0"/>
-    </p:bldLst>
-  </p:timing>
-</p:sld>
-</file>
-
-<file path=ppt/slides/slide8.xml><?xml version="1.0" encoding="utf-8"?>
-<p:sld xmlns:a="http://schemas.openxmlformats.org/drawingml/2006/main" xmlns:r="http://schemas.openxmlformats.org/officeDocument/2006/relationships" xmlns:p="http://schemas.openxmlformats.org/presentationml/2006/main">
-  <p:cSld>
-    <p:spTree>
-      <p:nvGrpSpPr>
-        <p:cNvPr id="1" name=""/>
-        <p:cNvGrpSpPr/>
-        <p:nvPr/>
-      </p:nvGrpSpPr>
-      <p:grpSpPr>
-        <a:xfrm>
-          <a:off x="0" y="0"/>
-          <a:ext cx="0" cy="0"/>
-          <a:chOff x="0" y="0"/>
-          <a:chExt cx="0" cy="0"/>
-        </a:xfrm>
-      </p:grpSpPr>
-      <p:sp>
-        <p:nvSpPr>
-          <p:cNvPr id="5" name="ZoneTexte 4"/>
-          <p:cNvSpPr txBox="1"/>
-          <p:nvPr/>
-        </p:nvSpPr>
-        <p:spPr>
-          <a:xfrm>
-            <a:off x="401443" y="312234"/>
-            <a:ext cx="10772080" cy="5632311"/>
-          </a:xfrm>
-          <a:prstGeom prst="rect">
-            <a:avLst/>
-          </a:prstGeom>
-          <a:noFill/>
-        </p:spPr>
-        <p:txBody>
-          <a:bodyPr wrap="square" rtlCol="0">
-            <a:spAutoFit/>
-          </a:bodyPr>
-          <a:lstStyle/>
-          <a:p>
-            <a:r>
-              <a:rPr lang="fr-FR" sz="6000" dirty="0" smtClean="0">
-                <a:latin typeface="Calibri" panose="020F0502020204030204" pitchFamily="34" charset="0"/>
-              </a:rPr>
-              <a:t>Pourquoi le type de toutes les classes est l’objet </a:t>
-            </a:r>
-            <a:r>
-              <a:rPr lang="fr-FR" sz="6000" dirty="0" smtClean="0">
-                <a:solidFill>
-                  <a:srgbClr val="00B050"/>
-                </a:solidFill>
-                <a:latin typeface="Courier New" panose="02070309020205020404" pitchFamily="49" charset="0"/>
-                <a:cs typeface="Courier New" panose="02070309020205020404" pitchFamily="49" charset="0"/>
-              </a:rPr>
-              <a:t>type</a:t>
-            </a:r>
-            <a:r>
-              <a:rPr lang="fr-FR" sz="6000" dirty="0" smtClean="0">
-                <a:solidFill>
-                  <a:srgbClr val="00B050"/>
-                </a:solidFill>
-                <a:latin typeface="Calibri" panose="020F0502020204030204" pitchFamily="34" charset="0"/>
-                <a:cs typeface="Courier New" panose="02070309020205020404" pitchFamily="49" charset="0"/>
-              </a:rPr>
-              <a:t> </a:t>
-            </a:r>
-            <a:r>
-              <a:rPr lang="fr-FR" sz="6000" dirty="0" smtClean="0">
-                <a:latin typeface="Calibri" panose="020F0502020204030204" pitchFamily="34" charset="0"/>
-                <a:cs typeface="Courier New" panose="02070309020205020404" pitchFamily="49" charset="0"/>
-              </a:rPr>
-              <a:t>?</a:t>
-            </a:r>
-          </a:p>
-          <a:p>
-            <a:pPr marL="857250" indent="-857250">
-              <a:buFont typeface="Arial" panose="020B0604020202020204" pitchFamily="34" charset="0"/>
-              <a:buChar char="•"/>
-            </a:pPr>
-            <a:r>
-              <a:rPr lang="fr-FR" sz="6000" dirty="0" smtClean="0">
-                <a:latin typeface="Calibri" panose="020F0502020204030204" pitchFamily="34" charset="0"/>
-              </a:rPr>
-              <a:t>Le type est l’objet qui instancie</a:t>
-            </a:r>
-          </a:p>
-          <a:p>
-            <a:pPr marL="857250" indent="-857250">
-              <a:buFont typeface="Arial" panose="020B0604020202020204" pitchFamily="34" charset="0"/>
-              <a:buChar char="•"/>
-            </a:pPr>
-            <a:r>
-              <a:rPr lang="fr-FR" sz="6000" dirty="0" smtClean="0">
-                <a:latin typeface="Calibri" panose="020F0502020204030204" pitchFamily="34" charset="0"/>
-                <a:cs typeface="Courier New" panose="02070309020205020404" pitchFamily="49" charset="0"/>
-              </a:rPr>
-              <a:t>L’objet </a:t>
-            </a:r>
-            <a:r>
-              <a:rPr lang="fr-FR" sz="6000" dirty="0" smtClean="0">
-                <a:solidFill>
-                  <a:srgbClr val="00B050"/>
-                </a:solidFill>
-                <a:latin typeface="Courier New" panose="02070309020205020404" pitchFamily="49" charset="0"/>
-                <a:cs typeface="Courier New" panose="02070309020205020404" pitchFamily="49" charset="0"/>
-              </a:rPr>
-              <a:t>type</a:t>
-            </a:r>
-            <a:r>
-              <a:rPr lang="fr-FR" sz="6000" dirty="0" smtClean="0">
-                <a:solidFill>
-                  <a:srgbClr val="00B050"/>
-                </a:solidFill>
-                <a:latin typeface="Calibri" panose="020F0502020204030204" pitchFamily="34" charset="0"/>
-              </a:rPr>
-              <a:t> </a:t>
-            </a:r>
-            <a:r>
-              <a:rPr lang="fr-FR" sz="6000" dirty="0" smtClean="0">
-                <a:latin typeface="Calibri" panose="020F0502020204030204" pitchFamily="34" charset="0"/>
-              </a:rPr>
-              <a:t>instancie toutes les classes</a:t>
-            </a:r>
-          </a:p>
-          <a:p>
-            <a:pPr marL="857250" indent="-857250">
-              <a:buFont typeface="Arial" panose="020B0604020202020204" pitchFamily="34" charset="0"/>
-              <a:buChar char="•"/>
-            </a:pPr>
-            <a:r>
-              <a:rPr lang="fr-FR" sz="6000" dirty="0" smtClean="0">
-                <a:latin typeface="Calibri" panose="020F0502020204030204" pitchFamily="34" charset="0"/>
-              </a:rPr>
-              <a:t>C’est une </a:t>
-            </a:r>
-            <a:r>
-              <a:rPr lang="fr-FR" sz="6000" u="sng" dirty="0" err="1" smtClean="0">
-                <a:latin typeface="Calibri" panose="020F0502020204030204" pitchFamily="34" charset="0"/>
-              </a:rPr>
-              <a:t>métaclasse</a:t>
-            </a:r>
-            <a:r>
-              <a:rPr lang="fr-FR" sz="6000" u="sng" dirty="0" smtClean="0">
-                <a:latin typeface="Calibri" panose="020F0502020204030204" pitchFamily="34" charset="0"/>
-              </a:rPr>
-              <a:t> </a:t>
-            </a:r>
-            <a:endParaRPr lang="fr-FR" sz="6000" u="sng" dirty="0">
-              <a:latin typeface="Calibri" panose="020F0502020204030204" pitchFamily="34" charset="0"/>
-            </a:endParaRPr>
-          </a:p>
-        </p:txBody>
-      </p:sp>
-    </p:spTree>
-    <p:extLst>
-      <p:ext uri="{BB962C8B-B14F-4D97-AF65-F5344CB8AC3E}">
-        <p14:creationId xmlns:p14="http://schemas.microsoft.com/office/powerpoint/2010/main" val="1413371335"/>
-      </p:ext>
-    </p:extLst>
-  </p:cSld>
-  <p:clrMapOvr>
-    <a:masterClrMapping/>
-  </p:clrMapOvr>
-  <p:timing>
-    <p:tnLst>
-      <p:par>
-        <p:cTn id="1" dur="indefinite" restart="never" nodeType="tmRoot">
-          <p:childTnLst>
-            <p:seq concurrent="1" nextAc="seek">
-              <p:cTn id="2" dur="indefinite" nodeType="mainSeq">
-                <p:childTnLst>
-                  <p:par>
-                    <p:cTn id="3" fill="hold">
-                      <p:stCondLst>
-                        <p:cond delay="indefinite"/>
-                      </p:stCondLst>
-                      <p:childTnLst>
-                        <p:par>
-                          <p:cTn id="4" fill="hold">
-                            <p:stCondLst>
-                              <p:cond delay="0"/>
-                            </p:stCondLst>
-                            <p:childTnLst>
-                              <p:par>
-                                <p:cTn id="5" presetID="10" presetClass="entr" presetSubtype="0" fill="hold" nodeType="clickEffect">
-                                  <p:stCondLst>
-                                    <p:cond delay="0"/>
-                                  </p:stCondLst>
-                                  <p:childTnLst>
-                                    <p:set>
-                                      <p:cBhvr>
-                                        <p:cTn id="6" dur="1" fill="hold">
-                                          <p:stCondLst>
-                                            <p:cond delay="0"/>
-                                          </p:stCondLst>
-                                        </p:cTn>
-                                        <p:tgtEl>
-                                          <p:spTgt spid="5">
-                                            <p:txEl>
-                                              <p:pRg st="1" end="1"/>
-                                            </p:txEl>
-                                          </p:spTgt>
-                                        </p:tgtEl>
-                                        <p:attrNameLst>
-                                          <p:attrName>style.visibility</p:attrName>
-                                        </p:attrNameLst>
-                                      </p:cBhvr>
-                                      <p:to>
-                                        <p:strVal val="visible"/>
-                                      </p:to>
-                                    </p:set>
-                                    <p:animEffect transition="in" filter="fade">
-                                      <p:cBhvr>
-                                        <p:cTn id="7" dur="500"/>
-                                        <p:tgtEl>
-                                          <p:spTgt spid="5">
-                                            <p:txEl>
-                                              <p:pRg st="1" end="1"/>
-                                            </p:txEl>
-                                          </p:spTgt>
-                                        </p:tgtEl>
-                                      </p:cBhvr>
-                                    </p:animEffect>
-                                  </p:childTnLst>
-                                </p:cTn>
-                              </p:par>
-                            </p:childTnLst>
-                          </p:cTn>
-                        </p:par>
-                      </p:childTnLst>
-                    </p:cTn>
-                  </p:par>
-                  <p:par>
-                    <p:cTn id="8" fill="hold">
-                      <p:stCondLst>
-                        <p:cond delay="indefinite"/>
-                      </p:stCondLst>
-                      <p:childTnLst>
-                        <p:par>
-                          <p:cTn id="9" fill="hold">
-                            <p:stCondLst>
-                              <p:cond delay="0"/>
-                            </p:stCondLst>
-                            <p:childTnLst>
-                              <p:par>
-                                <p:cTn id="10" presetID="10" presetClass="entr" presetSubtype="0" fill="hold" nodeType="clickEffect">
-                                  <p:stCondLst>
-                                    <p:cond delay="0"/>
-                                  </p:stCondLst>
-                                  <p:childTnLst>
-                                    <p:set>
-                                      <p:cBhvr>
-                                        <p:cTn id="11" dur="1" fill="hold">
-                                          <p:stCondLst>
-                                            <p:cond delay="0"/>
-                                          </p:stCondLst>
-                                        </p:cTn>
-                                        <p:tgtEl>
-                                          <p:spTgt spid="5">
-                                            <p:txEl>
-                                              <p:pRg st="2" end="2"/>
-                                            </p:txEl>
-                                          </p:spTgt>
-                                        </p:tgtEl>
-                                        <p:attrNameLst>
-                                          <p:attrName>style.visibility</p:attrName>
-                                        </p:attrNameLst>
-                                      </p:cBhvr>
-                                      <p:to>
-                                        <p:strVal val="visible"/>
-                                      </p:to>
-                                    </p:set>
-                                    <p:animEffect transition="in" filter="fade">
-                                      <p:cBhvr>
-                                        <p:cTn id="12" dur="500"/>
-                                        <p:tgtEl>
-                                          <p:spTgt spid="5">
-                                            <p:txEl>
-                                              <p:pRg st="2" end="2"/>
-                                            </p:txEl>
-                                          </p:spTgt>
-                                        </p:tgtEl>
-                                      </p:cBhvr>
-                                    </p:animEffect>
-                                  </p:childTnLst>
-                                </p:cTn>
-                              </p:par>
-                            </p:childTnLst>
-                          </p:cTn>
-                        </p:par>
-                      </p:childTnLst>
-                    </p:cTn>
-                  </p:par>
-                  <p:par>
-                    <p:cTn id="13" fill="hold">
-                      <p:stCondLst>
-                        <p:cond delay="indefinite"/>
-                      </p:stCondLst>
-                      <p:childTnLst>
-                        <p:par>
-                          <p:cTn id="14" fill="hold">
-                            <p:stCondLst>
-                              <p:cond delay="0"/>
-                            </p:stCondLst>
-                            <p:childTnLst>
-                              <p:par>
-                                <p:cTn id="15" presetID="10" presetClass="entr" presetSubtype="0" fill="hold" nodeType="clickEffect">
-                                  <p:stCondLst>
-                                    <p:cond delay="0"/>
-                                  </p:stCondLst>
-                                  <p:childTnLst>
-                                    <p:set>
-                                      <p:cBhvr>
-                                        <p:cTn id="16" dur="1" fill="hold">
-                                          <p:stCondLst>
-                                            <p:cond delay="0"/>
-                                          </p:stCondLst>
-                                        </p:cTn>
-                                        <p:tgtEl>
-                                          <p:spTgt spid="5">
-                                            <p:txEl>
-                                              <p:pRg st="3" end="3"/>
-                                            </p:txEl>
-                                          </p:spTgt>
-                                        </p:tgtEl>
-                                        <p:attrNameLst>
-                                          <p:attrName>style.visibility</p:attrName>
-                                        </p:attrNameLst>
-                                      </p:cBhvr>
-                                      <p:to>
-                                        <p:strVal val="visible"/>
-                                      </p:to>
-                                    </p:set>
-                                    <p:animEffect transition="in" filter="fade">
-                                      <p:cBhvr>
-                                        <p:cTn id="17" dur="500"/>
-                                        <p:tgtEl>
-                                          <p:spTgt spid="5">
-                                            <p:txEl>
-                                              <p:pRg st="3" end="3"/>
-                                            </p:txEl>
-                                          </p:spTgt>
-                                        </p:tgtEl>
-                                      </p:cBhvr>
-                                    </p:animEffect>
-                                  </p:childTnLst>
-                                </p:cTn>
-                              </p:par>
-                            </p:childTnLst>
-                          </p:cTn>
-                        </p:par>
-                      </p:childTnLst>
-                    </p:cTn>
-                  </p:par>
-                </p:childTnLst>
-              </p:cTn>
-              <p:prevCondLst>
-                <p:cond evt="onPrev" delay="0">
-                  <p:tgtEl>
-                    <p:sldTgt/>
-                  </p:tgtEl>
-                </p:cond>
-              </p:prevCondLst>
-              <p:nextCondLst>
-                <p:cond evt="onNext" delay="0">
-                  <p:tgtEl>
-                    <p:sldTgt/>
-                  </p:tgtEl>
-                </p:cond>
-              </p:nextCondLst>
-            </p:seq>
-          </p:childTnLst>
-        </p:cTn>
-      </p:par>
-    </p:tnLst>
-  </p:timing>
-</p:sld>
-</file>
-
-<file path=ppt/slides/slide9.xml><?xml version="1.0" encoding="utf-8"?>
-<p:sld xmlns:a="http://schemas.openxmlformats.org/drawingml/2006/main" xmlns:r="http://schemas.openxmlformats.org/officeDocument/2006/relationships" xmlns:p="http://schemas.openxmlformats.org/presentationml/2006/main">
-  <p:cSld>
-    <p:spTree>
-      <p:nvGrpSpPr>
-        <p:cNvPr id="1" name=""/>
-        <p:cNvGrpSpPr/>
-        <p:nvPr/>
-      </p:nvGrpSpPr>
-      <p:grpSpPr>
-        <a:xfrm>
-          <a:off x="0" y="0"/>
-          <a:ext cx="0" cy="0"/>
-          <a:chOff x="0" y="0"/>
-          <a:chExt cx="0" cy="0"/>
-        </a:xfrm>
-      </p:grpSpPr>
-      <p:sp>
-        <p:nvSpPr>
-          <p:cNvPr id="2" name="Rectangle 1"/>
-          <p:cNvSpPr/>
-          <p:nvPr/>
-        </p:nvSpPr>
-        <p:spPr bwMode="auto">
-          <a:xfrm>
-            <a:off x="298174" y="1896533"/>
-            <a:ext cx="2126974" cy="4762684"/>
-          </a:xfrm>
-          <a:prstGeom prst="rect">
-            <a:avLst/>
-          </a:prstGeom>
-          <a:noFill/>
-          <a:ln w="38100" cap="flat" cmpd="sng" algn="ctr">
-            <a:solidFill>
-              <a:schemeClr val="tx1"/>
-            </a:solidFill>
-            <a:prstDash val="solid"/>
-            <a:round/>
-            <a:headEnd type="none" w="med" len="med"/>
-            <a:tailEnd type="triangle" w="lg" len="lg"/>
-          </a:ln>
-          <a:effectLst/>
-        </p:spPr>
-        <p:txBody>
-          <a:bodyPr rtlCol="0" anchor="ctr"/>
-          <a:lstStyle/>
-          <a:p>
-            <a:pPr algn="ctr"/>
-            <a:endParaRPr lang="fr-FR"/>
-          </a:p>
-        </p:txBody>
-      </p:sp>
-      <p:sp>
-        <p:nvSpPr>
-          <p:cNvPr id="4" name="Rectangle 3"/>
-          <p:cNvSpPr/>
-          <p:nvPr/>
-        </p:nvSpPr>
-        <p:spPr bwMode="auto">
-          <a:xfrm>
-            <a:off x="2776330" y="1896533"/>
-            <a:ext cx="2126974" cy="4762684"/>
-          </a:xfrm>
-          <a:prstGeom prst="rect">
-            <a:avLst/>
-          </a:prstGeom>
-          <a:noFill/>
-          <a:ln w="38100" cap="flat" cmpd="sng" algn="ctr">
-            <a:solidFill>
-              <a:schemeClr val="tx1"/>
-            </a:solidFill>
-            <a:prstDash val="solid"/>
-            <a:round/>
-            <a:headEnd type="none" w="med" len="med"/>
-            <a:tailEnd type="triangle" w="lg" len="lg"/>
-          </a:ln>
-          <a:effectLst/>
-        </p:spPr>
-        <p:txBody>
-          <a:bodyPr rtlCol="0" anchor="ctr"/>
-          <a:lstStyle/>
-          <a:p>
-            <a:pPr algn="ctr"/>
-            <a:endParaRPr lang="fr-FR"/>
-          </a:p>
-        </p:txBody>
-      </p:sp>
-      <p:sp>
-        <p:nvSpPr>
-          <p:cNvPr id="6" name="Rectangle 5"/>
-          <p:cNvSpPr/>
-          <p:nvPr/>
-        </p:nvSpPr>
-        <p:spPr bwMode="auto">
-          <a:xfrm>
-            <a:off x="5254486" y="1896533"/>
-            <a:ext cx="2126974" cy="4762684"/>
-          </a:xfrm>
-          <a:prstGeom prst="rect">
-            <a:avLst/>
-          </a:prstGeom>
-          <a:noFill/>
-          <a:ln w="38100" cap="flat" cmpd="sng" algn="ctr">
-            <a:solidFill>
-              <a:schemeClr val="tx1"/>
-            </a:solidFill>
-            <a:prstDash val="solid"/>
-            <a:round/>
-            <a:headEnd type="none" w="med" len="med"/>
-            <a:tailEnd type="triangle" w="lg" len="lg"/>
-          </a:ln>
-          <a:effectLst/>
-        </p:spPr>
-        <p:txBody>
-          <a:bodyPr rtlCol="0" anchor="ctr"/>
-          <a:lstStyle/>
-          <a:p>
-            <a:pPr algn="ctr"/>
-            <a:endParaRPr lang="fr-FR"/>
-          </a:p>
-        </p:txBody>
-      </p:sp>
-      <p:sp>
-        <p:nvSpPr>
-          <p:cNvPr id="7" name="ZoneTexte 6"/>
-          <p:cNvSpPr txBox="1"/>
-          <p:nvPr/>
-        </p:nvSpPr>
-        <p:spPr>
-          <a:xfrm>
-            <a:off x="298174" y="291386"/>
-            <a:ext cx="7083286" cy="1323439"/>
-          </a:xfrm>
-          <a:prstGeom prst="rect">
-            <a:avLst/>
-          </a:prstGeom>
-          <a:noFill/>
-        </p:spPr>
-        <p:txBody>
-          <a:bodyPr wrap="square" rtlCol="0">
-            <a:spAutoFit/>
-          </a:bodyPr>
-          <a:lstStyle/>
-          <a:p>
-            <a:r>
-              <a:rPr lang="fr-FR" sz="4000" dirty="0" smtClean="0">
-                <a:latin typeface="Calibri" panose="020F0502020204030204" pitchFamily="34" charset="0"/>
-                <a:cs typeface="Courier New" panose="02070309020205020404" pitchFamily="49" charset="0"/>
-              </a:rPr>
-              <a:t>Le type d’une classe est le type de sa </a:t>
-            </a:r>
-            <a:r>
-              <a:rPr lang="fr-FR" sz="4000" dirty="0" err="1" smtClean="0">
-                <a:latin typeface="Calibri" panose="020F0502020204030204" pitchFamily="34" charset="0"/>
-                <a:cs typeface="Courier New" panose="02070309020205020404" pitchFamily="49" charset="0"/>
-              </a:rPr>
-              <a:t>super-classe</a:t>
-            </a:r>
-            <a:endParaRPr lang="fr-FR" sz="4000" dirty="0">
-              <a:solidFill>
-                <a:srgbClr val="00B050"/>
-              </a:solidFill>
-              <a:latin typeface="Courier New" panose="02070309020205020404" pitchFamily="49" charset="0"/>
-              <a:cs typeface="Courier New" panose="02070309020205020404" pitchFamily="49" charset="0"/>
-            </a:endParaRPr>
-          </a:p>
-        </p:txBody>
-      </p:sp>
-      <p:sp>
-        <p:nvSpPr>
-          <p:cNvPr id="8" name="ZoneTexte 7"/>
-          <p:cNvSpPr txBox="1"/>
-          <p:nvPr/>
-        </p:nvSpPr>
-        <p:spPr>
-          <a:xfrm>
-            <a:off x="207986" y="1896533"/>
-            <a:ext cx="2307350" cy="646331"/>
-          </a:xfrm>
-          <a:prstGeom prst="rect">
-            <a:avLst/>
-          </a:prstGeom>
-          <a:noFill/>
-        </p:spPr>
-        <p:txBody>
-          <a:bodyPr wrap="square" rtlCol="0">
-            <a:spAutoFit/>
-          </a:bodyPr>
-          <a:lstStyle/>
-          <a:p>
-            <a:r>
-              <a:rPr lang="fr-FR" sz="3600" u="sng" dirty="0" err="1" smtClean="0">
-                <a:latin typeface="Calibri" panose="020F0502020204030204" pitchFamily="34" charset="0"/>
-              </a:rPr>
-              <a:t>métaclasse</a:t>
-            </a:r>
-            <a:endParaRPr lang="fr-FR" sz="3600" u="sng" dirty="0">
-              <a:latin typeface="Calibri" panose="020F0502020204030204" pitchFamily="34" charset="0"/>
-            </a:endParaRPr>
-          </a:p>
-        </p:txBody>
-      </p:sp>
-      <p:sp>
-        <p:nvSpPr>
-          <p:cNvPr id="9" name="ZoneTexte 8"/>
-          <p:cNvSpPr txBox="1"/>
-          <p:nvPr/>
-        </p:nvSpPr>
-        <p:spPr>
-          <a:xfrm>
-            <a:off x="2686142" y="1913390"/>
-            <a:ext cx="2307350" cy="646331"/>
-          </a:xfrm>
-          <a:prstGeom prst="rect">
-            <a:avLst/>
-          </a:prstGeom>
-          <a:noFill/>
-        </p:spPr>
-        <p:txBody>
-          <a:bodyPr wrap="square" rtlCol="0">
-            <a:spAutoFit/>
-          </a:bodyPr>
-          <a:lstStyle/>
-          <a:p>
-            <a:pPr algn="ctr"/>
-            <a:r>
-              <a:rPr lang="fr-FR" sz="3600" u="sng" dirty="0" smtClean="0">
-                <a:latin typeface="Calibri" panose="020F0502020204030204" pitchFamily="34" charset="0"/>
-              </a:rPr>
-              <a:t>classe</a:t>
-            </a:r>
-            <a:endParaRPr lang="fr-FR" sz="3600" u="sng" dirty="0">
-              <a:latin typeface="Calibri" panose="020F0502020204030204" pitchFamily="34" charset="0"/>
-            </a:endParaRPr>
-          </a:p>
-        </p:txBody>
-      </p:sp>
-      <p:sp>
-        <p:nvSpPr>
-          <p:cNvPr id="10" name="ZoneTexte 9"/>
-          <p:cNvSpPr txBox="1"/>
-          <p:nvPr/>
-        </p:nvSpPr>
-        <p:spPr>
-          <a:xfrm>
-            <a:off x="5254486" y="1896532"/>
-            <a:ext cx="2126974" cy="646331"/>
-          </a:xfrm>
-          <a:prstGeom prst="rect">
-            <a:avLst/>
-          </a:prstGeom>
-          <a:noFill/>
-        </p:spPr>
-        <p:txBody>
-          <a:bodyPr wrap="square" rtlCol="0">
-            <a:spAutoFit/>
-          </a:bodyPr>
-          <a:lstStyle/>
-          <a:p>
-            <a:pPr algn="ctr"/>
-            <a:r>
-              <a:rPr lang="fr-FR" sz="3600" u="sng" dirty="0" smtClean="0">
-                <a:latin typeface="Calibri" panose="020F0502020204030204" pitchFamily="34" charset="0"/>
-              </a:rPr>
-              <a:t>instance</a:t>
-            </a:r>
-            <a:endParaRPr lang="fr-FR" sz="3600" u="sng" dirty="0">
-              <a:latin typeface="Calibri" panose="020F0502020204030204" pitchFamily="34" charset="0"/>
-            </a:endParaRPr>
-          </a:p>
-        </p:txBody>
-      </p:sp>
-      <p:sp>
-        <p:nvSpPr>
-          <p:cNvPr id="5" name="ZoneTexte 4"/>
-          <p:cNvSpPr txBox="1"/>
-          <p:nvPr/>
-        </p:nvSpPr>
-        <p:spPr>
-          <a:xfrm>
-            <a:off x="2919679" y="2841429"/>
-            <a:ext cx="1840275" cy="646331"/>
-          </a:xfrm>
-          <a:prstGeom prst="rect">
-            <a:avLst/>
-          </a:prstGeom>
-          <a:noFill/>
-        </p:spPr>
-        <p:txBody>
-          <a:bodyPr wrap="square" rtlCol="0">
-            <a:spAutoFit/>
-          </a:bodyPr>
-          <a:lstStyle/>
-          <a:p>
-            <a:r>
-              <a:rPr lang="fr-FR" sz="3600" dirty="0" err="1" smtClean="0">
-                <a:solidFill>
-                  <a:srgbClr val="FF0000"/>
-                </a:solidFill>
-                <a:latin typeface="Courier New" panose="02070309020205020404" pitchFamily="49" charset="0"/>
-                <a:cs typeface="Courier New" panose="02070309020205020404" pitchFamily="49" charset="0"/>
-              </a:rPr>
-              <a:t>object</a:t>
-            </a:r>
-            <a:endParaRPr lang="fr-FR" sz="3600" dirty="0">
-              <a:solidFill>
-                <a:srgbClr val="FF0000"/>
-              </a:solidFill>
-            </a:endParaRPr>
-          </a:p>
-        </p:txBody>
-      </p:sp>
-      <p:sp>
-        <p:nvSpPr>
-          <p:cNvPr id="11" name="ZoneTexte 10"/>
-          <p:cNvSpPr txBox="1"/>
-          <p:nvPr/>
-        </p:nvSpPr>
-        <p:spPr>
-          <a:xfrm>
-            <a:off x="2919678" y="3769468"/>
-            <a:ext cx="1840275" cy="646331"/>
-          </a:xfrm>
-          <a:prstGeom prst="rect">
-            <a:avLst/>
-          </a:prstGeom>
-          <a:noFill/>
-        </p:spPr>
-        <p:txBody>
-          <a:bodyPr wrap="square" rtlCol="0">
-            <a:spAutoFit/>
-          </a:bodyPr>
-          <a:lstStyle/>
-          <a:p>
-            <a:r>
-              <a:rPr lang="fr-FR" sz="3600" dirty="0" smtClean="0">
-                <a:latin typeface="Courier New" panose="02070309020205020404" pitchFamily="49" charset="0"/>
-                <a:cs typeface="Courier New" panose="02070309020205020404" pitchFamily="49" charset="0"/>
-              </a:rPr>
-              <a:t>C</a:t>
-            </a:r>
-            <a:endParaRPr lang="fr-FR" sz="3600" dirty="0"/>
-          </a:p>
-        </p:txBody>
-      </p:sp>
-      <p:sp>
-        <p:nvSpPr>
-          <p:cNvPr id="12" name="ZoneTexte 11"/>
-          <p:cNvSpPr txBox="1"/>
-          <p:nvPr/>
-        </p:nvSpPr>
-        <p:spPr>
-          <a:xfrm>
-            <a:off x="2919677" y="4568011"/>
-            <a:ext cx="1840275" cy="646331"/>
-          </a:xfrm>
-          <a:prstGeom prst="rect">
-            <a:avLst/>
-          </a:prstGeom>
-          <a:noFill/>
-        </p:spPr>
-        <p:txBody>
-          <a:bodyPr wrap="square" rtlCol="0">
-            <a:spAutoFit/>
-          </a:bodyPr>
-          <a:lstStyle/>
-          <a:p>
-            <a:r>
-              <a:rPr lang="fr-FR" sz="3600" dirty="0" err="1" smtClean="0">
-                <a:latin typeface="Courier New" panose="02070309020205020404" pitchFamily="49" charset="0"/>
-                <a:cs typeface="Courier New" panose="02070309020205020404" pitchFamily="49" charset="0"/>
-              </a:rPr>
-              <a:t>int</a:t>
-            </a:r>
-            <a:endParaRPr lang="fr-FR" sz="3600" dirty="0"/>
-          </a:p>
-        </p:txBody>
-      </p:sp>
-      <p:sp>
-        <p:nvSpPr>
-          <p:cNvPr id="13" name="ZoneTexte 12"/>
-          <p:cNvSpPr txBox="1"/>
-          <p:nvPr/>
-        </p:nvSpPr>
-        <p:spPr>
-          <a:xfrm>
-            <a:off x="2919676" y="5366554"/>
-            <a:ext cx="1840275" cy="646331"/>
-          </a:xfrm>
-          <a:prstGeom prst="rect">
-            <a:avLst/>
-          </a:prstGeom>
-          <a:noFill/>
-        </p:spPr>
-        <p:txBody>
-          <a:bodyPr wrap="square" rtlCol="0">
-            <a:spAutoFit/>
-          </a:bodyPr>
-          <a:lstStyle/>
-          <a:p>
-            <a:r>
-              <a:rPr lang="fr-FR" sz="3600" dirty="0" err="1" smtClean="0">
-                <a:latin typeface="Courier New" panose="02070309020205020404" pitchFamily="49" charset="0"/>
-                <a:cs typeface="Courier New" panose="02070309020205020404" pitchFamily="49" charset="0"/>
-              </a:rPr>
-              <a:t>str</a:t>
-            </a:r>
-            <a:endParaRPr lang="fr-FR" sz="3600" dirty="0"/>
-          </a:p>
-        </p:txBody>
-      </p:sp>
-      <p:sp>
-        <p:nvSpPr>
-          <p:cNvPr id="14" name="ZoneTexte 13"/>
-          <p:cNvSpPr txBox="1"/>
-          <p:nvPr/>
-        </p:nvSpPr>
-        <p:spPr>
-          <a:xfrm>
-            <a:off x="5397835" y="3769468"/>
-            <a:ext cx="1840275" cy="646331"/>
-          </a:xfrm>
-          <a:prstGeom prst="rect">
-            <a:avLst/>
-          </a:prstGeom>
-          <a:noFill/>
-        </p:spPr>
-        <p:txBody>
-          <a:bodyPr wrap="square" rtlCol="0">
-            <a:spAutoFit/>
-          </a:bodyPr>
-          <a:lstStyle/>
-          <a:p>
-            <a:r>
-              <a:rPr lang="fr-FR" sz="3600" dirty="0" smtClean="0">
-                <a:latin typeface="Courier New" panose="02070309020205020404" pitchFamily="49" charset="0"/>
-                <a:cs typeface="Courier New" panose="02070309020205020404" pitchFamily="49" charset="0"/>
-              </a:rPr>
-              <a:t>i</a:t>
-            </a:r>
-            <a:endParaRPr lang="fr-FR" sz="3600" dirty="0"/>
-          </a:p>
-        </p:txBody>
-      </p:sp>
-      <p:sp>
-        <p:nvSpPr>
-          <p:cNvPr id="15" name="ZoneTexte 14"/>
-          <p:cNvSpPr txBox="1"/>
-          <p:nvPr/>
-        </p:nvSpPr>
-        <p:spPr>
-          <a:xfrm>
-            <a:off x="5397835" y="4568011"/>
-            <a:ext cx="1840275" cy="646331"/>
-          </a:xfrm>
-          <a:prstGeom prst="rect">
-            <a:avLst/>
-          </a:prstGeom>
-          <a:noFill/>
-        </p:spPr>
-        <p:txBody>
-          <a:bodyPr wrap="square" rtlCol="0">
-            <a:spAutoFit/>
-          </a:bodyPr>
-          <a:lstStyle/>
-          <a:p>
-            <a:r>
-              <a:rPr lang="fr-FR" sz="3600" dirty="0" smtClean="0">
-                <a:latin typeface="Courier New" panose="02070309020205020404" pitchFamily="49" charset="0"/>
-                <a:cs typeface="Courier New" panose="02070309020205020404" pitchFamily="49" charset="0"/>
-              </a:rPr>
-              <a:t>1</a:t>
-            </a:r>
-            <a:endParaRPr lang="fr-FR" sz="3600" dirty="0"/>
-          </a:p>
-        </p:txBody>
-      </p:sp>
-      <p:sp>
-        <p:nvSpPr>
-          <p:cNvPr id="16" name="ZoneTexte 15"/>
-          <p:cNvSpPr txBox="1"/>
-          <p:nvPr/>
-        </p:nvSpPr>
-        <p:spPr>
-          <a:xfrm>
-            <a:off x="5397834" y="5366554"/>
-            <a:ext cx="1840275" cy="646331"/>
-          </a:xfrm>
-          <a:prstGeom prst="rect">
-            <a:avLst/>
-          </a:prstGeom>
-          <a:noFill/>
-        </p:spPr>
-        <p:txBody>
-          <a:bodyPr wrap="square" rtlCol="0">
-            <a:spAutoFit/>
-          </a:bodyPr>
-          <a:lstStyle/>
-          <a:p>
-            <a:r>
-              <a:rPr lang="fr-FR" sz="3600" dirty="0">
-                <a:latin typeface="Courier New" panose="02070309020205020404" pitchFamily="49" charset="0"/>
-                <a:cs typeface="Courier New" panose="02070309020205020404" pitchFamily="49" charset="0"/>
-              </a:rPr>
-              <a:t>'a'</a:t>
-            </a:r>
-            <a:endParaRPr lang="fr-FR" sz="3600" dirty="0"/>
-          </a:p>
-        </p:txBody>
-      </p:sp>
-      <p:sp>
-        <p:nvSpPr>
-          <p:cNvPr id="17" name="ZoneTexte 16"/>
-          <p:cNvSpPr txBox="1"/>
-          <p:nvPr/>
-        </p:nvSpPr>
-        <p:spPr>
-          <a:xfrm>
-            <a:off x="441523" y="2841428"/>
-            <a:ext cx="1840275" cy="646331"/>
-          </a:xfrm>
-          <a:prstGeom prst="rect">
-            <a:avLst/>
-          </a:prstGeom>
-          <a:noFill/>
-        </p:spPr>
-        <p:txBody>
-          <a:bodyPr wrap="square" rtlCol="0">
-            <a:spAutoFit/>
-          </a:bodyPr>
-          <a:lstStyle/>
-          <a:p>
-            <a:pPr algn="ctr"/>
-            <a:r>
-              <a:rPr lang="fr-FR" sz="3600" dirty="0" smtClean="0">
-                <a:solidFill>
-                  <a:srgbClr val="00B050"/>
-                </a:solidFill>
-                <a:latin typeface="Courier New" panose="02070309020205020404" pitchFamily="49" charset="0"/>
-                <a:cs typeface="Courier New" panose="02070309020205020404" pitchFamily="49" charset="0"/>
-              </a:rPr>
-              <a:t>type</a:t>
-            </a:r>
-            <a:endParaRPr lang="fr-FR" sz="3600" dirty="0">
-              <a:solidFill>
-                <a:srgbClr val="00B050"/>
-              </a:solidFill>
-            </a:endParaRPr>
-          </a:p>
-        </p:txBody>
-      </p:sp>
-      <p:sp>
-        <p:nvSpPr>
-          <p:cNvPr id="18" name="ZoneTexte 17"/>
-          <p:cNvSpPr txBox="1"/>
-          <p:nvPr/>
-        </p:nvSpPr>
-        <p:spPr>
-          <a:xfrm>
-            <a:off x="7552266" y="291386"/>
-            <a:ext cx="4803285" cy="3970318"/>
-          </a:xfrm>
-          <a:prstGeom prst="rect">
-            <a:avLst/>
-          </a:prstGeom>
-          <a:noFill/>
-        </p:spPr>
-        <p:txBody>
-          <a:bodyPr wrap="square" rtlCol="0">
-            <a:spAutoFit/>
-          </a:bodyPr>
-          <a:lstStyle/>
-          <a:p>
-            <a:r>
-              <a:rPr lang="en-US" sz="2800" dirty="0">
-                <a:latin typeface="Courier New" panose="02070309020205020404" pitchFamily="49" charset="0"/>
-                <a:cs typeface="Courier New" panose="02070309020205020404" pitchFamily="49" charset="0"/>
-              </a:rPr>
-              <a:t>&gt;&gt;&gt; class </a:t>
-            </a:r>
-            <a:r>
-              <a:rPr lang="en-US" sz="2800" dirty="0" smtClean="0">
-                <a:latin typeface="Courier New" panose="02070309020205020404" pitchFamily="49" charset="0"/>
-                <a:cs typeface="Courier New" panose="02070309020205020404" pitchFamily="49" charset="0"/>
-              </a:rPr>
-              <a:t>C:</a:t>
-            </a:r>
-            <a:endParaRPr lang="en-US" sz="2800" dirty="0">
-              <a:latin typeface="Courier New" panose="02070309020205020404" pitchFamily="49" charset="0"/>
-              <a:cs typeface="Courier New" panose="02070309020205020404" pitchFamily="49" charset="0"/>
-            </a:endParaRPr>
-          </a:p>
-          <a:p>
-            <a:r>
-              <a:rPr lang="en-US" sz="2800" dirty="0">
-                <a:latin typeface="Courier New" panose="02070309020205020404" pitchFamily="49" charset="0"/>
-                <a:cs typeface="Courier New" panose="02070309020205020404" pitchFamily="49" charset="0"/>
-              </a:rPr>
-              <a:t>	</a:t>
-            </a:r>
-            <a:r>
-              <a:rPr lang="en-US" sz="2800" dirty="0" smtClean="0">
-                <a:latin typeface="Courier New" panose="02070309020205020404" pitchFamily="49" charset="0"/>
-                <a:cs typeface="Courier New" panose="02070309020205020404" pitchFamily="49" charset="0"/>
-              </a:rPr>
-              <a:t>pass</a:t>
-            </a:r>
-          </a:p>
-          <a:p>
-            <a:r>
-              <a:rPr lang="en-US" sz="2800" dirty="0" smtClean="0">
-                <a:latin typeface="Courier New" panose="02070309020205020404" pitchFamily="49" charset="0"/>
-                <a:cs typeface="Courier New" panose="02070309020205020404" pitchFamily="49" charset="0"/>
-              </a:rPr>
-              <a:t>&gt;&gt;&gt; </a:t>
-            </a:r>
-            <a:r>
-              <a:rPr lang="en-US" sz="2800" dirty="0">
-                <a:latin typeface="Courier New" panose="02070309020205020404" pitchFamily="49" charset="0"/>
-                <a:cs typeface="Courier New" panose="02070309020205020404" pitchFamily="49" charset="0"/>
-              </a:rPr>
-              <a:t>class D(C</a:t>
-            </a:r>
-            <a:r>
-              <a:rPr lang="en-US" sz="2800" dirty="0" smtClean="0">
-                <a:latin typeface="Courier New" panose="02070309020205020404" pitchFamily="49" charset="0"/>
-                <a:cs typeface="Courier New" panose="02070309020205020404" pitchFamily="49" charset="0"/>
-              </a:rPr>
-              <a:t>): pass</a:t>
-            </a:r>
-            <a:endParaRPr lang="en-US" sz="2800" dirty="0">
-              <a:latin typeface="Courier New" panose="02070309020205020404" pitchFamily="49" charset="0"/>
-              <a:cs typeface="Courier New" panose="02070309020205020404" pitchFamily="49" charset="0"/>
-            </a:endParaRPr>
-          </a:p>
-          <a:p>
-            <a:r>
-              <a:rPr lang="fr-FR" sz="2800" dirty="0">
-                <a:latin typeface="Courier New" panose="02070309020205020404" pitchFamily="49" charset="0"/>
-                <a:cs typeface="Courier New" panose="02070309020205020404" pitchFamily="49" charset="0"/>
-              </a:rPr>
-              <a:t>&gt;&gt;&gt; type(</a:t>
-            </a:r>
-            <a:r>
-              <a:rPr lang="fr-FR" sz="2800" dirty="0" err="1">
-                <a:solidFill>
-                  <a:srgbClr val="FF0000"/>
-                </a:solidFill>
-                <a:latin typeface="Courier New" panose="02070309020205020404" pitchFamily="49" charset="0"/>
-                <a:cs typeface="Courier New" panose="02070309020205020404" pitchFamily="49" charset="0"/>
-              </a:rPr>
-              <a:t>object</a:t>
-            </a:r>
-            <a:r>
-              <a:rPr lang="fr-FR" sz="2800" dirty="0">
-                <a:latin typeface="Courier New" panose="02070309020205020404" pitchFamily="49" charset="0"/>
-                <a:cs typeface="Courier New" panose="02070309020205020404" pitchFamily="49" charset="0"/>
-              </a:rPr>
-              <a:t>)</a:t>
-            </a:r>
-          </a:p>
-          <a:p>
-            <a:r>
-              <a:rPr lang="fr-FR" sz="2800" dirty="0" smtClean="0">
-                <a:solidFill>
-                  <a:srgbClr val="00B050"/>
-                </a:solidFill>
-                <a:latin typeface="Courier New" panose="02070309020205020404" pitchFamily="49" charset="0"/>
-                <a:cs typeface="Courier New" panose="02070309020205020404" pitchFamily="49" charset="0"/>
-              </a:rPr>
-              <a:t>type</a:t>
-            </a:r>
-            <a:endParaRPr lang="fr-FR" sz="2800" dirty="0">
-              <a:latin typeface="Courier New" panose="02070309020205020404" pitchFamily="49" charset="0"/>
-              <a:cs typeface="Courier New" panose="02070309020205020404" pitchFamily="49" charset="0"/>
-            </a:endParaRPr>
-          </a:p>
-          <a:p>
-            <a:r>
-              <a:rPr lang="en-US" sz="2800" dirty="0">
-                <a:latin typeface="Courier New" panose="02070309020205020404" pitchFamily="49" charset="0"/>
-                <a:cs typeface="Courier New" panose="02070309020205020404" pitchFamily="49" charset="0"/>
-              </a:rPr>
-              <a:t>&gt;&gt;&gt; </a:t>
-            </a:r>
-            <a:r>
-              <a:rPr lang="en-US" sz="2800" dirty="0" smtClean="0">
-                <a:latin typeface="Courier New" panose="02070309020205020404" pitchFamily="49" charset="0"/>
-                <a:cs typeface="Courier New" panose="02070309020205020404" pitchFamily="49" charset="0"/>
-              </a:rPr>
-              <a:t>type(C)</a:t>
-            </a:r>
-            <a:endParaRPr lang="en-US" sz="2800" dirty="0">
-              <a:latin typeface="Courier New" panose="02070309020205020404" pitchFamily="49" charset="0"/>
-              <a:cs typeface="Courier New" panose="02070309020205020404" pitchFamily="49" charset="0"/>
-            </a:endParaRPr>
-          </a:p>
-          <a:p>
-            <a:r>
-              <a:rPr lang="en-US" sz="2800" dirty="0" smtClean="0">
-                <a:solidFill>
-                  <a:srgbClr val="00B050"/>
-                </a:solidFill>
-                <a:latin typeface="Courier New" panose="02070309020205020404" pitchFamily="49" charset="0"/>
-                <a:cs typeface="Courier New" panose="02070309020205020404" pitchFamily="49" charset="0"/>
-              </a:rPr>
-              <a:t>type</a:t>
-            </a:r>
-            <a:endParaRPr lang="en-US" sz="2800" dirty="0">
-              <a:latin typeface="Courier New" panose="02070309020205020404" pitchFamily="49" charset="0"/>
-              <a:cs typeface="Courier New" panose="02070309020205020404" pitchFamily="49" charset="0"/>
-            </a:endParaRPr>
-          </a:p>
-          <a:p>
-            <a:r>
-              <a:rPr lang="en-US" sz="2800" dirty="0" smtClean="0">
-                <a:latin typeface="Courier New" panose="02070309020205020404" pitchFamily="49" charset="0"/>
-                <a:cs typeface="Courier New" panose="02070309020205020404" pitchFamily="49" charset="0"/>
-              </a:rPr>
-              <a:t>&gt;&gt;&gt; </a:t>
-            </a:r>
-            <a:r>
-              <a:rPr lang="en-US" sz="2800" dirty="0">
-                <a:latin typeface="Courier New" panose="02070309020205020404" pitchFamily="49" charset="0"/>
-                <a:cs typeface="Courier New" panose="02070309020205020404" pitchFamily="49" charset="0"/>
-              </a:rPr>
-              <a:t>type(D)</a:t>
-            </a:r>
-          </a:p>
-          <a:p>
-            <a:r>
-              <a:rPr lang="en-US" sz="2800" dirty="0" smtClean="0">
-                <a:solidFill>
-                  <a:srgbClr val="00B050"/>
-                </a:solidFill>
-                <a:latin typeface="Courier New" panose="02070309020205020404" pitchFamily="49" charset="0"/>
-                <a:cs typeface="Courier New" panose="02070309020205020404" pitchFamily="49" charset="0"/>
-              </a:rPr>
-              <a:t>type</a:t>
-            </a:r>
-            <a:endParaRPr lang="en-US" sz="2800" dirty="0" smtClean="0">
-              <a:latin typeface="Courier New" panose="02070309020205020404" pitchFamily="49" charset="0"/>
-              <a:cs typeface="Courier New" panose="02070309020205020404" pitchFamily="49" charset="0"/>
-            </a:endParaRPr>
-          </a:p>
-        </p:txBody>
-      </p:sp>
-    </p:spTree>
-    <p:extLst>
-      <p:ext uri="{BB962C8B-B14F-4D97-AF65-F5344CB8AC3E}">
-        <p14:creationId xmlns:p14="http://schemas.microsoft.com/office/powerpoint/2010/main" val="3196573129"/>
-      </p:ext>
-    </p:extLst>
-  </p:cSld>
-  <p:clrMapOvr>
-    <a:masterClrMapping/>
-  </p:clrMapOvr>
-  <p:timing>
-    <p:tnLst>
-      <p:par>
-        <p:cTn id="1" dur="indefinite" restart="never" nodeType="tmRoot">
-          <p:childTnLst>
-            <p:seq concurrent="1" nextAc="seek">
-              <p:cTn id="2" dur="indefinite" nodeType="mainSeq">
-                <p:childTnLst>
-                  <p:par>
-                    <p:cTn id="3" fill="hold">
-                      <p:stCondLst>
-                        <p:cond delay="indefinite"/>
-                      </p:stCondLst>
-                      <p:childTnLst>
-                        <p:par>
-                          <p:cTn id="4" fill="hold">
-                            <p:stCondLst>
-                              <p:cond delay="0"/>
-                            </p:stCondLst>
-                            <p:childTnLst>
-                              <p:par>
-                                <p:cTn id="5" presetID="1" presetClass="entr" presetSubtype="0" fill="hold" grpId="0" nodeType="clickEffect">
-                                  <p:stCondLst>
-                                    <p:cond delay="0"/>
-                                  </p:stCondLst>
-                                  <p:childTnLst>
-                                    <p:set>
-                                      <p:cBhvr>
-                                        <p:cTn id="6" dur="1" fill="hold">
-                                          <p:stCondLst>
-                                            <p:cond delay="0"/>
-                                          </p:stCondLst>
-                                        </p:cTn>
-                                        <p:tgtEl>
-                                          <p:spTgt spid="7"/>
-                                        </p:tgtEl>
-                                        <p:attrNameLst>
-                                          <p:attrName>style.visibility</p:attrName>
-                                        </p:attrNameLst>
-                                      </p:cBhvr>
-                                      <p:to>
-                                        <p:strVal val="visible"/>
-                                      </p:to>
-                                    </p:set>
-                                  </p:childTnLst>
-                                </p:cTn>
-                              </p:par>
-                            </p:childTnLst>
-                          </p:cTn>
-                        </p:par>
-                      </p:childTnLst>
-                    </p:cTn>
-                  </p:par>
-                  <p:par>
-                    <p:cTn id="7" fill="hold">
-                      <p:stCondLst>
-                        <p:cond delay="indefinite"/>
-                      </p:stCondLst>
-                      <p:childTnLst>
-                        <p:par>
-                          <p:cTn id="8" fill="hold">
-                            <p:stCondLst>
-                              <p:cond delay="0"/>
-                            </p:stCondLst>
-                            <p:childTnLst>
-                              <p:par>
-                                <p:cTn id="9" presetID="1" presetClass="entr" presetSubtype="0" fill="hold" nodeType="clickEffect">
-                                  <p:stCondLst>
-                                    <p:cond delay="0"/>
-                                  </p:stCondLst>
-                                  <p:childTnLst>
-                                    <p:set>
-                                      <p:cBhvr>
-                                        <p:cTn id="10" dur="1" fill="hold">
-                                          <p:stCondLst>
-                                            <p:cond delay="0"/>
-                                          </p:stCondLst>
-                                        </p:cTn>
-                                        <p:tgtEl>
-                                          <p:spTgt spid="18">
-                                            <p:txEl>
-                                              <p:pRg st="0" end="0"/>
-                                            </p:txEl>
-                                          </p:spTgt>
-                                        </p:tgtEl>
-                                        <p:attrNameLst>
-                                          <p:attrName>style.visibility</p:attrName>
-                                        </p:attrNameLst>
-                                      </p:cBhvr>
-                                      <p:to>
-                                        <p:strVal val="visible"/>
-                                      </p:to>
-                                    </p:set>
-                                  </p:childTnLst>
-                                </p:cTn>
-                              </p:par>
-                              <p:par>
-                                <p:cTn id="11" presetID="1" presetClass="entr" presetSubtype="0" fill="hold" nodeType="withEffect">
-                                  <p:stCondLst>
-                                    <p:cond delay="0"/>
-                                  </p:stCondLst>
-                                  <p:childTnLst>
-                                    <p:set>
-                                      <p:cBhvr>
-                                        <p:cTn id="12" dur="1" fill="hold">
-                                          <p:stCondLst>
-                                            <p:cond delay="0"/>
-                                          </p:stCondLst>
-                                        </p:cTn>
-                                        <p:tgtEl>
-                                          <p:spTgt spid="18">
-                                            <p:txEl>
-                                              <p:pRg st="1" end="1"/>
-                                            </p:txEl>
-                                          </p:spTgt>
-                                        </p:tgtEl>
-                                        <p:attrNameLst>
-                                          <p:attrName>style.visibility</p:attrName>
-                                        </p:attrNameLst>
-                                      </p:cBhvr>
-                                      <p:to>
-                                        <p:strVal val="visible"/>
-                                      </p:to>
-                                    </p:set>
-                                  </p:childTnLst>
-                                </p:cTn>
-                              </p:par>
-                            </p:childTnLst>
-                          </p:cTn>
-                        </p:par>
-                      </p:childTnLst>
-                    </p:cTn>
-                  </p:par>
-                  <p:par>
-                    <p:cTn id="13" fill="hold">
-                      <p:stCondLst>
-                        <p:cond delay="indefinite"/>
-                      </p:stCondLst>
-                      <p:childTnLst>
-                        <p:par>
-                          <p:cTn id="14" fill="hold">
-                            <p:stCondLst>
-                              <p:cond delay="0"/>
-                            </p:stCondLst>
-                            <p:childTnLst>
-                              <p:par>
-                                <p:cTn id="15" presetID="1" presetClass="entr" presetSubtype="0" fill="hold" nodeType="clickEffect">
-                                  <p:stCondLst>
-                                    <p:cond delay="0"/>
-                                  </p:stCondLst>
-                                  <p:childTnLst>
-                                    <p:set>
-                                      <p:cBhvr>
-                                        <p:cTn id="16" dur="1" fill="hold">
-                                          <p:stCondLst>
-                                            <p:cond delay="0"/>
-                                          </p:stCondLst>
-                                        </p:cTn>
-                                        <p:tgtEl>
-                                          <p:spTgt spid="18">
-                                            <p:txEl>
-                                              <p:pRg st="2" end="2"/>
-                                            </p:txEl>
-                                          </p:spTgt>
-                                        </p:tgtEl>
-                                        <p:attrNameLst>
-                                          <p:attrName>style.visibility</p:attrName>
-                                        </p:attrNameLst>
-                                      </p:cBhvr>
-                                      <p:to>
-                                        <p:strVal val="visible"/>
-                                      </p:to>
-                                    </p:set>
-                                  </p:childTnLst>
-                                </p:cTn>
-                              </p:par>
-                            </p:childTnLst>
-                          </p:cTn>
-                        </p:par>
-                      </p:childTnLst>
-                    </p:cTn>
-                  </p:par>
-                  <p:par>
-                    <p:cTn id="17" fill="hold">
-                      <p:stCondLst>
-                        <p:cond delay="indefinite"/>
-                      </p:stCondLst>
-                      <p:childTnLst>
-                        <p:par>
-                          <p:cTn id="18" fill="hold">
-                            <p:stCondLst>
-                              <p:cond delay="0"/>
-                            </p:stCondLst>
-                            <p:childTnLst>
-                              <p:par>
-                                <p:cTn id="19" presetID="1" presetClass="entr" presetSubtype="0" fill="hold" nodeType="clickEffect">
-                                  <p:stCondLst>
-                                    <p:cond delay="0"/>
-                                  </p:stCondLst>
-                                  <p:childTnLst>
-                                    <p:set>
-                                      <p:cBhvr>
-                                        <p:cTn id="20" dur="1" fill="hold">
-                                          <p:stCondLst>
-                                            <p:cond delay="0"/>
-                                          </p:stCondLst>
-                                        </p:cTn>
-                                        <p:tgtEl>
-                                          <p:spTgt spid="18">
-                                            <p:txEl>
-                                              <p:pRg st="3" end="3"/>
-                                            </p:txEl>
-                                          </p:spTgt>
-                                        </p:tgtEl>
-                                        <p:attrNameLst>
-                                          <p:attrName>style.visibility</p:attrName>
-                                        </p:attrNameLst>
-                                      </p:cBhvr>
-                                      <p:to>
-                                        <p:strVal val="visible"/>
-                                      </p:to>
-                                    </p:set>
-                                  </p:childTnLst>
-                                </p:cTn>
-                              </p:par>
-                              <p:par>
-                                <p:cTn id="21" presetID="1" presetClass="entr" presetSubtype="0" fill="hold" nodeType="withEffect">
-                                  <p:stCondLst>
-                                    <p:cond delay="0"/>
-                                  </p:stCondLst>
-                                  <p:childTnLst>
-                                    <p:set>
-                                      <p:cBhvr>
-                                        <p:cTn id="22" dur="1" fill="hold">
-                                          <p:stCondLst>
-                                            <p:cond delay="0"/>
-                                          </p:stCondLst>
-                                        </p:cTn>
-                                        <p:tgtEl>
-                                          <p:spTgt spid="18">
-                                            <p:txEl>
-                                              <p:pRg st="4" end="4"/>
-                                            </p:txEl>
-                                          </p:spTgt>
-                                        </p:tgtEl>
-                                        <p:attrNameLst>
-                                          <p:attrName>style.visibility</p:attrName>
-                                        </p:attrNameLst>
-                                      </p:cBhvr>
-                                      <p:to>
-                                        <p:strVal val="visible"/>
-                                      </p:to>
-                                    </p:set>
-                                  </p:childTnLst>
-                                </p:cTn>
-                              </p:par>
-                            </p:childTnLst>
-                          </p:cTn>
-                        </p:par>
-                      </p:childTnLst>
-                    </p:cTn>
-                  </p:par>
-                  <p:par>
-                    <p:cTn id="23" fill="hold">
-                      <p:stCondLst>
-                        <p:cond delay="indefinite"/>
-                      </p:stCondLst>
-                      <p:childTnLst>
-                        <p:par>
-                          <p:cTn id="24" fill="hold">
-                            <p:stCondLst>
-                              <p:cond delay="0"/>
-                            </p:stCondLst>
-                            <p:childTnLst>
-                              <p:par>
-                                <p:cTn id="25" presetID="1" presetClass="entr" presetSubtype="0" fill="hold" nodeType="clickEffect">
-                                  <p:stCondLst>
-                                    <p:cond delay="0"/>
-                                  </p:stCondLst>
-                                  <p:childTnLst>
-                                    <p:set>
-                                      <p:cBhvr>
-                                        <p:cTn id="26" dur="1" fill="hold">
-                                          <p:stCondLst>
-                                            <p:cond delay="0"/>
-                                          </p:stCondLst>
-                                        </p:cTn>
-                                        <p:tgtEl>
-                                          <p:spTgt spid="18">
-                                            <p:txEl>
-                                              <p:pRg st="5" end="5"/>
-                                            </p:txEl>
-                                          </p:spTgt>
-                                        </p:tgtEl>
-                                        <p:attrNameLst>
-                                          <p:attrName>style.visibility</p:attrName>
-                                        </p:attrNameLst>
-                                      </p:cBhvr>
-                                      <p:to>
-                                        <p:strVal val="visible"/>
-                                      </p:to>
-                                    </p:set>
-                                  </p:childTnLst>
-                                </p:cTn>
-                              </p:par>
-                              <p:par>
-                                <p:cTn id="27" presetID="1" presetClass="entr" presetSubtype="0" fill="hold" nodeType="withEffect">
-                                  <p:stCondLst>
-                                    <p:cond delay="0"/>
-                                  </p:stCondLst>
-                                  <p:childTnLst>
-                                    <p:set>
-                                      <p:cBhvr>
-                                        <p:cTn id="28" dur="1" fill="hold">
-                                          <p:stCondLst>
-                                            <p:cond delay="0"/>
-                                          </p:stCondLst>
-                                        </p:cTn>
-                                        <p:tgtEl>
-                                          <p:spTgt spid="18">
-                                            <p:txEl>
-                                              <p:pRg st="6" end="6"/>
-                                            </p:txEl>
-                                          </p:spTgt>
-                                        </p:tgtEl>
-                                        <p:attrNameLst>
-                                          <p:attrName>style.visibility</p:attrName>
-                                        </p:attrNameLst>
-                                      </p:cBhvr>
-                                      <p:to>
-                                        <p:strVal val="visible"/>
-                                      </p:to>
-                                    </p:set>
-                                  </p:childTnLst>
-                                </p:cTn>
-                              </p:par>
-                            </p:childTnLst>
-                          </p:cTn>
-                        </p:par>
-                      </p:childTnLst>
-                    </p:cTn>
-                  </p:par>
-                  <p:par>
-                    <p:cTn id="29" fill="hold">
-                      <p:stCondLst>
-                        <p:cond delay="indefinite"/>
-                      </p:stCondLst>
-                      <p:childTnLst>
-                        <p:par>
-                          <p:cTn id="30" fill="hold">
-                            <p:stCondLst>
-                              <p:cond delay="0"/>
-                            </p:stCondLst>
-                            <p:childTnLst>
-                              <p:par>
-                                <p:cTn id="31" presetID="1" presetClass="entr" presetSubtype="0" fill="hold" nodeType="clickEffect">
-                                  <p:stCondLst>
-                                    <p:cond delay="0"/>
-                                  </p:stCondLst>
-                                  <p:childTnLst>
-                                    <p:set>
-                                      <p:cBhvr>
-                                        <p:cTn id="32" dur="1" fill="hold">
-                                          <p:stCondLst>
-                                            <p:cond delay="0"/>
-                                          </p:stCondLst>
-                                        </p:cTn>
-                                        <p:tgtEl>
-                                          <p:spTgt spid="18">
-                                            <p:txEl>
-                                              <p:pRg st="7" end="7"/>
-                                            </p:txEl>
-                                          </p:spTgt>
-                                        </p:tgtEl>
-                                        <p:attrNameLst>
-                                          <p:attrName>style.visibility</p:attrName>
-                                        </p:attrNameLst>
-                                      </p:cBhvr>
-                                      <p:to>
-                                        <p:strVal val="visible"/>
-                                      </p:to>
-                                    </p:set>
-                                  </p:childTnLst>
-                                </p:cTn>
-                              </p:par>
-                              <p:par>
-                                <p:cTn id="33" presetID="1" presetClass="entr" presetSubtype="0" fill="hold" nodeType="withEffect">
-                                  <p:stCondLst>
-                                    <p:cond delay="0"/>
-                                  </p:stCondLst>
-                                  <p:childTnLst>
-                                    <p:set>
-                                      <p:cBhvr>
-                                        <p:cTn id="34" dur="1" fill="hold">
-                                          <p:stCondLst>
-                                            <p:cond delay="0"/>
-                                          </p:stCondLst>
-                                        </p:cTn>
-                                        <p:tgtEl>
-                                          <p:spTgt spid="18">
-                                            <p:txEl>
-                                              <p:pRg st="8" end="8"/>
-                                            </p:txEl>
-                                          </p:spTgt>
-                                        </p:tgtEl>
-                                        <p:attrNameLst>
-                                          <p:attrName>style.visibility</p:attrName>
-                                        </p:attrNameLst>
-                                      </p:cBhvr>
-                                      <p:to>
-                                        <p:strVal val="visible"/>
-                                      </p:to>
-                                    </p:set>
-                                  </p:childTnLst>
-                                </p:cTn>
-                              </p:par>
-                            </p:childTnLst>
-                          </p:cTn>
-                        </p:par>
-                      </p:childTnLst>
-                    </p:cTn>
-                  </p:par>
-                </p:childTnLst>
-              </p:cTn>
-              <p:prevCondLst>
-                <p:cond evt="onPrev" delay="0">
-                  <p:tgtEl>
-                    <p:sldTgt/>
-                  </p:tgtEl>
-                </p:cond>
-              </p:prevCondLst>
-              <p:nextCondLst>
-                <p:cond evt="onNext" delay="0">
-                  <p:tgtEl>
-                    <p:sldTgt/>
-                  </p:tgtEl>
-                </p:cond>
-              </p:nextCondLst>
-            </p:seq>
-          </p:childTnLst>
-        </p:cTn>
-      </p:par>
-    </p:tnLst>
-    <p:bldLst>
-      <p:bldP spid="7" grpId="0"/>
     </p:bldLst>
   </p:timing>
 </p:sld>
